--- a/midterm_presentation.pptx
+++ b/midterm_presentation.pptx
@@ -4,6 +4,9 @@
   <p:sldMasterIdLst>
     <p:sldMasterId id="2147483648" r:id="rId1"/>
   </p:sldMasterIdLst>
+  <p:notesMasterIdLst>
+    <p:notesMasterId r:id="rId15"/>
+  </p:notesMasterIdLst>
   <p:sldIdLst>
     <p:sldId id="256" r:id="rId2"/>
     <p:sldId id="257" r:id="rId3"/>
@@ -12,7 +15,12 @@
     <p:sldId id="261" r:id="rId6"/>
     <p:sldId id="262" r:id="rId7"/>
     <p:sldId id="263" r:id="rId8"/>
-    <p:sldId id="260" r:id="rId9"/>
+    <p:sldId id="267" r:id="rId9"/>
+    <p:sldId id="260" r:id="rId10"/>
+    <p:sldId id="265" r:id="rId11"/>
+    <p:sldId id="266" r:id="rId12"/>
+    <p:sldId id="264" r:id="rId13"/>
+    <p:sldId id="268" r:id="rId14"/>
   </p:sldIdLst>
   <p:sldSz cx="12192000" cy="6858000"/>
   <p:notesSz cx="6858000" cy="9144000"/>
@@ -111,7 +119,545 @@
       </a:defRPr>
     </a:lvl9pPr>
   </p:defaultTextStyle>
+  <p:extLst>
+    <p:ext uri="{EFAFB233-063F-42B5-8137-9DF3F51BA10A}">
+      <p15:sldGuideLst xmlns:p15="http://schemas.microsoft.com/office/powerpoint/2012/main"/>
+    </p:ext>
+  </p:extLst>
 </p:presentation>
+</file>
+
+<file path=ppt/notesMasters/notesMaster1.xml><?xml version="1.0" encoding="utf-8"?>
+<p:notesMaster xmlns:a="http://schemas.openxmlformats.org/drawingml/2006/main" xmlns:r="http://schemas.openxmlformats.org/officeDocument/2006/relationships" xmlns:p="http://schemas.openxmlformats.org/presentationml/2006/main">
+  <p:cSld>
+    <p:bg>
+      <p:bgRef idx="1001">
+        <a:schemeClr val="bg1"/>
+      </p:bgRef>
+    </p:bg>
+    <p:spTree>
+      <p:nvGrpSpPr>
+        <p:cNvPr id="1" name=""/>
+        <p:cNvGrpSpPr/>
+        <p:nvPr/>
+      </p:nvGrpSpPr>
+      <p:grpSpPr>
+        <a:xfrm>
+          <a:off x="0" y="0"/>
+          <a:ext cx="0" cy="0"/>
+          <a:chOff x="0" y="0"/>
+          <a:chExt cx="0" cy="0"/>
+        </a:xfrm>
+      </p:grpSpPr>
+      <p:sp>
+        <p:nvSpPr>
+          <p:cNvPr id="2" name="Header Placeholder 1"/>
+          <p:cNvSpPr>
+            <a:spLocks noGrp="1"/>
+          </p:cNvSpPr>
+          <p:nvPr>
+            <p:ph type="hdr" sz="quarter"/>
+          </p:nvPr>
+        </p:nvSpPr>
+        <p:spPr>
+          <a:xfrm>
+            <a:off x="0" y="0"/>
+            <a:ext cx="2971800" cy="458788"/>
+          </a:xfrm>
+          <a:prstGeom prst="rect">
+            <a:avLst/>
+          </a:prstGeom>
+        </p:spPr>
+        <p:txBody>
+          <a:bodyPr vert="horz" lIns="91440" tIns="45720" rIns="91440" bIns="45720" rtlCol="0"/>
+          <a:lstStyle>
+            <a:lvl1pPr algn="l">
+              <a:defRPr sz="1200"/>
+            </a:lvl1pPr>
+          </a:lstStyle>
+          <a:p>
+            <a:endParaRPr lang="en-US"/>
+          </a:p>
+        </p:txBody>
+      </p:sp>
+      <p:sp>
+        <p:nvSpPr>
+          <p:cNvPr id="3" name="Date Placeholder 2"/>
+          <p:cNvSpPr>
+            <a:spLocks noGrp="1"/>
+          </p:cNvSpPr>
+          <p:nvPr>
+            <p:ph type="dt" idx="1"/>
+          </p:nvPr>
+        </p:nvSpPr>
+        <p:spPr>
+          <a:xfrm>
+            <a:off x="3884613" y="0"/>
+            <a:ext cx="2971800" cy="458788"/>
+          </a:xfrm>
+          <a:prstGeom prst="rect">
+            <a:avLst/>
+          </a:prstGeom>
+        </p:spPr>
+        <p:txBody>
+          <a:bodyPr vert="horz" lIns="91440" tIns="45720" rIns="91440" bIns="45720" rtlCol="0"/>
+          <a:lstStyle>
+            <a:lvl1pPr algn="r">
+              <a:defRPr sz="1200"/>
+            </a:lvl1pPr>
+          </a:lstStyle>
+          <a:p>
+            <a:fld id="{E6113AA3-5719-7743-B49D-1B3494013C7A}" type="datetimeFigureOut">
+              <a:rPr lang="en-US" smtClean="0"/>
+              <a:t>6/12/19</a:t>
+            </a:fld>
+            <a:endParaRPr lang="en-US"/>
+          </a:p>
+        </p:txBody>
+      </p:sp>
+      <p:sp>
+        <p:nvSpPr>
+          <p:cNvPr id="4" name="Slide Image Placeholder 3"/>
+          <p:cNvSpPr>
+            <a:spLocks noGrp="1" noRot="1" noChangeAspect="1"/>
+          </p:cNvSpPr>
+          <p:nvPr>
+            <p:ph type="sldImg" idx="2"/>
+          </p:nvPr>
+        </p:nvSpPr>
+        <p:spPr>
+          <a:xfrm>
+            <a:off x="685800" y="1143000"/>
+            <a:ext cx="5486400" cy="3086100"/>
+          </a:xfrm>
+          <a:prstGeom prst="rect">
+            <a:avLst/>
+          </a:prstGeom>
+          <a:noFill/>
+          <a:ln w="12700">
+            <a:solidFill>
+              <a:prstClr val="black"/>
+            </a:solidFill>
+          </a:ln>
+        </p:spPr>
+        <p:txBody>
+          <a:bodyPr vert="horz" lIns="91440" tIns="45720" rIns="91440" bIns="45720" rtlCol="0" anchor="ctr"/>
+          <a:lstStyle/>
+          <a:p>
+            <a:endParaRPr lang="en-US"/>
+          </a:p>
+        </p:txBody>
+      </p:sp>
+      <p:sp>
+        <p:nvSpPr>
+          <p:cNvPr id="5" name="Notes Placeholder 4"/>
+          <p:cNvSpPr>
+            <a:spLocks noGrp="1"/>
+          </p:cNvSpPr>
+          <p:nvPr>
+            <p:ph type="body" sz="quarter" idx="3"/>
+          </p:nvPr>
+        </p:nvSpPr>
+        <p:spPr>
+          <a:xfrm>
+            <a:off x="685800" y="4400550"/>
+            <a:ext cx="5486400" cy="3600450"/>
+          </a:xfrm>
+          <a:prstGeom prst="rect">
+            <a:avLst/>
+          </a:prstGeom>
+        </p:spPr>
+        <p:txBody>
+          <a:bodyPr vert="horz" lIns="91440" tIns="45720" rIns="91440" bIns="45720" rtlCol="0"/>
+          <a:lstStyle/>
+          <a:p>
+            <a:pPr lvl="0"/>
+            <a:r>
+              <a:rPr lang="en-US" smtClean="0"/>
+              <a:t>Click to edit Master text styles</a:t>
+            </a:r>
+          </a:p>
+          <a:p>
+            <a:pPr lvl="1"/>
+            <a:r>
+              <a:rPr lang="en-US" smtClean="0"/>
+              <a:t>Second level</a:t>
+            </a:r>
+          </a:p>
+          <a:p>
+            <a:pPr lvl="2"/>
+            <a:r>
+              <a:rPr lang="en-US" smtClean="0"/>
+              <a:t>Third level</a:t>
+            </a:r>
+          </a:p>
+          <a:p>
+            <a:pPr lvl="3"/>
+            <a:r>
+              <a:rPr lang="en-US" smtClean="0"/>
+              <a:t>Fourth level</a:t>
+            </a:r>
+          </a:p>
+          <a:p>
+            <a:pPr lvl="4"/>
+            <a:r>
+              <a:rPr lang="en-US" smtClean="0"/>
+              <a:t>Fifth level</a:t>
+            </a:r>
+            <a:endParaRPr lang="en-US"/>
+          </a:p>
+        </p:txBody>
+      </p:sp>
+      <p:sp>
+        <p:nvSpPr>
+          <p:cNvPr id="6" name="Footer Placeholder 5"/>
+          <p:cNvSpPr>
+            <a:spLocks noGrp="1"/>
+          </p:cNvSpPr>
+          <p:nvPr>
+            <p:ph type="ftr" sz="quarter" idx="4"/>
+          </p:nvPr>
+        </p:nvSpPr>
+        <p:spPr>
+          <a:xfrm>
+            <a:off x="0" y="8685213"/>
+            <a:ext cx="2971800" cy="458787"/>
+          </a:xfrm>
+          <a:prstGeom prst="rect">
+            <a:avLst/>
+          </a:prstGeom>
+        </p:spPr>
+        <p:txBody>
+          <a:bodyPr vert="horz" lIns="91440" tIns="45720" rIns="91440" bIns="45720" rtlCol="0" anchor="b"/>
+          <a:lstStyle>
+            <a:lvl1pPr algn="l">
+              <a:defRPr sz="1200"/>
+            </a:lvl1pPr>
+          </a:lstStyle>
+          <a:p>
+            <a:endParaRPr lang="en-US"/>
+          </a:p>
+        </p:txBody>
+      </p:sp>
+      <p:sp>
+        <p:nvSpPr>
+          <p:cNvPr id="7" name="Slide Number Placeholder 6"/>
+          <p:cNvSpPr>
+            <a:spLocks noGrp="1"/>
+          </p:cNvSpPr>
+          <p:nvPr>
+            <p:ph type="sldNum" sz="quarter" idx="5"/>
+          </p:nvPr>
+        </p:nvSpPr>
+        <p:spPr>
+          <a:xfrm>
+            <a:off x="3884613" y="8685213"/>
+            <a:ext cx="2971800" cy="458787"/>
+          </a:xfrm>
+          <a:prstGeom prst="rect">
+            <a:avLst/>
+          </a:prstGeom>
+        </p:spPr>
+        <p:txBody>
+          <a:bodyPr vert="horz" lIns="91440" tIns="45720" rIns="91440" bIns="45720" rtlCol="0" anchor="b"/>
+          <a:lstStyle>
+            <a:lvl1pPr algn="r">
+              <a:defRPr sz="1200"/>
+            </a:lvl1pPr>
+          </a:lstStyle>
+          <a:p>
+            <a:fld id="{B722305B-3B16-C141-9D10-B33E0E704EC5}" type="slidenum">
+              <a:rPr lang="en-US" smtClean="0"/>
+              <a:t>‹#›</a:t>
+            </a:fld>
+            <a:endParaRPr lang="en-US"/>
+          </a:p>
+        </p:txBody>
+      </p:sp>
+    </p:spTree>
+    <p:extLst>
+      <p:ext uri="{BB962C8B-B14F-4D97-AF65-F5344CB8AC3E}">
+        <p14:creationId xmlns:p14="http://schemas.microsoft.com/office/powerpoint/2010/main" val="736814350"/>
+      </p:ext>
+    </p:extLst>
+  </p:cSld>
+  <p:clrMap bg1="lt1" tx1="dk1" bg2="lt2" tx2="dk2" accent1="accent1" accent2="accent2" accent3="accent3" accent4="accent4" accent5="accent5" accent6="accent6" hlink="hlink" folHlink="folHlink"/>
+  <p:notesStyle>
+    <a:lvl1pPr marL="0" algn="l" defTabSz="914400" rtl="0" eaLnBrk="1" latinLnBrk="0" hangingPunct="1">
+      <a:defRPr sz="1200" kern="1200">
+        <a:solidFill>
+          <a:schemeClr val="tx1"/>
+        </a:solidFill>
+        <a:latin typeface="+mn-lt"/>
+        <a:ea typeface="+mn-ea"/>
+        <a:cs typeface="+mn-cs"/>
+      </a:defRPr>
+    </a:lvl1pPr>
+    <a:lvl2pPr marL="457200" algn="l" defTabSz="914400" rtl="0" eaLnBrk="1" latinLnBrk="0" hangingPunct="1">
+      <a:defRPr sz="1200" kern="1200">
+        <a:solidFill>
+          <a:schemeClr val="tx1"/>
+        </a:solidFill>
+        <a:latin typeface="+mn-lt"/>
+        <a:ea typeface="+mn-ea"/>
+        <a:cs typeface="+mn-cs"/>
+      </a:defRPr>
+    </a:lvl2pPr>
+    <a:lvl3pPr marL="914400" algn="l" defTabSz="914400" rtl="0" eaLnBrk="1" latinLnBrk="0" hangingPunct="1">
+      <a:defRPr sz="1200" kern="1200">
+        <a:solidFill>
+          <a:schemeClr val="tx1"/>
+        </a:solidFill>
+        <a:latin typeface="+mn-lt"/>
+        <a:ea typeface="+mn-ea"/>
+        <a:cs typeface="+mn-cs"/>
+      </a:defRPr>
+    </a:lvl3pPr>
+    <a:lvl4pPr marL="1371600" algn="l" defTabSz="914400" rtl="0" eaLnBrk="1" latinLnBrk="0" hangingPunct="1">
+      <a:defRPr sz="1200" kern="1200">
+        <a:solidFill>
+          <a:schemeClr val="tx1"/>
+        </a:solidFill>
+        <a:latin typeface="+mn-lt"/>
+        <a:ea typeface="+mn-ea"/>
+        <a:cs typeface="+mn-cs"/>
+      </a:defRPr>
+    </a:lvl4pPr>
+    <a:lvl5pPr marL="1828800" algn="l" defTabSz="914400" rtl="0" eaLnBrk="1" latinLnBrk="0" hangingPunct="1">
+      <a:defRPr sz="1200" kern="1200">
+        <a:solidFill>
+          <a:schemeClr val="tx1"/>
+        </a:solidFill>
+        <a:latin typeface="+mn-lt"/>
+        <a:ea typeface="+mn-ea"/>
+        <a:cs typeface="+mn-cs"/>
+      </a:defRPr>
+    </a:lvl5pPr>
+    <a:lvl6pPr marL="2286000" algn="l" defTabSz="914400" rtl="0" eaLnBrk="1" latinLnBrk="0" hangingPunct="1">
+      <a:defRPr sz="1200" kern="1200">
+        <a:solidFill>
+          <a:schemeClr val="tx1"/>
+        </a:solidFill>
+        <a:latin typeface="+mn-lt"/>
+        <a:ea typeface="+mn-ea"/>
+        <a:cs typeface="+mn-cs"/>
+      </a:defRPr>
+    </a:lvl6pPr>
+    <a:lvl7pPr marL="2743200" algn="l" defTabSz="914400" rtl="0" eaLnBrk="1" latinLnBrk="0" hangingPunct="1">
+      <a:defRPr sz="1200" kern="1200">
+        <a:solidFill>
+          <a:schemeClr val="tx1"/>
+        </a:solidFill>
+        <a:latin typeface="+mn-lt"/>
+        <a:ea typeface="+mn-ea"/>
+        <a:cs typeface="+mn-cs"/>
+      </a:defRPr>
+    </a:lvl7pPr>
+    <a:lvl8pPr marL="3200400" algn="l" defTabSz="914400" rtl="0" eaLnBrk="1" latinLnBrk="0" hangingPunct="1">
+      <a:defRPr sz="1200" kern="1200">
+        <a:solidFill>
+          <a:schemeClr val="tx1"/>
+        </a:solidFill>
+        <a:latin typeface="+mn-lt"/>
+        <a:ea typeface="+mn-ea"/>
+        <a:cs typeface="+mn-cs"/>
+      </a:defRPr>
+    </a:lvl8pPr>
+    <a:lvl9pPr marL="3657600" algn="l" defTabSz="914400" rtl="0" eaLnBrk="1" latinLnBrk="0" hangingPunct="1">
+      <a:defRPr sz="1200" kern="1200">
+        <a:solidFill>
+          <a:schemeClr val="tx1"/>
+        </a:solidFill>
+        <a:latin typeface="+mn-lt"/>
+        <a:ea typeface="+mn-ea"/>
+        <a:cs typeface="+mn-cs"/>
+      </a:defRPr>
+    </a:lvl9pPr>
+  </p:notesStyle>
+</p:notesMaster>
+</file>
+
+<file path=ppt/notesSlides/notesSlide1.xml><?xml version="1.0" encoding="utf-8"?>
+<p:notes xmlns:a="http://schemas.openxmlformats.org/drawingml/2006/main" xmlns:r="http://schemas.openxmlformats.org/officeDocument/2006/relationships" xmlns:p="http://schemas.openxmlformats.org/presentationml/2006/main">
+  <p:cSld>
+    <p:spTree>
+      <p:nvGrpSpPr>
+        <p:cNvPr id="1" name=""/>
+        <p:cNvGrpSpPr/>
+        <p:nvPr/>
+      </p:nvGrpSpPr>
+      <p:grpSpPr>
+        <a:xfrm>
+          <a:off x="0" y="0"/>
+          <a:ext cx="0" cy="0"/>
+          <a:chOff x="0" y="0"/>
+          <a:chExt cx="0" cy="0"/>
+        </a:xfrm>
+      </p:grpSpPr>
+      <p:sp>
+        <p:nvSpPr>
+          <p:cNvPr id="2" name="Slide Image Placeholder 1"/>
+          <p:cNvSpPr>
+            <a:spLocks noGrp="1" noRot="1" noChangeAspect="1"/>
+          </p:cNvSpPr>
+          <p:nvPr>
+            <p:ph type="sldImg"/>
+          </p:nvPr>
+        </p:nvSpPr>
+        <p:spPr/>
+      </p:sp>
+      <p:sp>
+        <p:nvSpPr>
+          <p:cNvPr id="3" name="Notes Placeholder 2"/>
+          <p:cNvSpPr>
+            <a:spLocks noGrp="1"/>
+          </p:cNvSpPr>
+          <p:nvPr>
+            <p:ph type="body" idx="1"/>
+          </p:nvPr>
+        </p:nvSpPr>
+        <p:spPr/>
+        <p:txBody>
+          <a:bodyPr/>
+          <a:lstStyle/>
+          <a:p>
+            <a:r>
+              <a:rPr lang="en-US" dirty="0" err="1" smtClean="0"/>
+              <a:t>Arash</a:t>
+            </a:r>
+            <a:r>
+              <a:rPr lang="en-US" dirty="0" smtClean="0"/>
+              <a:t> -</a:t>
+            </a:r>
+          </a:p>
+        </p:txBody>
+      </p:sp>
+      <p:sp>
+        <p:nvSpPr>
+          <p:cNvPr id="4" name="Slide Number Placeholder 3"/>
+          <p:cNvSpPr>
+            <a:spLocks noGrp="1"/>
+          </p:cNvSpPr>
+          <p:nvPr>
+            <p:ph type="sldNum" sz="quarter" idx="10"/>
+          </p:nvPr>
+        </p:nvSpPr>
+        <p:spPr/>
+        <p:txBody>
+          <a:bodyPr/>
+          <a:lstStyle/>
+          <a:p>
+            <a:fld id="{B722305B-3B16-C141-9D10-B33E0E704EC5}" type="slidenum">
+              <a:rPr lang="en-US" smtClean="0"/>
+              <a:t>11</a:t>
+            </a:fld>
+            <a:endParaRPr lang="en-US"/>
+          </a:p>
+        </p:txBody>
+      </p:sp>
+    </p:spTree>
+    <p:extLst>
+      <p:ext uri="{BB962C8B-B14F-4D97-AF65-F5344CB8AC3E}">
+        <p14:creationId xmlns:p14="http://schemas.microsoft.com/office/powerpoint/2010/main" val="1248071848"/>
+      </p:ext>
+    </p:extLst>
+  </p:cSld>
+  <p:clrMapOvr>
+    <a:masterClrMapping/>
+  </p:clrMapOvr>
+</p:notes>
+</file>
+
+<file path=ppt/notesSlides/notesSlide2.xml><?xml version="1.0" encoding="utf-8"?>
+<p:notes xmlns:a="http://schemas.openxmlformats.org/drawingml/2006/main" xmlns:r="http://schemas.openxmlformats.org/officeDocument/2006/relationships" xmlns:p="http://schemas.openxmlformats.org/presentationml/2006/main">
+  <p:cSld>
+    <p:spTree>
+      <p:nvGrpSpPr>
+        <p:cNvPr id="1" name=""/>
+        <p:cNvGrpSpPr/>
+        <p:nvPr/>
+      </p:nvGrpSpPr>
+      <p:grpSpPr>
+        <a:xfrm>
+          <a:off x="0" y="0"/>
+          <a:ext cx="0" cy="0"/>
+          <a:chOff x="0" y="0"/>
+          <a:chExt cx="0" cy="0"/>
+        </a:xfrm>
+      </p:grpSpPr>
+      <p:sp>
+        <p:nvSpPr>
+          <p:cNvPr id="2" name="Slide Image Placeholder 1"/>
+          <p:cNvSpPr>
+            <a:spLocks noGrp="1" noRot="1" noChangeAspect="1"/>
+          </p:cNvSpPr>
+          <p:nvPr>
+            <p:ph type="sldImg"/>
+          </p:nvPr>
+        </p:nvSpPr>
+        <p:spPr/>
+      </p:sp>
+      <p:sp>
+        <p:nvSpPr>
+          <p:cNvPr id="3" name="Notes Placeholder 2"/>
+          <p:cNvSpPr>
+            <a:spLocks noGrp="1"/>
+          </p:cNvSpPr>
+          <p:nvPr>
+            <p:ph type="body" idx="1"/>
+          </p:nvPr>
+        </p:nvSpPr>
+        <p:spPr/>
+        <p:txBody>
+          <a:bodyPr/>
+          <a:lstStyle/>
+          <a:p>
+            <a:r>
+              <a:rPr lang="en-US" dirty="0" err="1" smtClean="0"/>
+              <a:t>Arash</a:t>
+            </a:r>
+            <a:r>
+              <a:rPr lang="en-US" dirty="0" smtClean="0"/>
+              <a:t> - </a:t>
+            </a:r>
+            <a:endParaRPr lang="en-US" dirty="0"/>
+          </a:p>
+        </p:txBody>
+      </p:sp>
+      <p:sp>
+        <p:nvSpPr>
+          <p:cNvPr id="4" name="Slide Number Placeholder 3"/>
+          <p:cNvSpPr>
+            <a:spLocks noGrp="1"/>
+          </p:cNvSpPr>
+          <p:nvPr>
+            <p:ph type="sldNum" sz="quarter" idx="10"/>
+          </p:nvPr>
+        </p:nvSpPr>
+        <p:spPr/>
+        <p:txBody>
+          <a:bodyPr/>
+          <a:lstStyle/>
+          <a:p>
+            <a:fld id="{B722305B-3B16-C141-9D10-B33E0E704EC5}" type="slidenum">
+              <a:rPr lang="en-US" smtClean="0"/>
+              <a:t>12</a:t>
+            </a:fld>
+            <a:endParaRPr lang="en-US"/>
+          </a:p>
+        </p:txBody>
+      </p:sp>
+    </p:spTree>
+    <p:extLst>
+      <p:ext uri="{BB962C8B-B14F-4D97-AF65-F5344CB8AC3E}">
+        <p14:creationId xmlns:p14="http://schemas.microsoft.com/office/powerpoint/2010/main" val="1879625997"/>
+      </p:ext>
+    </p:extLst>
+  </p:cSld>
+  <p:clrMapOvr>
+    <a:masterClrMapping/>
+  </p:clrMapOvr>
+</p:notes>
 </file>
 
 <file path=ppt/slideLayouts/slideLayout1.xml><?xml version="1.0" encoding="utf-8"?>
@@ -136,7 +682,7 @@
           <p:cNvPr id="2" name="Title 1">
             <a:extLst>
               <a:ext uri="{FF2B5EF4-FFF2-40B4-BE49-F238E27FC236}">
-                <a16:creationId xmlns:a16="http://schemas.microsoft.com/office/drawing/2014/main" id="{9514A341-69ED-D243-A5BB-D69A08A2FAB9}"/>
+                <a16:creationId xmlns:a16="http://schemas.microsoft.com/office/drawing/2014/main" xmlns="" id="{9514A341-69ED-D243-A5BB-D69A08A2FAB9}"/>
               </a:ext>
             </a:extLst>
           </p:cNvPr>
@@ -173,7 +719,7 @@
           <p:cNvPr id="3" name="Subtitle 2">
             <a:extLst>
               <a:ext uri="{FF2B5EF4-FFF2-40B4-BE49-F238E27FC236}">
-                <a16:creationId xmlns:a16="http://schemas.microsoft.com/office/drawing/2014/main" id="{731088D5-9375-494B-AB28-C0E75E715692}"/>
+                <a16:creationId xmlns:a16="http://schemas.microsoft.com/office/drawing/2014/main" xmlns="" id="{731088D5-9375-494B-AB28-C0E75E715692}"/>
               </a:ext>
             </a:extLst>
           </p:cNvPr>
@@ -243,7 +789,7 @@
           <p:cNvPr id="4" name="Date Placeholder 3">
             <a:extLst>
               <a:ext uri="{FF2B5EF4-FFF2-40B4-BE49-F238E27FC236}">
-                <a16:creationId xmlns:a16="http://schemas.microsoft.com/office/drawing/2014/main" id="{8892F842-31FF-6147-9392-A775EA2935F3}"/>
+                <a16:creationId xmlns:a16="http://schemas.microsoft.com/office/drawing/2014/main" xmlns="" id="{8892F842-31FF-6147-9392-A775EA2935F3}"/>
               </a:ext>
             </a:extLst>
           </p:cNvPr>
@@ -272,7 +818,7 @@
           <p:cNvPr id="5" name="Footer Placeholder 4">
             <a:extLst>
               <a:ext uri="{FF2B5EF4-FFF2-40B4-BE49-F238E27FC236}">
-                <a16:creationId xmlns:a16="http://schemas.microsoft.com/office/drawing/2014/main" id="{6E530C11-C6F5-CD4B-9A63-CF4661BC01C1}"/>
+                <a16:creationId xmlns:a16="http://schemas.microsoft.com/office/drawing/2014/main" xmlns="" id="{6E530C11-C6F5-CD4B-9A63-CF4661BC01C1}"/>
               </a:ext>
             </a:extLst>
           </p:cNvPr>
@@ -297,7 +843,7 @@
           <p:cNvPr id="6" name="Slide Number Placeholder 5">
             <a:extLst>
               <a:ext uri="{FF2B5EF4-FFF2-40B4-BE49-F238E27FC236}">
-                <a16:creationId xmlns:a16="http://schemas.microsoft.com/office/drawing/2014/main" id="{41F82781-0884-BB4C-8F43-B6331D184175}"/>
+                <a16:creationId xmlns:a16="http://schemas.microsoft.com/office/drawing/2014/main" xmlns="" id="{41F82781-0884-BB4C-8F43-B6331D184175}"/>
               </a:ext>
             </a:extLst>
           </p:cNvPr>
@@ -356,7 +902,7 @@
           <p:cNvPr id="2" name="Title 1">
             <a:extLst>
               <a:ext uri="{FF2B5EF4-FFF2-40B4-BE49-F238E27FC236}">
-                <a16:creationId xmlns:a16="http://schemas.microsoft.com/office/drawing/2014/main" id="{52DC6E93-7D37-D846-8E12-2407481497D4}"/>
+                <a16:creationId xmlns:a16="http://schemas.microsoft.com/office/drawing/2014/main" xmlns="" id="{52DC6E93-7D37-D846-8E12-2407481497D4}"/>
               </a:ext>
             </a:extLst>
           </p:cNvPr>
@@ -384,7 +930,7 @@
           <p:cNvPr id="3" name="Vertical Text Placeholder 2">
             <a:extLst>
               <a:ext uri="{FF2B5EF4-FFF2-40B4-BE49-F238E27FC236}">
-                <a16:creationId xmlns:a16="http://schemas.microsoft.com/office/drawing/2014/main" id="{800A96E4-D12D-1241-914B-A275D740532A}"/>
+                <a16:creationId xmlns:a16="http://schemas.microsoft.com/office/drawing/2014/main" xmlns="" id="{800A96E4-D12D-1241-914B-A275D740532A}"/>
               </a:ext>
             </a:extLst>
           </p:cNvPr>
@@ -441,7 +987,7 @@
           <p:cNvPr id="4" name="Date Placeholder 3">
             <a:extLst>
               <a:ext uri="{FF2B5EF4-FFF2-40B4-BE49-F238E27FC236}">
-                <a16:creationId xmlns:a16="http://schemas.microsoft.com/office/drawing/2014/main" id="{95B2D362-25D9-7A4A-A76B-9917DBA216F0}"/>
+                <a16:creationId xmlns:a16="http://schemas.microsoft.com/office/drawing/2014/main" xmlns="" id="{95B2D362-25D9-7A4A-A76B-9917DBA216F0}"/>
               </a:ext>
             </a:extLst>
           </p:cNvPr>
@@ -470,7 +1016,7 @@
           <p:cNvPr id="5" name="Footer Placeholder 4">
             <a:extLst>
               <a:ext uri="{FF2B5EF4-FFF2-40B4-BE49-F238E27FC236}">
-                <a16:creationId xmlns:a16="http://schemas.microsoft.com/office/drawing/2014/main" id="{39BD6234-876E-1C4B-AD64-5DC3425C3558}"/>
+                <a16:creationId xmlns:a16="http://schemas.microsoft.com/office/drawing/2014/main" xmlns="" id="{39BD6234-876E-1C4B-AD64-5DC3425C3558}"/>
               </a:ext>
             </a:extLst>
           </p:cNvPr>
@@ -495,7 +1041,7 @@
           <p:cNvPr id="6" name="Slide Number Placeholder 5">
             <a:extLst>
               <a:ext uri="{FF2B5EF4-FFF2-40B4-BE49-F238E27FC236}">
-                <a16:creationId xmlns:a16="http://schemas.microsoft.com/office/drawing/2014/main" id="{9CECE56A-C32E-4E47-8979-B6B101E523FE}"/>
+                <a16:creationId xmlns:a16="http://schemas.microsoft.com/office/drawing/2014/main" xmlns="" id="{9CECE56A-C32E-4E47-8979-B6B101E523FE}"/>
               </a:ext>
             </a:extLst>
           </p:cNvPr>
@@ -554,7 +1100,7 @@
           <p:cNvPr id="2" name="Vertical Title 1">
             <a:extLst>
               <a:ext uri="{FF2B5EF4-FFF2-40B4-BE49-F238E27FC236}">
-                <a16:creationId xmlns:a16="http://schemas.microsoft.com/office/drawing/2014/main" id="{47199A6F-730A-5146-AE4E-85181386019A}"/>
+                <a16:creationId xmlns:a16="http://schemas.microsoft.com/office/drawing/2014/main" xmlns="" id="{47199A6F-730A-5146-AE4E-85181386019A}"/>
               </a:ext>
             </a:extLst>
           </p:cNvPr>
@@ -587,7 +1133,7 @@
           <p:cNvPr id="3" name="Vertical Text Placeholder 2">
             <a:extLst>
               <a:ext uri="{FF2B5EF4-FFF2-40B4-BE49-F238E27FC236}">
-                <a16:creationId xmlns:a16="http://schemas.microsoft.com/office/drawing/2014/main" id="{D024795D-3721-A740-8FEE-425C4D4969E6}"/>
+                <a16:creationId xmlns:a16="http://schemas.microsoft.com/office/drawing/2014/main" xmlns="" id="{D024795D-3721-A740-8FEE-425C4D4969E6}"/>
               </a:ext>
             </a:extLst>
           </p:cNvPr>
@@ -649,7 +1195,7 @@
           <p:cNvPr id="4" name="Date Placeholder 3">
             <a:extLst>
               <a:ext uri="{FF2B5EF4-FFF2-40B4-BE49-F238E27FC236}">
-                <a16:creationId xmlns:a16="http://schemas.microsoft.com/office/drawing/2014/main" id="{4FA1E2ED-2612-8B40-8DD7-0C99AF14E6C1}"/>
+                <a16:creationId xmlns:a16="http://schemas.microsoft.com/office/drawing/2014/main" xmlns="" id="{4FA1E2ED-2612-8B40-8DD7-0C99AF14E6C1}"/>
               </a:ext>
             </a:extLst>
           </p:cNvPr>
@@ -678,7 +1224,7 @@
           <p:cNvPr id="5" name="Footer Placeholder 4">
             <a:extLst>
               <a:ext uri="{FF2B5EF4-FFF2-40B4-BE49-F238E27FC236}">
-                <a16:creationId xmlns:a16="http://schemas.microsoft.com/office/drawing/2014/main" id="{283FB754-7C96-9846-8180-DFFB00EE9579}"/>
+                <a16:creationId xmlns:a16="http://schemas.microsoft.com/office/drawing/2014/main" xmlns="" id="{283FB754-7C96-9846-8180-DFFB00EE9579}"/>
               </a:ext>
             </a:extLst>
           </p:cNvPr>
@@ -703,7 +1249,7 @@
           <p:cNvPr id="6" name="Slide Number Placeholder 5">
             <a:extLst>
               <a:ext uri="{FF2B5EF4-FFF2-40B4-BE49-F238E27FC236}">
-                <a16:creationId xmlns:a16="http://schemas.microsoft.com/office/drawing/2014/main" id="{D31D0FF8-6C1F-9E40-B424-B2F0223C1053}"/>
+                <a16:creationId xmlns:a16="http://schemas.microsoft.com/office/drawing/2014/main" xmlns="" id="{D31D0FF8-6C1F-9E40-B424-B2F0223C1053}"/>
               </a:ext>
             </a:extLst>
           </p:cNvPr>
@@ -762,7 +1308,7 @@
           <p:cNvPr id="2" name="Title 1">
             <a:extLst>
               <a:ext uri="{FF2B5EF4-FFF2-40B4-BE49-F238E27FC236}">
-                <a16:creationId xmlns:a16="http://schemas.microsoft.com/office/drawing/2014/main" id="{A52527F9-C314-664B-9A0A-94E07F7A2538}"/>
+                <a16:creationId xmlns:a16="http://schemas.microsoft.com/office/drawing/2014/main" xmlns="" id="{A52527F9-C314-664B-9A0A-94E07F7A2538}"/>
               </a:ext>
             </a:extLst>
           </p:cNvPr>
@@ -790,7 +1336,7 @@
           <p:cNvPr id="3" name="Content Placeholder 2">
             <a:extLst>
               <a:ext uri="{FF2B5EF4-FFF2-40B4-BE49-F238E27FC236}">
-                <a16:creationId xmlns:a16="http://schemas.microsoft.com/office/drawing/2014/main" id="{D3113FAD-EE1C-4C4A-96EC-F110260F44BD}"/>
+                <a16:creationId xmlns:a16="http://schemas.microsoft.com/office/drawing/2014/main" xmlns="" id="{D3113FAD-EE1C-4C4A-96EC-F110260F44BD}"/>
               </a:ext>
             </a:extLst>
           </p:cNvPr>
@@ -847,7 +1393,7 @@
           <p:cNvPr id="4" name="Date Placeholder 3">
             <a:extLst>
               <a:ext uri="{FF2B5EF4-FFF2-40B4-BE49-F238E27FC236}">
-                <a16:creationId xmlns:a16="http://schemas.microsoft.com/office/drawing/2014/main" id="{3CF56791-06EE-0D4D-A66B-EF1791829745}"/>
+                <a16:creationId xmlns:a16="http://schemas.microsoft.com/office/drawing/2014/main" xmlns="" id="{3CF56791-06EE-0D4D-A66B-EF1791829745}"/>
               </a:ext>
             </a:extLst>
           </p:cNvPr>
@@ -876,7 +1422,7 @@
           <p:cNvPr id="5" name="Footer Placeholder 4">
             <a:extLst>
               <a:ext uri="{FF2B5EF4-FFF2-40B4-BE49-F238E27FC236}">
-                <a16:creationId xmlns:a16="http://schemas.microsoft.com/office/drawing/2014/main" id="{F4BF55C5-8418-C440-BE9F-B8120E0270B3}"/>
+                <a16:creationId xmlns:a16="http://schemas.microsoft.com/office/drawing/2014/main" xmlns="" id="{F4BF55C5-8418-C440-BE9F-B8120E0270B3}"/>
               </a:ext>
             </a:extLst>
           </p:cNvPr>
@@ -901,7 +1447,7 @@
           <p:cNvPr id="6" name="Slide Number Placeholder 5">
             <a:extLst>
               <a:ext uri="{FF2B5EF4-FFF2-40B4-BE49-F238E27FC236}">
-                <a16:creationId xmlns:a16="http://schemas.microsoft.com/office/drawing/2014/main" id="{0C093C2C-0399-2F42-BC62-A8A3A52DFBEF}"/>
+                <a16:creationId xmlns:a16="http://schemas.microsoft.com/office/drawing/2014/main" xmlns="" id="{0C093C2C-0399-2F42-BC62-A8A3A52DFBEF}"/>
               </a:ext>
             </a:extLst>
           </p:cNvPr>
@@ -960,7 +1506,7 @@
           <p:cNvPr id="2" name="Title 1">
             <a:extLst>
               <a:ext uri="{FF2B5EF4-FFF2-40B4-BE49-F238E27FC236}">
-                <a16:creationId xmlns:a16="http://schemas.microsoft.com/office/drawing/2014/main" id="{46AE4F74-C04B-6646-966D-8CE135029F67}"/>
+                <a16:creationId xmlns:a16="http://schemas.microsoft.com/office/drawing/2014/main" xmlns="" id="{46AE4F74-C04B-6646-966D-8CE135029F67}"/>
               </a:ext>
             </a:extLst>
           </p:cNvPr>
@@ -997,7 +1543,7 @@
           <p:cNvPr id="3" name="Text Placeholder 2">
             <a:extLst>
               <a:ext uri="{FF2B5EF4-FFF2-40B4-BE49-F238E27FC236}">
-                <a16:creationId xmlns:a16="http://schemas.microsoft.com/office/drawing/2014/main" id="{0E51A314-D793-7042-AAC9-95434A6220FF}"/>
+                <a16:creationId xmlns:a16="http://schemas.microsoft.com/office/drawing/2014/main" xmlns="" id="{0E51A314-D793-7042-AAC9-95434A6220FF}"/>
               </a:ext>
             </a:extLst>
           </p:cNvPr>
@@ -1122,7 +1668,7 @@
           <p:cNvPr id="4" name="Date Placeholder 3">
             <a:extLst>
               <a:ext uri="{FF2B5EF4-FFF2-40B4-BE49-F238E27FC236}">
-                <a16:creationId xmlns:a16="http://schemas.microsoft.com/office/drawing/2014/main" id="{5A29F1A9-4259-0146-8779-3E9783F752A5}"/>
+                <a16:creationId xmlns:a16="http://schemas.microsoft.com/office/drawing/2014/main" xmlns="" id="{5A29F1A9-4259-0146-8779-3E9783F752A5}"/>
               </a:ext>
             </a:extLst>
           </p:cNvPr>
@@ -1151,7 +1697,7 @@
           <p:cNvPr id="5" name="Footer Placeholder 4">
             <a:extLst>
               <a:ext uri="{FF2B5EF4-FFF2-40B4-BE49-F238E27FC236}">
-                <a16:creationId xmlns:a16="http://schemas.microsoft.com/office/drawing/2014/main" id="{AA504BB6-C0C0-D642-86F1-049824923D9C}"/>
+                <a16:creationId xmlns:a16="http://schemas.microsoft.com/office/drawing/2014/main" xmlns="" id="{AA504BB6-C0C0-D642-86F1-049824923D9C}"/>
               </a:ext>
             </a:extLst>
           </p:cNvPr>
@@ -1176,7 +1722,7 @@
           <p:cNvPr id="6" name="Slide Number Placeholder 5">
             <a:extLst>
               <a:ext uri="{FF2B5EF4-FFF2-40B4-BE49-F238E27FC236}">
-                <a16:creationId xmlns:a16="http://schemas.microsoft.com/office/drawing/2014/main" id="{A1478E59-1975-4547-B211-B596040E9ADE}"/>
+                <a16:creationId xmlns:a16="http://schemas.microsoft.com/office/drawing/2014/main" xmlns="" id="{A1478E59-1975-4547-B211-B596040E9ADE}"/>
               </a:ext>
             </a:extLst>
           </p:cNvPr>
@@ -1235,7 +1781,7 @@
           <p:cNvPr id="2" name="Title 1">
             <a:extLst>
               <a:ext uri="{FF2B5EF4-FFF2-40B4-BE49-F238E27FC236}">
-                <a16:creationId xmlns:a16="http://schemas.microsoft.com/office/drawing/2014/main" id="{A0A2C9C6-146F-AC4D-B5C9-2248C41580B0}"/>
+                <a16:creationId xmlns:a16="http://schemas.microsoft.com/office/drawing/2014/main" xmlns="" id="{A0A2C9C6-146F-AC4D-B5C9-2248C41580B0}"/>
               </a:ext>
             </a:extLst>
           </p:cNvPr>
@@ -1263,7 +1809,7 @@
           <p:cNvPr id="3" name="Content Placeholder 2">
             <a:extLst>
               <a:ext uri="{FF2B5EF4-FFF2-40B4-BE49-F238E27FC236}">
-                <a16:creationId xmlns:a16="http://schemas.microsoft.com/office/drawing/2014/main" id="{E85010A7-DE99-5342-AFAD-3DBE37866E52}"/>
+                <a16:creationId xmlns:a16="http://schemas.microsoft.com/office/drawing/2014/main" xmlns="" id="{E85010A7-DE99-5342-AFAD-3DBE37866E52}"/>
               </a:ext>
             </a:extLst>
           </p:cNvPr>
@@ -1325,7 +1871,7 @@
           <p:cNvPr id="4" name="Content Placeholder 3">
             <a:extLst>
               <a:ext uri="{FF2B5EF4-FFF2-40B4-BE49-F238E27FC236}">
-                <a16:creationId xmlns:a16="http://schemas.microsoft.com/office/drawing/2014/main" id="{55AC3DC5-E0AE-AC4C-8D5A-EC7EDFF99BE0}"/>
+                <a16:creationId xmlns:a16="http://schemas.microsoft.com/office/drawing/2014/main" xmlns="" id="{55AC3DC5-E0AE-AC4C-8D5A-EC7EDFF99BE0}"/>
               </a:ext>
             </a:extLst>
           </p:cNvPr>
@@ -1387,7 +1933,7 @@
           <p:cNvPr id="5" name="Date Placeholder 4">
             <a:extLst>
               <a:ext uri="{FF2B5EF4-FFF2-40B4-BE49-F238E27FC236}">
-                <a16:creationId xmlns:a16="http://schemas.microsoft.com/office/drawing/2014/main" id="{895DDA00-DB5D-0540-931A-850557903CEA}"/>
+                <a16:creationId xmlns:a16="http://schemas.microsoft.com/office/drawing/2014/main" xmlns="" id="{895DDA00-DB5D-0540-931A-850557903CEA}"/>
               </a:ext>
             </a:extLst>
           </p:cNvPr>
@@ -1416,7 +1962,7 @@
           <p:cNvPr id="6" name="Footer Placeholder 5">
             <a:extLst>
               <a:ext uri="{FF2B5EF4-FFF2-40B4-BE49-F238E27FC236}">
-                <a16:creationId xmlns:a16="http://schemas.microsoft.com/office/drawing/2014/main" id="{DD031AA0-4E9A-D345-BB79-CAA2C8E5F853}"/>
+                <a16:creationId xmlns:a16="http://schemas.microsoft.com/office/drawing/2014/main" xmlns="" id="{DD031AA0-4E9A-D345-BB79-CAA2C8E5F853}"/>
               </a:ext>
             </a:extLst>
           </p:cNvPr>
@@ -1441,7 +1987,7 @@
           <p:cNvPr id="7" name="Slide Number Placeholder 6">
             <a:extLst>
               <a:ext uri="{FF2B5EF4-FFF2-40B4-BE49-F238E27FC236}">
-                <a16:creationId xmlns:a16="http://schemas.microsoft.com/office/drawing/2014/main" id="{A05671C0-F387-CD48-9548-3D11AF2A2D62}"/>
+                <a16:creationId xmlns:a16="http://schemas.microsoft.com/office/drawing/2014/main" xmlns="" id="{A05671C0-F387-CD48-9548-3D11AF2A2D62}"/>
               </a:ext>
             </a:extLst>
           </p:cNvPr>
@@ -1500,7 +2046,7 @@
           <p:cNvPr id="2" name="Title 1">
             <a:extLst>
               <a:ext uri="{FF2B5EF4-FFF2-40B4-BE49-F238E27FC236}">
-                <a16:creationId xmlns:a16="http://schemas.microsoft.com/office/drawing/2014/main" id="{52C7E19E-33BB-0A40-898E-21C4D8B75257}"/>
+                <a16:creationId xmlns:a16="http://schemas.microsoft.com/office/drawing/2014/main" xmlns="" id="{52C7E19E-33BB-0A40-898E-21C4D8B75257}"/>
               </a:ext>
             </a:extLst>
           </p:cNvPr>
@@ -1533,7 +2079,7 @@
           <p:cNvPr id="3" name="Text Placeholder 2">
             <a:extLst>
               <a:ext uri="{FF2B5EF4-FFF2-40B4-BE49-F238E27FC236}">
-                <a16:creationId xmlns:a16="http://schemas.microsoft.com/office/drawing/2014/main" id="{F2C45494-BDE1-204B-8971-46B3CD32A0A3}"/>
+                <a16:creationId xmlns:a16="http://schemas.microsoft.com/office/drawing/2014/main" xmlns="" id="{F2C45494-BDE1-204B-8971-46B3CD32A0A3}"/>
               </a:ext>
             </a:extLst>
           </p:cNvPr>
@@ -1604,7 +2150,7 @@
           <p:cNvPr id="4" name="Content Placeholder 3">
             <a:extLst>
               <a:ext uri="{FF2B5EF4-FFF2-40B4-BE49-F238E27FC236}">
-                <a16:creationId xmlns:a16="http://schemas.microsoft.com/office/drawing/2014/main" id="{F7A71837-ADCE-5540-B0C6-56D108B40738}"/>
+                <a16:creationId xmlns:a16="http://schemas.microsoft.com/office/drawing/2014/main" xmlns="" id="{F7A71837-ADCE-5540-B0C6-56D108B40738}"/>
               </a:ext>
             </a:extLst>
           </p:cNvPr>
@@ -1666,7 +2212,7 @@
           <p:cNvPr id="5" name="Text Placeholder 4">
             <a:extLst>
               <a:ext uri="{FF2B5EF4-FFF2-40B4-BE49-F238E27FC236}">
-                <a16:creationId xmlns:a16="http://schemas.microsoft.com/office/drawing/2014/main" id="{A759F03B-0228-2F41-A14D-2546EE9BA806}"/>
+                <a16:creationId xmlns:a16="http://schemas.microsoft.com/office/drawing/2014/main" xmlns="" id="{A759F03B-0228-2F41-A14D-2546EE9BA806}"/>
               </a:ext>
             </a:extLst>
           </p:cNvPr>
@@ -1737,7 +2283,7 @@
           <p:cNvPr id="6" name="Content Placeholder 5">
             <a:extLst>
               <a:ext uri="{FF2B5EF4-FFF2-40B4-BE49-F238E27FC236}">
-                <a16:creationId xmlns:a16="http://schemas.microsoft.com/office/drawing/2014/main" id="{C6F5956D-FB22-2B4A-9329-A84FD2CE3CDE}"/>
+                <a16:creationId xmlns:a16="http://schemas.microsoft.com/office/drawing/2014/main" xmlns="" id="{C6F5956D-FB22-2B4A-9329-A84FD2CE3CDE}"/>
               </a:ext>
             </a:extLst>
           </p:cNvPr>
@@ -1799,7 +2345,7 @@
           <p:cNvPr id="7" name="Date Placeholder 6">
             <a:extLst>
               <a:ext uri="{FF2B5EF4-FFF2-40B4-BE49-F238E27FC236}">
-                <a16:creationId xmlns:a16="http://schemas.microsoft.com/office/drawing/2014/main" id="{36852D22-52BE-C24C-A899-BD0B675C2519}"/>
+                <a16:creationId xmlns:a16="http://schemas.microsoft.com/office/drawing/2014/main" xmlns="" id="{36852D22-52BE-C24C-A899-BD0B675C2519}"/>
               </a:ext>
             </a:extLst>
           </p:cNvPr>
@@ -1828,7 +2374,7 @@
           <p:cNvPr id="8" name="Footer Placeholder 7">
             <a:extLst>
               <a:ext uri="{FF2B5EF4-FFF2-40B4-BE49-F238E27FC236}">
-                <a16:creationId xmlns:a16="http://schemas.microsoft.com/office/drawing/2014/main" id="{4DD51E40-6853-054E-B5AE-67E0A6E77D76}"/>
+                <a16:creationId xmlns:a16="http://schemas.microsoft.com/office/drawing/2014/main" xmlns="" id="{4DD51E40-6853-054E-B5AE-67E0A6E77D76}"/>
               </a:ext>
             </a:extLst>
           </p:cNvPr>
@@ -1853,7 +2399,7 @@
           <p:cNvPr id="9" name="Slide Number Placeholder 8">
             <a:extLst>
               <a:ext uri="{FF2B5EF4-FFF2-40B4-BE49-F238E27FC236}">
-                <a16:creationId xmlns:a16="http://schemas.microsoft.com/office/drawing/2014/main" id="{6C3D38B8-3FD8-7C43-A59F-2AC8EAF716AE}"/>
+                <a16:creationId xmlns:a16="http://schemas.microsoft.com/office/drawing/2014/main" xmlns="" id="{6C3D38B8-3FD8-7C43-A59F-2AC8EAF716AE}"/>
               </a:ext>
             </a:extLst>
           </p:cNvPr>
@@ -1912,7 +2458,7 @@
           <p:cNvPr id="2" name="Title 1">
             <a:extLst>
               <a:ext uri="{FF2B5EF4-FFF2-40B4-BE49-F238E27FC236}">
-                <a16:creationId xmlns:a16="http://schemas.microsoft.com/office/drawing/2014/main" id="{BC0F2119-3587-934F-A1F3-141C18E80571}"/>
+                <a16:creationId xmlns:a16="http://schemas.microsoft.com/office/drawing/2014/main" xmlns="" id="{BC0F2119-3587-934F-A1F3-141C18E80571}"/>
               </a:ext>
             </a:extLst>
           </p:cNvPr>
@@ -1940,7 +2486,7 @@
           <p:cNvPr id="3" name="Date Placeholder 2">
             <a:extLst>
               <a:ext uri="{FF2B5EF4-FFF2-40B4-BE49-F238E27FC236}">
-                <a16:creationId xmlns:a16="http://schemas.microsoft.com/office/drawing/2014/main" id="{48B2ADF1-6077-8F4D-A5B9-EAA77AEE8050}"/>
+                <a16:creationId xmlns:a16="http://schemas.microsoft.com/office/drawing/2014/main" xmlns="" id="{48B2ADF1-6077-8F4D-A5B9-EAA77AEE8050}"/>
               </a:ext>
             </a:extLst>
           </p:cNvPr>
@@ -1969,7 +2515,7 @@
           <p:cNvPr id="4" name="Footer Placeholder 3">
             <a:extLst>
               <a:ext uri="{FF2B5EF4-FFF2-40B4-BE49-F238E27FC236}">
-                <a16:creationId xmlns:a16="http://schemas.microsoft.com/office/drawing/2014/main" id="{438B4D55-647C-E14F-9867-EC595AB77EFC}"/>
+                <a16:creationId xmlns:a16="http://schemas.microsoft.com/office/drawing/2014/main" xmlns="" id="{438B4D55-647C-E14F-9867-EC595AB77EFC}"/>
               </a:ext>
             </a:extLst>
           </p:cNvPr>
@@ -1994,7 +2540,7 @@
           <p:cNvPr id="5" name="Slide Number Placeholder 4">
             <a:extLst>
               <a:ext uri="{FF2B5EF4-FFF2-40B4-BE49-F238E27FC236}">
-                <a16:creationId xmlns:a16="http://schemas.microsoft.com/office/drawing/2014/main" id="{5E294510-31ED-A543-938B-8CF7846E4740}"/>
+                <a16:creationId xmlns:a16="http://schemas.microsoft.com/office/drawing/2014/main" xmlns="" id="{5E294510-31ED-A543-938B-8CF7846E4740}"/>
               </a:ext>
             </a:extLst>
           </p:cNvPr>
@@ -2053,7 +2599,7 @@
           <p:cNvPr id="2" name="Date Placeholder 1">
             <a:extLst>
               <a:ext uri="{FF2B5EF4-FFF2-40B4-BE49-F238E27FC236}">
-                <a16:creationId xmlns:a16="http://schemas.microsoft.com/office/drawing/2014/main" id="{67B9FED5-E769-A047-B151-4EE167E79EBE}"/>
+                <a16:creationId xmlns:a16="http://schemas.microsoft.com/office/drawing/2014/main" xmlns="" id="{67B9FED5-E769-A047-B151-4EE167E79EBE}"/>
               </a:ext>
             </a:extLst>
           </p:cNvPr>
@@ -2082,7 +2628,7 @@
           <p:cNvPr id="3" name="Footer Placeholder 2">
             <a:extLst>
               <a:ext uri="{FF2B5EF4-FFF2-40B4-BE49-F238E27FC236}">
-                <a16:creationId xmlns:a16="http://schemas.microsoft.com/office/drawing/2014/main" id="{822FC704-CD34-614E-9901-77A2B18593FA}"/>
+                <a16:creationId xmlns:a16="http://schemas.microsoft.com/office/drawing/2014/main" xmlns="" id="{822FC704-CD34-614E-9901-77A2B18593FA}"/>
               </a:ext>
             </a:extLst>
           </p:cNvPr>
@@ -2107,7 +2653,7 @@
           <p:cNvPr id="4" name="Slide Number Placeholder 3">
             <a:extLst>
               <a:ext uri="{FF2B5EF4-FFF2-40B4-BE49-F238E27FC236}">
-                <a16:creationId xmlns:a16="http://schemas.microsoft.com/office/drawing/2014/main" id="{578C6DFB-A9C7-BE4A-8010-0780CB83E74A}"/>
+                <a16:creationId xmlns:a16="http://schemas.microsoft.com/office/drawing/2014/main" xmlns="" id="{578C6DFB-A9C7-BE4A-8010-0780CB83E74A}"/>
               </a:ext>
             </a:extLst>
           </p:cNvPr>
@@ -2166,7 +2712,7 @@
           <p:cNvPr id="2" name="Title 1">
             <a:extLst>
               <a:ext uri="{FF2B5EF4-FFF2-40B4-BE49-F238E27FC236}">
-                <a16:creationId xmlns:a16="http://schemas.microsoft.com/office/drawing/2014/main" id="{6496F54F-5C2A-1741-AD6E-DCCBB020B005}"/>
+                <a16:creationId xmlns:a16="http://schemas.microsoft.com/office/drawing/2014/main" xmlns="" id="{6496F54F-5C2A-1741-AD6E-DCCBB020B005}"/>
               </a:ext>
             </a:extLst>
           </p:cNvPr>
@@ -2203,7 +2749,7 @@
           <p:cNvPr id="3" name="Content Placeholder 2">
             <a:extLst>
               <a:ext uri="{FF2B5EF4-FFF2-40B4-BE49-F238E27FC236}">
-                <a16:creationId xmlns:a16="http://schemas.microsoft.com/office/drawing/2014/main" id="{CBCA52CB-7EED-9A42-87CF-290AF13CF29A}"/>
+                <a16:creationId xmlns:a16="http://schemas.microsoft.com/office/drawing/2014/main" xmlns="" id="{CBCA52CB-7EED-9A42-87CF-290AF13CF29A}"/>
               </a:ext>
             </a:extLst>
           </p:cNvPr>
@@ -2293,7 +2839,7 @@
           <p:cNvPr id="4" name="Text Placeholder 3">
             <a:extLst>
               <a:ext uri="{FF2B5EF4-FFF2-40B4-BE49-F238E27FC236}">
-                <a16:creationId xmlns:a16="http://schemas.microsoft.com/office/drawing/2014/main" id="{E1702E7A-FD2F-CB46-94BF-FF2EC9490D6E}"/>
+                <a16:creationId xmlns:a16="http://schemas.microsoft.com/office/drawing/2014/main" xmlns="" id="{E1702E7A-FD2F-CB46-94BF-FF2EC9490D6E}"/>
               </a:ext>
             </a:extLst>
           </p:cNvPr>
@@ -2364,7 +2910,7 @@
           <p:cNvPr id="5" name="Date Placeholder 4">
             <a:extLst>
               <a:ext uri="{FF2B5EF4-FFF2-40B4-BE49-F238E27FC236}">
-                <a16:creationId xmlns:a16="http://schemas.microsoft.com/office/drawing/2014/main" id="{8958105E-9337-A749-8929-C81DA369C8A1}"/>
+                <a16:creationId xmlns:a16="http://schemas.microsoft.com/office/drawing/2014/main" xmlns="" id="{8958105E-9337-A749-8929-C81DA369C8A1}"/>
               </a:ext>
             </a:extLst>
           </p:cNvPr>
@@ -2393,7 +2939,7 @@
           <p:cNvPr id="6" name="Footer Placeholder 5">
             <a:extLst>
               <a:ext uri="{FF2B5EF4-FFF2-40B4-BE49-F238E27FC236}">
-                <a16:creationId xmlns:a16="http://schemas.microsoft.com/office/drawing/2014/main" id="{10081911-6878-5B45-A37C-ACB36ADFD7E1}"/>
+                <a16:creationId xmlns:a16="http://schemas.microsoft.com/office/drawing/2014/main" xmlns="" id="{10081911-6878-5B45-A37C-ACB36ADFD7E1}"/>
               </a:ext>
             </a:extLst>
           </p:cNvPr>
@@ -2418,7 +2964,7 @@
           <p:cNvPr id="7" name="Slide Number Placeholder 6">
             <a:extLst>
               <a:ext uri="{FF2B5EF4-FFF2-40B4-BE49-F238E27FC236}">
-                <a16:creationId xmlns:a16="http://schemas.microsoft.com/office/drawing/2014/main" id="{2AF73ABD-0129-F14E-B86A-51D07AA4CD86}"/>
+                <a16:creationId xmlns:a16="http://schemas.microsoft.com/office/drawing/2014/main" xmlns="" id="{2AF73ABD-0129-F14E-B86A-51D07AA4CD86}"/>
               </a:ext>
             </a:extLst>
           </p:cNvPr>
@@ -2477,7 +3023,7 @@
           <p:cNvPr id="2" name="Title 1">
             <a:extLst>
               <a:ext uri="{FF2B5EF4-FFF2-40B4-BE49-F238E27FC236}">
-                <a16:creationId xmlns:a16="http://schemas.microsoft.com/office/drawing/2014/main" id="{1ADBDC04-624F-4240-A155-7100DB9CDF1F}"/>
+                <a16:creationId xmlns:a16="http://schemas.microsoft.com/office/drawing/2014/main" xmlns="" id="{1ADBDC04-624F-4240-A155-7100DB9CDF1F}"/>
               </a:ext>
             </a:extLst>
           </p:cNvPr>
@@ -2514,7 +3060,7 @@
           <p:cNvPr id="3" name="Picture Placeholder 2">
             <a:extLst>
               <a:ext uri="{FF2B5EF4-FFF2-40B4-BE49-F238E27FC236}">
-                <a16:creationId xmlns:a16="http://schemas.microsoft.com/office/drawing/2014/main" id="{BD9289DE-964C-8043-9669-894C54065FCE}"/>
+                <a16:creationId xmlns:a16="http://schemas.microsoft.com/office/drawing/2014/main" xmlns="" id="{BD9289DE-964C-8043-9669-894C54065FCE}"/>
               </a:ext>
             </a:extLst>
           </p:cNvPr>
@@ -2581,7 +3127,7 @@
           <p:cNvPr id="4" name="Text Placeholder 3">
             <a:extLst>
               <a:ext uri="{FF2B5EF4-FFF2-40B4-BE49-F238E27FC236}">
-                <a16:creationId xmlns:a16="http://schemas.microsoft.com/office/drawing/2014/main" id="{869C1FF4-FD92-7F4A-85CD-FF7136BEC969}"/>
+                <a16:creationId xmlns:a16="http://schemas.microsoft.com/office/drawing/2014/main" xmlns="" id="{869C1FF4-FD92-7F4A-85CD-FF7136BEC969}"/>
               </a:ext>
             </a:extLst>
           </p:cNvPr>
@@ -2652,7 +3198,7 @@
           <p:cNvPr id="5" name="Date Placeholder 4">
             <a:extLst>
               <a:ext uri="{FF2B5EF4-FFF2-40B4-BE49-F238E27FC236}">
-                <a16:creationId xmlns:a16="http://schemas.microsoft.com/office/drawing/2014/main" id="{AE4CC592-934E-3B4A-AE9C-25599CF11B32}"/>
+                <a16:creationId xmlns:a16="http://schemas.microsoft.com/office/drawing/2014/main" xmlns="" id="{AE4CC592-934E-3B4A-AE9C-25599CF11B32}"/>
               </a:ext>
             </a:extLst>
           </p:cNvPr>
@@ -2681,7 +3227,7 @@
           <p:cNvPr id="6" name="Footer Placeholder 5">
             <a:extLst>
               <a:ext uri="{FF2B5EF4-FFF2-40B4-BE49-F238E27FC236}">
-                <a16:creationId xmlns:a16="http://schemas.microsoft.com/office/drawing/2014/main" id="{3C0170A9-8B9F-D448-BA4F-42DC22D5ED6C}"/>
+                <a16:creationId xmlns:a16="http://schemas.microsoft.com/office/drawing/2014/main" xmlns="" id="{3C0170A9-8B9F-D448-BA4F-42DC22D5ED6C}"/>
               </a:ext>
             </a:extLst>
           </p:cNvPr>
@@ -2706,7 +3252,7 @@
           <p:cNvPr id="7" name="Slide Number Placeholder 6">
             <a:extLst>
               <a:ext uri="{FF2B5EF4-FFF2-40B4-BE49-F238E27FC236}">
-                <a16:creationId xmlns:a16="http://schemas.microsoft.com/office/drawing/2014/main" id="{D6313800-A129-844E-B8F0-F74902DD6ACF}"/>
+                <a16:creationId xmlns:a16="http://schemas.microsoft.com/office/drawing/2014/main" xmlns="" id="{D6313800-A129-844E-B8F0-F74902DD6ACF}"/>
               </a:ext>
             </a:extLst>
           </p:cNvPr>
@@ -2770,7 +3316,7 @@
           <p:cNvPr id="2" name="Title Placeholder 1">
             <a:extLst>
               <a:ext uri="{FF2B5EF4-FFF2-40B4-BE49-F238E27FC236}">
-                <a16:creationId xmlns:a16="http://schemas.microsoft.com/office/drawing/2014/main" id="{21B7F7A1-DE46-9245-A6FA-08F1D89789CA}"/>
+                <a16:creationId xmlns:a16="http://schemas.microsoft.com/office/drawing/2014/main" xmlns="" id="{21B7F7A1-DE46-9245-A6FA-08F1D89789CA}"/>
               </a:ext>
             </a:extLst>
           </p:cNvPr>
@@ -2808,7 +3354,7 @@
           <p:cNvPr id="3" name="Text Placeholder 2">
             <a:extLst>
               <a:ext uri="{FF2B5EF4-FFF2-40B4-BE49-F238E27FC236}">
-                <a16:creationId xmlns:a16="http://schemas.microsoft.com/office/drawing/2014/main" id="{8595D4CB-5937-CE41-ABC4-0A4A8A16FF51}"/>
+                <a16:creationId xmlns:a16="http://schemas.microsoft.com/office/drawing/2014/main" xmlns="" id="{8595D4CB-5937-CE41-ABC4-0A4A8A16FF51}"/>
               </a:ext>
             </a:extLst>
           </p:cNvPr>
@@ -2875,7 +3421,7 @@
           <p:cNvPr id="4" name="Date Placeholder 3">
             <a:extLst>
               <a:ext uri="{FF2B5EF4-FFF2-40B4-BE49-F238E27FC236}">
-                <a16:creationId xmlns:a16="http://schemas.microsoft.com/office/drawing/2014/main" id="{05F1C33D-8603-7847-9915-7BF7CF5F9D32}"/>
+                <a16:creationId xmlns:a16="http://schemas.microsoft.com/office/drawing/2014/main" xmlns="" id="{05F1C33D-8603-7847-9915-7BF7CF5F9D32}"/>
               </a:ext>
             </a:extLst>
           </p:cNvPr>
@@ -2922,7 +3468,7 @@
           <p:cNvPr id="5" name="Footer Placeholder 4">
             <a:extLst>
               <a:ext uri="{FF2B5EF4-FFF2-40B4-BE49-F238E27FC236}">
-                <a16:creationId xmlns:a16="http://schemas.microsoft.com/office/drawing/2014/main" id="{1DDFE2EE-C744-6646-AF9E-0CDDD662B2F9}"/>
+                <a16:creationId xmlns:a16="http://schemas.microsoft.com/office/drawing/2014/main" xmlns="" id="{1DDFE2EE-C744-6646-AF9E-0CDDD662B2F9}"/>
               </a:ext>
             </a:extLst>
           </p:cNvPr>
@@ -2965,7 +3511,7 @@
           <p:cNvPr id="6" name="Slide Number Placeholder 5">
             <a:extLst>
               <a:ext uri="{FF2B5EF4-FFF2-40B4-BE49-F238E27FC236}">
-                <a16:creationId xmlns:a16="http://schemas.microsoft.com/office/drawing/2014/main" id="{23020908-4F60-D74E-922D-3F84F22F8041}"/>
+                <a16:creationId xmlns:a16="http://schemas.microsoft.com/office/drawing/2014/main" xmlns="" id="{23020908-4F60-D74E-922D-3F84F22F8041}"/>
               </a:ext>
             </a:extLst>
           </p:cNvPr>
@@ -3333,7 +3879,7 @@
           <p:cNvPr id="2" name="Title 1">
             <a:extLst>
               <a:ext uri="{FF2B5EF4-FFF2-40B4-BE49-F238E27FC236}">
-                <a16:creationId xmlns:a16="http://schemas.microsoft.com/office/drawing/2014/main" id="{FAA89291-60DA-2C40-8096-73810E04757F}"/>
+                <a16:creationId xmlns:a16="http://schemas.microsoft.com/office/drawing/2014/main" xmlns="" id="{FAA89291-60DA-2C40-8096-73810E04757F}"/>
               </a:ext>
             </a:extLst>
           </p:cNvPr>
@@ -3362,7 +3908,7 @@
           <p:cNvPr id="3" name="Subtitle 2">
             <a:extLst>
               <a:ext uri="{FF2B5EF4-FFF2-40B4-BE49-F238E27FC236}">
-                <a16:creationId xmlns:a16="http://schemas.microsoft.com/office/drawing/2014/main" id="{CEB73EAD-9E51-C647-886C-A89700E6F256}"/>
+                <a16:creationId xmlns:a16="http://schemas.microsoft.com/office/drawing/2014/main" xmlns="" id="{CEB73EAD-9E51-C647-886C-A89700E6F256}"/>
               </a:ext>
             </a:extLst>
           </p:cNvPr>
@@ -3406,7 +3952,7 @@
           <p:cNvPr id="5" name="Picture 4">
             <a:extLst>
               <a:ext uri="{FF2B5EF4-FFF2-40B4-BE49-F238E27FC236}">
-                <a16:creationId xmlns:a16="http://schemas.microsoft.com/office/drawing/2014/main" id="{0056138C-987F-684A-938F-5B452E26E6CF}"/>
+                <a16:creationId xmlns:a16="http://schemas.microsoft.com/office/drawing/2014/main" xmlns="" id="{0056138C-987F-684A-938F-5B452E26E6CF}"/>
               </a:ext>
             </a:extLst>
           </p:cNvPr>
@@ -3444,6 +3990,936 @@
 </p:sld>
 </file>
 
+<file path=ppt/slides/slide10.xml><?xml version="1.0" encoding="utf-8"?>
+<p:sld xmlns:a="http://schemas.openxmlformats.org/drawingml/2006/main" xmlns:r="http://schemas.openxmlformats.org/officeDocument/2006/relationships" xmlns:p="http://schemas.openxmlformats.org/presentationml/2006/main">
+  <p:cSld>
+    <p:spTree>
+      <p:nvGrpSpPr>
+        <p:cNvPr id="1" name=""/>
+        <p:cNvGrpSpPr/>
+        <p:nvPr/>
+      </p:nvGrpSpPr>
+      <p:grpSpPr>
+        <a:xfrm>
+          <a:off x="0" y="0"/>
+          <a:ext cx="0" cy="0"/>
+          <a:chOff x="0" y="0"/>
+          <a:chExt cx="0" cy="0"/>
+        </a:xfrm>
+      </p:grpSpPr>
+      <p:sp>
+        <p:nvSpPr>
+          <p:cNvPr id="2" name="Title 1"/>
+          <p:cNvSpPr>
+            <a:spLocks noGrp="1"/>
+          </p:cNvSpPr>
+          <p:nvPr>
+            <p:ph type="title"/>
+          </p:nvPr>
+        </p:nvSpPr>
+        <p:spPr/>
+        <p:txBody>
+          <a:bodyPr/>
+          <a:lstStyle/>
+          <a:p>
+            <a:r>
+              <a:rPr lang="en-US" dirty="0" smtClean="0"/>
+              <a:t>Null Proportion Confidence Intervals</a:t>
+            </a:r>
+            <a:endParaRPr lang="en-US" dirty="0"/>
+          </a:p>
+        </p:txBody>
+      </p:sp>
+      <p:sp>
+        <p:nvSpPr>
+          <p:cNvPr id="3" name="Content Placeholder 2"/>
+          <p:cNvSpPr>
+            <a:spLocks noGrp="1"/>
+          </p:cNvSpPr>
+          <p:nvPr>
+            <p:ph idx="1"/>
+          </p:nvPr>
+        </p:nvSpPr>
+        <p:spPr/>
+        <p:txBody>
+          <a:bodyPr/>
+          <a:lstStyle/>
+          <a:p>
+            <a:r>
+              <a:rPr lang="en-US" dirty="0" smtClean="0"/>
+              <a:t>Treat the column being null/ as a Bernoulli Trial</a:t>
+            </a:r>
+          </a:p>
+          <a:p>
+            <a:r>
+              <a:rPr lang="en-US" dirty="0" smtClean="0"/>
+              <a:t>Assume the proportion of nulls is normally distributed</a:t>
+            </a:r>
+          </a:p>
+          <a:p>
+            <a:r>
+              <a:rPr lang="en-US" dirty="0" smtClean="0"/>
+              <a:t>Create confidence interval:</a:t>
+            </a:r>
+          </a:p>
+          <a:p>
+            <a:endParaRPr lang="en-US" dirty="0"/>
+          </a:p>
+          <a:p>
+            <a:endParaRPr lang="en-US" dirty="0" smtClean="0"/>
+          </a:p>
+          <a:p>
+            <a:r>
+              <a:rPr lang="en-US" dirty="0" smtClean="0"/>
+              <a:t>If next period of data has a null proportion outside the 95% confidence interval, </a:t>
+            </a:r>
+            <a:r>
+              <a:rPr lang="en-US" dirty="0" err="1" smtClean="0"/>
+              <a:t>Daudit</a:t>
+            </a:r>
+            <a:r>
+              <a:rPr lang="en-US" dirty="0" smtClean="0"/>
+              <a:t> reports it</a:t>
+            </a:r>
+            <a:endParaRPr lang="en-US" dirty="0"/>
+          </a:p>
+        </p:txBody>
+      </p:sp>
+      <p:pic>
+        <p:nvPicPr>
+          <p:cNvPr id="4" name="Picture 3">
+            <a:extLst>
+              <a:ext uri="{FF2B5EF4-FFF2-40B4-BE49-F238E27FC236}">
+                <a16:creationId xmlns:a16="http://schemas.microsoft.com/office/drawing/2014/main" xmlns="" id="{E4AEDFE2-2953-F54B-B6FB-1C4BD361B3F7}"/>
+              </a:ext>
+            </a:extLst>
+          </p:cNvPr>
+          <p:cNvPicPr>
+            <a:picLocks noChangeAspect="1"/>
+          </p:cNvPicPr>
+          <p:nvPr/>
+        </p:nvPicPr>
+        <p:blipFill>
+          <a:blip r:embed="rId2"/>
+          <a:stretch>
+            <a:fillRect/>
+          </a:stretch>
+        </p:blipFill>
+        <p:spPr>
+          <a:xfrm>
+            <a:off x="10642600" y="5308600"/>
+            <a:ext cx="1549400" cy="1549400"/>
+          </a:xfrm>
+          <a:prstGeom prst="rect">
+            <a:avLst/>
+          </a:prstGeom>
+        </p:spPr>
+      </p:pic>
+      <p:pic>
+        <p:nvPicPr>
+          <p:cNvPr id="5" name="Picture 4"/>
+          <p:cNvPicPr>
+            <a:picLocks noChangeAspect="1"/>
+          </p:cNvPicPr>
+          <p:nvPr/>
+        </p:nvPicPr>
+        <p:blipFill>
+          <a:blip r:embed="rId3">
+            <a:extLst>
+              <a:ext uri="{28A0092B-C50C-407E-A947-70E740481C1C}">
+                <a14:useLocalDpi xmlns:a14="http://schemas.microsoft.com/office/drawing/2010/main" val="0"/>
+              </a:ext>
+            </a:extLst>
+          </a:blip>
+          <a:stretch>
+            <a:fillRect/>
+          </a:stretch>
+        </p:blipFill>
+        <p:spPr>
+          <a:xfrm>
+            <a:off x="5355358" y="3053742"/>
+            <a:ext cx="2787883" cy="1138248"/>
+          </a:xfrm>
+          <a:prstGeom prst="rect">
+            <a:avLst/>
+          </a:prstGeom>
+        </p:spPr>
+      </p:pic>
+    </p:spTree>
+    <p:extLst>
+      <p:ext uri="{BB962C8B-B14F-4D97-AF65-F5344CB8AC3E}">
+        <p14:creationId xmlns:p14="http://schemas.microsoft.com/office/powerpoint/2010/main" val="1124292996"/>
+      </p:ext>
+    </p:extLst>
+  </p:cSld>
+  <p:clrMapOvr>
+    <a:masterClrMapping/>
+  </p:clrMapOvr>
+</p:sld>
+</file>
+
+<file path=ppt/slides/slide11.xml><?xml version="1.0" encoding="utf-8"?>
+<p:sld xmlns:a="http://schemas.openxmlformats.org/drawingml/2006/main" xmlns:r="http://schemas.openxmlformats.org/officeDocument/2006/relationships" xmlns:p="http://schemas.openxmlformats.org/presentationml/2006/main">
+  <p:cSld>
+    <p:spTree>
+      <p:nvGrpSpPr>
+        <p:cNvPr id="1" name=""/>
+        <p:cNvGrpSpPr/>
+        <p:nvPr/>
+      </p:nvGrpSpPr>
+      <p:grpSpPr>
+        <a:xfrm>
+          <a:off x="0" y="0"/>
+          <a:ext cx="0" cy="0"/>
+          <a:chOff x="0" y="0"/>
+          <a:chExt cx="0" cy="0"/>
+        </a:xfrm>
+      </p:grpSpPr>
+      <p:sp>
+        <p:nvSpPr>
+          <p:cNvPr id="2" name="Title 1"/>
+          <p:cNvSpPr>
+            <a:spLocks noGrp="1"/>
+          </p:cNvSpPr>
+          <p:nvPr>
+            <p:ph type="title"/>
+          </p:nvPr>
+        </p:nvSpPr>
+        <p:spPr/>
+        <p:txBody>
+          <a:bodyPr/>
+          <a:lstStyle/>
+          <a:p>
+            <a:r>
+              <a:rPr lang="en-US" dirty="0" smtClean="0"/>
+              <a:t>NYC311 </a:t>
+            </a:r>
+            <a:r>
+              <a:rPr lang="en-US" dirty="0" err="1" smtClean="0"/>
+              <a:t>OpenData</a:t>
+            </a:r>
+            <a:endParaRPr lang="en-US" dirty="0"/>
+          </a:p>
+        </p:txBody>
+      </p:sp>
+      <p:sp>
+        <p:nvSpPr>
+          <p:cNvPr id="3" name="Content Placeholder 2"/>
+          <p:cNvSpPr>
+            <a:spLocks noGrp="1"/>
+          </p:cNvSpPr>
+          <p:nvPr>
+            <p:ph idx="1"/>
+          </p:nvPr>
+        </p:nvSpPr>
+        <p:spPr/>
+        <p:txBody>
+          <a:bodyPr/>
+          <a:lstStyle/>
+          <a:p>
+            <a:r>
+              <a:rPr lang="en-US" dirty="0" smtClean="0"/>
+              <a:t>9 years worth of non-emergency phone calls</a:t>
+            </a:r>
+          </a:p>
+          <a:p>
+            <a:r>
+              <a:rPr lang="en-US" dirty="0" smtClean="0"/>
+              <a:t>Lots of </a:t>
+            </a:r>
+            <a:r>
+              <a:rPr lang="en-US" dirty="0" err="1" smtClean="0"/>
+              <a:t>nullable</a:t>
+            </a:r>
+            <a:r>
+              <a:rPr lang="en-US" dirty="0" smtClean="0"/>
+              <a:t> fields and related columns</a:t>
+            </a:r>
+          </a:p>
+          <a:p>
+            <a:r>
+              <a:rPr lang="en-US" dirty="0" smtClean="0"/>
+              <a:t>E.g. </a:t>
+            </a:r>
+          </a:p>
+          <a:p>
+            <a:pPr lvl="1"/>
+            <a:r>
+              <a:rPr lang="en-US" dirty="0" smtClean="0"/>
+              <a:t>Latitude/Longitude</a:t>
+            </a:r>
+          </a:p>
+          <a:p>
+            <a:pPr lvl="1"/>
+            <a:r>
+              <a:rPr lang="en-US" dirty="0" err="1" smtClean="0"/>
+              <a:t>OpenDataChannelType</a:t>
+            </a:r>
+            <a:r>
+              <a:rPr lang="en-US" dirty="0" smtClean="0"/>
+              <a:t> vs. Borough</a:t>
+            </a:r>
+          </a:p>
+          <a:p>
+            <a:pPr lvl="1"/>
+            <a:endParaRPr lang="en-US" dirty="0"/>
+          </a:p>
+        </p:txBody>
+      </p:sp>
+      <p:pic>
+        <p:nvPicPr>
+          <p:cNvPr id="4" name="Picture 3">
+            <a:extLst>
+              <a:ext uri="{FF2B5EF4-FFF2-40B4-BE49-F238E27FC236}">
+                <a16:creationId xmlns:a16="http://schemas.microsoft.com/office/drawing/2014/main" xmlns="" id="{E4AEDFE2-2953-F54B-B6FB-1C4BD361B3F7}"/>
+              </a:ext>
+            </a:extLst>
+          </p:cNvPr>
+          <p:cNvPicPr>
+            <a:picLocks noChangeAspect="1"/>
+          </p:cNvPicPr>
+          <p:nvPr/>
+        </p:nvPicPr>
+        <p:blipFill>
+          <a:blip r:embed="rId3"/>
+          <a:stretch>
+            <a:fillRect/>
+          </a:stretch>
+        </p:blipFill>
+        <p:spPr>
+          <a:xfrm>
+            <a:off x="10642600" y="5308600"/>
+            <a:ext cx="1549400" cy="1549400"/>
+          </a:xfrm>
+          <a:prstGeom prst="rect">
+            <a:avLst/>
+          </a:prstGeom>
+        </p:spPr>
+      </p:pic>
+      <p:pic>
+        <p:nvPicPr>
+          <p:cNvPr id="2050" name="Picture 2" descr="mage result for nyc 311 open data"/>
+          <p:cNvPicPr>
+            <a:picLocks noChangeAspect="1" noChangeArrowheads="1"/>
+          </p:cNvPicPr>
+          <p:nvPr/>
+        </p:nvPicPr>
+        <p:blipFill>
+          <a:blip r:embed="rId4">
+            <a:extLst>
+              <a:ext uri="{28A0092B-C50C-407E-A947-70E740481C1C}">
+                <a14:useLocalDpi xmlns:a14="http://schemas.microsoft.com/office/drawing/2010/main" val="0"/>
+              </a:ext>
+            </a:extLst>
+          </a:blip>
+          <a:srcRect/>
+          <a:stretch>
+            <a:fillRect/>
+          </a:stretch>
+        </p:blipFill>
+        <p:spPr bwMode="auto">
+          <a:xfrm>
+            <a:off x="3414713" y="4005263"/>
+            <a:ext cx="5705475" cy="2171700"/>
+          </a:xfrm>
+          <a:prstGeom prst="rect">
+            <a:avLst/>
+          </a:prstGeom>
+          <a:noFill/>
+          <a:extLst>
+            <a:ext uri="{909E8E84-426E-40DD-AFC4-6F175D3DCCD1}">
+              <a14:hiddenFill xmlns:a14="http://schemas.microsoft.com/office/drawing/2010/main">
+                <a:solidFill>
+                  <a:srgbClr val="FFFFFF"/>
+                </a:solidFill>
+              </a14:hiddenFill>
+            </a:ext>
+          </a:extLst>
+        </p:spPr>
+      </p:pic>
+    </p:spTree>
+    <p:extLst>
+      <p:ext uri="{BB962C8B-B14F-4D97-AF65-F5344CB8AC3E}">
+        <p14:creationId xmlns:p14="http://schemas.microsoft.com/office/powerpoint/2010/main" val="1042766602"/>
+      </p:ext>
+    </p:extLst>
+  </p:cSld>
+  <p:clrMapOvr>
+    <a:masterClrMapping/>
+  </p:clrMapOvr>
+</p:sld>
+</file>
+
+<file path=ppt/slides/slide12.xml><?xml version="1.0" encoding="utf-8"?>
+<p:sld xmlns:a="http://schemas.openxmlformats.org/drawingml/2006/main" xmlns:r="http://schemas.openxmlformats.org/officeDocument/2006/relationships" xmlns:p="http://schemas.openxmlformats.org/presentationml/2006/main">
+  <p:cSld>
+    <p:spTree>
+      <p:nvGrpSpPr>
+        <p:cNvPr id="1" name=""/>
+        <p:cNvGrpSpPr/>
+        <p:nvPr/>
+      </p:nvGrpSpPr>
+      <p:grpSpPr>
+        <a:xfrm>
+          <a:off x="0" y="0"/>
+          <a:ext cx="0" cy="0"/>
+          <a:chOff x="0" y="0"/>
+          <a:chExt cx="0" cy="0"/>
+        </a:xfrm>
+      </p:grpSpPr>
+      <p:sp>
+        <p:nvSpPr>
+          <p:cNvPr id="2" name="Title 1"/>
+          <p:cNvSpPr>
+            <a:spLocks noGrp="1"/>
+          </p:cNvSpPr>
+          <p:nvPr>
+            <p:ph type="title"/>
+          </p:nvPr>
+        </p:nvSpPr>
+        <p:spPr/>
+        <p:txBody>
+          <a:bodyPr/>
+          <a:lstStyle/>
+          <a:p>
+            <a:r>
+              <a:rPr lang="en-US" dirty="0" smtClean="0"/>
+              <a:t>Current Technologies</a:t>
+            </a:r>
+            <a:endParaRPr lang="en-US" dirty="0"/>
+          </a:p>
+        </p:txBody>
+      </p:sp>
+      <p:sp>
+        <p:nvSpPr>
+          <p:cNvPr id="3" name="Content Placeholder 2"/>
+          <p:cNvSpPr>
+            <a:spLocks noGrp="1"/>
+          </p:cNvSpPr>
+          <p:nvPr>
+            <p:ph idx="1"/>
+          </p:nvPr>
+        </p:nvSpPr>
+        <p:spPr/>
+        <p:txBody>
+          <a:bodyPr>
+            <a:normAutofit fontScale="92500" lnSpcReduction="20000"/>
+          </a:bodyPr>
+          <a:lstStyle/>
+          <a:p>
+            <a:r>
+              <a:rPr lang="en-US" dirty="0" smtClean="0"/>
+              <a:t>Python</a:t>
+            </a:r>
+          </a:p>
+          <a:p>
+            <a:endParaRPr lang="en-US" dirty="0" smtClean="0"/>
+          </a:p>
+          <a:p>
+            <a:endParaRPr lang="en-US" dirty="0" smtClean="0"/>
+          </a:p>
+          <a:p>
+            <a:r>
+              <a:rPr lang="en-US" dirty="0" smtClean="0"/>
+              <a:t>GitHub</a:t>
+            </a:r>
+          </a:p>
+          <a:p>
+            <a:endParaRPr lang="en-US" dirty="0" smtClean="0"/>
+          </a:p>
+          <a:p>
+            <a:endParaRPr lang="en-US" dirty="0" smtClean="0"/>
+          </a:p>
+          <a:p>
+            <a:r>
+              <a:rPr lang="en-US" dirty="0" smtClean="0"/>
+              <a:t>MySQL</a:t>
+            </a:r>
+          </a:p>
+          <a:p>
+            <a:endParaRPr lang="en-US" dirty="0" smtClean="0"/>
+          </a:p>
+          <a:p>
+            <a:endParaRPr lang="en-US" dirty="0" smtClean="0"/>
+          </a:p>
+          <a:p>
+            <a:r>
+              <a:rPr lang="en-US" dirty="0" smtClean="0"/>
+              <a:t>Slack API</a:t>
+            </a:r>
+          </a:p>
+        </p:txBody>
+      </p:sp>
+      <p:pic>
+        <p:nvPicPr>
+          <p:cNvPr id="4" name="Picture 3">
+            <a:extLst>
+              <a:ext uri="{FF2B5EF4-FFF2-40B4-BE49-F238E27FC236}">
+                <a16:creationId xmlns:a16="http://schemas.microsoft.com/office/drawing/2014/main" xmlns="" id="{E4AEDFE2-2953-F54B-B6FB-1C4BD361B3F7}"/>
+              </a:ext>
+            </a:extLst>
+          </p:cNvPr>
+          <p:cNvPicPr>
+            <a:picLocks noChangeAspect="1"/>
+          </p:cNvPicPr>
+          <p:nvPr/>
+        </p:nvPicPr>
+        <p:blipFill>
+          <a:blip r:embed="rId3"/>
+          <a:stretch>
+            <a:fillRect/>
+          </a:stretch>
+        </p:blipFill>
+        <p:spPr>
+          <a:xfrm>
+            <a:off x="10642600" y="5308600"/>
+            <a:ext cx="1549400" cy="1549400"/>
+          </a:xfrm>
+          <a:prstGeom prst="rect">
+            <a:avLst/>
+          </a:prstGeom>
+        </p:spPr>
+      </p:pic>
+      <p:pic>
+        <p:nvPicPr>
+          <p:cNvPr id="1026" name="Picture 2" descr="mage result for python image"/>
+          <p:cNvPicPr>
+            <a:picLocks noChangeAspect="1" noChangeArrowheads="1"/>
+          </p:cNvPicPr>
+          <p:nvPr/>
+        </p:nvPicPr>
+        <p:blipFill>
+          <a:blip r:embed="rId4">
+            <a:extLst>
+              <a:ext uri="{28A0092B-C50C-407E-A947-70E740481C1C}">
+                <a14:useLocalDpi xmlns:a14="http://schemas.microsoft.com/office/drawing/2010/main" val="0"/>
+              </a:ext>
+            </a:extLst>
+          </a:blip>
+          <a:srcRect/>
+          <a:stretch>
+            <a:fillRect/>
+          </a:stretch>
+        </p:blipFill>
+        <p:spPr bwMode="auto">
+          <a:xfrm>
+            <a:off x="6096000" y="1543797"/>
+            <a:ext cx="963579" cy="974820"/>
+          </a:xfrm>
+          <a:prstGeom prst="rect">
+            <a:avLst/>
+          </a:prstGeom>
+          <a:noFill/>
+          <a:extLst>
+            <a:ext uri="{909E8E84-426E-40DD-AFC4-6F175D3DCCD1}">
+              <a14:hiddenFill xmlns:a14="http://schemas.microsoft.com/office/drawing/2010/main">
+                <a:solidFill>
+                  <a:srgbClr val="FFFFFF"/>
+                </a:solidFill>
+              </a14:hiddenFill>
+            </a:ext>
+          </a:extLst>
+        </p:spPr>
+      </p:pic>
+      <p:sp>
+        <p:nvSpPr>
+          <p:cNvPr id="5" name="AutoShape 4" descr="mage result for mysql logo"/>
+          <p:cNvSpPr>
+            <a:spLocks noChangeAspect="1" noChangeArrowheads="1"/>
+          </p:cNvSpPr>
+          <p:nvPr/>
+        </p:nvSpPr>
+        <p:spPr bwMode="auto">
+          <a:xfrm>
+            <a:off x="0" y="0"/>
+            <a:ext cx="304800" cy="304800"/>
+          </a:xfrm>
+          <a:prstGeom prst="rect">
+            <a:avLst/>
+          </a:prstGeom>
+          <a:noFill/>
+          <a:extLst>
+            <a:ext uri="{909E8E84-426E-40DD-AFC4-6F175D3DCCD1}">
+              <a14:hiddenFill xmlns:a14="http://schemas.microsoft.com/office/drawing/2010/main">
+                <a:solidFill>
+                  <a:srgbClr val="FFFFFF"/>
+                </a:solidFill>
+              </a14:hiddenFill>
+            </a:ext>
+          </a:extLst>
+        </p:spPr>
+        <p:txBody>
+          <a:bodyPr vert="horz" wrap="square" lIns="91440" tIns="45720" rIns="91440" bIns="45720" numCol="1" anchor="t" anchorCtr="0" compatLnSpc="1">
+            <a:prstTxWarp prst="textNoShape">
+              <a:avLst/>
+            </a:prstTxWarp>
+          </a:bodyPr>
+          <a:lstStyle/>
+          <a:p>
+            <a:endParaRPr lang="en-US"/>
+          </a:p>
+        </p:txBody>
+      </p:sp>
+      <p:sp>
+        <p:nvSpPr>
+          <p:cNvPr id="7" name="AutoShape 8" descr="mage result for mysql logo"/>
+          <p:cNvSpPr>
+            <a:spLocks noChangeAspect="1" noChangeArrowheads="1"/>
+          </p:cNvSpPr>
+          <p:nvPr/>
+        </p:nvSpPr>
+        <p:spPr bwMode="auto">
+          <a:xfrm>
+            <a:off x="152400" y="152400"/>
+            <a:ext cx="304800" cy="304800"/>
+          </a:xfrm>
+          <a:prstGeom prst="rect">
+            <a:avLst/>
+          </a:prstGeom>
+          <a:noFill/>
+          <a:extLst>
+            <a:ext uri="{909E8E84-426E-40DD-AFC4-6F175D3DCCD1}">
+              <a14:hiddenFill xmlns:a14="http://schemas.microsoft.com/office/drawing/2010/main">
+                <a:solidFill>
+                  <a:srgbClr val="FFFFFF"/>
+                </a:solidFill>
+              </a14:hiddenFill>
+            </a:ext>
+          </a:extLst>
+        </p:spPr>
+        <p:txBody>
+          <a:bodyPr vert="horz" wrap="square" lIns="91440" tIns="45720" rIns="91440" bIns="45720" numCol="1" anchor="t" anchorCtr="0" compatLnSpc="1">
+            <a:prstTxWarp prst="textNoShape">
+              <a:avLst/>
+            </a:prstTxWarp>
+          </a:bodyPr>
+          <a:lstStyle/>
+          <a:p>
+            <a:endParaRPr lang="en-US"/>
+          </a:p>
+        </p:txBody>
+      </p:sp>
+      <p:pic>
+        <p:nvPicPr>
+          <p:cNvPr id="1034" name="Picture 10" descr="mage result for mysql logo"/>
+          <p:cNvPicPr>
+            <a:picLocks noChangeAspect="1" noChangeArrowheads="1"/>
+          </p:cNvPicPr>
+          <p:nvPr/>
+        </p:nvPicPr>
+        <p:blipFill>
+          <a:blip r:embed="rId5">
+            <a:extLst>
+              <a:ext uri="{28A0092B-C50C-407E-A947-70E740481C1C}">
+                <a14:useLocalDpi xmlns:a14="http://schemas.microsoft.com/office/drawing/2010/main" val="0"/>
+              </a:ext>
+            </a:extLst>
+          </a:blip>
+          <a:srcRect/>
+          <a:stretch>
+            <a:fillRect/>
+          </a:stretch>
+        </p:blipFill>
+        <p:spPr bwMode="auto">
+          <a:xfrm>
+            <a:off x="5455451" y="3773076"/>
+            <a:ext cx="1917732" cy="989230"/>
+          </a:xfrm>
+          <a:prstGeom prst="rect">
+            <a:avLst/>
+          </a:prstGeom>
+          <a:noFill/>
+          <a:extLst>
+            <a:ext uri="{909E8E84-426E-40DD-AFC4-6F175D3DCCD1}">
+              <a14:hiddenFill xmlns:a14="http://schemas.microsoft.com/office/drawing/2010/main">
+                <a:solidFill>
+                  <a:srgbClr val="FFFFFF"/>
+                </a:solidFill>
+              </a14:hiddenFill>
+            </a:ext>
+          </a:extLst>
+        </p:spPr>
+      </p:pic>
+      <p:pic>
+        <p:nvPicPr>
+          <p:cNvPr id="1042" name="Picture 18" descr="mage result for slack image"/>
+          <p:cNvPicPr>
+            <a:picLocks noChangeAspect="1" noChangeArrowheads="1"/>
+          </p:cNvPicPr>
+          <p:nvPr/>
+        </p:nvPicPr>
+        <p:blipFill>
+          <a:blip r:embed="rId6">
+            <a:extLst>
+              <a:ext uri="{28A0092B-C50C-407E-A947-70E740481C1C}">
+                <a14:useLocalDpi xmlns:a14="http://schemas.microsoft.com/office/drawing/2010/main" val="0"/>
+              </a:ext>
+            </a:extLst>
+          </a:blip>
+          <a:srcRect/>
+          <a:stretch>
+            <a:fillRect/>
+          </a:stretch>
+        </p:blipFill>
+        <p:spPr bwMode="auto">
+          <a:xfrm>
+            <a:off x="7373183" y="4762306"/>
+            <a:ext cx="1797843" cy="1797843"/>
+          </a:xfrm>
+          <a:prstGeom prst="rect">
+            <a:avLst/>
+          </a:prstGeom>
+          <a:noFill/>
+          <a:extLst>
+            <a:ext uri="{909E8E84-426E-40DD-AFC4-6F175D3DCCD1}">
+              <a14:hiddenFill xmlns:a14="http://schemas.microsoft.com/office/drawing/2010/main">
+                <a:solidFill>
+                  <a:srgbClr val="FFFFFF"/>
+                </a:solidFill>
+              </a14:hiddenFill>
+            </a:ext>
+          </a:extLst>
+        </p:spPr>
+      </p:pic>
+      <p:sp>
+        <p:nvSpPr>
+          <p:cNvPr id="11" name="AutoShape 20" descr="mage result for github logo"/>
+          <p:cNvSpPr>
+            <a:spLocks noChangeAspect="1" noChangeArrowheads="1"/>
+          </p:cNvSpPr>
+          <p:nvPr/>
+        </p:nvSpPr>
+        <p:spPr bwMode="auto">
+          <a:xfrm>
+            <a:off x="304800" y="304800"/>
+            <a:ext cx="304800" cy="304800"/>
+          </a:xfrm>
+          <a:prstGeom prst="rect">
+            <a:avLst/>
+          </a:prstGeom>
+          <a:noFill/>
+          <a:extLst>
+            <a:ext uri="{909E8E84-426E-40DD-AFC4-6F175D3DCCD1}">
+              <a14:hiddenFill xmlns:a14="http://schemas.microsoft.com/office/drawing/2010/main">
+                <a:solidFill>
+                  <a:srgbClr val="FFFFFF"/>
+                </a:solidFill>
+              </a14:hiddenFill>
+            </a:ext>
+          </a:extLst>
+        </p:spPr>
+        <p:txBody>
+          <a:bodyPr vert="horz" wrap="square" lIns="91440" tIns="45720" rIns="91440" bIns="45720" numCol="1" anchor="t" anchorCtr="0" compatLnSpc="1">
+            <a:prstTxWarp prst="textNoShape">
+              <a:avLst/>
+            </a:prstTxWarp>
+          </a:bodyPr>
+          <a:lstStyle/>
+          <a:p>
+            <a:endParaRPr lang="en-US"/>
+          </a:p>
+        </p:txBody>
+      </p:sp>
+      <p:pic>
+        <p:nvPicPr>
+          <p:cNvPr id="1046" name="Picture 22" descr="mage result for github logo"/>
+          <p:cNvPicPr>
+            <a:picLocks noChangeAspect="1" noChangeArrowheads="1"/>
+          </p:cNvPicPr>
+          <p:nvPr/>
+        </p:nvPicPr>
+        <p:blipFill>
+          <a:blip r:embed="rId7">
+            <a:extLst>
+              <a:ext uri="{28A0092B-C50C-407E-A947-70E740481C1C}">
+                <a14:useLocalDpi xmlns:a14="http://schemas.microsoft.com/office/drawing/2010/main" val="0"/>
+              </a:ext>
+            </a:extLst>
+          </a:blip>
+          <a:srcRect/>
+          <a:stretch>
+            <a:fillRect/>
+          </a:stretch>
+        </p:blipFill>
+        <p:spPr bwMode="auto">
+          <a:xfrm>
+            <a:off x="7687508" y="2513903"/>
+            <a:ext cx="1169192" cy="1169192"/>
+          </a:xfrm>
+          <a:prstGeom prst="rect">
+            <a:avLst/>
+          </a:prstGeom>
+          <a:noFill/>
+          <a:extLst>
+            <a:ext uri="{909E8E84-426E-40DD-AFC4-6F175D3DCCD1}">
+              <a14:hiddenFill xmlns:a14="http://schemas.microsoft.com/office/drawing/2010/main">
+                <a:solidFill>
+                  <a:srgbClr val="FFFFFF"/>
+                </a:solidFill>
+              </a14:hiddenFill>
+            </a:ext>
+          </a:extLst>
+        </p:spPr>
+      </p:pic>
+    </p:spTree>
+    <p:extLst>
+      <p:ext uri="{BB962C8B-B14F-4D97-AF65-F5344CB8AC3E}">
+        <p14:creationId xmlns:p14="http://schemas.microsoft.com/office/powerpoint/2010/main" val="1150571277"/>
+      </p:ext>
+    </p:extLst>
+  </p:cSld>
+  <p:clrMapOvr>
+    <a:masterClrMapping/>
+  </p:clrMapOvr>
+</p:sld>
+</file>
+
+<file path=ppt/slides/slide13.xml><?xml version="1.0" encoding="utf-8"?>
+<p:sld xmlns:a="http://schemas.openxmlformats.org/drawingml/2006/main" xmlns:r="http://schemas.openxmlformats.org/officeDocument/2006/relationships" xmlns:p="http://schemas.openxmlformats.org/presentationml/2006/main">
+  <p:cSld>
+    <p:spTree>
+      <p:nvGrpSpPr>
+        <p:cNvPr id="1" name=""/>
+        <p:cNvGrpSpPr/>
+        <p:nvPr/>
+      </p:nvGrpSpPr>
+      <p:grpSpPr>
+        <a:xfrm>
+          <a:off x="0" y="0"/>
+          <a:ext cx="0" cy="0"/>
+          <a:chOff x="0" y="0"/>
+          <a:chExt cx="0" cy="0"/>
+        </a:xfrm>
+      </p:grpSpPr>
+      <p:sp>
+        <p:nvSpPr>
+          <p:cNvPr id="2" name="Title 1"/>
+          <p:cNvSpPr>
+            <a:spLocks noGrp="1"/>
+          </p:cNvSpPr>
+          <p:nvPr>
+            <p:ph type="title"/>
+          </p:nvPr>
+        </p:nvSpPr>
+        <p:spPr/>
+        <p:txBody>
+          <a:bodyPr/>
+          <a:lstStyle/>
+          <a:p>
+            <a:r>
+              <a:rPr lang="en-US" dirty="0" smtClean="0"/>
+              <a:t>Next Steps</a:t>
+            </a:r>
+            <a:endParaRPr lang="en-US" dirty="0"/>
+          </a:p>
+        </p:txBody>
+      </p:sp>
+      <p:sp>
+        <p:nvSpPr>
+          <p:cNvPr id="3" name="Content Placeholder 2"/>
+          <p:cNvSpPr>
+            <a:spLocks noGrp="1"/>
+          </p:cNvSpPr>
+          <p:nvPr>
+            <p:ph idx="1"/>
+          </p:nvPr>
+        </p:nvSpPr>
+        <p:spPr/>
+        <p:txBody>
+          <a:bodyPr/>
+          <a:lstStyle/>
+          <a:p>
+            <a:r>
+              <a:rPr lang="en-US" dirty="0" smtClean="0"/>
+              <a:t>Talk to Professor </a:t>
+            </a:r>
+            <a:r>
+              <a:rPr lang="en-US" dirty="0" err="1" smtClean="0"/>
+              <a:t>Poupart</a:t>
+            </a:r>
+            <a:r>
+              <a:rPr lang="en-US" dirty="0" smtClean="0"/>
+              <a:t> (ML Prof) </a:t>
+            </a:r>
+          </a:p>
+          <a:p>
+            <a:r>
+              <a:rPr lang="en-US" dirty="0" smtClean="0"/>
+              <a:t>Develop more complex auditing methods</a:t>
+            </a:r>
+          </a:p>
+          <a:p>
+            <a:r>
+              <a:rPr lang="en-US" dirty="0" smtClean="0"/>
+              <a:t>Integration to other databases</a:t>
+            </a:r>
+          </a:p>
+          <a:p>
+            <a:r>
+              <a:rPr lang="en-US" dirty="0" smtClean="0"/>
+              <a:t>Dashboards</a:t>
+            </a:r>
+          </a:p>
+          <a:p>
+            <a:r>
+              <a:rPr lang="en-US" dirty="0" smtClean="0"/>
+              <a:t>More slack functionality</a:t>
+            </a:r>
+          </a:p>
+          <a:p>
+            <a:r>
+              <a:rPr lang="en-US" dirty="0" smtClean="0"/>
+              <a:t>Custom notification thresholds</a:t>
+            </a:r>
+          </a:p>
+          <a:p>
+            <a:endParaRPr lang="en-US" dirty="0" smtClean="0"/>
+          </a:p>
+        </p:txBody>
+      </p:sp>
+      <p:pic>
+        <p:nvPicPr>
+          <p:cNvPr id="4" name="Picture 3">
+            <a:extLst>
+              <a:ext uri="{FF2B5EF4-FFF2-40B4-BE49-F238E27FC236}">
+                <a16:creationId xmlns:a16="http://schemas.microsoft.com/office/drawing/2014/main" xmlns="" id="{E4AEDFE2-2953-F54B-B6FB-1C4BD361B3F7}"/>
+              </a:ext>
+            </a:extLst>
+          </p:cNvPr>
+          <p:cNvPicPr>
+            <a:picLocks noChangeAspect="1"/>
+          </p:cNvPicPr>
+          <p:nvPr/>
+        </p:nvPicPr>
+        <p:blipFill>
+          <a:blip r:embed="rId2"/>
+          <a:stretch>
+            <a:fillRect/>
+          </a:stretch>
+        </p:blipFill>
+        <p:spPr>
+          <a:xfrm>
+            <a:off x="10642600" y="5308600"/>
+            <a:ext cx="1549400" cy="1549400"/>
+          </a:xfrm>
+          <a:prstGeom prst="rect">
+            <a:avLst/>
+          </a:prstGeom>
+        </p:spPr>
+      </p:pic>
+    </p:spTree>
+    <p:extLst>
+      <p:ext uri="{BB962C8B-B14F-4D97-AF65-F5344CB8AC3E}">
+        <p14:creationId xmlns:p14="http://schemas.microsoft.com/office/powerpoint/2010/main" val="1456617669"/>
+      </p:ext>
+    </p:extLst>
+  </p:cSld>
+  <p:clrMapOvr>
+    <a:masterClrMapping/>
+  </p:clrMapOvr>
+</p:sld>
+</file>
+
 <file path=ppt/slides/slide2.xml><?xml version="1.0" encoding="utf-8"?>
 <p:sld xmlns:a="http://schemas.openxmlformats.org/drawingml/2006/main" xmlns:r="http://schemas.openxmlformats.org/officeDocument/2006/relationships" xmlns:p="http://schemas.openxmlformats.org/presentationml/2006/main">
   <p:cSld>
@@ -3466,7 +4942,7 @@
           <p:cNvPr id="2" name="Title 1">
             <a:extLst>
               <a:ext uri="{FF2B5EF4-FFF2-40B4-BE49-F238E27FC236}">
-                <a16:creationId xmlns:a16="http://schemas.microsoft.com/office/drawing/2014/main" id="{735D7AA6-1425-8C4F-8608-265E01867490}"/>
+                <a16:creationId xmlns:a16="http://schemas.microsoft.com/office/drawing/2014/main" xmlns="" id="{735D7AA6-1425-8C4F-8608-265E01867490}"/>
               </a:ext>
             </a:extLst>
           </p:cNvPr>
@@ -3495,7 +4971,7 @@
           <p:cNvPr id="3" name="Content Placeholder 2">
             <a:extLst>
               <a:ext uri="{FF2B5EF4-FFF2-40B4-BE49-F238E27FC236}">
-                <a16:creationId xmlns:a16="http://schemas.microsoft.com/office/drawing/2014/main" id="{31882B9E-E7C2-C443-B3BB-E435A2E6804C}"/>
+                <a16:creationId xmlns:a16="http://schemas.microsoft.com/office/drawing/2014/main" xmlns="" id="{31882B9E-E7C2-C443-B3BB-E435A2E6804C}"/>
               </a:ext>
             </a:extLst>
           </p:cNvPr>
@@ -3569,7 +5045,7 @@
           <p:cNvPr id="4" name="Picture 3">
             <a:extLst>
               <a:ext uri="{FF2B5EF4-FFF2-40B4-BE49-F238E27FC236}">
-                <a16:creationId xmlns:a16="http://schemas.microsoft.com/office/drawing/2014/main" id="{A196DAC0-1739-7B42-AB81-828E29C6B021}"/>
+                <a16:creationId xmlns:a16="http://schemas.microsoft.com/office/drawing/2014/main" xmlns="" id="{A196DAC0-1739-7B42-AB81-828E29C6B021}"/>
               </a:ext>
             </a:extLst>
           </p:cNvPr>
@@ -3629,7 +5105,7 @@
           <p:cNvPr id="2" name="Title 1">
             <a:extLst>
               <a:ext uri="{FF2B5EF4-FFF2-40B4-BE49-F238E27FC236}">
-                <a16:creationId xmlns:a16="http://schemas.microsoft.com/office/drawing/2014/main" id="{2841A013-1902-0A4D-9383-F3238305A7C5}"/>
+                <a16:creationId xmlns:a16="http://schemas.microsoft.com/office/drawing/2014/main" xmlns="" id="{2841A013-1902-0A4D-9383-F3238305A7C5}"/>
               </a:ext>
             </a:extLst>
           </p:cNvPr>
@@ -3658,7 +5134,7 @@
           <p:cNvPr id="3" name="Content Placeholder 2">
             <a:extLst>
               <a:ext uri="{FF2B5EF4-FFF2-40B4-BE49-F238E27FC236}">
-                <a16:creationId xmlns:a16="http://schemas.microsoft.com/office/drawing/2014/main" id="{D8AC1DFA-2A83-E54D-B67B-E20F3EA39F94}"/>
+                <a16:creationId xmlns:a16="http://schemas.microsoft.com/office/drawing/2014/main" xmlns="" id="{D8AC1DFA-2A83-E54D-B67B-E20F3EA39F94}"/>
               </a:ext>
             </a:extLst>
           </p:cNvPr>
@@ -3681,8 +5157,13 @@
             </a:pPr>
             <a:r>
               <a:rPr lang="en-US" dirty="0"/>
-              <a:t>Targeting small to mid sized companies</a:t>
-            </a:r>
+              <a:t>Targeting </a:t>
+            </a:r>
+            <a:r>
+              <a:rPr lang="en-US" dirty="0" smtClean="0"/>
+              <a:t>companies</a:t>
+            </a:r>
+            <a:endParaRPr lang="en-US" dirty="0"/>
           </a:p>
           <a:p>
             <a:pPr>
@@ -3705,7 +5186,7 @@
           <p:cNvPr id="4" name="Picture 3">
             <a:extLst>
               <a:ext uri="{FF2B5EF4-FFF2-40B4-BE49-F238E27FC236}">
-                <a16:creationId xmlns:a16="http://schemas.microsoft.com/office/drawing/2014/main" id="{EFE81110-E345-0A4A-B78E-9AD34187D73F}"/>
+                <a16:creationId xmlns:a16="http://schemas.microsoft.com/office/drawing/2014/main" xmlns="" id="{EFE81110-E345-0A4A-B78E-9AD34187D73F}"/>
               </a:ext>
             </a:extLst>
           </p:cNvPr>
@@ -3735,7 +5216,7 @@
           <p:cNvPr id="6" name="Picture 5">
             <a:extLst>
               <a:ext uri="{FF2B5EF4-FFF2-40B4-BE49-F238E27FC236}">
-                <a16:creationId xmlns:a16="http://schemas.microsoft.com/office/drawing/2014/main" id="{C33F4CFD-AAF0-784F-8D1A-AEFC1C5E590D}"/>
+                <a16:creationId xmlns:a16="http://schemas.microsoft.com/office/drawing/2014/main" xmlns="" id="{C33F4CFD-AAF0-784F-8D1A-AEFC1C5E590D}"/>
               </a:ext>
             </a:extLst>
           </p:cNvPr>
@@ -3765,7 +5246,7 @@
           <p:cNvPr id="10" name="Picture 9">
             <a:extLst>
               <a:ext uri="{FF2B5EF4-FFF2-40B4-BE49-F238E27FC236}">
-                <a16:creationId xmlns:a16="http://schemas.microsoft.com/office/drawing/2014/main" id="{2D375751-A7E1-0648-A61D-70EF4E727BC8}"/>
+                <a16:creationId xmlns:a16="http://schemas.microsoft.com/office/drawing/2014/main" xmlns="" id="{2D375751-A7E1-0648-A61D-70EF4E727BC8}"/>
               </a:ext>
             </a:extLst>
           </p:cNvPr>
@@ -3825,7 +5306,7 @@
           <p:cNvPr id="2" name="Title 1">
             <a:extLst>
               <a:ext uri="{FF2B5EF4-FFF2-40B4-BE49-F238E27FC236}">
-                <a16:creationId xmlns:a16="http://schemas.microsoft.com/office/drawing/2014/main" id="{04D6DE77-0B18-5646-AD91-872F7E289CB4}"/>
+                <a16:creationId xmlns:a16="http://schemas.microsoft.com/office/drawing/2014/main" xmlns="" id="{04D6DE77-0B18-5646-AD91-872F7E289CB4}"/>
               </a:ext>
             </a:extLst>
           </p:cNvPr>
@@ -3854,7 +5335,7 @@
           <p:cNvPr id="3" name="Content Placeholder 2">
             <a:extLst>
               <a:ext uri="{FF2B5EF4-FFF2-40B4-BE49-F238E27FC236}">
-                <a16:creationId xmlns:a16="http://schemas.microsoft.com/office/drawing/2014/main" id="{E1CBED8E-9DCB-F54F-8E3B-AD75AD759D9F}"/>
+                <a16:creationId xmlns:a16="http://schemas.microsoft.com/office/drawing/2014/main" xmlns="" id="{E1CBED8E-9DCB-F54F-8E3B-AD75AD759D9F}"/>
               </a:ext>
             </a:extLst>
           </p:cNvPr>
@@ -3909,7 +5390,7 @@
           <p:cNvPr id="4" name="Picture 3">
             <a:extLst>
               <a:ext uri="{FF2B5EF4-FFF2-40B4-BE49-F238E27FC236}">
-                <a16:creationId xmlns:a16="http://schemas.microsoft.com/office/drawing/2014/main" id="{375A873E-10C2-E243-BFE6-0D1F802AFDEF}"/>
+                <a16:creationId xmlns:a16="http://schemas.microsoft.com/office/drawing/2014/main" xmlns="" id="{375A873E-10C2-E243-BFE6-0D1F802AFDEF}"/>
               </a:ext>
             </a:extLst>
           </p:cNvPr>
@@ -3969,7 +5450,7 @@
           <p:cNvPr id="2" name="Title 1">
             <a:extLst>
               <a:ext uri="{FF2B5EF4-FFF2-40B4-BE49-F238E27FC236}">
-                <a16:creationId xmlns:a16="http://schemas.microsoft.com/office/drawing/2014/main" id="{80650A49-BE78-CB47-87F4-137D78D89344}"/>
+                <a16:creationId xmlns:a16="http://schemas.microsoft.com/office/drawing/2014/main" xmlns="" id="{80650A49-BE78-CB47-87F4-137D78D89344}"/>
               </a:ext>
             </a:extLst>
           </p:cNvPr>
@@ -3998,7 +5479,7 @@
           <p:cNvPr id="3" name="Content Placeholder 2">
             <a:extLst>
               <a:ext uri="{FF2B5EF4-FFF2-40B4-BE49-F238E27FC236}">
-                <a16:creationId xmlns:a16="http://schemas.microsoft.com/office/drawing/2014/main" id="{5F5DC835-9939-6F45-AF4A-B6B80623ED1D}"/>
+                <a16:creationId xmlns:a16="http://schemas.microsoft.com/office/drawing/2014/main" xmlns="" id="{5F5DC835-9939-6F45-AF4A-B6B80623ED1D}"/>
               </a:ext>
             </a:extLst>
           </p:cNvPr>
@@ -4064,7 +5545,7 @@
           <p:cNvPr id="4" name="Picture 3">
             <a:extLst>
               <a:ext uri="{FF2B5EF4-FFF2-40B4-BE49-F238E27FC236}">
-                <a16:creationId xmlns:a16="http://schemas.microsoft.com/office/drawing/2014/main" id="{9008AD4F-484B-8040-B237-4A4DE7B0EA8E}"/>
+                <a16:creationId xmlns:a16="http://schemas.microsoft.com/office/drawing/2014/main" xmlns="" id="{9008AD4F-484B-8040-B237-4A4DE7B0EA8E}"/>
               </a:ext>
             </a:extLst>
           </p:cNvPr>
@@ -4124,7 +5605,7 @@
           <p:cNvPr id="2" name="Title 1">
             <a:extLst>
               <a:ext uri="{FF2B5EF4-FFF2-40B4-BE49-F238E27FC236}">
-                <a16:creationId xmlns:a16="http://schemas.microsoft.com/office/drawing/2014/main" id="{BC5DA4AD-0C71-7A47-85DE-BC9DE15B285A}"/>
+                <a16:creationId xmlns:a16="http://schemas.microsoft.com/office/drawing/2014/main" xmlns="" id="{BC5DA4AD-0C71-7A47-85DE-BC9DE15B285A}"/>
               </a:ext>
             </a:extLst>
           </p:cNvPr>
@@ -4153,7 +5634,7 @@
           <p:cNvPr id="3" name="Content Placeholder 2">
             <a:extLst>
               <a:ext uri="{FF2B5EF4-FFF2-40B4-BE49-F238E27FC236}">
-                <a16:creationId xmlns:a16="http://schemas.microsoft.com/office/drawing/2014/main" id="{DFEB92B7-8F82-E449-A4BC-7E38092C7E34}"/>
+                <a16:creationId xmlns:a16="http://schemas.microsoft.com/office/drawing/2014/main" xmlns="" id="{DFEB92B7-8F82-E449-A4BC-7E38092C7E34}"/>
               </a:ext>
             </a:extLst>
           </p:cNvPr>
@@ -4214,7 +5695,7 @@
           <p:cNvPr id="4" name="Picture 3">
             <a:extLst>
               <a:ext uri="{FF2B5EF4-FFF2-40B4-BE49-F238E27FC236}">
-                <a16:creationId xmlns:a16="http://schemas.microsoft.com/office/drawing/2014/main" id="{1DB5F070-954F-B246-92C2-DBBAF1318929}"/>
+                <a16:creationId xmlns:a16="http://schemas.microsoft.com/office/drawing/2014/main" xmlns="" id="{1DB5F070-954F-B246-92C2-DBBAF1318929}"/>
               </a:ext>
             </a:extLst>
           </p:cNvPr>
@@ -4274,7 +5755,7 @@
           <p:cNvPr id="2" name="Title 1">
             <a:extLst>
               <a:ext uri="{FF2B5EF4-FFF2-40B4-BE49-F238E27FC236}">
-                <a16:creationId xmlns:a16="http://schemas.microsoft.com/office/drawing/2014/main" id="{AA9F9160-9019-3040-A139-DCC8B1C95273}"/>
+                <a16:creationId xmlns:a16="http://schemas.microsoft.com/office/drawing/2014/main" xmlns="" id="{AA9F9160-9019-3040-A139-DCC8B1C95273}"/>
               </a:ext>
             </a:extLst>
           </p:cNvPr>
@@ -4303,7 +5784,7 @@
           <p:cNvPr id="3" name="Content Placeholder 2">
             <a:extLst>
               <a:ext uri="{FF2B5EF4-FFF2-40B4-BE49-F238E27FC236}">
-                <a16:creationId xmlns:a16="http://schemas.microsoft.com/office/drawing/2014/main" id="{0A31F19A-6F02-B246-85CC-8A5EF661C09D}"/>
+                <a16:creationId xmlns:a16="http://schemas.microsoft.com/office/drawing/2014/main" xmlns="" id="{0A31F19A-6F02-B246-85CC-8A5EF661C09D}"/>
               </a:ext>
             </a:extLst>
           </p:cNvPr>
@@ -4358,7 +5839,7 @@
           <p:cNvPr id="4" name="Picture 3">
             <a:extLst>
               <a:ext uri="{FF2B5EF4-FFF2-40B4-BE49-F238E27FC236}">
-                <a16:creationId xmlns:a16="http://schemas.microsoft.com/office/drawing/2014/main" id="{E4AEDFE2-2953-F54B-B6FB-1C4BD361B3F7}"/>
+                <a16:creationId xmlns:a16="http://schemas.microsoft.com/office/drawing/2014/main" xmlns="" id="{E4AEDFE2-2953-F54B-B6FB-1C4BD361B3F7}"/>
               </a:ext>
             </a:extLst>
           </p:cNvPr>
@@ -4415,13 +5896,7 @@
       </p:grpSpPr>
       <p:sp>
         <p:nvSpPr>
-          <p:cNvPr id="2" name="Title 1">
-            <a:extLst>
-              <a:ext uri="{FF2B5EF4-FFF2-40B4-BE49-F238E27FC236}">
-                <a16:creationId xmlns:a16="http://schemas.microsoft.com/office/drawing/2014/main" id="{E394CE2A-A9C6-F34F-8952-7B586B7A7598}"/>
-              </a:ext>
-            </a:extLst>
-          </p:cNvPr>
+          <p:cNvPr id="2" name="Title 1"/>
           <p:cNvSpPr>
             <a:spLocks noGrp="1"/>
           </p:cNvSpPr>
@@ -4434,11 +5909,75 @@
           <a:bodyPr/>
           <a:lstStyle/>
           <a:p>
-            <a:pPr algn="ctr"/>
-            <a:r>
-              <a:rPr lang="en-US" dirty="0"/>
-              <a:t>Demo</a:t>
-            </a:r>
+            <a:r>
+              <a:rPr lang="en-US" dirty="0" smtClean="0"/>
+              <a:t>Challenges</a:t>
+            </a:r>
+            <a:endParaRPr lang="en-US" dirty="0"/>
+          </a:p>
+        </p:txBody>
+      </p:sp>
+      <p:sp>
+        <p:nvSpPr>
+          <p:cNvPr id="3" name="Content Placeholder 2"/>
+          <p:cNvSpPr>
+            <a:spLocks noGrp="1"/>
+          </p:cNvSpPr>
+          <p:nvPr>
+            <p:ph idx="1"/>
+          </p:nvPr>
+        </p:nvSpPr>
+        <p:spPr/>
+        <p:txBody>
+          <a:bodyPr/>
+          <a:lstStyle/>
+          <a:p>
+            <a:r>
+              <a:rPr lang="en-US" dirty="0" smtClean="0"/>
+              <a:t>Security</a:t>
+            </a:r>
+          </a:p>
+          <a:p>
+            <a:pPr lvl="1"/>
+            <a:r>
+              <a:rPr lang="en-US" dirty="0" smtClean="0"/>
+              <a:t>Everything is local</a:t>
+            </a:r>
+          </a:p>
+          <a:p>
+            <a:r>
+              <a:rPr lang="en-US" dirty="0" smtClean="0"/>
+              <a:t>Alert Fatigue</a:t>
+            </a:r>
+          </a:p>
+          <a:p>
+            <a:pPr lvl="1"/>
+            <a:r>
+              <a:rPr lang="en-US" dirty="0" smtClean="0"/>
+              <a:t>Custom thresholds for notifications</a:t>
+            </a:r>
+          </a:p>
+          <a:p>
+            <a:r>
+              <a:rPr lang="en-US" dirty="0" smtClean="0"/>
+              <a:t>Constraint discovery is hard</a:t>
+            </a:r>
+          </a:p>
+          <a:p>
+            <a:pPr lvl="1"/>
+            <a:r>
+              <a:rPr lang="en-US" dirty="0" smtClean="0"/>
+              <a:t>We’ll do our best</a:t>
+            </a:r>
+          </a:p>
+          <a:p>
+            <a:endParaRPr lang="en-US" dirty="0" smtClean="0"/>
+          </a:p>
+          <a:p>
+            <a:endParaRPr lang="en-US" dirty="0" smtClean="0"/>
+          </a:p>
+          <a:p>
+            <a:endParaRPr lang="en-US" dirty="0"/>
           </a:p>
         </p:txBody>
       </p:sp>
@@ -4447,7 +5986,96 @@
           <p:cNvPr id="4" name="Picture 3">
             <a:extLst>
               <a:ext uri="{FF2B5EF4-FFF2-40B4-BE49-F238E27FC236}">
-                <a16:creationId xmlns:a16="http://schemas.microsoft.com/office/drawing/2014/main" id="{700EA7AA-F650-334A-956C-0AB6D3D51848}"/>
+                <a16:creationId xmlns:a16="http://schemas.microsoft.com/office/drawing/2014/main" xmlns="" id="{E4AEDFE2-2953-F54B-B6FB-1C4BD361B3F7}"/>
+              </a:ext>
+            </a:extLst>
+          </p:cNvPr>
+          <p:cNvPicPr>
+            <a:picLocks noChangeAspect="1"/>
+          </p:cNvPicPr>
+          <p:nvPr/>
+        </p:nvPicPr>
+        <p:blipFill>
+          <a:blip r:embed="rId2"/>
+          <a:stretch>
+            <a:fillRect/>
+          </a:stretch>
+        </p:blipFill>
+        <p:spPr>
+          <a:xfrm>
+            <a:off x="10642600" y="5308600"/>
+            <a:ext cx="1549400" cy="1549400"/>
+          </a:xfrm>
+          <a:prstGeom prst="rect">
+            <a:avLst/>
+          </a:prstGeom>
+        </p:spPr>
+      </p:pic>
+    </p:spTree>
+    <p:extLst>
+      <p:ext uri="{BB962C8B-B14F-4D97-AF65-F5344CB8AC3E}">
+        <p14:creationId xmlns:p14="http://schemas.microsoft.com/office/powerpoint/2010/main" val="250373432"/>
+      </p:ext>
+    </p:extLst>
+  </p:cSld>
+  <p:clrMapOvr>
+    <a:masterClrMapping/>
+  </p:clrMapOvr>
+</p:sld>
+</file>
+
+<file path=ppt/slides/slide9.xml><?xml version="1.0" encoding="utf-8"?>
+<p:sld xmlns:a="http://schemas.openxmlformats.org/drawingml/2006/main" xmlns:r="http://schemas.openxmlformats.org/officeDocument/2006/relationships" xmlns:p="http://schemas.openxmlformats.org/presentationml/2006/main">
+  <p:cSld>
+    <p:spTree>
+      <p:nvGrpSpPr>
+        <p:cNvPr id="1" name=""/>
+        <p:cNvGrpSpPr/>
+        <p:nvPr/>
+      </p:nvGrpSpPr>
+      <p:grpSpPr>
+        <a:xfrm>
+          <a:off x="0" y="0"/>
+          <a:ext cx="0" cy="0"/>
+          <a:chOff x="0" y="0"/>
+          <a:chExt cx="0" cy="0"/>
+        </a:xfrm>
+      </p:grpSpPr>
+      <p:sp>
+        <p:nvSpPr>
+          <p:cNvPr id="2" name="Title 1">
+            <a:extLst>
+              <a:ext uri="{FF2B5EF4-FFF2-40B4-BE49-F238E27FC236}">
+                <a16:creationId xmlns:a16="http://schemas.microsoft.com/office/drawing/2014/main" xmlns="" id="{E394CE2A-A9C6-F34F-8952-7B586B7A7598}"/>
+              </a:ext>
+            </a:extLst>
+          </p:cNvPr>
+          <p:cNvSpPr>
+            <a:spLocks noGrp="1"/>
+          </p:cNvSpPr>
+          <p:nvPr>
+            <p:ph type="title"/>
+          </p:nvPr>
+        </p:nvSpPr>
+        <p:spPr/>
+        <p:txBody>
+          <a:bodyPr/>
+          <a:lstStyle/>
+          <a:p>
+            <a:pPr algn="ctr"/>
+            <a:r>
+              <a:rPr lang="en-US" dirty="0"/>
+              <a:t>Demo</a:t>
+            </a:r>
+          </a:p>
+        </p:txBody>
+      </p:sp>
+      <p:pic>
+        <p:nvPicPr>
+          <p:cNvPr id="4" name="Picture 3">
+            <a:extLst>
+              <a:ext uri="{FF2B5EF4-FFF2-40B4-BE49-F238E27FC236}">
+                <a16:creationId xmlns:a16="http://schemas.microsoft.com/office/drawing/2014/main" xmlns="" id="{700EA7AA-F650-334A-956C-0AB6D3D51848}"/>
               </a:ext>
             </a:extLst>
           </p:cNvPr>
@@ -4778,4 +6406,265 @@
     </a:ext>
   </a:extLst>
 </a:theme>
+</file>
+
+<file path=ppt/theme/theme2.xml><?xml version="1.0" encoding="utf-8"?>
+<a:theme xmlns:a="http://schemas.openxmlformats.org/drawingml/2006/main" name="Office Theme">
+  <a:themeElements>
+    <a:clrScheme name="Office">
+      <a:dk1>
+        <a:sysClr val="windowText" lastClr="000000"/>
+      </a:dk1>
+      <a:lt1>
+        <a:sysClr val="window" lastClr="FFFFFF"/>
+      </a:lt1>
+      <a:dk2>
+        <a:srgbClr val="44546A"/>
+      </a:dk2>
+      <a:lt2>
+        <a:srgbClr val="E7E6E6"/>
+      </a:lt2>
+      <a:accent1>
+        <a:srgbClr val="4472C4"/>
+      </a:accent1>
+      <a:accent2>
+        <a:srgbClr val="ED7D31"/>
+      </a:accent2>
+      <a:accent3>
+        <a:srgbClr val="A5A5A5"/>
+      </a:accent3>
+      <a:accent4>
+        <a:srgbClr val="FFC000"/>
+      </a:accent4>
+      <a:accent5>
+        <a:srgbClr val="5B9BD5"/>
+      </a:accent5>
+      <a:accent6>
+        <a:srgbClr val="70AD47"/>
+      </a:accent6>
+      <a:hlink>
+        <a:srgbClr val="0563C1"/>
+      </a:hlink>
+      <a:folHlink>
+        <a:srgbClr val="954F72"/>
+      </a:folHlink>
+    </a:clrScheme>
+    <a:fontScheme name="Office">
+      <a:majorFont>
+        <a:latin typeface="Calibri Light" panose="020F0302020204030204"/>
+        <a:ea typeface=""/>
+        <a:cs typeface=""/>
+        <a:font script="Jpan" typeface="Yu Gothic Light"/>
+        <a:font script="Hang" typeface="맑은 고딕"/>
+        <a:font script="Hans" typeface="DengXian Light"/>
+        <a:font script="Hant" typeface="新細明體"/>
+        <a:font script="Arab" typeface="Times New Roman"/>
+        <a:font script="Hebr" typeface="Times New Roman"/>
+        <a:font script="Thai" typeface="Angsana New"/>
+        <a:font script="Ethi" typeface="Nyala"/>
+        <a:font script="Beng" typeface="Vrinda"/>
+        <a:font script="Gujr" typeface="Shruti"/>
+        <a:font script="Khmr" typeface="MoolBoran"/>
+        <a:font script="Knda" typeface="Tunga"/>
+        <a:font script="Guru" typeface="Raavi"/>
+        <a:font script="Cans" typeface="Euphemia"/>
+        <a:font script="Cher" typeface="Plantagenet Cherokee"/>
+        <a:font script="Yiii" typeface="Microsoft Yi Baiti"/>
+        <a:font script="Tibt" typeface="Microsoft Himalaya"/>
+        <a:font script="Thaa" typeface="MV Boli"/>
+        <a:font script="Deva" typeface="Mangal"/>
+        <a:font script="Telu" typeface="Gautami"/>
+        <a:font script="Taml" typeface="Latha"/>
+        <a:font script="Syrc" typeface="Estrangelo Edessa"/>
+        <a:font script="Orya" typeface="Kalinga"/>
+        <a:font script="Mlym" typeface="Kartika"/>
+        <a:font script="Laoo" typeface="DokChampa"/>
+        <a:font script="Sinh" typeface="Iskoola Pota"/>
+        <a:font script="Mong" typeface="Mongolian Baiti"/>
+        <a:font script="Viet" typeface="Times New Roman"/>
+        <a:font script="Uigh" typeface="Microsoft Uighur"/>
+        <a:font script="Geor" typeface="Sylfaen"/>
+      </a:majorFont>
+      <a:minorFont>
+        <a:latin typeface="Calibri" panose="020F0502020204030204"/>
+        <a:ea typeface=""/>
+        <a:cs typeface=""/>
+        <a:font script="Jpan" typeface="Yu Gothic"/>
+        <a:font script="Hang" typeface="맑은 고딕"/>
+        <a:font script="Hans" typeface="DengXian"/>
+        <a:font script="Hant" typeface="新細明體"/>
+        <a:font script="Arab" typeface="Arial"/>
+        <a:font script="Hebr" typeface="Arial"/>
+        <a:font script="Thai" typeface="Cordia New"/>
+        <a:font script="Ethi" typeface="Nyala"/>
+        <a:font script="Beng" typeface="Vrinda"/>
+        <a:font script="Gujr" typeface="Shruti"/>
+        <a:font script="Khmr" typeface="DaunPenh"/>
+        <a:font script="Knda" typeface="Tunga"/>
+        <a:font script="Guru" typeface="Raavi"/>
+        <a:font script="Cans" typeface="Euphemia"/>
+        <a:font script="Cher" typeface="Plantagenet Cherokee"/>
+        <a:font script="Yiii" typeface="Microsoft Yi Baiti"/>
+        <a:font script="Tibt" typeface="Microsoft Himalaya"/>
+        <a:font script="Thaa" typeface="MV Boli"/>
+        <a:font script="Deva" typeface="Mangal"/>
+        <a:font script="Telu" typeface="Gautami"/>
+        <a:font script="Taml" typeface="Latha"/>
+        <a:font script="Syrc" typeface="Estrangelo Edessa"/>
+        <a:font script="Orya" typeface="Kalinga"/>
+        <a:font script="Mlym" typeface="Kartika"/>
+        <a:font script="Laoo" typeface="DokChampa"/>
+        <a:font script="Sinh" typeface="Iskoola Pota"/>
+        <a:font script="Mong" typeface="Mongolian Baiti"/>
+        <a:font script="Viet" typeface="Arial"/>
+        <a:font script="Uigh" typeface="Microsoft Uighur"/>
+        <a:font script="Geor" typeface="Sylfaen"/>
+      </a:minorFont>
+    </a:fontScheme>
+    <a:fmtScheme name="Office">
+      <a:fillStyleLst>
+        <a:solidFill>
+          <a:schemeClr val="phClr"/>
+        </a:solidFill>
+        <a:gradFill rotWithShape="1">
+          <a:gsLst>
+            <a:gs pos="0">
+              <a:schemeClr val="phClr">
+                <a:lumMod val="110000"/>
+                <a:satMod val="105000"/>
+                <a:tint val="67000"/>
+              </a:schemeClr>
+            </a:gs>
+            <a:gs pos="50000">
+              <a:schemeClr val="phClr">
+                <a:lumMod val="105000"/>
+                <a:satMod val="103000"/>
+                <a:tint val="73000"/>
+              </a:schemeClr>
+            </a:gs>
+            <a:gs pos="100000">
+              <a:schemeClr val="phClr">
+                <a:lumMod val="105000"/>
+                <a:satMod val="109000"/>
+                <a:tint val="81000"/>
+              </a:schemeClr>
+            </a:gs>
+          </a:gsLst>
+          <a:lin ang="5400000" scaled="0"/>
+        </a:gradFill>
+        <a:gradFill rotWithShape="1">
+          <a:gsLst>
+            <a:gs pos="0">
+              <a:schemeClr val="phClr">
+                <a:satMod val="103000"/>
+                <a:lumMod val="102000"/>
+                <a:tint val="94000"/>
+              </a:schemeClr>
+            </a:gs>
+            <a:gs pos="50000">
+              <a:schemeClr val="phClr">
+                <a:satMod val="110000"/>
+                <a:lumMod val="100000"/>
+                <a:shade val="100000"/>
+              </a:schemeClr>
+            </a:gs>
+            <a:gs pos="100000">
+              <a:schemeClr val="phClr">
+                <a:lumMod val="99000"/>
+                <a:satMod val="120000"/>
+                <a:shade val="78000"/>
+              </a:schemeClr>
+            </a:gs>
+          </a:gsLst>
+          <a:lin ang="5400000" scaled="0"/>
+        </a:gradFill>
+      </a:fillStyleLst>
+      <a:lnStyleLst>
+        <a:ln w="6350" cap="flat" cmpd="sng" algn="ctr">
+          <a:solidFill>
+            <a:schemeClr val="phClr"/>
+          </a:solidFill>
+          <a:prstDash val="solid"/>
+          <a:miter lim="800000"/>
+        </a:ln>
+        <a:ln w="12700" cap="flat" cmpd="sng" algn="ctr">
+          <a:solidFill>
+            <a:schemeClr val="phClr"/>
+          </a:solidFill>
+          <a:prstDash val="solid"/>
+          <a:miter lim="800000"/>
+        </a:ln>
+        <a:ln w="19050" cap="flat" cmpd="sng" algn="ctr">
+          <a:solidFill>
+            <a:schemeClr val="phClr"/>
+          </a:solidFill>
+          <a:prstDash val="solid"/>
+          <a:miter lim="800000"/>
+        </a:ln>
+      </a:lnStyleLst>
+      <a:effectStyleLst>
+        <a:effectStyle>
+          <a:effectLst/>
+        </a:effectStyle>
+        <a:effectStyle>
+          <a:effectLst/>
+        </a:effectStyle>
+        <a:effectStyle>
+          <a:effectLst>
+            <a:outerShdw blurRad="57150" dist="19050" dir="5400000" algn="ctr" rotWithShape="0">
+              <a:srgbClr val="000000">
+                <a:alpha val="63000"/>
+              </a:srgbClr>
+            </a:outerShdw>
+          </a:effectLst>
+        </a:effectStyle>
+      </a:effectStyleLst>
+      <a:bgFillStyleLst>
+        <a:solidFill>
+          <a:schemeClr val="phClr"/>
+        </a:solidFill>
+        <a:solidFill>
+          <a:schemeClr val="phClr">
+            <a:tint val="95000"/>
+            <a:satMod val="170000"/>
+          </a:schemeClr>
+        </a:solidFill>
+        <a:gradFill rotWithShape="1">
+          <a:gsLst>
+            <a:gs pos="0">
+              <a:schemeClr val="phClr">
+                <a:tint val="93000"/>
+                <a:satMod val="150000"/>
+                <a:shade val="98000"/>
+                <a:lumMod val="102000"/>
+              </a:schemeClr>
+            </a:gs>
+            <a:gs pos="50000">
+              <a:schemeClr val="phClr">
+                <a:tint val="98000"/>
+                <a:satMod val="130000"/>
+                <a:shade val="90000"/>
+                <a:lumMod val="103000"/>
+              </a:schemeClr>
+            </a:gs>
+            <a:gs pos="100000">
+              <a:schemeClr val="phClr">
+                <a:shade val="63000"/>
+                <a:satMod val="120000"/>
+              </a:schemeClr>
+            </a:gs>
+          </a:gsLst>
+          <a:lin ang="5400000" scaled="0"/>
+        </a:gradFill>
+      </a:bgFillStyleLst>
+    </a:fmtScheme>
+  </a:themeElements>
+  <a:objectDefaults/>
+  <a:extraClrSchemeLst/>
+  <a:extLst>
+    <a:ext uri="{05A4C25C-085E-4340-85A3-A5531E510DB2}">
+      <thm15:themeFamily xmlns:thm15="http://schemas.microsoft.com/office/thememl/2012/main" name="Office Theme" id="{62F939B6-93AF-4DB8-9C6B-D6C7DFDC589F}" vid="{4A3C46E8-61CC-4603-A589-7422A47A8E4A}"/>
+    </a:ext>
+  </a:extLst>
+</a:theme>
 </file>
--- a/midterm_presentation.pptx
+++ b/midterm_presentation.pptx
@@ -5,22 +5,24 @@
     <p:sldMasterId id="2147483648" r:id="rId1"/>
   </p:sldMasterIdLst>
   <p:notesMasterIdLst>
-    <p:notesMasterId r:id="rId15"/>
+    <p:notesMasterId r:id="rId17"/>
   </p:notesMasterIdLst>
   <p:sldIdLst>
     <p:sldId id="256" r:id="rId2"/>
     <p:sldId id="257" r:id="rId3"/>
     <p:sldId id="258" r:id="rId4"/>
-    <p:sldId id="259" r:id="rId5"/>
-    <p:sldId id="261" r:id="rId6"/>
-    <p:sldId id="262" r:id="rId7"/>
-    <p:sldId id="263" r:id="rId8"/>
-    <p:sldId id="267" r:id="rId9"/>
-    <p:sldId id="260" r:id="rId10"/>
-    <p:sldId id="265" r:id="rId11"/>
-    <p:sldId id="266" r:id="rId12"/>
-    <p:sldId id="264" r:id="rId13"/>
-    <p:sldId id="268" r:id="rId14"/>
+    <p:sldId id="269" r:id="rId5"/>
+    <p:sldId id="270" r:id="rId6"/>
+    <p:sldId id="259" r:id="rId7"/>
+    <p:sldId id="261" r:id="rId8"/>
+    <p:sldId id="262" r:id="rId9"/>
+    <p:sldId id="263" r:id="rId10"/>
+    <p:sldId id="267" r:id="rId11"/>
+    <p:sldId id="260" r:id="rId12"/>
+    <p:sldId id="265" r:id="rId13"/>
+    <p:sldId id="266" r:id="rId14"/>
+    <p:sldId id="264" r:id="rId15"/>
+    <p:sldId id="268" r:id="rId16"/>
   </p:sldIdLst>
   <p:sldSz cx="12192000" cy="6858000"/>
   <p:notesSz cx="6858000" cy="9144000"/>
@@ -209,7 +211,7 @@
           <a:p>
             <a:fld id="{E6113AA3-5719-7743-B49D-1B3494013C7A}" type="datetimeFigureOut">
               <a:rPr lang="en-US" smtClean="0"/>
-              <a:t>6/12/19</a:t>
+              <a:t>6/13/19</a:t>
             </a:fld>
             <a:endParaRPr lang="en-US"/>
           </a:p>
@@ -273,38 +275,37 @@
           <a:p>
             <a:pPr lvl="0"/>
             <a:r>
-              <a:rPr lang="en-US" smtClean="0"/>
+              <a:rPr lang="en-US"/>
               <a:t>Click to edit Master text styles</a:t>
             </a:r>
           </a:p>
           <a:p>
             <a:pPr lvl="1"/>
             <a:r>
-              <a:rPr lang="en-US" smtClean="0"/>
+              <a:rPr lang="en-US"/>
               <a:t>Second level</a:t>
             </a:r>
           </a:p>
           <a:p>
             <a:pPr lvl="2"/>
             <a:r>
-              <a:rPr lang="en-US" smtClean="0"/>
+              <a:rPr lang="en-US"/>
               <a:t>Third level</a:t>
             </a:r>
           </a:p>
           <a:p>
             <a:pPr lvl="3"/>
             <a:r>
-              <a:rPr lang="en-US" smtClean="0"/>
+              <a:rPr lang="en-US"/>
               <a:t>Fourth level</a:t>
             </a:r>
           </a:p>
           <a:p>
             <a:pPr lvl="4"/>
             <a:r>
-              <a:rPr lang="en-US" smtClean="0"/>
+              <a:rPr lang="en-US"/>
               <a:t>Fifth level</a:t>
             </a:r>
-            <a:endParaRPr lang="en-US"/>
           </a:p>
         </p:txBody>
       </p:sp>
@@ -522,11 +523,11 @@
           <a:lstStyle/>
           <a:p>
             <a:r>
-              <a:rPr lang="en-US" dirty="0" err="1" smtClean="0"/>
+              <a:rPr lang="en-US" dirty="0" err="1"/>
               <a:t>Arash</a:t>
             </a:r>
             <a:r>
-              <a:rPr lang="en-US" dirty="0" smtClean="0"/>
+              <a:rPr lang="en-US" dirty="0"/>
               <a:t> -</a:t>
             </a:r>
           </a:p>
@@ -549,7 +550,7 @@
           <a:p>
             <a:fld id="{B722305B-3B16-C141-9D10-B33E0E704EC5}" type="slidenum">
               <a:rPr lang="en-US" smtClean="0"/>
-              <a:t>11</a:t>
+              <a:t>13</a:t>
             </a:fld>
             <a:endParaRPr lang="en-US"/>
           </a:p>
@@ -613,14 +614,13 @@
           <a:lstStyle/>
           <a:p>
             <a:r>
-              <a:rPr lang="en-US" dirty="0" err="1" smtClean="0"/>
+              <a:rPr lang="en-US" dirty="0" err="1"/>
               <a:t>Arash</a:t>
             </a:r>
             <a:r>
-              <a:rPr lang="en-US" dirty="0" smtClean="0"/>
+              <a:rPr lang="en-US" dirty="0"/>
               <a:t> - </a:t>
             </a:r>
-            <a:endParaRPr lang="en-US" dirty="0"/>
           </a:p>
         </p:txBody>
       </p:sp>
@@ -641,7 +641,7 @@
           <a:p>
             <a:fld id="{B722305B-3B16-C141-9D10-B33E0E704EC5}" type="slidenum">
               <a:rPr lang="en-US" smtClean="0"/>
-              <a:t>12</a:t>
+              <a:t>14</a:t>
             </a:fld>
             <a:endParaRPr lang="en-US"/>
           </a:p>
@@ -682,7 +682,7 @@
           <p:cNvPr id="2" name="Title 1">
             <a:extLst>
               <a:ext uri="{FF2B5EF4-FFF2-40B4-BE49-F238E27FC236}">
-                <a16:creationId xmlns:a16="http://schemas.microsoft.com/office/drawing/2014/main" xmlns="" id="{9514A341-69ED-D243-A5BB-D69A08A2FAB9}"/>
+                <a16:creationId xmlns:a16="http://schemas.microsoft.com/office/drawing/2014/main" id="{9514A341-69ED-D243-A5BB-D69A08A2FAB9}"/>
               </a:ext>
             </a:extLst>
           </p:cNvPr>
@@ -719,7 +719,7 @@
           <p:cNvPr id="3" name="Subtitle 2">
             <a:extLst>
               <a:ext uri="{FF2B5EF4-FFF2-40B4-BE49-F238E27FC236}">
-                <a16:creationId xmlns:a16="http://schemas.microsoft.com/office/drawing/2014/main" xmlns="" id="{731088D5-9375-494B-AB28-C0E75E715692}"/>
+                <a16:creationId xmlns:a16="http://schemas.microsoft.com/office/drawing/2014/main" id="{731088D5-9375-494B-AB28-C0E75E715692}"/>
               </a:ext>
             </a:extLst>
           </p:cNvPr>
@@ -789,7 +789,7 @@
           <p:cNvPr id="4" name="Date Placeholder 3">
             <a:extLst>
               <a:ext uri="{FF2B5EF4-FFF2-40B4-BE49-F238E27FC236}">
-                <a16:creationId xmlns:a16="http://schemas.microsoft.com/office/drawing/2014/main" xmlns="" id="{8892F842-31FF-6147-9392-A775EA2935F3}"/>
+                <a16:creationId xmlns:a16="http://schemas.microsoft.com/office/drawing/2014/main" id="{8892F842-31FF-6147-9392-A775EA2935F3}"/>
               </a:ext>
             </a:extLst>
           </p:cNvPr>
@@ -807,7 +807,7 @@
           <a:p>
             <a:fld id="{B117922E-E910-6545-901D-B3B05E413205}" type="datetimeFigureOut">
               <a:rPr lang="en-US" smtClean="0"/>
-              <a:t>6/12/19</a:t>
+              <a:t>6/13/19</a:t>
             </a:fld>
             <a:endParaRPr lang="en-US"/>
           </a:p>
@@ -818,7 +818,7 @@
           <p:cNvPr id="5" name="Footer Placeholder 4">
             <a:extLst>
               <a:ext uri="{FF2B5EF4-FFF2-40B4-BE49-F238E27FC236}">
-                <a16:creationId xmlns:a16="http://schemas.microsoft.com/office/drawing/2014/main" xmlns="" id="{6E530C11-C6F5-CD4B-9A63-CF4661BC01C1}"/>
+                <a16:creationId xmlns:a16="http://schemas.microsoft.com/office/drawing/2014/main" id="{6E530C11-C6F5-CD4B-9A63-CF4661BC01C1}"/>
               </a:ext>
             </a:extLst>
           </p:cNvPr>
@@ -843,7 +843,7 @@
           <p:cNvPr id="6" name="Slide Number Placeholder 5">
             <a:extLst>
               <a:ext uri="{FF2B5EF4-FFF2-40B4-BE49-F238E27FC236}">
-                <a16:creationId xmlns:a16="http://schemas.microsoft.com/office/drawing/2014/main" xmlns="" id="{41F82781-0884-BB4C-8F43-B6331D184175}"/>
+                <a16:creationId xmlns:a16="http://schemas.microsoft.com/office/drawing/2014/main" id="{41F82781-0884-BB4C-8F43-B6331D184175}"/>
               </a:ext>
             </a:extLst>
           </p:cNvPr>
@@ -902,7 +902,7 @@
           <p:cNvPr id="2" name="Title 1">
             <a:extLst>
               <a:ext uri="{FF2B5EF4-FFF2-40B4-BE49-F238E27FC236}">
-                <a16:creationId xmlns:a16="http://schemas.microsoft.com/office/drawing/2014/main" xmlns="" id="{52DC6E93-7D37-D846-8E12-2407481497D4}"/>
+                <a16:creationId xmlns:a16="http://schemas.microsoft.com/office/drawing/2014/main" id="{52DC6E93-7D37-D846-8E12-2407481497D4}"/>
               </a:ext>
             </a:extLst>
           </p:cNvPr>
@@ -930,7 +930,7 @@
           <p:cNvPr id="3" name="Vertical Text Placeholder 2">
             <a:extLst>
               <a:ext uri="{FF2B5EF4-FFF2-40B4-BE49-F238E27FC236}">
-                <a16:creationId xmlns:a16="http://schemas.microsoft.com/office/drawing/2014/main" xmlns="" id="{800A96E4-D12D-1241-914B-A275D740532A}"/>
+                <a16:creationId xmlns:a16="http://schemas.microsoft.com/office/drawing/2014/main" id="{800A96E4-D12D-1241-914B-A275D740532A}"/>
               </a:ext>
             </a:extLst>
           </p:cNvPr>
@@ -987,7 +987,7 @@
           <p:cNvPr id="4" name="Date Placeholder 3">
             <a:extLst>
               <a:ext uri="{FF2B5EF4-FFF2-40B4-BE49-F238E27FC236}">
-                <a16:creationId xmlns:a16="http://schemas.microsoft.com/office/drawing/2014/main" xmlns="" id="{95B2D362-25D9-7A4A-A76B-9917DBA216F0}"/>
+                <a16:creationId xmlns:a16="http://schemas.microsoft.com/office/drawing/2014/main" id="{95B2D362-25D9-7A4A-A76B-9917DBA216F0}"/>
               </a:ext>
             </a:extLst>
           </p:cNvPr>
@@ -1005,7 +1005,7 @@
           <a:p>
             <a:fld id="{B117922E-E910-6545-901D-B3B05E413205}" type="datetimeFigureOut">
               <a:rPr lang="en-US" smtClean="0"/>
-              <a:t>6/12/19</a:t>
+              <a:t>6/13/19</a:t>
             </a:fld>
             <a:endParaRPr lang="en-US"/>
           </a:p>
@@ -1016,7 +1016,7 @@
           <p:cNvPr id="5" name="Footer Placeholder 4">
             <a:extLst>
               <a:ext uri="{FF2B5EF4-FFF2-40B4-BE49-F238E27FC236}">
-                <a16:creationId xmlns:a16="http://schemas.microsoft.com/office/drawing/2014/main" xmlns="" id="{39BD6234-876E-1C4B-AD64-5DC3425C3558}"/>
+                <a16:creationId xmlns:a16="http://schemas.microsoft.com/office/drawing/2014/main" id="{39BD6234-876E-1C4B-AD64-5DC3425C3558}"/>
               </a:ext>
             </a:extLst>
           </p:cNvPr>
@@ -1041,7 +1041,7 @@
           <p:cNvPr id="6" name="Slide Number Placeholder 5">
             <a:extLst>
               <a:ext uri="{FF2B5EF4-FFF2-40B4-BE49-F238E27FC236}">
-                <a16:creationId xmlns:a16="http://schemas.microsoft.com/office/drawing/2014/main" xmlns="" id="{9CECE56A-C32E-4E47-8979-B6B101E523FE}"/>
+                <a16:creationId xmlns:a16="http://schemas.microsoft.com/office/drawing/2014/main" id="{9CECE56A-C32E-4E47-8979-B6B101E523FE}"/>
               </a:ext>
             </a:extLst>
           </p:cNvPr>
@@ -1100,7 +1100,7 @@
           <p:cNvPr id="2" name="Vertical Title 1">
             <a:extLst>
               <a:ext uri="{FF2B5EF4-FFF2-40B4-BE49-F238E27FC236}">
-                <a16:creationId xmlns:a16="http://schemas.microsoft.com/office/drawing/2014/main" xmlns="" id="{47199A6F-730A-5146-AE4E-85181386019A}"/>
+                <a16:creationId xmlns:a16="http://schemas.microsoft.com/office/drawing/2014/main" id="{47199A6F-730A-5146-AE4E-85181386019A}"/>
               </a:ext>
             </a:extLst>
           </p:cNvPr>
@@ -1133,7 +1133,7 @@
           <p:cNvPr id="3" name="Vertical Text Placeholder 2">
             <a:extLst>
               <a:ext uri="{FF2B5EF4-FFF2-40B4-BE49-F238E27FC236}">
-                <a16:creationId xmlns:a16="http://schemas.microsoft.com/office/drawing/2014/main" xmlns="" id="{D024795D-3721-A740-8FEE-425C4D4969E6}"/>
+                <a16:creationId xmlns:a16="http://schemas.microsoft.com/office/drawing/2014/main" id="{D024795D-3721-A740-8FEE-425C4D4969E6}"/>
               </a:ext>
             </a:extLst>
           </p:cNvPr>
@@ -1195,7 +1195,7 @@
           <p:cNvPr id="4" name="Date Placeholder 3">
             <a:extLst>
               <a:ext uri="{FF2B5EF4-FFF2-40B4-BE49-F238E27FC236}">
-                <a16:creationId xmlns:a16="http://schemas.microsoft.com/office/drawing/2014/main" xmlns="" id="{4FA1E2ED-2612-8B40-8DD7-0C99AF14E6C1}"/>
+                <a16:creationId xmlns:a16="http://schemas.microsoft.com/office/drawing/2014/main" id="{4FA1E2ED-2612-8B40-8DD7-0C99AF14E6C1}"/>
               </a:ext>
             </a:extLst>
           </p:cNvPr>
@@ -1213,7 +1213,7 @@
           <a:p>
             <a:fld id="{B117922E-E910-6545-901D-B3B05E413205}" type="datetimeFigureOut">
               <a:rPr lang="en-US" smtClean="0"/>
-              <a:t>6/12/19</a:t>
+              <a:t>6/13/19</a:t>
             </a:fld>
             <a:endParaRPr lang="en-US"/>
           </a:p>
@@ -1224,7 +1224,7 @@
           <p:cNvPr id="5" name="Footer Placeholder 4">
             <a:extLst>
               <a:ext uri="{FF2B5EF4-FFF2-40B4-BE49-F238E27FC236}">
-                <a16:creationId xmlns:a16="http://schemas.microsoft.com/office/drawing/2014/main" xmlns="" id="{283FB754-7C96-9846-8180-DFFB00EE9579}"/>
+                <a16:creationId xmlns:a16="http://schemas.microsoft.com/office/drawing/2014/main" id="{283FB754-7C96-9846-8180-DFFB00EE9579}"/>
               </a:ext>
             </a:extLst>
           </p:cNvPr>
@@ -1249,7 +1249,7 @@
           <p:cNvPr id="6" name="Slide Number Placeholder 5">
             <a:extLst>
               <a:ext uri="{FF2B5EF4-FFF2-40B4-BE49-F238E27FC236}">
-                <a16:creationId xmlns:a16="http://schemas.microsoft.com/office/drawing/2014/main" xmlns="" id="{D31D0FF8-6C1F-9E40-B424-B2F0223C1053}"/>
+                <a16:creationId xmlns:a16="http://schemas.microsoft.com/office/drawing/2014/main" id="{D31D0FF8-6C1F-9E40-B424-B2F0223C1053}"/>
               </a:ext>
             </a:extLst>
           </p:cNvPr>
@@ -1308,7 +1308,7 @@
           <p:cNvPr id="2" name="Title 1">
             <a:extLst>
               <a:ext uri="{FF2B5EF4-FFF2-40B4-BE49-F238E27FC236}">
-                <a16:creationId xmlns:a16="http://schemas.microsoft.com/office/drawing/2014/main" xmlns="" id="{A52527F9-C314-664B-9A0A-94E07F7A2538}"/>
+                <a16:creationId xmlns:a16="http://schemas.microsoft.com/office/drawing/2014/main" id="{A52527F9-C314-664B-9A0A-94E07F7A2538}"/>
               </a:ext>
             </a:extLst>
           </p:cNvPr>
@@ -1336,7 +1336,7 @@
           <p:cNvPr id="3" name="Content Placeholder 2">
             <a:extLst>
               <a:ext uri="{FF2B5EF4-FFF2-40B4-BE49-F238E27FC236}">
-                <a16:creationId xmlns:a16="http://schemas.microsoft.com/office/drawing/2014/main" xmlns="" id="{D3113FAD-EE1C-4C4A-96EC-F110260F44BD}"/>
+                <a16:creationId xmlns:a16="http://schemas.microsoft.com/office/drawing/2014/main" id="{D3113FAD-EE1C-4C4A-96EC-F110260F44BD}"/>
               </a:ext>
             </a:extLst>
           </p:cNvPr>
@@ -1393,7 +1393,7 @@
           <p:cNvPr id="4" name="Date Placeholder 3">
             <a:extLst>
               <a:ext uri="{FF2B5EF4-FFF2-40B4-BE49-F238E27FC236}">
-                <a16:creationId xmlns:a16="http://schemas.microsoft.com/office/drawing/2014/main" xmlns="" id="{3CF56791-06EE-0D4D-A66B-EF1791829745}"/>
+                <a16:creationId xmlns:a16="http://schemas.microsoft.com/office/drawing/2014/main" id="{3CF56791-06EE-0D4D-A66B-EF1791829745}"/>
               </a:ext>
             </a:extLst>
           </p:cNvPr>
@@ -1411,7 +1411,7 @@
           <a:p>
             <a:fld id="{B117922E-E910-6545-901D-B3B05E413205}" type="datetimeFigureOut">
               <a:rPr lang="en-US" smtClean="0"/>
-              <a:t>6/12/19</a:t>
+              <a:t>6/13/19</a:t>
             </a:fld>
             <a:endParaRPr lang="en-US"/>
           </a:p>
@@ -1422,7 +1422,7 @@
           <p:cNvPr id="5" name="Footer Placeholder 4">
             <a:extLst>
               <a:ext uri="{FF2B5EF4-FFF2-40B4-BE49-F238E27FC236}">
-                <a16:creationId xmlns:a16="http://schemas.microsoft.com/office/drawing/2014/main" xmlns="" id="{F4BF55C5-8418-C440-BE9F-B8120E0270B3}"/>
+                <a16:creationId xmlns:a16="http://schemas.microsoft.com/office/drawing/2014/main" id="{F4BF55C5-8418-C440-BE9F-B8120E0270B3}"/>
               </a:ext>
             </a:extLst>
           </p:cNvPr>
@@ -1447,7 +1447,7 @@
           <p:cNvPr id="6" name="Slide Number Placeholder 5">
             <a:extLst>
               <a:ext uri="{FF2B5EF4-FFF2-40B4-BE49-F238E27FC236}">
-                <a16:creationId xmlns:a16="http://schemas.microsoft.com/office/drawing/2014/main" xmlns="" id="{0C093C2C-0399-2F42-BC62-A8A3A52DFBEF}"/>
+                <a16:creationId xmlns:a16="http://schemas.microsoft.com/office/drawing/2014/main" id="{0C093C2C-0399-2F42-BC62-A8A3A52DFBEF}"/>
               </a:ext>
             </a:extLst>
           </p:cNvPr>
@@ -1506,7 +1506,7 @@
           <p:cNvPr id="2" name="Title 1">
             <a:extLst>
               <a:ext uri="{FF2B5EF4-FFF2-40B4-BE49-F238E27FC236}">
-                <a16:creationId xmlns:a16="http://schemas.microsoft.com/office/drawing/2014/main" xmlns="" id="{46AE4F74-C04B-6646-966D-8CE135029F67}"/>
+                <a16:creationId xmlns:a16="http://schemas.microsoft.com/office/drawing/2014/main" id="{46AE4F74-C04B-6646-966D-8CE135029F67}"/>
               </a:ext>
             </a:extLst>
           </p:cNvPr>
@@ -1543,7 +1543,7 @@
           <p:cNvPr id="3" name="Text Placeholder 2">
             <a:extLst>
               <a:ext uri="{FF2B5EF4-FFF2-40B4-BE49-F238E27FC236}">
-                <a16:creationId xmlns:a16="http://schemas.microsoft.com/office/drawing/2014/main" xmlns="" id="{0E51A314-D793-7042-AAC9-95434A6220FF}"/>
+                <a16:creationId xmlns:a16="http://schemas.microsoft.com/office/drawing/2014/main" id="{0E51A314-D793-7042-AAC9-95434A6220FF}"/>
               </a:ext>
             </a:extLst>
           </p:cNvPr>
@@ -1668,7 +1668,7 @@
           <p:cNvPr id="4" name="Date Placeholder 3">
             <a:extLst>
               <a:ext uri="{FF2B5EF4-FFF2-40B4-BE49-F238E27FC236}">
-                <a16:creationId xmlns:a16="http://schemas.microsoft.com/office/drawing/2014/main" xmlns="" id="{5A29F1A9-4259-0146-8779-3E9783F752A5}"/>
+                <a16:creationId xmlns:a16="http://schemas.microsoft.com/office/drawing/2014/main" id="{5A29F1A9-4259-0146-8779-3E9783F752A5}"/>
               </a:ext>
             </a:extLst>
           </p:cNvPr>
@@ -1686,7 +1686,7 @@
           <a:p>
             <a:fld id="{B117922E-E910-6545-901D-B3B05E413205}" type="datetimeFigureOut">
               <a:rPr lang="en-US" smtClean="0"/>
-              <a:t>6/12/19</a:t>
+              <a:t>6/13/19</a:t>
             </a:fld>
             <a:endParaRPr lang="en-US"/>
           </a:p>
@@ -1697,7 +1697,7 @@
           <p:cNvPr id="5" name="Footer Placeholder 4">
             <a:extLst>
               <a:ext uri="{FF2B5EF4-FFF2-40B4-BE49-F238E27FC236}">
-                <a16:creationId xmlns:a16="http://schemas.microsoft.com/office/drawing/2014/main" xmlns="" id="{AA504BB6-C0C0-D642-86F1-049824923D9C}"/>
+                <a16:creationId xmlns:a16="http://schemas.microsoft.com/office/drawing/2014/main" id="{AA504BB6-C0C0-D642-86F1-049824923D9C}"/>
               </a:ext>
             </a:extLst>
           </p:cNvPr>
@@ -1722,7 +1722,7 @@
           <p:cNvPr id="6" name="Slide Number Placeholder 5">
             <a:extLst>
               <a:ext uri="{FF2B5EF4-FFF2-40B4-BE49-F238E27FC236}">
-                <a16:creationId xmlns:a16="http://schemas.microsoft.com/office/drawing/2014/main" xmlns="" id="{A1478E59-1975-4547-B211-B596040E9ADE}"/>
+                <a16:creationId xmlns:a16="http://schemas.microsoft.com/office/drawing/2014/main" id="{A1478E59-1975-4547-B211-B596040E9ADE}"/>
               </a:ext>
             </a:extLst>
           </p:cNvPr>
@@ -1781,7 +1781,7 @@
           <p:cNvPr id="2" name="Title 1">
             <a:extLst>
               <a:ext uri="{FF2B5EF4-FFF2-40B4-BE49-F238E27FC236}">
-                <a16:creationId xmlns:a16="http://schemas.microsoft.com/office/drawing/2014/main" xmlns="" id="{A0A2C9C6-146F-AC4D-B5C9-2248C41580B0}"/>
+                <a16:creationId xmlns:a16="http://schemas.microsoft.com/office/drawing/2014/main" id="{A0A2C9C6-146F-AC4D-B5C9-2248C41580B0}"/>
               </a:ext>
             </a:extLst>
           </p:cNvPr>
@@ -1809,7 +1809,7 @@
           <p:cNvPr id="3" name="Content Placeholder 2">
             <a:extLst>
               <a:ext uri="{FF2B5EF4-FFF2-40B4-BE49-F238E27FC236}">
-                <a16:creationId xmlns:a16="http://schemas.microsoft.com/office/drawing/2014/main" xmlns="" id="{E85010A7-DE99-5342-AFAD-3DBE37866E52}"/>
+                <a16:creationId xmlns:a16="http://schemas.microsoft.com/office/drawing/2014/main" id="{E85010A7-DE99-5342-AFAD-3DBE37866E52}"/>
               </a:ext>
             </a:extLst>
           </p:cNvPr>
@@ -1871,7 +1871,7 @@
           <p:cNvPr id="4" name="Content Placeholder 3">
             <a:extLst>
               <a:ext uri="{FF2B5EF4-FFF2-40B4-BE49-F238E27FC236}">
-                <a16:creationId xmlns:a16="http://schemas.microsoft.com/office/drawing/2014/main" xmlns="" id="{55AC3DC5-E0AE-AC4C-8D5A-EC7EDFF99BE0}"/>
+                <a16:creationId xmlns:a16="http://schemas.microsoft.com/office/drawing/2014/main" id="{55AC3DC5-E0AE-AC4C-8D5A-EC7EDFF99BE0}"/>
               </a:ext>
             </a:extLst>
           </p:cNvPr>
@@ -1933,7 +1933,7 @@
           <p:cNvPr id="5" name="Date Placeholder 4">
             <a:extLst>
               <a:ext uri="{FF2B5EF4-FFF2-40B4-BE49-F238E27FC236}">
-                <a16:creationId xmlns:a16="http://schemas.microsoft.com/office/drawing/2014/main" xmlns="" id="{895DDA00-DB5D-0540-931A-850557903CEA}"/>
+                <a16:creationId xmlns:a16="http://schemas.microsoft.com/office/drawing/2014/main" id="{895DDA00-DB5D-0540-931A-850557903CEA}"/>
               </a:ext>
             </a:extLst>
           </p:cNvPr>
@@ -1951,7 +1951,7 @@
           <a:p>
             <a:fld id="{B117922E-E910-6545-901D-B3B05E413205}" type="datetimeFigureOut">
               <a:rPr lang="en-US" smtClean="0"/>
-              <a:t>6/12/19</a:t>
+              <a:t>6/13/19</a:t>
             </a:fld>
             <a:endParaRPr lang="en-US"/>
           </a:p>
@@ -1962,7 +1962,7 @@
           <p:cNvPr id="6" name="Footer Placeholder 5">
             <a:extLst>
               <a:ext uri="{FF2B5EF4-FFF2-40B4-BE49-F238E27FC236}">
-                <a16:creationId xmlns:a16="http://schemas.microsoft.com/office/drawing/2014/main" xmlns="" id="{DD031AA0-4E9A-D345-BB79-CAA2C8E5F853}"/>
+                <a16:creationId xmlns:a16="http://schemas.microsoft.com/office/drawing/2014/main" id="{DD031AA0-4E9A-D345-BB79-CAA2C8E5F853}"/>
               </a:ext>
             </a:extLst>
           </p:cNvPr>
@@ -1987,7 +1987,7 @@
           <p:cNvPr id="7" name="Slide Number Placeholder 6">
             <a:extLst>
               <a:ext uri="{FF2B5EF4-FFF2-40B4-BE49-F238E27FC236}">
-                <a16:creationId xmlns:a16="http://schemas.microsoft.com/office/drawing/2014/main" xmlns="" id="{A05671C0-F387-CD48-9548-3D11AF2A2D62}"/>
+                <a16:creationId xmlns:a16="http://schemas.microsoft.com/office/drawing/2014/main" id="{A05671C0-F387-CD48-9548-3D11AF2A2D62}"/>
               </a:ext>
             </a:extLst>
           </p:cNvPr>
@@ -2046,7 +2046,7 @@
           <p:cNvPr id="2" name="Title 1">
             <a:extLst>
               <a:ext uri="{FF2B5EF4-FFF2-40B4-BE49-F238E27FC236}">
-                <a16:creationId xmlns:a16="http://schemas.microsoft.com/office/drawing/2014/main" xmlns="" id="{52C7E19E-33BB-0A40-898E-21C4D8B75257}"/>
+                <a16:creationId xmlns:a16="http://schemas.microsoft.com/office/drawing/2014/main" id="{52C7E19E-33BB-0A40-898E-21C4D8B75257}"/>
               </a:ext>
             </a:extLst>
           </p:cNvPr>
@@ -2079,7 +2079,7 @@
           <p:cNvPr id="3" name="Text Placeholder 2">
             <a:extLst>
               <a:ext uri="{FF2B5EF4-FFF2-40B4-BE49-F238E27FC236}">
-                <a16:creationId xmlns:a16="http://schemas.microsoft.com/office/drawing/2014/main" xmlns="" id="{F2C45494-BDE1-204B-8971-46B3CD32A0A3}"/>
+                <a16:creationId xmlns:a16="http://schemas.microsoft.com/office/drawing/2014/main" id="{F2C45494-BDE1-204B-8971-46B3CD32A0A3}"/>
               </a:ext>
             </a:extLst>
           </p:cNvPr>
@@ -2150,7 +2150,7 @@
           <p:cNvPr id="4" name="Content Placeholder 3">
             <a:extLst>
               <a:ext uri="{FF2B5EF4-FFF2-40B4-BE49-F238E27FC236}">
-                <a16:creationId xmlns:a16="http://schemas.microsoft.com/office/drawing/2014/main" xmlns="" id="{F7A71837-ADCE-5540-B0C6-56D108B40738}"/>
+                <a16:creationId xmlns:a16="http://schemas.microsoft.com/office/drawing/2014/main" id="{F7A71837-ADCE-5540-B0C6-56D108B40738}"/>
               </a:ext>
             </a:extLst>
           </p:cNvPr>
@@ -2212,7 +2212,7 @@
           <p:cNvPr id="5" name="Text Placeholder 4">
             <a:extLst>
               <a:ext uri="{FF2B5EF4-FFF2-40B4-BE49-F238E27FC236}">
-                <a16:creationId xmlns:a16="http://schemas.microsoft.com/office/drawing/2014/main" xmlns="" id="{A759F03B-0228-2F41-A14D-2546EE9BA806}"/>
+                <a16:creationId xmlns:a16="http://schemas.microsoft.com/office/drawing/2014/main" id="{A759F03B-0228-2F41-A14D-2546EE9BA806}"/>
               </a:ext>
             </a:extLst>
           </p:cNvPr>
@@ -2283,7 +2283,7 @@
           <p:cNvPr id="6" name="Content Placeholder 5">
             <a:extLst>
               <a:ext uri="{FF2B5EF4-FFF2-40B4-BE49-F238E27FC236}">
-                <a16:creationId xmlns:a16="http://schemas.microsoft.com/office/drawing/2014/main" xmlns="" id="{C6F5956D-FB22-2B4A-9329-A84FD2CE3CDE}"/>
+                <a16:creationId xmlns:a16="http://schemas.microsoft.com/office/drawing/2014/main" id="{C6F5956D-FB22-2B4A-9329-A84FD2CE3CDE}"/>
               </a:ext>
             </a:extLst>
           </p:cNvPr>
@@ -2345,7 +2345,7 @@
           <p:cNvPr id="7" name="Date Placeholder 6">
             <a:extLst>
               <a:ext uri="{FF2B5EF4-FFF2-40B4-BE49-F238E27FC236}">
-                <a16:creationId xmlns:a16="http://schemas.microsoft.com/office/drawing/2014/main" xmlns="" id="{36852D22-52BE-C24C-A899-BD0B675C2519}"/>
+                <a16:creationId xmlns:a16="http://schemas.microsoft.com/office/drawing/2014/main" id="{36852D22-52BE-C24C-A899-BD0B675C2519}"/>
               </a:ext>
             </a:extLst>
           </p:cNvPr>
@@ -2363,7 +2363,7 @@
           <a:p>
             <a:fld id="{B117922E-E910-6545-901D-B3B05E413205}" type="datetimeFigureOut">
               <a:rPr lang="en-US" smtClean="0"/>
-              <a:t>6/12/19</a:t>
+              <a:t>6/13/19</a:t>
             </a:fld>
             <a:endParaRPr lang="en-US"/>
           </a:p>
@@ -2374,7 +2374,7 @@
           <p:cNvPr id="8" name="Footer Placeholder 7">
             <a:extLst>
               <a:ext uri="{FF2B5EF4-FFF2-40B4-BE49-F238E27FC236}">
-                <a16:creationId xmlns:a16="http://schemas.microsoft.com/office/drawing/2014/main" xmlns="" id="{4DD51E40-6853-054E-B5AE-67E0A6E77D76}"/>
+                <a16:creationId xmlns:a16="http://schemas.microsoft.com/office/drawing/2014/main" id="{4DD51E40-6853-054E-B5AE-67E0A6E77D76}"/>
               </a:ext>
             </a:extLst>
           </p:cNvPr>
@@ -2399,7 +2399,7 @@
           <p:cNvPr id="9" name="Slide Number Placeholder 8">
             <a:extLst>
               <a:ext uri="{FF2B5EF4-FFF2-40B4-BE49-F238E27FC236}">
-                <a16:creationId xmlns:a16="http://schemas.microsoft.com/office/drawing/2014/main" xmlns="" id="{6C3D38B8-3FD8-7C43-A59F-2AC8EAF716AE}"/>
+                <a16:creationId xmlns:a16="http://schemas.microsoft.com/office/drawing/2014/main" id="{6C3D38B8-3FD8-7C43-A59F-2AC8EAF716AE}"/>
               </a:ext>
             </a:extLst>
           </p:cNvPr>
@@ -2458,7 +2458,7 @@
           <p:cNvPr id="2" name="Title 1">
             <a:extLst>
               <a:ext uri="{FF2B5EF4-FFF2-40B4-BE49-F238E27FC236}">
-                <a16:creationId xmlns:a16="http://schemas.microsoft.com/office/drawing/2014/main" xmlns="" id="{BC0F2119-3587-934F-A1F3-141C18E80571}"/>
+                <a16:creationId xmlns:a16="http://schemas.microsoft.com/office/drawing/2014/main" id="{BC0F2119-3587-934F-A1F3-141C18E80571}"/>
               </a:ext>
             </a:extLst>
           </p:cNvPr>
@@ -2486,7 +2486,7 @@
           <p:cNvPr id="3" name="Date Placeholder 2">
             <a:extLst>
               <a:ext uri="{FF2B5EF4-FFF2-40B4-BE49-F238E27FC236}">
-                <a16:creationId xmlns:a16="http://schemas.microsoft.com/office/drawing/2014/main" xmlns="" id="{48B2ADF1-6077-8F4D-A5B9-EAA77AEE8050}"/>
+                <a16:creationId xmlns:a16="http://schemas.microsoft.com/office/drawing/2014/main" id="{48B2ADF1-6077-8F4D-A5B9-EAA77AEE8050}"/>
               </a:ext>
             </a:extLst>
           </p:cNvPr>
@@ -2504,7 +2504,7 @@
           <a:p>
             <a:fld id="{B117922E-E910-6545-901D-B3B05E413205}" type="datetimeFigureOut">
               <a:rPr lang="en-US" smtClean="0"/>
-              <a:t>6/12/19</a:t>
+              <a:t>6/13/19</a:t>
             </a:fld>
             <a:endParaRPr lang="en-US"/>
           </a:p>
@@ -2515,7 +2515,7 @@
           <p:cNvPr id="4" name="Footer Placeholder 3">
             <a:extLst>
               <a:ext uri="{FF2B5EF4-FFF2-40B4-BE49-F238E27FC236}">
-                <a16:creationId xmlns:a16="http://schemas.microsoft.com/office/drawing/2014/main" xmlns="" id="{438B4D55-647C-E14F-9867-EC595AB77EFC}"/>
+                <a16:creationId xmlns:a16="http://schemas.microsoft.com/office/drawing/2014/main" id="{438B4D55-647C-E14F-9867-EC595AB77EFC}"/>
               </a:ext>
             </a:extLst>
           </p:cNvPr>
@@ -2540,7 +2540,7 @@
           <p:cNvPr id="5" name="Slide Number Placeholder 4">
             <a:extLst>
               <a:ext uri="{FF2B5EF4-FFF2-40B4-BE49-F238E27FC236}">
-                <a16:creationId xmlns:a16="http://schemas.microsoft.com/office/drawing/2014/main" xmlns="" id="{5E294510-31ED-A543-938B-8CF7846E4740}"/>
+                <a16:creationId xmlns:a16="http://schemas.microsoft.com/office/drawing/2014/main" id="{5E294510-31ED-A543-938B-8CF7846E4740}"/>
               </a:ext>
             </a:extLst>
           </p:cNvPr>
@@ -2599,7 +2599,7 @@
           <p:cNvPr id="2" name="Date Placeholder 1">
             <a:extLst>
               <a:ext uri="{FF2B5EF4-FFF2-40B4-BE49-F238E27FC236}">
-                <a16:creationId xmlns:a16="http://schemas.microsoft.com/office/drawing/2014/main" xmlns="" id="{67B9FED5-E769-A047-B151-4EE167E79EBE}"/>
+                <a16:creationId xmlns:a16="http://schemas.microsoft.com/office/drawing/2014/main" id="{67B9FED5-E769-A047-B151-4EE167E79EBE}"/>
               </a:ext>
             </a:extLst>
           </p:cNvPr>
@@ -2617,7 +2617,7 @@
           <a:p>
             <a:fld id="{B117922E-E910-6545-901D-B3B05E413205}" type="datetimeFigureOut">
               <a:rPr lang="en-US" smtClean="0"/>
-              <a:t>6/12/19</a:t>
+              <a:t>6/13/19</a:t>
             </a:fld>
             <a:endParaRPr lang="en-US"/>
           </a:p>
@@ -2628,7 +2628,7 @@
           <p:cNvPr id="3" name="Footer Placeholder 2">
             <a:extLst>
               <a:ext uri="{FF2B5EF4-FFF2-40B4-BE49-F238E27FC236}">
-                <a16:creationId xmlns:a16="http://schemas.microsoft.com/office/drawing/2014/main" xmlns="" id="{822FC704-CD34-614E-9901-77A2B18593FA}"/>
+                <a16:creationId xmlns:a16="http://schemas.microsoft.com/office/drawing/2014/main" id="{822FC704-CD34-614E-9901-77A2B18593FA}"/>
               </a:ext>
             </a:extLst>
           </p:cNvPr>
@@ -2653,7 +2653,7 @@
           <p:cNvPr id="4" name="Slide Number Placeholder 3">
             <a:extLst>
               <a:ext uri="{FF2B5EF4-FFF2-40B4-BE49-F238E27FC236}">
-                <a16:creationId xmlns:a16="http://schemas.microsoft.com/office/drawing/2014/main" xmlns="" id="{578C6DFB-A9C7-BE4A-8010-0780CB83E74A}"/>
+                <a16:creationId xmlns:a16="http://schemas.microsoft.com/office/drawing/2014/main" id="{578C6DFB-A9C7-BE4A-8010-0780CB83E74A}"/>
               </a:ext>
             </a:extLst>
           </p:cNvPr>
@@ -2712,7 +2712,7 @@
           <p:cNvPr id="2" name="Title 1">
             <a:extLst>
               <a:ext uri="{FF2B5EF4-FFF2-40B4-BE49-F238E27FC236}">
-                <a16:creationId xmlns:a16="http://schemas.microsoft.com/office/drawing/2014/main" xmlns="" id="{6496F54F-5C2A-1741-AD6E-DCCBB020B005}"/>
+                <a16:creationId xmlns:a16="http://schemas.microsoft.com/office/drawing/2014/main" id="{6496F54F-5C2A-1741-AD6E-DCCBB020B005}"/>
               </a:ext>
             </a:extLst>
           </p:cNvPr>
@@ -2749,7 +2749,7 @@
           <p:cNvPr id="3" name="Content Placeholder 2">
             <a:extLst>
               <a:ext uri="{FF2B5EF4-FFF2-40B4-BE49-F238E27FC236}">
-                <a16:creationId xmlns:a16="http://schemas.microsoft.com/office/drawing/2014/main" xmlns="" id="{CBCA52CB-7EED-9A42-87CF-290AF13CF29A}"/>
+                <a16:creationId xmlns:a16="http://schemas.microsoft.com/office/drawing/2014/main" id="{CBCA52CB-7EED-9A42-87CF-290AF13CF29A}"/>
               </a:ext>
             </a:extLst>
           </p:cNvPr>
@@ -2839,7 +2839,7 @@
           <p:cNvPr id="4" name="Text Placeholder 3">
             <a:extLst>
               <a:ext uri="{FF2B5EF4-FFF2-40B4-BE49-F238E27FC236}">
-                <a16:creationId xmlns:a16="http://schemas.microsoft.com/office/drawing/2014/main" xmlns="" id="{E1702E7A-FD2F-CB46-94BF-FF2EC9490D6E}"/>
+                <a16:creationId xmlns:a16="http://schemas.microsoft.com/office/drawing/2014/main" id="{E1702E7A-FD2F-CB46-94BF-FF2EC9490D6E}"/>
               </a:ext>
             </a:extLst>
           </p:cNvPr>
@@ -2910,7 +2910,7 @@
           <p:cNvPr id="5" name="Date Placeholder 4">
             <a:extLst>
               <a:ext uri="{FF2B5EF4-FFF2-40B4-BE49-F238E27FC236}">
-                <a16:creationId xmlns:a16="http://schemas.microsoft.com/office/drawing/2014/main" xmlns="" id="{8958105E-9337-A749-8929-C81DA369C8A1}"/>
+                <a16:creationId xmlns:a16="http://schemas.microsoft.com/office/drawing/2014/main" id="{8958105E-9337-A749-8929-C81DA369C8A1}"/>
               </a:ext>
             </a:extLst>
           </p:cNvPr>
@@ -2928,7 +2928,7 @@
           <a:p>
             <a:fld id="{B117922E-E910-6545-901D-B3B05E413205}" type="datetimeFigureOut">
               <a:rPr lang="en-US" smtClean="0"/>
-              <a:t>6/12/19</a:t>
+              <a:t>6/13/19</a:t>
             </a:fld>
             <a:endParaRPr lang="en-US"/>
           </a:p>
@@ -2939,7 +2939,7 @@
           <p:cNvPr id="6" name="Footer Placeholder 5">
             <a:extLst>
               <a:ext uri="{FF2B5EF4-FFF2-40B4-BE49-F238E27FC236}">
-                <a16:creationId xmlns:a16="http://schemas.microsoft.com/office/drawing/2014/main" xmlns="" id="{10081911-6878-5B45-A37C-ACB36ADFD7E1}"/>
+                <a16:creationId xmlns:a16="http://schemas.microsoft.com/office/drawing/2014/main" id="{10081911-6878-5B45-A37C-ACB36ADFD7E1}"/>
               </a:ext>
             </a:extLst>
           </p:cNvPr>
@@ -2964,7 +2964,7 @@
           <p:cNvPr id="7" name="Slide Number Placeholder 6">
             <a:extLst>
               <a:ext uri="{FF2B5EF4-FFF2-40B4-BE49-F238E27FC236}">
-                <a16:creationId xmlns:a16="http://schemas.microsoft.com/office/drawing/2014/main" xmlns="" id="{2AF73ABD-0129-F14E-B86A-51D07AA4CD86}"/>
+                <a16:creationId xmlns:a16="http://schemas.microsoft.com/office/drawing/2014/main" id="{2AF73ABD-0129-F14E-B86A-51D07AA4CD86}"/>
               </a:ext>
             </a:extLst>
           </p:cNvPr>
@@ -3023,7 +3023,7 @@
           <p:cNvPr id="2" name="Title 1">
             <a:extLst>
               <a:ext uri="{FF2B5EF4-FFF2-40B4-BE49-F238E27FC236}">
-                <a16:creationId xmlns:a16="http://schemas.microsoft.com/office/drawing/2014/main" xmlns="" id="{1ADBDC04-624F-4240-A155-7100DB9CDF1F}"/>
+                <a16:creationId xmlns:a16="http://schemas.microsoft.com/office/drawing/2014/main" id="{1ADBDC04-624F-4240-A155-7100DB9CDF1F}"/>
               </a:ext>
             </a:extLst>
           </p:cNvPr>
@@ -3060,7 +3060,7 @@
           <p:cNvPr id="3" name="Picture Placeholder 2">
             <a:extLst>
               <a:ext uri="{FF2B5EF4-FFF2-40B4-BE49-F238E27FC236}">
-                <a16:creationId xmlns:a16="http://schemas.microsoft.com/office/drawing/2014/main" xmlns="" id="{BD9289DE-964C-8043-9669-894C54065FCE}"/>
+                <a16:creationId xmlns:a16="http://schemas.microsoft.com/office/drawing/2014/main" id="{BD9289DE-964C-8043-9669-894C54065FCE}"/>
               </a:ext>
             </a:extLst>
           </p:cNvPr>
@@ -3127,7 +3127,7 @@
           <p:cNvPr id="4" name="Text Placeholder 3">
             <a:extLst>
               <a:ext uri="{FF2B5EF4-FFF2-40B4-BE49-F238E27FC236}">
-                <a16:creationId xmlns:a16="http://schemas.microsoft.com/office/drawing/2014/main" xmlns="" id="{869C1FF4-FD92-7F4A-85CD-FF7136BEC969}"/>
+                <a16:creationId xmlns:a16="http://schemas.microsoft.com/office/drawing/2014/main" id="{869C1FF4-FD92-7F4A-85CD-FF7136BEC969}"/>
               </a:ext>
             </a:extLst>
           </p:cNvPr>
@@ -3198,7 +3198,7 @@
           <p:cNvPr id="5" name="Date Placeholder 4">
             <a:extLst>
               <a:ext uri="{FF2B5EF4-FFF2-40B4-BE49-F238E27FC236}">
-                <a16:creationId xmlns:a16="http://schemas.microsoft.com/office/drawing/2014/main" xmlns="" id="{AE4CC592-934E-3B4A-AE9C-25599CF11B32}"/>
+                <a16:creationId xmlns:a16="http://schemas.microsoft.com/office/drawing/2014/main" id="{AE4CC592-934E-3B4A-AE9C-25599CF11B32}"/>
               </a:ext>
             </a:extLst>
           </p:cNvPr>
@@ -3216,7 +3216,7 @@
           <a:p>
             <a:fld id="{B117922E-E910-6545-901D-B3B05E413205}" type="datetimeFigureOut">
               <a:rPr lang="en-US" smtClean="0"/>
-              <a:t>6/12/19</a:t>
+              <a:t>6/13/19</a:t>
             </a:fld>
             <a:endParaRPr lang="en-US"/>
           </a:p>
@@ -3227,7 +3227,7 @@
           <p:cNvPr id="6" name="Footer Placeholder 5">
             <a:extLst>
               <a:ext uri="{FF2B5EF4-FFF2-40B4-BE49-F238E27FC236}">
-                <a16:creationId xmlns:a16="http://schemas.microsoft.com/office/drawing/2014/main" xmlns="" id="{3C0170A9-8B9F-D448-BA4F-42DC22D5ED6C}"/>
+                <a16:creationId xmlns:a16="http://schemas.microsoft.com/office/drawing/2014/main" id="{3C0170A9-8B9F-D448-BA4F-42DC22D5ED6C}"/>
               </a:ext>
             </a:extLst>
           </p:cNvPr>
@@ -3252,7 +3252,7 @@
           <p:cNvPr id="7" name="Slide Number Placeholder 6">
             <a:extLst>
               <a:ext uri="{FF2B5EF4-FFF2-40B4-BE49-F238E27FC236}">
-                <a16:creationId xmlns:a16="http://schemas.microsoft.com/office/drawing/2014/main" xmlns="" id="{D6313800-A129-844E-B8F0-F74902DD6ACF}"/>
+                <a16:creationId xmlns:a16="http://schemas.microsoft.com/office/drawing/2014/main" id="{D6313800-A129-844E-B8F0-F74902DD6ACF}"/>
               </a:ext>
             </a:extLst>
           </p:cNvPr>
@@ -3316,7 +3316,7 @@
           <p:cNvPr id="2" name="Title Placeholder 1">
             <a:extLst>
               <a:ext uri="{FF2B5EF4-FFF2-40B4-BE49-F238E27FC236}">
-                <a16:creationId xmlns:a16="http://schemas.microsoft.com/office/drawing/2014/main" xmlns="" id="{21B7F7A1-DE46-9245-A6FA-08F1D89789CA}"/>
+                <a16:creationId xmlns:a16="http://schemas.microsoft.com/office/drawing/2014/main" id="{21B7F7A1-DE46-9245-A6FA-08F1D89789CA}"/>
               </a:ext>
             </a:extLst>
           </p:cNvPr>
@@ -3354,7 +3354,7 @@
           <p:cNvPr id="3" name="Text Placeholder 2">
             <a:extLst>
               <a:ext uri="{FF2B5EF4-FFF2-40B4-BE49-F238E27FC236}">
-                <a16:creationId xmlns:a16="http://schemas.microsoft.com/office/drawing/2014/main" xmlns="" id="{8595D4CB-5937-CE41-ABC4-0A4A8A16FF51}"/>
+                <a16:creationId xmlns:a16="http://schemas.microsoft.com/office/drawing/2014/main" id="{8595D4CB-5937-CE41-ABC4-0A4A8A16FF51}"/>
               </a:ext>
             </a:extLst>
           </p:cNvPr>
@@ -3421,7 +3421,7 @@
           <p:cNvPr id="4" name="Date Placeholder 3">
             <a:extLst>
               <a:ext uri="{FF2B5EF4-FFF2-40B4-BE49-F238E27FC236}">
-                <a16:creationId xmlns:a16="http://schemas.microsoft.com/office/drawing/2014/main" xmlns="" id="{05F1C33D-8603-7847-9915-7BF7CF5F9D32}"/>
+                <a16:creationId xmlns:a16="http://schemas.microsoft.com/office/drawing/2014/main" id="{05F1C33D-8603-7847-9915-7BF7CF5F9D32}"/>
               </a:ext>
             </a:extLst>
           </p:cNvPr>
@@ -3457,7 +3457,7 @@
           <a:p>
             <a:fld id="{B117922E-E910-6545-901D-B3B05E413205}" type="datetimeFigureOut">
               <a:rPr lang="en-US" smtClean="0"/>
-              <a:t>6/12/19</a:t>
+              <a:t>6/13/19</a:t>
             </a:fld>
             <a:endParaRPr lang="en-US"/>
           </a:p>
@@ -3468,7 +3468,7 @@
           <p:cNvPr id="5" name="Footer Placeholder 4">
             <a:extLst>
               <a:ext uri="{FF2B5EF4-FFF2-40B4-BE49-F238E27FC236}">
-                <a16:creationId xmlns:a16="http://schemas.microsoft.com/office/drawing/2014/main" xmlns="" id="{1DDFE2EE-C744-6646-AF9E-0CDDD662B2F9}"/>
+                <a16:creationId xmlns:a16="http://schemas.microsoft.com/office/drawing/2014/main" id="{1DDFE2EE-C744-6646-AF9E-0CDDD662B2F9}"/>
               </a:ext>
             </a:extLst>
           </p:cNvPr>
@@ -3511,7 +3511,7 @@
           <p:cNvPr id="6" name="Slide Number Placeholder 5">
             <a:extLst>
               <a:ext uri="{FF2B5EF4-FFF2-40B4-BE49-F238E27FC236}">
-                <a16:creationId xmlns:a16="http://schemas.microsoft.com/office/drawing/2014/main" xmlns="" id="{23020908-4F60-D74E-922D-3F84F22F8041}"/>
+                <a16:creationId xmlns:a16="http://schemas.microsoft.com/office/drawing/2014/main" id="{23020908-4F60-D74E-922D-3F84F22F8041}"/>
               </a:ext>
             </a:extLst>
           </p:cNvPr>
@@ -3879,7 +3879,7 @@
           <p:cNvPr id="2" name="Title 1">
             <a:extLst>
               <a:ext uri="{FF2B5EF4-FFF2-40B4-BE49-F238E27FC236}">
-                <a16:creationId xmlns:a16="http://schemas.microsoft.com/office/drawing/2014/main" xmlns="" id="{FAA89291-60DA-2C40-8096-73810E04757F}"/>
+                <a16:creationId xmlns:a16="http://schemas.microsoft.com/office/drawing/2014/main" id="{FAA89291-60DA-2C40-8096-73810E04757F}"/>
               </a:ext>
             </a:extLst>
           </p:cNvPr>
@@ -3908,7 +3908,7 @@
           <p:cNvPr id="3" name="Subtitle 2">
             <a:extLst>
               <a:ext uri="{FF2B5EF4-FFF2-40B4-BE49-F238E27FC236}">
-                <a16:creationId xmlns:a16="http://schemas.microsoft.com/office/drawing/2014/main" xmlns="" id="{CEB73EAD-9E51-C647-886C-A89700E6F256}"/>
+                <a16:creationId xmlns:a16="http://schemas.microsoft.com/office/drawing/2014/main" id="{CEB73EAD-9E51-C647-886C-A89700E6F256}"/>
               </a:ext>
             </a:extLst>
           </p:cNvPr>
@@ -3952,7 +3952,7 @@
           <p:cNvPr id="5" name="Picture 4">
             <a:extLst>
               <a:ext uri="{FF2B5EF4-FFF2-40B4-BE49-F238E27FC236}">
-                <a16:creationId xmlns:a16="http://schemas.microsoft.com/office/drawing/2014/main" xmlns="" id="{0056138C-987F-684A-938F-5B452E26E6CF}"/>
+                <a16:creationId xmlns:a16="http://schemas.microsoft.com/office/drawing/2014/main" id="{0056138C-987F-684A-938F-5B452E26E6CF}"/>
               </a:ext>
             </a:extLst>
           </p:cNvPr>
@@ -4023,64 +4023,72 @@
           <a:lstStyle/>
           <a:p>
             <a:r>
-              <a:rPr lang="en-US" dirty="0" smtClean="0"/>
-              <a:t>Null Proportion Confidence Intervals</a:t>
-            </a:r>
+              <a:rPr lang="en-US" dirty="0"/>
+              <a:t>Challenges</a:t>
+            </a:r>
+          </a:p>
+        </p:txBody>
+      </p:sp>
+      <p:sp>
+        <p:nvSpPr>
+          <p:cNvPr id="3" name="Content Placeholder 2"/>
+          <p:cNvSpPr>
+            <a:spLocks noGrp="1"/>
+          </p:cNvSpPr>
+          <p:nvPr>
+            <p:ph idx="1"/>
+          </p:nvPr>
+        </p:nvSpPr>
+        <p:spPr/>
+        <p:txBody>
+          <a:bodyPr/>
+          <a:lstStyle/>
+          <a:p>
+            <a:r>
+              <a:rPr lang="en-US" dirty="0"/>
+              <a:t>Security</a:t>
+            </a:r>
+          </a:p>
+          <a:p>
+            <a:pPr lvl="1"/>
+            <a:r>
+              <a:rPr lang="en-US" dirty="0"/>
+              <a:t>Everything is local</a:t>
+            </a:r>
+          </a:p>
+          <a:p>
+            <a:r>
+              <a:rPr lang="en-US" dirty="0"/>
+              <a:t>Alert Fatigue</a:t>
+            </a:r>
+          </a:p>
+          <a:p>
+            <a:pPr lvl="1"/>
+            <a:r>
+              <a:rPr lang="en-US" dirty="0"/>
+              <a:t>Custom thresholds for notifications</a:t>
+            </a:r>
+          </a:p>
+          <a:p>
+            <a:r>
+              <a:rPr lang="en-US" dirty="0"/>
+              <a:t>Constraint discovery is hard</a:t>
+            </a:r>
+          </a:p>
+          <a:p>
+            <a:pPr lvl="1"/>
+            <a:r>
+              <a:rPr lang="en-US" dirty="0"/>
+              <a:t>We’ll do our best</a:t>
+            </a:r>
+          </a:p>
+          <a:p>
             <a:endParaRPr lang="en-US" dirty="0"/>
           </a:p>
-        </p:txBody>
-      </p:sp>
-      <p:sp>
-        <p:nvSpPr>
-          <p:cNvPr id="3" name="Content Placeholder 2"/>
-          <p:cNvSpPr>
-            <a:spLocks noGrp="1"/>
-          </p:cNvSpPr>
-          <p:nvPr>
-            <p:ph idx="1"/>
-          </p:nvPr>
-        </p:nvSpPr>
-        <p:spPr/>
-        <p:txBody>
-          <a:bodyPr/>
-          <a:lstStyle/>
-          <a:p>
-            <a:r>
-              <a:rPr lang="en-US" dirty="0" smtClean="0"/>
-              <a:t>Treat the column being null/ as a Bernoulli Trial</a:t>
-            </a:r>
-          </a:p>
-          <a:p>
-            <a:r>
-              <a:rPr lang="en-US" dirty="0" smtClean="0"/>
-              <a:t>Assume the proportion of nulls is normally distributed</a:t>
-            </a:r>
-          </a:p>
-          <a:p>
-            <a:r>
-              <a:rPr lang="en-US" dirty="0" smtClean="0"/>
-              <a:t>Create confidence interval:</a:t>
-            </a:r>
-          </a:p>
           <a:p>
             <a:endParaRPr lang="en-US" dirty="0"/>
           </a:p>
           <a:p>
-            <a:endParaRPr lang="en-US" dirty="0" smtClean="0"/>
-          </a:p>
-          <a:p>
-            <a:r>
-              <a:rPr lang="en-US" dirty="0" smtClean="0"/>
-              <a:t>If next period of data has a null proportion outside the 95% confidence interval, </a:t>
-            </a:r>
-            <a:r>
-              <a:rPr lang="en-US" dirty="0" err="1" smtClean="0"/>
-              <a:t>Daudit</a:t>
-            </a:r>
-            <a:r>
-              <a:rPr lang="en-US" dirty="0" smtClean="0"/>
-              <a:t> reports it</a:t>
-            </a:r>
             <a:endParaRPr lang="en-US" dirty="0"/>
           </a:p>
         </p:txBody>
@@ -4090,7 +4098,232 @@
           <p:cNvPr id="4" name="Picture 3">
             <a:extLst>
               <a:ext uri="{FF2B5EF4-FFF2-40B4-BE49-F238E27FC236}">
-                <a16:creationId xmlns:a16="http://schemas.microsoft.com/office/drawing/2014/main" xmlns="" id="{E4AEDFE2-2953-F54B-B6FB-1C4BD361B3F7}"/>
+                <a16:creationId xmlns:a16="http://schemas.microsoft.com/office/drawing/2014/main" id="{E4AEDFE2-2953-F54B-B6FB-1C4BD361B3F7}"/>
+              </a:ext>
+            </a:extLst>
+          </p:cNvPr>
+          <p:cNvPicPr>
+            <a:picLocks noChangeAspect="1"/>
+          </p:cNvPicPr>
+          <p:nvPr/>
+        </p:nvPicPr>
+        <p:blipFill>
+          <a:blip r:embed="rId2"/>
+          <a:stretch>
+            <a:fillRect/>
+          </a:stretch>
+        </p:blipFill>
+        <p:spPr>
+          <a:xfrm>
+            <a:off x="10642600" y="5308600"/>
+            <a:ext cx="1549400" cy="1549400"/>
+          </a:xfrm>
+          <a:prstGeom prst="rect">
+            <a:avLst/>
+          </a:prstGeom>
+        </p:spPr>
+      </p:pic>
+    </p:spTree>
+    <p:extLst>
+      <p:ext uri="{BB962C8B-B14F-4D97-AF65-F5344CB8AC3E}">
+        <p14:creationId xmlns:p14="http://schemas.microsoft.com/office/powerpoint/2010/main" val="250373432"/>
+      </p:ext>
+    </p:extLst>
+  </p:cSld>
+  <p:clrMapOvr>
+    <a:masterClrMapping/>
+  </p:clrMapOvr>
+</p:sld>
+</file>
+
+<file path=ppt/slides/slide11.xml><?xml version="1.0" encoding="utf-8"?>
+<p:sld xmlns:a="http://schemas.openxmlformats.org/drawingml/2006/main" xmlns:r="http://schemas.openxmlformats.org/officeDocument/2006/relationships" xmlns:p="http://schemas.openxmlformats.org/presentationml/2006/main">
+  <p:cSld>
+    <p:spTree>
+      <p:nvGrpSpPr>
+        <p:cNvPr id="1" name=""/>
+        <p:cNvGrpSpPr/>
+        <p:nvPr/>
+      </p:nvGrpSpPr>
+      <p:grpSpPr>
+        <a:xfrm>
+          <a:off x="0" y="0"/>
+          <a:ext cx="0" cy="0"/>
+          <a:chOff x="0" y="0"/>
+          <a:chExt cx="0" cy="0"/>
+        </a:xfrm>
+      </p:grpSpPr>
+      <p:sp>
+        <p:nvSpPr>
+          <p:cNvPr id="2" name="Title 1">
+            <a:extLst>
+              <a:ext uri="{FF2B5EF4-FFF2-40B4-BE49-F238E27FC236}">
+                <a16:creationId xmlns:a16="http://schemas.microsoft.com/office/drawing/2014/main" id="{E394CE2A-A9C6-F34F-8952-7B586B7A7598}"/>
+              </a:ext>
+            </a:extLst>
+          </p:cNvPr>
+          <p:cNvSpPr>
+            <a:spLocks noGrp="1"/>
+          </p:cNvSpPr>
+          <p:nvPr>
+            <p:ph type="title"/>
+          </p:nvPr>
+        </p:nvSpPr>
+        <p:spPr/>
+        <p:txBody>
+          <a:bodyPr/>
+          <a:lstStyle/>
+          <a:p>
+            <a:pPr algn="ctr"/>
+            <a:r>
+              <a:rPr lang="en-US" dirty="0"/>
+              <a:t>Demo</a:t>
+            </a:r>
+          </a:p>
+        </p:txBody>
+      </p:sp>
+      <p:pic>
+        <p:nvPicPr>
+          <p:cNvPr id="4" name="Picture 3">
+            <a:extLst>
+              <a:ext uri="{FF2B5EF4-FFF2-40B4-BE49-F238E27FC236}">
+                <a16:creationId xmlns:a16="http://schemas.microsoft.com/office/drawing/2014/main" id="{700EA7AA-F650-334A-956C-0AB6D3D51848}"/>
+              </a:ext>
+            </a:extLst>
+          </p:cNvPr>
+          <p:cNvPicPr>
+            <a:picLocks noChangeAspect="1"/>
+          </p:cNvPicPr>
+          <p:nvPr/>
+        </p:nvPicPr>
+        <p:blipFill>
+          <a:blip r:embed="rId2"/>
+          <a:stretch>
+            <a:fillRect/>
+          </a:stretch>
+        </p:blipFill>
+        <p:spPr>
+          <a:xfrm>
+            <a:off x="5321300" y="2752461"/>
+            <a:ext cx="1549400" cy="1549400"/>
+          </a:xfrm>
+          <a:prstGeom prst="rect">
+            <a:avLst/>
+          </a:prstGeom>
+        </p:spPr>
+      </p:pic>
+    </p:spTree>
+    <p:extLst>
+      <p:ext uri="{BB962C8B-B14F-4D97-AF65-F5344CB8AC3E}">
+        <p14:creationId xmlns:p14="http://schemas.microsoft.com/office/powerpoint/2010/main" val="1987132512"/>
+      </p:ext>
+    </p:extLst>
+  </p:cSld>
+  <p:clrMapOvr>
+    <a:masterClrMapping/>
+  </p:clrMapOvr>
+</p:sld>
+</file>
+
+<file path=ppt/slides/slide12.xml><?xml version="1.0" encoding="utf-8"?>
+<p:sld xmlns:a="http://schemas.openxmlformats.org/drawingml/2006/main" xmlns:r="http://schemas.openxmlformats.org/officeDocument/2006/relationships" xmlns:p="http://schemas.openxmlformats.org/presentationml/2006/main">
+  <p:cSld>
+    <p:spTree>
+      <p:nvGrpSpPr>
+        <p:cNvPr id="1" name=""/>
+        <p:cNvGrpSpPr/>
+        <p:nvPr/>
+      </p:nvGrpSpPr>
+      <p:grpSpPr>
+        <a:xfrm>
+          <a:off x="0" y="0"/>
+          <a:ext cx="0" cy="0"/>
+          <a:chOff x="0" y="0"/>
+          <a:chExt cx="0" cy="0"/>
+        </a:xfrm>
+      </p:grpSpPr>
+      <p:sp>
+        <p:nvSpPr>
+          <p:cNvPr id="2" name="Title 1"/>
+          <p:cNvSpPr>
+            <a:spLocks noGrp="1"/>
+          </p:cNvSpPr>
+          <p:nvPr>
+            <p:ph type="title"/>
+          </p:nvPr>
+        </p:nvSpPr>
+        <p:spPr/>
+        <p:txBody>
+          <a:bodyPr/>
+          <a:lstStyle/>
+          <a:p>
+            <a:r>
+              <a:rPr lang="en-US" dirty="0"/>
+              <a:t>Null Proportion Confidence Intervals</a:t>
+            </a:r>
+          </a:p>
+        </p:txBody>
+      </p:sp>
+      <p:sp>
+        <p:nvSpPr>
+          <p:cNvPr id="3" name="Content Placeholder 2"/>
+          <p:cNvSpPr>
+            <a:spLocks noGrp="1"/>
+          </p:cNvSpPr>
+          <p:nvPr>
+            <p:ph idx="1"/>
+          </p:nvPr>
+        </p:nvSpPr>
+        <p:spPr/>
+        <p:txBody>
+          <a:bodyPr/>
+          <a:lstStyle/>
+          <a:p>
+            <a:r>
+              <a:rPr lang="en-US" dirty="0"/>
+              <a:t>Treat the column being null/ as a Bernoulli Trial</a:t>
+            </a:r>
+          </a:p>
+          <a:p>
+            <a:r>
+              <a:rPr lang="en-US" dirty="0"/>
+              <a:t>Assume the proportion of nulls is normally distributed</a:t>
+            </a:r>
+          </a:p>
+          <a:p>
+            <a:r>
+              <a:rPr lang="en-US" dirty="0"/>
+              <a:t>Create confidence interval:</a:t>
+            </a:r>
+          </a:p>
+          <a:p>
+            <a:endParaRPr lang="en-US" dirty="0"/>
+          </a:p>
+          <a:p>
+            <a:endParaRPr lang="en-US" dirty="0"/>
+          </a:p>
+          <a:p>
+            <a:r>
+              <a:rPr lang="en-US" dirty="0"/>
+              <a:t>If next period of data has a null proportion outside the 95% confidence interval, </a:t>
+            </a:r>
+            <a:r>
+              <a:rPr lang="en-US" dirty="0" err="1"/>
+              <a:t>Daudit</a:t>
+            </a:r>
+            <a:r>
+              <a:rPr lang="en-US" dirty="0"/>
+              <a:t> reports it</a:t>
+            </a:r>
+          </a:p>
+        </p:txBody>
+      </p:sp>
+      <p:pic>
+        <p:nvPicPr>
+          <p:cNvPr id="4" name="Picture 3">
+            <a:extLst>
+              <a:ext uri="{FF2B5EF4-FFF2-40B4-BE49-F238E27FC236}">
+                <a16:creationId xmlns:a16="http://schemas.microsoft.com/office/drawing/2014/main" id="{E4AEDFE2-2953-F54B-B6FB-1C4BD361B3F7}"/>
               </a:ext>
             </a:extLst>
           </p:cNvPr>
@@ -4158,7 +4391,7 @@
 </p:sld>
 </file>
 
-<file path=ppt/slides/slide11.xml><?xml version="1.0" encoding="utf-8"?>
+<file path=ppt/slides/slide13.xml><?xml version="1.0" encoding="utf-8"?>
 <p:sld xmlns:a="http://schemas.openxmlformats.org/drawingml/2006/main" xmlns:r="http://schemas.openxmlformats.org/officeDocument/2006/relationships" xmlns:p="http://schemas.openxmlformats.org/presentationml/2006/main">
   <p:cSld>
     <p:spTree>
@@ -4191,11 +4424,11 @@
           <a:lstStyle/>
           <a:p>
             <a:r>
-              <a:rPr lang="en-US" dirty="0" smtClean="0"/>
+              <a:rPr lang="en-US" dirty="0"/>
               <a:t>NYC311 </a:t>
             </a:r>
             <a:r>
-              <a:rPr lang="en-US" dirty="0" err="1" smtClean="0"/>
+              <a:rPr lang="en-US" dirty="0" err="1"/>
               <a:t>OpenData</a:t>
             </a:r>
             <a:endParaRPr lang="en-US" dirty="0"/>
@@ -4218,45 +4451,45 @@
           <a:lstStyle/>
           <a:p>
             <a:r>
-              <a:rPr lang="en-US" dirty="0" smtClean="0"/>
+              <a:rPr lang="en-US" dirty="0"/>
               <a:t>9 years worth of non-emergency phone calls</a:t>
             </a:r>
           </a:p>
           <a:p>
             <a:r>
-              <a:rPr lang="en-US" dirty="0" smtClean="0"/>
+              <a:rPr lang="en-US" dirty="0"/>
               <a:t>Lots of </a:t>
             </a:r>
             <a:r>
-              <a:rPr lang="en-US" dirty="0" err="1" smtClean="0"/>
+              <a:rPr lang="en-US" dirty="0" err="1"/>
               <a:t>nullable</a:t>
             </a:r>
             <a:r>
-              <a:rPr lang="en-US" dirty="0" smtClean="0"/>
+              <a:rPr lang="en-US" dirty="0"/>
               <a:t> fields and related columns</a:t>
             </a:r>
           </a:p>
           <a:p>
             <a:r>
-              <a:rPr lang="en-US" dirty="0" smtClean="0"/>
+              <a:rPr lang="en-US" dirty="0"/>
               <a:t>E.g. </a:t>
             </a:r>
           </a:p>
           <a:p>
             <a:pPr lvl="1"/>
             <a:r>
-              <a:rPr lang="en-US" dirty="0" smtClean="0"/>
+              <a:rPr lang="en-US" dirty="0"/>
               <a:t>Latitude/Longitude</a:t>
             </a:r>
           </a:p>
           <a:p>
             <a:pPr lvl="1"/>
             <a:r>
-              <a:rPr lang="en-US" dirty="0" err="1" smtClean="0"/>
+              <a:rPr lang="en-US" dirty="0" err="1"/>
               <a:t>OpenDataChannelType</a:t>
             </a:r>
             <a:r>
-              <a:rPr lang="en-US" dirty="0" smtClean="0"/>
+              <a:rPr lang="en-US" dirty="0"/>
               <a:t> vs. Borough</a:t>
             </a:r>
           </a:p>
@@ -4271,7 +4504,7 @@
           <p:cNvPr id="4" name="Picture 3">
             <a:extLst>
               <a:ext uri="{FF2B5EF4-FFF2-40B4-BE49-F238E27FC236}">
-                <a16:creationId xmlns:a16="http://schemas.microsoft.com/office/drawing/2014/main" xmlns="" id="{E4AEDFE2-2953-F54B-B6FB-1C4BD361B3F7}"/>
+                <a16:creationId xmlns:a16="http://schemas.microsoft.com/office/drawing/2014/main" id="{E4AEDFE2-2953-F54B-B6FB-1C4BD361B3F7}"/>
               </a:ext>
             </a:extLst>
           </p:cNvPr>
@@ -4350,7 +4583,7 @@
 </p:sld>
 </file>
 
-<file path=ppt/slides/slide12.xml><?xml version="1.0" encoding="utf-8"?>
+<file path=ppt/slides/slide14.xml><?xml version="1.0" encoding="utf-8"?>
 <p:sld xmlns:a="http://schemas.openxmlformats.org/drawingml/2006/main" xmlns:r="http://schemas.openxmlformats.org/officeDocument/2006/relationships" xmlns:p="http://schemas.openxmlformats.org/presentationml/2006/main">
   <p:cSld>
     <p:spTree>
@@ -4383,10 +4616,9 @@
           <a:lstStyle/>
           <a:p>
             <a:r>
-              <a:rPr lang="en-US" dirty="0" smtClean="0"/>
+              <a:rPr lang="en-US" dirty="0"/>
               <a:t>Current Technologies</a:t>
             </a:r>
-            <a:endParaRPr lang="en-US" dirty="0"/>
           </a:p>
         </p:txBody>
       </p:sp>
@@ -4408,43 +4640,43 @@
           <a:lstStyle/>
           <a:p>
             <a:r>
-              <a:rPr lang="en-US" dirty="0" smtClean="0"/>
+              <a:rPr lang="en-US" dirty="0"/>
               <a:t>Python</a:t>
             </a:r>
           </a:p>
           <a:p>
-            <a:endParaRPr lang="en-US" dirty="0" smtClean="0"/>
-          </a:p>
-          <a:p>
-            <a:endParaRPr lang="en-US" dirty="0" smtClean="0"/>
-          </a:p>
-          <a:p>
-            <a:r>
-              <a:rPr lang="en-US" dirty="0" smtClean="0"/>
+            <a:endParaRPr lang="en-US" dirty="0"/>
+          </a:p>
+          <a:p>
+            <a:endParaRPr lang="en-US" dirty="0"/>
+          </a:p>
+          <a:p>
+            <a:r>
+              <a:rPr lang="en-US" dirty="0"/>
               <a:t>GitHub</a:t>
             </a:r>
           </a:p>
           <a:p>
-            <a:endParaRPr lang="en-US" dirty="0" smtClean="0"/>
-          </a:p>
-          <a:p>
-            <a:endParaRPr lang="en-US" dirty="0" smtClean="0"/>
-          </a:p>
-          <a:p>
-            <a:r>
-              <a:rPr lang="en-US" dirty="0" smtClean="0"/>
+            <a:endParaRPr lang="en-US" dirty="0"/>
+          </a:p>
+          <a:p>
+            <a:endParaRPr lang="en-US" dirty="0"/>
+          </a:p>
+          <a:p>
+            <a:r>
+              <a:rPr lang="en-US" dirty="0"/>
               <a:t>MySQL</a:t>
             </a:r>
           </a:p>
           <a:p>
-            <a:endParaRPr lang="en-US" dirty="0" smtClean="0"/>
-          </a:p>
-          <a:p>
-            <a:endParaRPr lang="en-US" dirty="0" smtClean="0"/>
-          </a:p>
-          <a:p>
-            <a:r>
-              <a:rPr lang="en-US" dirty="0" smtClean="0"/>
+            <a:endParaRPr lang="en-US" dirty="0"/>
+          </a:p>
+          <a:p>
+            <a:endParaRPr lang="en-US" dirty="0"/>
+          </a:p>
+          <a:p>
+            <a:r>
+              <a:rPr lang="en-US" dirty="0"/>
               <a:t>Slack API</a:t>
             </a:r>
           </a:p>
@@ -4455,7 +4687,7 @@
           <p:cNvPr id="4" name="Picture 3">
             <a:extLst>
               <a:ext uri="{FF2B5EF4-FFF2-40B4-BE49-F238E27FC236}">
-                <a16:creationId xmlns:a16="http://schemas.microsoft.com/office/drawing/2014/main" xmlns="" id="{E4AEDFE2-2953-F54B-B6FB-1C4BD361B3F7}"/>
+                <a16:creationId xmlns:a16="http://schemas.microsoft.com/office/drawing/2014/main" id="{E4AEDFE2-2953-F54B-B6FB-1C4BD361B3F7}"/>
               </a:ext>
             </a:extLst>
           </p:cNvPr>
@@ -4774,7 +5006,7 @@
 </p:sld>
 </file>
 
-<file path=ppt/slides/slide13.xml><?xml version="1.0" encoding="utf-8"?>
+<file path=ppt/slides/slide15.xml><?xml version="1.0" encoding="utf-8"?>
 <p:sld xmlns:a="http://schemas.openxmlformats.org/drawingml/2006/main" xmlns:r="http://schemas.openxmlformats.org/officeDocument/2006/relationships" xmlns:p="http://schemas.openxmlformats.org/presentationml/2006/main">
   <p:cSld>
     <p:spTree>
@@ -4807,73 +5039,72 @@
           <a:lstStyle/>
           <a:p>
             <a:r>
-              <a:rPr lang="en-US" dirty="0" smtClean="0"/>
+              <a:rPr lang="en-US" dirty="0"/>
               <a:t>Next Steps</a:t>
             </a:r>
+          </a:p>
+        </p:txBody>
+      </p:sp>
+      <p:sp>
+        <p:nvSpPr>
+          <p:cNvPr id="3" name="Content Placeholder 2"/>
+          <p:cNvSpPr>
+            <a:spLocks noGrp="1"/>
+          </p:cNvSpPr>
+          <p:nvPr>
+            <p:ph idx="1"/>
+          </p:nvPr>
+        </p:nvSpPr>
+        <p:spPr/>
+        <p:txBody>
+          <a:bodyPr/>
+          <a:lstStyle/>
+          <a:p>
+            <a:r>
+              <a:rPr lang="en-US" dirty="0"/>
+              <a:t>Talk to Professor </a:t>
+            </a:r>
+            <a:r>
+              <a:rPr lang="en-US" dirty="0" err="1"/>
+              <a:t>Poupart</a:t>
+            </a:r>
+            <a:r>
+              <a:rPr lang="en-US" dirty="0"/>
+              <a:t> (ML Prof) </a:t>
+            </a:r>
+          </a:p>
+          <a:p>
+            <a:r>
+              <a:rPr lang="en-US" dirty="0"/>
+              <a:t>Develop more complex auditing methods</a:t>
+            </a:r>
+          </a:p>
+          <a:p>
+            <a:r>
+              <a:rPr lang="en-US" dirty="0"/>
+              <a:t>Integration to other databases</a:t>
+            </a:r>
+          </a:p>
+          <a:p>
+            <a:r>
+              <a:rPr lang="en-US" dirty="0"/>
+              <a:t>Dashboards</a:t>
+            </a:r>
+          </a:p>
+          <a:p>
+            <a:r>
+              <a:rPr lang="en-US" dirty="0"/>
+              <a:t>More slack functionality</a:t>
+            </a:r>
+          </a:p>
+          <a:p>
+            <a:r>
+              <a:rPr lang="en-US" dirty="0"/>
+              <a:t>Custom notification thresholds</a:t>
+            </a:r>
+          </a:p>
+          <a:p>
             <a:endParaRPr lang="en-US" dirty="0"/>
-          </a:p>
-        </p:txBody>
-      </p:sp>
-      <p:sp>
-        <p:nvSpPr>
-          <p:cNvPr id="3" name="Content Placeholder 2"/>
-          <p:cNvSpPr>
-            <a:spLocks noGrp="1"/>
-          </p:cNvSpPr>
-          <p:nvPr>
-            <p:ph idx="1"/>
-          </p:nvPr>
-        </p:nvSpPr>
-        <p:spPr/>
-        <p:txBody>
-          <a:bodyPr/>
-          <a:lstStyle/>
-          <a:p>
-            <a:r>
-              <a:rPr lang="en-US" dirty="0" smtClean="0"/>
-              <a:t>Talk to Professor </a:t>
-            </a:r>
-            <a:r>
-              <a:rPr lang="en-US" dirty="0" err="1" smtClean="0"/>
-              <a:t>Poupart</a:t>
-            </a:r>
-            <a:r>
-              <a:rPr lang="en-US" dirty="0" smtClean="0"/>
-              <a:t> (ML Prof) </a:t>
-            </a:r>
-          </a:p>
-          <a:p>
-            <a:r>
-              <a:rPr lang="en-US" dirty="0" smtClean="0"/>
-              <a:t>Develop more complex auditing methods</a:t>
-            </a:r>
-          </a:p>
-          <a:p>
-            <a:r>
-              <a:rPr lang="en-US" dirty="0" smtClean="0"/>
-              <a:t>Integration to other databases</a:t>
-            </a:r>
-          </a:p>
-          <a:p>
-            <a:r>
-              <a:rPr lang="en-US" dirty="0" smtClean="0"/>
-              <a:t>Dashboards</a:t>
-            </a:r>
-          </a:p>
-          <a:p>
-            <a:r>
-              <a:rPr lang="en-US" dirty="0" smtClean="0"/>
-              <a:t>More slack functionality</a:t>
-            </a:r>
-          </a:p>
-          <a:p>
-            <a:r>
-              <a:rPr lang="en-US" dirty="0" smtClean="0"/>
-              <a:t>Custom notification thresholds</a:t>
-            </a:r>
-          </a:p>
-          <a:p>
-            <a:endParaRPr lang="en-US" dirty="0" smtClean="0"/>
           </a:p>
         </p:txBody>
       </p:sp>
@@ -4882,7 +5113,7 @@
           <p:cNvPr id="4" name="Picture 3">
             <a:extLst>
               <a:ext uri="{FF2B5EF4-FFF2-40B4-BE49-F238E27FC236}">
-                <a16:creationId xmlns:a16="http://schemas.microsoft.com/office/drawing/2014/main" xmlns="" id="{E4AEDFE2-2953-F54B-B6FB-1C4BD361B3F7}"/>
+                <a16:creationId xmlns:a16="http://schemas.microsoft.com/office/drawing/2014/main" id="{E4AEDFE2-2953-F54B-B6FB-1C4BD361B3F7}"/>
               </a:ext>
             </a:extLst>
           </p:cNvPr>
@@ -4942,7 +5173,7 @@
           <p:cNvPr id="2" name="Title 1">
             <a:extLst>
               <a:ext uri="{FF2B5EF4-FFF2-40B4-BE49-F238E27FC236}">
-                <a16:creationId xmlns:a16="http://schemas.microsoft.com/office/drawing/2014/main" xmlns="" id="{735D7AA6-1425-8C4F-8608-265E01867490}"/>
+                <a16:creationId xmlns:a16="http://schemas.microsoft.com/office/drawing/2014/main" id="{735D7AA6-1425-8C4F-8608-265E01867490}"/>
               </a:ext>
             </a:extLst>
           </p:cNvPr>
@@ -4971,7 +5202,7 @@
           <p:cNvPr id="3" name="Content Placeholder 2">
             <a:extLst>
               <a:ext uri="{FF2B5EF4-FFF2-40B4-BE49-F238E27FC236}">
-                <a16:creationId xmlns:a16="http://schemas.microsoft.com/office/drawing/2014/main" xmlns="" id="{31882B9E-E7C2-C443-B3BB-E435A2E6804C}"/>
+                <a16:creationId xmlns:a16="http://schemas.microsoft.com/office/drawing/2014/main" id="{31882B9E-E7C2-C443-B3BB-E435A2E6804C}"/>
               </a:ext>
             </a:extLst>
           </p:cNvPr>
@@ -5045,7 +5276,7 @@
           <p:cNvPr id="4" name="Picture 3">
             <a:extLst>
               <a:ext uri="{FF2B5EF4-FFF2-40B4-BE49-F238E27FC236}">
-                <a16:creationId xmlns:a16="http://schemas.microsoft.com/office/drawing/2014/main" xmlns="" id="{A196DAC0-1739-7B42-AB81-828E29C6B021}"/>
+                <a16:creationId xmlns:a16="http://schemas.microsoft.com/office/drawing/2014/main" id="{A196DAC0-1739-7B42-AB81-828E29C6B021}"/>
               </a:ext>
             </a:extLst>
           </p:cNvPr>
@@ -5105,7 +5336,7 @@
           <p:cNvPr id="2" name="Title 1">
             <a:extLst>
               <a:ext uri="{FF2B5EF4-FFF2-40B4-BE49-F238E27FC236}">
-                <a16:creationId xmlns:a16="http://schemas.microsoft.com/office/drawing/2014/main" xmlns="" id="{2841A013-1902-0A4D-9383-F3238305A7C5}"/>
+                <a16:creationId xmlns:a16="http://schemas.microsoft.com/office/drawing/2014/main" id="{2841A013-1902-0A4D-9383-F3238305A7C5}"/>
               </a:ext>
             </a:extLst>
           </p:cNvPr>
@@ -5134,7 +5365,7 @@
           <p:cNvPr id="3" name="Content Placeholder 2">
             <a:extLst>
               <a:ext uri="{FF2B5EF4-FFF2-40B4-BE49-F238E27FC236}">
-                <a16:creationId xmlns:a16="http://schemas.microsoft.com/office/drawing/2014/main" xmlns="" id="{D8AC1DFA-2A83-E54D-B67B-E20F3EA39F94}"/>
+                <a16:creationId xmlns:a16="http://schemas.microsoft.com/office/drawing/2014/main" id="{D8AC1DFA-2A83-E54D-B67B-E20F3EA39F94}"/>
               </a:ext>
             </a:extLst>
           </p:cNvPr>
@@ -5157,13 +5388,8 @@
             </a:pPr>
             <a:r>
               <a:rPr lang="en-US" dirty="0"/>
-              <a:t>Targeting </a:t>
-            </a:r>
-            <a:r>
-              <a:rPr lang="en-US" dirty="0" smtClean="0"/>
-              <a:t>companies</a:t>
-            </a:r>
-            <a:endParaRPr lang="en-US" dirty="0"/>
+              <a:t>Targeting companies</a:t>
+            </a:r>
           </a:p>
           <a:p>
             <a:pPr>
@@ -5186,7 +5412,7 @@
           <p:cNvPr id="4" name="Picture 3">
             <a:extLst>
               <a:ext uri="{FF2B5EF4-FFF2-40B4-BE49-F238E27FC236}">
-                <a16:creationId xmlns:a16="http://schemas.microsoft.com/office/drawing/2014/main" xmlns="" id="{EFE81110-E345-0A4A-B78E-9AD34187D73F}"/>
+                <a16:creationId xmlns:a16="http://schemas.microsoft.com/office/drawing/2014/main" id="{EFE81110-E345-0A4A-B78E-9AD34187D73F}"/>
               </a:ext>
             </a:extLst>
           </p:cNvPr>
@@ -5216,7 +5442,7 @@
           <p:cNvPr id="6" name="Picture 5">
             <a:extLst>
               <a:ext uri="{FF2B5EF4-FFF2-40B4-BE49-F238E27FC236}">
-                <a16:creationId xmlns:a16="http://schemas.microsoft.com/office/drawing/2014/main" xmlns="" id="{C33F4CFD-AAF0-784F-8D1A-AEFC1C5E590D}"/>
+                <a16:creationId xmlns:a16="http://schemas.microsoft.com/office/drawing/2014/main" id="{C33F4CFD-AAF0-784F-8D1A-AEFC1C5E590D}"/>
               </a:ext>
             </a:extLst>
           </p:cNvPr>
@@ -5246,7 +5472,7 @@
           <p:cNvPr id="10" name="Picture 9">
             <a:extLst>
               <a:ext uri="{FF2B5EF4-FFF2-40B4-BE49-F238E27FC236}">
-                <a16:creationId xmlns:a16="http://schemas.microsoft.com/office/drawing/2014/main" xmlns="" id="{2D375751-A7E1-0648-A61D-70EF4E727BC8}"/>
+                <a16:creationId xmlns:a16="http://schemas.microsoft.com/office/drawing/2014/main" id="{2D375751-A7E1-0648-A61D-70EF4E727BC8}"/>
               </a:ext>
             </a:extLst>
           </p:cNvPr>
@@ -5306,7 +5532,7 @@
           <p:cNvPr id="2" name="Title 1">
             <a:extLst>
               <a:ext uri="{FF2B5EF4-FFF2-40B4-BE49-F238E27FC236}">
-                <a16:creationId xmlns:a16="http://schemas.microsoft.com/office/drawing/2014/main" xmlns="" id="{04D6DE77-0B18-5646-AD91-872F7E289CB4}"/>
+                <a16:creationId xmlns:a16="http://schemas.microsoft.com/office/drawing/2014/main" id="{2841A013-1902-0A4D-9383-F3238305A7C5}"/>
               </a:ext>
             </a:extLst>
           </p:cNvPr>
@@ -5325,7 +5551,7 @@
             <a:pPr algn="ctr"/>
             <a:r>
               <a:rPr lang="en-US" dirty="0"/>
-              <a:t>How we do it</a:t>
+              <a:t>Key Requirements by Stakeholders</a:t>
             </a:r>
           </a:p>
         </p:txBody>
@@ -5335,7 +5561,7 @@
           <p:cNvPr id="3" name="Content Placeholder 2">
             <a:extLst>
               <a:ext uri="{FF2B5EF4-FFF2-40B4-BE49-F238E27FC236}">
-                <a16:creationId xmlns:a16="http://schemas.microsoft.com/office/drawing/2014/main" xmlns="" id="{E1CBED8E-9DCB-F54F-8E3B-AD75AD759D9F}"/>
+                <a16:creationId xmlns:a16="http://schemas.microsoft.com/office/drawing/2014/main" id="{D8AC1DFA-2A83-E54D-B67B-E20F3EA39F94}"/>
               </a:ext>
             </a:extLst>
           </p:cNvPr>
@@ -5358,9 +5584,358 @@
             </a:pPr>
             <a:r>
               <a:rPr lang="en-US" dirty="0"/>
-              <a:t>Database integration</a:t>
-            </a:r>
-          </a:p>
+              <a:t>Surveyed data engineers and product managers from tech companies</a:t>
+            </a:r>
+          </a:p>
+          <a:p>
+            <a:r>
+              <a:rPr lang="en-US" dirty="0"/>
+              <a:t>Gathered an idea of </a:t>
+            </a:r>
+            <a:r>
+              <a:rPr lang="en-US" i="1" dirty="0"/>
+              <a:t>expectations</a:t>
+            </a:r>
+            <a:r>
+              <a:rPr lang="en-US" dirty="0"/>
+              <a:t> to understand what would make this product valuable</a:t>
+            </a:r>
+          </a:p>
+          <a:p>
+            <a:r>
+              <a:rPr lang="en-US" dirty="0"/>
+              <a:t>Data gathered:</a:t>
+            </a:r>
+          </a:p>
+          <a:p>
+            <a:pPr lvl="1"/>
+            <a:r>
+              <a:rPr lang="en-US" i="1" dirty="0"/>
+              <a:t>(next slide)</a:t>
+            </a:r>
+          </a:p>
+        </p:txBody>
+      </p:sp>
+      <p:pic>
+        <p:nvPicPr>
+          <p:cNvPr id="4" name="Picture 3">
+            <a:extLst>
+              <a:ext uri="{FF2B5EF4-FFF2-40B4-BE49-F238E27FC236}">
+                <a16:creationId xmlns:a16="http://schemas.microsoft.com/office/drawing/2014/main" id="{EFE81110-E345-0A4A-B78E-9AD34187D73F}"/>
+              </a:ext>
+            </a:extLst>
+          </p:cNvPr>
+          <p:cNvPicPr>
+            <a:picLocks noChangeAspect="1"/>
+          </p:cNvPicPr>
+          <p:nvPr/>
+        </p:nvPicPr>
+        <p:blipFill>
+          <a:blip r:embed="rId2"/>
+          <a:stretch>
+            <a:fillRect/>
+          </a:stretch>
+        </p:blipFill>
+        <p:spPr>
+          <a:xfrm>
+            <a:off x="10642600" y="5308600"/>
+            <a:ext cx="1549400" cy="1549400"/>
+          </a:xfrm>
+          <a:prstGeom prst="rect">
+            <a:avLst/>
+          </a:prstGeom>
+        </p:spPr>
+      </p:pic>
+    </p:spTree>
+    <p:extLst>
+      <p:ext uri="{BB962C8B-B14F-4D97-AF65-F5344CB8AC3E}">
+        <p14:creationId xmlns:p14="http://schemas.microsoft.com/office/powerpoint/2010/main" val="1797773900"/>
+      </p:ext>
+    </p:extLst>
+  </p:cSld>
+  <p:clrMapOvr>
+    <a:masterClrMapping/>
+  </p:clrMapOvr>
+</p:sld>
+</file>
+
+<file path=ppt/slides/slide5.xml><?xml version="1.0" encoding="utf-8"?>
+<p:sld xmlns:a="http://schemas.openxmlformats.org/drawingml/2006/main" xmlns:r="http://schemas.openxmlformats.org/officeDocument/2006/relationships" xmlns:p="http://schemas.openxmlformats.org/presentationml/2006/main">
+  <p:cSld>
+    <p:spTree>
+      <p:nvGrpSpPr>
+        <p:cNvPr id="1" name=""/>
+        <p:cNvGrpSpPr/>
+        <p:nvPr/>
+      </p:nvGrpSpPr>
+      <p:grpSpPr>
+        <a:xfrm>
+          <a:off x="0" y="0"/>
+          <a:ext cx="0" cy="0"/>
+          <a:chOff x="0" y="0"/>
+          <a:chExt cx="0" cy="0"/>
+        </a:xfrm>
+      </p:grpSpPr>
+      <p:sp>
+        <p:nvSpPr>
+          <p:cNvPr id="2" name="Title 1">
+            <a:extLst>
+              <a:ext uri="{FF2B5EF4-FFF2-40B4-BE49-F238E27FC236}">
+                <a16:creationId xmlns:a16="http://schemas.microsoft.com/office/drawing/2014/main" id="{2841A013-1902-0A4D-9383-F3238305A7C5}"/>
+              </a:ext>
+            </a:extLst>
+          </p:cNvPr>
+          <p:cNvSpPr>
+            <a:spLocks noGrp="1"/>
+          </p:cNvSpPr>
+          <p:nvPr>
+            <p:ph type="title"/>
+          </p:nvPr>
+        </p:nvSpPr>
+        <p:spPr/>
+        <p:txBody>
+          <a:bodyPr/>
+          <a:lstStyle/>
+          <a:p>
+            <a:pPr algn="ctr"/>
+            <a:r>
+              <a:rPr lang="en-US" dirty="0"/>
+              <a:t>Key Requirements by Stakeholders</a:t>
+            </a:r>
+          </a:p>
+        </p:txBody>
+      </p:sp>
+      <p:sp>
+        <p:nvSpPr>
+          <p:cNvPr id="3" name="Content Placeholder 2">
+            <a:extLst>
+              <a:ext uri="{FF2B5EF4-FFF2-40B4-BE49-F238E27FC236}">
+                <a16:creationId xmlns:a16="http://schemas.microsoft.com/office/drawing/2014/main" id="{D8AC1DFA-2A83-E54D-B67B-E20F3EA39F94}"/>
+              </a:ext>
+            </a:extLst>
+          </p:cNvPr>
+          <p:cNvSpPr>
+            <a:spLocks noGrp="1"/>
+          </p:cNvSpPr>
+          <p:nvPr>
+            <p:ph idx="1"/>
+          </p:nvPr>
+        </p:nvSpPr>
+        <p:spPr/>
+        <p:txBody>
+          <a:bodyPr>
+            <a:normAutofit fontScale="85000" lnSpcReduction="20000"/>
+          </a:bodyPr>
+          <a:lstStyle/>
+          <a:p>
+            <a:pPr>
+              <a:lnSpc>
+                <a:spcPct val="150000"/>
+              </a:lnSpc>
+              <a:spcBef>
+                <a:spcPts val="0"/>
+              </a:spcBef>
+            </a:pPr>
+            <a:r>
+              <a:rPr lang="en-US" dirty="0"/>
+              <a:t>90% stated data quality bugs already take 3+ days to detect</a:t>
+            </a:r>
+          </a:p>
+          <a:p>
+            <a:pPr lvl="1">
+              <a:lnSpc>
+                <a:spcPct val="150000"/>
+              </a:lnSpc>
+              <a:spcBef>
+                <a:spcPts val="0"/>
+              </a:spcBef>
+            </a:pPr>
+            <a:r>
+              <a:rPr lang="en-US" dirty="0"/>
+              <a:t>Need a faster, more efficient way to detect malformed data</a:t>
+            </a:r>
+          </a:p>
+          <a:p>
+            <a:pPr>
+              <a:lnSpc>
+                <a:spcPct val="150000"/>
+              </a:lnSpc>
+              <a:spcBef>
+                <a:spcPts val="0"/>
+              </a:spcBef>
+            </a:pPr>
+            <a:r>
+              <a:rPr lang="en-US" dirty="0"/>
+              <a:t>60% of engineers stated implementing a solution that takes more than a sprint may not be worth it</a:t>
+            </a:r>
+          </a:p>
+          <a:p>
+            <a:pPr lvl="1">
+              <a:lnSpc>
+                <a:spcPct val="150000"/>
+              </a:lnSpc>
+              <a:spcBef>
+                <a:spcPts val="0"/>
+              </a:spcBef>
+            </a:pPr>
+            <a:r>
+              <a:rPr lang="en-US" dirty="0"/>
+              <a:t>Must be fast, light-weight; close to 50-50% split</a:t>
+            </a:r>
+          </a:p>
+          <a:p>
+            <a:pPr>
+              <a:lnSpc>
+                <a:spcPct val="150000"/>
+              </a:lnSpc>
+              <a:spcBef>
+                <a:spcPts val="0"/>
+              </a:spcBef>
+            </a:pPr>
+            <a:r>
+              <a:rPr lang="en-US" dirty="0"/>
+              <a:t>75% of employees stated spammy notifications harm the value</a:t>
+            </a:r>
+          </a:p>
+          <a:p>
+            <a:pPr>
+              <a:lnSpc>
+                <a:spcPct val="150000"/>
+              </a:lnSpc>
+              <a:spcBef>
+                <a:spcPts val="0"/>
+              </a:spcBef>
+            </a:pPr>
+            <a:r>
+              <a:rPr lang="en-US" dirty="0"/>
+              <a:t>90% explained it is hard to understand the context and semantics of data, this makes it harder to understand what it wrong</a:t>
+            </a:r>
+          </a:p>
+          <a:p>
+            <a:pPr lvl="1">
+              <a:lnSpc>
+                <a:spcPct val="150000"/>
+              </a:lnSpc>
+              <a:spcBef>
+                <a:spcPts val="0"/>
+              </a:spcBef>
+            </a:pPr>
+            <a:r>
+              <a:rPr lang="en-US" dirty="0"/>
+              <a:t>Leverage ML; experiment with various data-visualization</a:t>
+            </a:r>
+          </a:p>
+        </p:txBody>
+      </p:sp>
+      <p:pic>
+        <p:nvPicPr>
+          <p:cNvPr id="4" name="Picture 3">
+            <a:extLst>
+              <a:ext uri="{FF2B5EF4-FFF2-40B4-BE49-F238E27FC236}">
+                <a16:creationId xmlns:a16="http://schemas.microsoft.com/office/drawing/2014/main" id="{EFE81110-E345-0A4A-B78E-9AD34187D73F}"/>
+              </a:ext>
+            </a:extLst>
+          </p:cNvPr>
+          <p:cNvPicPr>
+            <a:picLocks noChangeAspect="1"/>
+          </p:cNvPicPr>
+          <p:nvPr/>
+        </p:nvPicPr>
+        <p:blipFill>
+          <a:blip r:embed="rId2"/>
+          <a:stretch>
+            <a:fillRect/>
+          </a:stretch>
+        </p:blipFill>
+        <p:spPr>
+          <a:xfrm>
+            <a:off x="10642600" y="5308600"/>
+            <a:ext cx="1549400" cy="1549400"/>
+          </a:xfrm>
+          <a:prstGeom prst="rect">
+            <a:avLst/>
+          </a:prstGeom>
+        </p:spPr>
+      </p:pic>
+    </p:spTree>
+    <p:extLst>
+      <p:ext uri="{BB962C8B-B14F-4D97-AF65-F5344CB8AC3E}">
+        <p14:creationId xmlns:p14="http://schemas.microsoft.com/office/powerpoint/2010/main" val="463396128"/>
+      </p:ext>
+    </p:extLst>
+  </p:cSld>
+  <p:clrMapOvr>
+    <a:masterClrMapping/>
+  </p:clrMapOvr>
+</p:sld>
+</file>
+
+<file path=ppt/slides/slide6.xml><?xml version="1.0" encoding="utf-8"?>
+<p:sld xmlns:a="http://schemas.openxmlformats.org/drawingml/2006/main" xmlns:r="http://schemas.openxmlformats.org/officeDocument/2006/relationships" xmlns:p="http://schemas.openxmlformats.org/presentationml/2006/main">
+  <p:cSld>
+    <p:spTree>
+      <p:nvGrpSpPr>
+        <p:cNvPr id="1" name=""/>
+        <p:cNvGrpSpPr/>
+        <p:nvPr/>
+      </p:nvGrpSpPr>
+      <p:grpSpPr>
+        <a:xfrm>
+          <a:off x="0" y="0"/>
+          <a:ext cx="0" cy="0"/>
+          <a:chOff x="0" y="0"/>
+          <a:chExt cx="0" cy="0"/>
+        </a:xfrm>
+      </p:grpSpPr>
+      <p:sp>
+        <p:nvSpPr>
+          <p:cNvPr id="2" name="Title 1">
+            <a:extLst>
+              <a:ext uri="{FF2B5EF4-FFF2-40B4-BE49-F238E27FC236}">
+                <a16:creationId xmlns:a16="http://schemas.microsoft.com/office/drawing/2014/main" id="{04D6DE77-0B18-5646-AD91-872F7E289CB4}"/>
+              </a:ext>
+            </a:extLst>
+          </p:cNvPr>
+          <p:cNvSpPr>
+            <a:spLocks noGrp="1"/>
+          </p:cNvSpPr>
+          <p:nvPr>
+            <p:ph type="title"/>
+          </p:nvPr>
+        </p:nvSpPr>
+        <p:spPr/>
+        <p:txBody>
+          <a:bodyPr/>
+          <a:lstStyle/>
+          <a:p>
+            <a:pPr algn="ctr"/>
+            <a:r>
+              <a:rPr lang="en-US" dirty="0"/>
+              <a:t>How we do it</a:t>
+            </a:r>
+          </a:p>
+        </p:txBody>
+      </p:sp>
+      <p:sp>
+        <p:nvSpPr>
+          <p:cNvPr id="3" name="Content Placeholder 2">
+            <a:extLst>
+              <a:ext uri="{FF2B5EF4-FFF2-40B4-BE49-F238E27FC236}">
+                <a16:creationId xmlns:a16="http://schemas.microsoft.com/office/drawing/2014/main" id="{E1CBED8E-9DCB-F54F-8E3B-AD75AD759D9F}"/>
+              </a:ext>
+            </a:extLst>
+          </p:cNvPr>
+          <p:cNvSpPr>
+            <a:spLocks noGrp="1"/>
+          </p:cNvSpPr>
+          <p:nvPr>
+            <p:ph idx="1"/>
+          </p:nvPr>
+        </p:nvSpPr>
+        <p:spPr/>
+        <p:txBody>
+          <a:bodyPr/>
+          <a:lstStyle/>
           <a:p>
             <a:pPr>
               <a:lnSpc>
@@ -5369,7 +5944,7 @@
             </a:pPr>
             <a:r>
               <a:rPr lang="en-US" dirty="0"/>
-              <a:t>Slack integration</a:t>
+              <a:t>Database integration</a:t>
             </a:r>
           </a:p>
           <a:p>
@@ -5380,6 +5955,17 @@
             </a:pPr>
             <a:r>
               <a:rPr lang="en-US" dirty="0"/>
+              <a:t>Slack integration</a:t>
+            </a:r>
+          </a:p>
+          <a:p>
+            <a:pPr>
+              <a:lnSpc>
+                <a:spcPct val="200000"/>
+              </a:lnSpc>
+            </a:pPr>
+            <a:r>
+              <a:rPr lang="en-US" dirty="0"/>
               <a:t>Auditing</a:t>
             </a:r>
           </a:p>
@@ -5390,7 +5976,7 @@
           <p:cNvPr id="4" name="Picture 3">
             <a:extLst>
               <a:ext uri="{FF2B5EF4-FFF2-40B4-BE49-F238E27FC236}">
-                <a16:creationId xmlns:a16="http://schemas.microsoft.com/office/drawing/2014/main" xmlns="" id="{375A873E-10C2-E243-BFE6-0D1F802AFDEF}"/>
+                <a16:creationId xmlns:a16="http://schemas.microsoft.com/office/drawing/2014/main" id="{375A873E-10C2-E243-BFE6-0D1F802AFDEF}"/>
               </a:ext>
             </a:extLst>
           </p:cNvPr>
@@ -5428,7 +6014,7 @@
 </p:sld>
 </file>
 
-<file path=ppt/slides/slide5.xml><?xml version="1.0" encoding="utf-8"?>
+<file path=ppt/slides/slide7.xml><?xml version="1.0" encoding="utf-8"?>
 <p:sld xmlns:a="http://schemas.openxmlformats.org/drawingml/2006/main" xmlns:r="http://schemas.openxmlformats.org/officeDocument/2006/relationships" xmlns:p="http://schemas.openxmlformats.org/presentationml/2006/main">
   <p:cSld>
     <p:spTree>
@@ -5450,7 +6036,7 @@
           <p:cNvPr id="2" name="Title 1">
             <a:extLst>
               <a:ext uri="{FF2B5EF4-FFF2-40B4-BE49-F238E27FC236}">
-                <a16:creationId xmlns:a16="http://schemas.microsoft.com/office/drawing/2014/main" xmlns="" id="{80650A49-BE78-CB47-87F4-137D78D89344}"/>
+                <a16:creationId xmlns:a16="http://schemas.microsoft.com/office/drawing/2014/main" id="{80650A49-BE78-CB47-87F4-137D78D89344}"/>
               </a:ext>
             </a:extLst>
           </p:cNvPr>
@@ -5479,7 +6065,7 @@
           <p:cNvPr id="3" name="Content Placeholder 2">
             <a:extLst>
               <a:ext uri="{FF2B5EF4-FFF2-40B4-BE49-F238E27FC236}">
-                <a16:creationId xmlns:a16="http://schemas.microsoft.com/office/drawing/2014/main" xmlns="" id="{5F5DC835-9939-6F45-AF4A-B6B80623ED1D}"/>
+                <a16:creationId xmlns:a16="http://schemas.microsoft.com/office/drawing/2014/main" id="{5F5DC835-9939-6F45-AF4A-B6B80623ED1D}"/>
               </a:ext>
             </a:extLst>
           </p:cNvPr>
@@ -5545,7 +6131,7 @@
           <p:cNvPr id="4" name="Picture 3">
             <a:extLst>
               <a:ext uri="{FF2B5EF4-FFF2-40B4-BE49-F238E27FC236}">
-                <a16:creationId xmlns:a16="http://schemas.microsoft.com/office/drawing/2014/main" xmlns="" id="{9008AD4F-484B-8040-B237-4A4DE7B0EA8E}"/>
+                <a16:creationId xmlns:a16="http://schemas.microsoft.com/office/drawing/2014/main" id="{9008AD4F-484B-8040-B237-4A4DE7B0EA8E}"/>
               </a:ext>
             </a:extLst>
           </p:cNvPr>
@@ -5583,7 +6169,7 @@
 </p:sld>
 </file>
 
-<file path=ppt/slides/slide6.xml><?xml version="1.0" encoding="utf-8"?>
+<file path=ppt/slides/slide8.xml><?xml version="1.0" encoding="utf-8"?>
 <p:sld xmlns:a="http://schemas.openxmlformats.org/drawingml/2006/main" xmlns:r="http://schemas.openxmlformats.org/officeDocument/2006/relationships" xmlns:p="http://schemas.openxmlformats.org/presentationml/2006/main">
   <p:cSld>
     <p:spTree>
@@ -5605,7 +6191,7 @@
           <p:cNvPr id="2" name="Title 1">
             <a:extLst>
               <a:ext uri="{FF2B5EF4-FFF2-40B4-BE49-F238E27FC236}">
-                <a16:creationId xmlns:a16="http://schemas.microsoft.com/office/drawing/2014/main" xmlns="" id="{BC5DA4AD-0C71-7A47-85DE-BC9DE15B285A}"/>
+                <a16:creationId xmlns:a16="http://schemas.microsoft.com/office/drawing/2014/main" id="{BC5DA4AD-0C71-7A47-85DE-BC9DE15B285A}"/>
               </a:ext>
             </a:extLst>
           </p:cNvPr>
@@ -5634,7 +6220,7 @@
           <p:cNvPr id="3" name="Content Placeholder 2">
             <a:extLst>
               <a:ext uri="{FF2B5EF4-FFF2-40B4-BE49-F238E27FC236}">
-                <a16:creationId xmlns:a16="http://schemas.microsoft.com/office/drawing/2014/main" xmlns="" id="{DFEB92B7-8F82-E449-A4BC-7E38092C7E34}"/>
+                <a16:creationId xmlns:a16="http://schemas.microsoft.com/office/drawing/2014/main" id="{DFEB92B7-8F82-E449-A4BC-7E38092C7E34}"/>
               </a:ext>
             </a:extLst>
           </p:cNvPr>
@@ -5695,7 +6281,7 @@
           <p:cNvPr id="4" name="Picture 3">
             <a:extLst>
               <a:ext uri="{FF2B5EF4-FFF2-40B4-BE49-F238E27FC236}">
-                <a16:creationId xmlns:a16="http://schemas.microsoft.com/office/drawing/2014/main" xmlns="" id="{1DB5F070-954F-B246-92C2-DBBAF1318929}"/>
+                <a16:creationId xmlns:a16="http://schemas.microsoft.com/office/drawing/2014/main" id="{1DB5F070-954F-B246-92C2-DBBAF1318929}"/>
               </a:ext>
             </a:extLst>
           </p:cNvPr>
@@ -5733,7 +6319,7 @@
 </p:sld>
 </file>
 
-<file path=ppt/slides/slide7.xml><?xml version="1.0" encoding="utf-8"?>
+<file path=ppt/slides/slide9.xml><?xml version="1.0" encoding="utf-8"?>
 <p:sld xmlns:a="http://schemas.openxmlformats.org/drawingml/2006/main" xmlns:r="http://schemas.openxmlformats.org/officeDocument/2006/relationships" xmlns:p="http://schemas.openxmlformats.org/presentationml/2006/main">
   <p:cSld>
     <p:spTree>
@@ -5755,7 +6341,7 @@
           <p:cNvPr id="2" name="Title 1">
             <a:extLst>
               <a:ext uri="{FF2B5EF4-FFF2-40B4-BE49-F238E27FC236}">
-                <a16:creationId xmlns:a16="http://schemas.microsoft.com/office/drawing/2014/main" xmlns="" id="{AA9F9160-9019-3040-A139-DCC8B1C95273}"/>
+                <a16:creationId xmlns:a16="http://schemas.microsoft.com/office/drawing/2014/main" id="{AA9F9160-9019-3040-A139-DCC8B1C95273}"/>
               </a:ext>
             </a:extLst>
           </p:cNvPr>
@@ -5784,7 +6370,7 @@
           <p:cNvPr id="3" name="Content Placeholder 2">
             <a:extLst>
               <a:ext uri="{FF2B5EF4-FFF2-40B4-BE49-F238E27FC236}">
-                <a16:creationId xmlns:a16="http://schemas.microsoft.com/office/drawing/2014/main" xmlns="" id="{0A31F19A-6F02-B246-85CC-8A5EF661C09D}"/>
+                <a16:creationId xmlns:a16="http://schemas.microsoft.com/office/drawing/2014/main" id="{0A31F19A-6F02-B246-85CC-8A5EF661C09D}"/>
               </a:ext>
             </a:extLst>
           </p:cNvPr>
@@ -5839,7 +6425,7 @@
           <p:cNvPr id="4" name="Picture 3">
             <a:extLst>
               <a:ext uri="{FF2B5EF4-FFF2-40B4-BE49-F238E27FC236}">
-                <a16:creationId xmlns:a16="http://schemas.microsoft.com/office/drawing/2014/main" xmlns="" id="{E4AEDFE2-2953-F54B-B6FB-1C4BD361B3F7}"/>
+                <a16:creationId xmlns:a16="http://schemas.microsoft.com/office/drawing/2014/main" id="{E4AEDFE2-2953-F54B-B6FB-1C4BD361B3F7}"/>
               </a:ext>
             </a:extLst>
           </p:cNvPr>
@@ -5868,242 +6454,6 @@
     <p:extLst>
       <p:ext uri="{BB962C8B-B14F-4D97-AF65-F5344CB8AC3E}">
         <p14:creationId xmlns:p14="http://schemas.microsoft.com/office/powerpoint/2010/main" val="158140429"/>
-      </p:ext>
-    </p:extLst>
-  </p:cSld>
-  <p:clrMapOvr>
-    <a:masterClrMapping/>
-  </p:clrMapOvr>
-</p:sld>
-</file>
-
-<file path=ppt/slides/slide8.xml><?xml version="1.0" encoding="utf-8"?>
-<p:sld xmlns:a="http://schemas.openxmlformats.org/drawingml/2006/main" xmlns:r="http://schemas.openxmlformats.org/officeDocument/2006/relationships" xmlns:p="http://schemas.openxmlformats.org/presentationml/2006/main">
-  <p:cSld>
-    <p:spTree>
-      <p:nvGrpSpPr>
-        <p:cNvPr id="1" name=""/>
-        <p:cNvGrpSpPr/>
-        <p:nvPr/>
-      </p:nvGrpSpPr>
-      <p:grpSpPr>
-        <a:xfrm>
-          <a:off x="0" y="0"/>
-          <a:ext cx="0" cy="0"/>
-          <a:chOff x="0" y="0"/>
-          <a:chExt cx="0" cy="0"/>
-        </a:xfrm>
-      </p:grpSpPr>
-      <p:sp>
-        <p:nvSpPr>
-          <p:cNvPr id="2" name="Title 1"/>
-          <p:cNvSpPr>
-            <a:spLocks noGrp="1"/>
-          </p:cNvSpPr>
-          <p:nvPr>
-            <p:ph type="title"/>
-          </p:nvPr>
-        </p:nvSpPr>
-        <p:spPr/>
-        <p:txBody>
-          <a:bodyPr/>
-          <a:lstStyle/>
-          <a:p>
-            <a:r>
-              <a:rPr lang="en-US" dirty="0" smtClean="0"/>
-              <a:t>Challenges</a:t>
-            </a:r>
-            <a:endParaRPr lang="en-US" dirty="0"/>
-          </a:p>
-        </p:txBody>
-      </p:sp>
-      <p:sp>
-        <p:nvSpPr>
-          <p:cNvPr id="3" name="Content Placeholder 2"/>
-          <p:cNvSpPr>
-            <a:spLocks noGrp="1"/>
-          </p:cNvSpPr>
-          <p:nvPr>
-            <p:ph idx="1"/>
-          </p:nvPr>
-        </p:nvSpPr>
-        <p:spPr/>
-        <p:txBody>
-          <a:bodyPr/>
-          <a:lstStyle/>
-          <a:p>
-            <a:r>
-              <a:rPr lang="en-US" dirty="0" smtClean="0"/>
-              <a:t>Security</a:t>
-            </a:r>
-          </a:p>
-          <a:p>
-            <a:pPr lvl="1"/>
-            <a:r>
-              <a:rPr lang="en-US" dirty="0" smtClean="0"/>
-              <a:t>Everything is local</a:t>
-            </a:r>
-          </a:p>
-          <a:p>
-            <a:r>
-              <a:rPr lang="en-US" dirty="0" smtClean="0"/>
-              <a:t>Alert Fatigue</a:t>
-            </a:r>
-          </a:p>
-          <a:p>
-            <a:pPr lvl="1"/>
-            <a:r>
-              <a:rPr lang="en-US" dirty="0" smtClean="0"/>
-              <a:t>Custom thresholds for notifications</a:t>
-            </a:r>
-          </a:p>
-          <a:p>
-            <a:r>
-              <a:rPr lang="en-US" dirty="0" smtClean="0"/>
-              <a:t>Constraint discovery is hard</a:t>
-            </a:r>
-          </a:p>
-          <a:p>
-            <a:pPr lvl="1"/>
-            <a:r>
-              <a:rPr lang="en-US" dirty="0" smtClean="0"/>
-              <a:t>We’ll do our best</a:t>
-            </a:r>
-          </a:p>
-          <a:p>
-            <a:endParaRPr lang="en-US" dirty="0" smtClean="0"/>
-          </a:p>
-          <a:p>
-            <a:endParaRPr lang="en-US" dirty="0" smtClean="0"/>
-          </a:p>
-          <a:p>
-            <a:endParaRPr lang="en-US" dirty="0"/>
-          </a:p>
-        </p:txBody>
-      </p:sp>
-      <p:pic>
-        <p:nvPicPr>
-          <p:cNvPr id="4" name="Picture 3">
-            <a:extLst>
-              <a:ext uri="{FF2B5EF4-FFF2-40B4-BE49-F238E27FC236}">
-                <a16:creationId xmlns:a16="http://schemas.microsoft.com/office/drawing/2014/main" xmlns="" id="{E4AEDFE2-2953-F54B-B6FB-1C4BD361B3F7}"/>
-              </a:ext>
-            </a:extLst>
-          </p:cNvPr>
-          <p:cNvPicPr>
-            <a:picLocks noChangeAspect="1"/>
-          </p:cNvPicPr>
-          <p:nvPr/>
-        </p:nvPicPr>
-        <p:blipFill>
-          <a:blip r:embed="rId2"/>
-          <a:stretch>
-            <a:fillRect/>
-          </a:stretch>
-        </p:blipFill>
-        <p:spPr>
-          <a:xfrm>
-            <a:off x="10642600" y="5308600"/>
-            <a:ext cx="1549400" cy="1549400"/>
-          </a:xfrm>
-          <a:prstGeom prst="rect">
-            <a:avLst/>
-          </a:prstGeom>
-        </p:spPr>
-      </p:pic>
-    </p:spTree>
-    <p:extLst>
-      <p:ext uri="{BB962C8B-B14F-4D97-AF65-F5344CB8AC3E}">
-        <p14:creationId xmlns:p14="http://schemas.microsoft.com/office/powerpoint/2010/main" val="250373432"/>
-      </p:ext>
-    </p:extLst>
-  </p:cSld>
-  <p:clrMapOvr>
-    <a:masterClrMapping/>
-  </p:clrMapOvr>
-</p:sld>
-</file>
-
-<file path=ppt/slides/slide9.xml><?xml version="1.0" encoding="utf-8"?>
-<p:sld xmlns:a="http://schemas.openxmlformats.org/drawingml/2006/main" xmlns:r="http://schemas.openxmlformats.org/officeDocument/2006/relationships" xmlns:p="http://schemas.openxmlformats.org/presentationml/2006/main">
-  <p:cSld>
-    <p:spTree>
-      <p:nvGrpSpPr>
-        <p:cNvPr id="1" name=""/>
-        <p:cNvGrpSpPr/>
-        <p:nvPr/>
-      </p:nvGrpSpPr>
-      <p:grpSpPr>
-        <a:xfrm>
-          <a:off x="0" y="0"/>
-          <a:ext cx="0" cy="0"/>
-          <a:chOff x="0" y="0"/>
-          <a:chExt cx="0" cy="0"/>
-        </a:xfrm>
-      </p:grpSpPr>
-      <p:sp>
-        <p:nvSpPr>
-          <p:cNvPr id="2" name="Title 1">
-            <a:extLst>
-              <a:ext uri="{FF2B5EF4-FFF2-40B4-BE49-F238E27FC236}">
-                <a16:creationId xmlns:a16="http://schemas.microsoft.com/office/drawing/2014/main" xmlns="" id="{E394CE2A-A9C6-F34F-8952-7B586B7A7598}"/>
-              </a:ext>
-            </a:extLst>
-          </p:cNvPr>
-          <p:cNvSpPr>
-            <a:spLocks noGrp="1"/>
-          </p:cNvSpPr>
-          <p:nvPr>
-            <p:ph type="title"/>
-          </p:nvPr>
-        </p:nvSpPr>
-        <p:spPr/>
-        <p:txBody>
-          <a:bodyPr/>
-          <a:lstStyle/>
-          <a:p>
-            <a:pPr algn="ctr"/>
-            <a:r>
-              <a:rPr lang="en-US" dirty="0"/>
-              <a:t>Demo</a:t>
-            </a:r>
-          </a:p>
-        </p:txBody>
-      </p:sp>
-      <p:pic>
-        <p:nvPicPr>
-          <p:cNvPr id="4" name="Picture 3">
-            <a:extLst>
-              <a:ext uri="{FF2B5EF4-FFF2-40B4-BE49-F238E27FC236}">
-                <a16:creationId xmlns:a16="http://schemas.microsoft.com/office/drawing/2014/main" xmlns="" id="{700EA7AA-F650-334A-956C-0AB6D3D51848}"/>
-              </a:ext>
-            </a:extLst>
-          </p:cNvPr>
-          <p:cNvPicPr>
-            <a:picLocks noChangeAspect="1"/>
-          </p:cNvPicPr>
-          <p:nvPr/>
-        </p:nvPicPr>
-        <p:blipFill>
-          <a:blip r:embed="rId2"/>
-          <a:stretch>
-            <a:fillRect/>
-          </a:stretch>
-        </p:blipFill>
-        <p:spPr>
-          <a:xfrm>
-            <a:off x="5321300" y="2752461"/>
-            <a:ext cx="1549400" cy="1549400"/>
-          </a:xfrm>
-          <a:prstGeom prst="rect">
-            <a:avLst/>
-          </a:prstGeom>
-        </p:spPr>
-      </p:pic>
-    </p:spTree>
-    <p:extLst>
-      <p:ext uri="{BB962C8B-B14F-4D97-AF65-F5344CB8AC3E}">
-        <p14:creationId xmlns:p14="http://schemas.microsoft.com/office/powerpoint/2010/main" val="1987132512"/>
       </p:ext>
     </p:extLst>
   </p:cSld>

--- a/midterm_presentation.pptx
+++ b/midterm_presentation.pptx
@@ -11,17 +11,17 @@
     <p:sldId id="256" r:id="rId2"/>
     <p:sldId id="257" r:id="rId3"/>
     <p:sldId id="258" r:id="rId4"/>
-    <p:sldId id="269" r:id="rId5"/>
-    <p:sldId id="270" r:id="rId6"/>
-    <p:sldId id="259" r:id="rId7"/>
-    <p:sldId id="261" r:id="rId8"/>
-    <p:sldId id="262" r:id="rId9"/>
-    <p:sldId id="263" r:id="rId10"/>
-    <p:sldId id="267" r:id="rId11"/>
-    <p:sldId id="260" r:id="rId12"/>
-    <p:sldId id="265" r:id="rId13"/>
-    <p:sldId id="266" r:id="rId14"/>
-    <p:sldId id="264" r:id="rId15"/>
+    <p:sldId id="271" r:id="rId5"/>
+    <p:sldId id="269" r:id="rId6"/>
+    <p:sldId id="270" r:id="rId7"/>
+    <p:sldId id="264" r:id="rId8"/>
+    <p:sldId id="261" r:id="rId9"/>
+    <p:sldId id="262" r:id="rId10"/>
+    <p:sldId id="263" r:id="rId11"/>
+    <p:sldId id="267" r:id="rId12"/>
+    <p:sldId id="260" r:id="rId13"/>
+    <p:sldId id="265" r:id="rId14"/>
+    <p:sldId id="266" r:id="rId15"/>
     <p:sldId id="268" r:id="rId16"/>
   </p:sldIdLst>
   <p:sldSz cx="12192000" cy="6858000"/>
@@ -528,7 +528,7 @@
             </a:r>
             <a:r>
               <a:rPr lang="en-US" dirty="0"/>
-              <a:t> -</a:t>
+              <a:t> - </a:t>
             </a:r>
           </a:p>
         </p:txBody>
@@ -550,7 +550,7 @@
           <a:p>
             <a:fld id="{B722305B-3B16-C141-9D10-B33E0E704EC5}" type="slidenum">
               <a:rPr lang="en-US" smtClean="0"/>
-              <a:t>13</a:t>
+              <a:t>7</a:t>
             </a:fld>
             <a:endParaRPr lang="en-US"/>
           </a:p>
@@ -559,7 +559,7 @@
     </p:spTree>
     <p:extLst>
       <p:ext uri="{BB962C8B-B14F-4D97-AF65-F5344CB8AC3E}">
-        <p14:creationId xmlns:p14="http://schemas.microsoft.com/office/powerpoint/2010/main" val="1248071848"/>
+        <p14:creationId xmlns:p14="http://schemas.microsoft.com/office/powerpoint/2010/main" val="1879625997"/>
       </p:ext>
     </p:extLst>
   </p:cSld>
@@ -619,7 +619,7 @@
             </a:r>
             <a:r>
               <a:rPr lang="en-US" dirty="0"/>
-              <a:t> - </a:t>
+              <a:t> -</a:t>
             </a:r>
           </a:p>
         </p:txBody>
@@ -650,7 +650,7 @@
     </p:spTree>
     <p:extLst>
       <p:ext uri="{BB962C8B-B14F-4D97-AF65-F5344CB8AC3E}">
-        <p14:creationId xmlns:p14="http://schemas.microsoft.com/office/powerpoint/2010/main" val="1879625997"/>
+        <p14:creationId xmlns:p14="http://schemas.microsoft.com/office/powerpoint/2010/main" val="1248071848"/>
       </p:ext>
     </p:extLst>
   </p:cSld>
@@ -682,7 +682,7 @@
           <p:cNvPr id="2" name="Title 1">
             <a:extLst>
               <a:ext uri="{FF2B5EF4-FFF2-40B4-BE49-F238E27FC236}">
-                <a16:creationId xmlns:a16="http://schemas.microsoft.com/office/drawing/2014/main" id="{9514A341-69ED-D243-A5BB-D69A08A2FAB9}"/>
+                <a16:creationId xmlns:a16="http://schemas.microsoft.com/office/drawing/2014/main" xmlns="" id="{9514A341-69ED-D243-A5BB-D69A08A2FAB9}"/>
               </a:ext>
             </a:extLst>
           </p:cNvPr>
@@ -719,7 +719,7 @@
           <p:cNvPr id="3" name="Subtitle 2">
             <a:extLst>
               <a:ext uri="{FF2B5EF4-FFF2-40B4-BE49-F238E27FC236}">
-                <a16:creationId xmlns:a16="http://schemas.microsoft.com/office/drawing/2014/main" id="{731088D5-9375-494B-AB28-C0E75E715692}"/>
+                <a16:creationId xmlns:a16="http://schemas.microsoft.com/office/drawing/2014/main" xmlns="" id="{731088D5-9375-494B-AB28-C0E75E715692}"/>
               </a:ext>
             </a:extLst>
           </p:cNvPr>
@@ -789,7 +789,7 @@
           <p:cNvPr id="4" name="Date Placeholder 3">
             <a:extLst>
               <a:ext uri="{FF2B5EF4-FFF2-40B4-BE49-F238E27FC236}">
-                <a16:creationId xmlns:a16="http://schemas.microsoft.com/office/drawing/2014/main" id="{8892F842-31FF-6147-9392-A775EA2935F3}"/>
+                <a16:creationId xmlns:a16="http://schemas.microsoft.com/office/drawing/2014/main" xmlns="" id="{8892F842-31FF-6147-9392-A775EA2935F3}"/>
               </a:ext>
             </a:extLst>
           </p:cNvPr>
@@ -818,7 +818,7 @@
           <p:cNvPr id="5" name="Footer Placeholder 4">
             <a:extLst>
               <a:ext uri="{FF2B5EF4-FFF2-40B4-BE49-F238E27FC236}">
-                <a16:creationId xmlns:a16="http://schemas.microsoft.com/office/drawing/2014/main" id="{6E530C11-C6F5-CD4B-9A63-CF4661BC01C1}"/>
+                <a16:creationId xmlns:a16="http://schemas.microsoft.com/office/drawing/2014/main" xmlns="" id="{6E530C11-C6F5-CD4B-9A63-CF4661BC01C1}"/>
               </a:ext>
             </a:extLst>
           </p:cNvPr>
@@ -843,7 +843,7 @@
           <p:cNvPr id="6" name="Slide Number Placeholder 5">
             <a:extLst>
               <a:ext uri="{FF2B5EF4-FFF2-40B4-BE49-F238E27FC236}">
-                <a16:creationId xmlns:a16="http://schemas.microsoft.com/office/drawing/2014/main" id="{41F82781-0884-BB4C-8F43-B6331D184175}"/>
+                <a16:creationId xmlns:a16="http://schemas.microsoft.com/office/drawing/2014/main" xmlns="" id="{41F82781-0884-BB4C-8F43-B6331D184175}"/>
               </a:ext>
             </a:extLst>
           </p:cNvPr>
@@ -902,7 +902,7 @@
           <p:cNvPr id="2" name="Title 1">
             <a:extLst>
               <a:ext uri="{FF2B5EF4-FFF2-40B4-BE49-F238E27FC236}">
-                <a16:creationId xmlns:a16="http://schemas.microsoft.com/office/drawing/2014/main" id="{52DC6E93-7D37-D846-8E12-2407481497D4}"/>
+                <a16:creationId xmlns:a16="http://schemas.microsoft.com/office/drawing/2014/main" xmlns="" id="{52DC6E93-7D37-D846-8E12-2407481497D4}"/>
               </a:ext>
             </a:extLst>
           </p:cNvPr>
@@ -930,7 +930,7 @@
           <p:cNvPr id="3" name="Vertical Text Placeholder 2">
             <a:extLst>
               <a:ext uri="{FF2B5EF4-FFF2-40B4-BE49-F238E27FC236}">
-                <a16:creationId xmlns:a16="http://schemas.microsoft.com/office/drawing/2014/main" id="{800A96E4-D12D-1241-914B-A275D740532A}"/>
+                <a16:creationId xmlns:a16="http://schemas.microsoft.com/office/drawing/2014/main" xmlns="" id="{800A96E4-D12D-1241-914B-A275D740532A}"/>
               </a:ext>
             </a:extLst>
           </p:cNvPr>
@@ -987,7 +987,7 @@
           <p:cNvPr id="4" name="Date Placeholder 3">
             <a:extLst>
               <a:ext uri="{FF2B5EF4-FFF2-40B4-BE49-F238E27FC236}">
-                <a16:creationId xmlns:a16="http://schemas.microsoft.com/office/drawing/2014/main" id="{95B2D362-25D9-7A4A-A76B-9917DBA216F0}"/>
+                <a16:creationId xmlns:a16="http://schemas.microsoft.com/office/drawing/2014/main" xmlns="" id="{95B2D362-25D9-7A4A-A76B-9917DBA216F0}"/>
               </a:ext>
             </a:extLst>
           </p:cNvPr>
@@ -1016,7 +1016,7 @@
           <p:cNvPr id="5" name="Footer Placeholder 4">
             <a:extLst>
               <a:ext uri="{FF2B5EF4-FFF2-40B4-BE49-F238E27FC236}">
-                <a16:creationId xmlns:a16="http://schemas.microsoft.com/office/drawing/2014/main" id="{39BD6234-876E-1C4B-AD64-5DC3425C3558}"/>
+                <a16:creationId xmlns:a16="http://schemas.microsoft.com/office/drawing/2014/main" xmlns="" id="{39BD6234-876E-1C4B-AD64-5DC3425C3558}"/>
               </a:ext>
             </a:extLst>
           </p:cNvPr>
@@ -1041,7 +1041,7 @@
           <p:cNvPr id="6" name="Slide Number Placeholder 5">
             <a:extLst>
               <a:ext uri="{FF2B5EF4-FFF2-40B4-BE49-F238E27FC236}">
-                <a16:creationId xmlns:a16="http://schemas.microsoft.com/office/drawing/2014/main" id="{9CECE56A-C32E-4E47-8979-B6B101E523FE}"/>
+                <a16:creationId xmlns:a16="http://schemas.microsoft.com/office/drawing/2014/main" xmlns="" id="{9CECE56A-C32E-4E47-8979-B6B101E523FE}"/>
               </a:ext>
             </a:extLst>
           </p:cNvPr>
@@ -1100,7 +1100,7 @@
           <p:cNvPr id="2" name="Vertical Title 1">
             <a:extLst>
               <a:ext uri="{FF2B5EF4-FFF2-40B4-BE49-F238E27FC236}">
-                <a16:creationId xmlns:a16="http://schemas.microsoft.com/office/drawing/2014/main" id="{47199A6F-730A-5146-AE4E-85181386019A}"/>
+                <a16:creationId xmlns:a16="http://schemas.microsoft.com/office/drawing/2014/main" xmlns="" id="{47199A6F-730A-5146-AE4E-85181386019A}"/>
               </a:ext>
             </a:extLst>
           </p:cNvPr>
@@ -1133,7 +1133,7 @@
           <p:cNvPr id="3" name="Vertical Text Placeholder 2">
             <a:extLst>
               <a:ext uri="{FF2B5EF4-FFF2-40B4-BE49-F238E27FC236}">
-                <a16:creationId xmlns:a16="http://schemas.microsoft.com/office/drawing/2014/main" id="{D024795D-3721-A740-8FEE-425C4D4969E6}"/>
+                <a16:creationId xmlns:a16="http://schemas.microsoft.com/office/drawing/2014/main" xmlns="" id="{D024795D-3721-A740-8FEE-425C4D4969E6}"/>
               </a:ext>
             </a:extLst>
           </p:cNvPr>
@@ -1195,7 +1195,7 @@
           <p:cNvPr id="4" name="Date Placeholder 3">
             <a:extLst>
               <a:ext uri="{FF2B5EF4-FFF2-40B4-BE49-F238E27FC236}">
-                <a16:creationId xmlns:a16="http://schemas.microsoft.com/office/drawing/2014/main" id="{4FA1E2ED-2612-8B40-8DD7-0C99AF14E6C1}"/>
+                <a16:creationId xmlns:a16="http://schemas.microsoft.com/office/drawing/2014/main" xmlns="" id="{4FA1E2ED-2612-8B40-8DD7-0C99AF14E6C1}"/>
               </a:ext>
             </a:extLst>
           </p:cNvPr>
@@ -1224,7 +1224,7 @@
           <p:cNvPr id="5" name="Footer Placeholder 4">
             <a:extLst>
               <a:ext uri="{FF2B5EF4-FFF2-40B4-BE49-F238E27FC236}">
-                <a16:creationId xmlns:a16="http://schemas.microsoft.com/office/drawing/2014/main" id="{283FB754-7C96-9846-8180-DFFB00EE9579}"/>
+                <a16:creationId xmlns:a16="http://schemas.microsoft.com/office/drawing/2014/main" xmlns="" id="{283FB754-7C96-9846-8180-DFFB00EE9579}"/>
               </a:ext>
             </a:extLst>
           </p:cNvPr>
@@ -1249,7 +1249,7 @@
           <p:cNvPr id="6" name="Slide Number Placeholder 5">
             <a:extLst>
               <a:ext uri="{FF2B5EF4-FFF2-40B4-BE49-F238E27FC236}">
-                <a16:creationId xmlns:a16="http://schemas.microsoft.com/office/drawing/2014/main" id="{D31D0FF8-6C1F-9E40-B424-B2F0223C1053}"/>
+                <a16:creationId xmlns:a16="http://schemas.microsoft.com/office/drawing/2014/main" xmlns="" id="{D31D0FF8-6C1F-9E40-B424-B2F0223C1053}"/>
               </a:ext>
             </a:extLst>
           </p:cNvPr>
@@ -1308,7 +1308,7 @@
           <p:cNvPr id="2" name="Title 1">
             <a:extLst>
               <a:ext uri="{FF2B5EF4-FFF2-40B4-BE49-F238E27FC236}">
-                <a16:creationId xmlns:a16="http://schemas.microsoft.com/office/drawing/2014/main" id="{A52527F9-C314-664B-9A0A-94E07F7A2538}"/>
+                <a16:creationId xmlns:a16="http://schemas.microsoft.com/office/drawing/2014/main" xmlns="" id="{A52527F9-C314-664B-9A0A-94E07F7A2538}"/>
               </a:ext>
             </a:extLst>
           </p:cNvPr>
@@ -1336,7 +1336,7 @@
           <p:cNvPr id="3" name="Content Placeholder 2">
             <a:extLst>
               <a:ext uri="{FF2B5EF4-FFF2-40B4-BE49-F238E27FC236}">
-                <a16:creationId xmlns:a16="http://schemas.microsoft.com/office/drawing/2014/main" id="{D3113FAD-EE1C-4C4A-96EC-F110260F44BD}"/>
+                <a16:creationId xmlns:a16="http://schemas.microsoft.com/office/drawing/2014/main" xmlns="" id="{D3113FAD-EE1C-4C4A-96EC-F110260F44BD}"/>
               </a:ext>
             </a:extLst>
           </p:cNvPr>
@@ -1393,7 +1393,7 @@
           <p:cNvPr id="4" name="Date Placeholder 3">
             <a:extLst>
               <a:ext uri="{FF2B5EF4-FFF2-40B4-BE49-F238E27FC236}">
-                <a16:creationId xmlns:a16="http://schemas.microsoft.com/office/drawing/2014/main" id="{3CF56791-06EE-0D4D-A66B-EF1791829745}"/>
+                <a16:creationId xmlns:a16="http://schemas.microsoft.com/office/drawing/2014/main" xmlns="" id="{3CF56791-06EE-0D4D-A66B-EF1791829745}"/>
               </a:ext>
             </a:extLst>
           </p:cNvPr>
@@ -1422,7 +1422,7 @@
           <p:cNvPr id="5" name="Footer Placeholder 4">
             <a:extLst>
               <a:ext uri="{FF2B5EF4-FFF2-40B4-BE49-F238E27FC236}">
-                <a16:creationId xmlns:a16="http://schemas.microsoft.com/office/drawing/2014/main" id="{F4BF55C5-8418-C440-BE9F-B8120E0270B3}"/>
+                <a16:creationId xmlns:a16="http://schemas.microsoft.com/office/drawing/2014/main" xmlns="" id="{F4BF55C5-8418-C440-BE9F-B8120E0270B3}"/>
               </a:ext>
             </a:extLst>
           </p:cNvPr>
@@ -1447,7 +1447,7 @@
           <p:cNvPr id="6" name="Slide Number Placeholder 5">
             <a:extLst>
               <a:ext uri="{FF2B5EF4-FFF2-40B4-BE49-F238E27FC236}">
-                <a16:creationId xmlns:a16="http://schemas.microsoft.com/office/drawing/2014/main" id="{0C093C2C-0399-2F42-BC62-A8A3A52DFBEF}"/>
+                <a16:creationId xmlns:a16="http://schemas.microsoft.com/office/drawing/2014/main" xmlns="" id="{0C093C2C-0399-2F42-BC62-A8A3A52DFBEF}"/>
               </a:ext>
             </a:extLst>
           </p:cNvPr>
@@ -1506,7 +1506,7 @@
           <p:cNvPr id="2" name="Title 1">
             <a:extLst>
               <a:ext uri="{FF2B5EF4-FFF2-40B4-BE49-F238E27FC236}">
-                <a16:creationId xmlns:a16="http://schemas.microsoft.com/office/drawing/2014/main" id="{46AE4F74-C04B-6646-966D-8CE135029F67}"/>
+                <a16:creationId xmlns:a16="http://schemas.microsoft.com/office/drawing/2014/main" xmlns="" id="{46AE4F74-C04B-6646-966D-8CE135029F67}"/>
               </a:ext>
             </a:extLst>
           </p:cNvPr>
@@ -1543,7 +1543,7 @@
           <p:cNvPr id="3" name="Text Placeholder 2">
             <a:extLst>
               <a:ext uri="{FF2B5EF4-FFF2-40B4-BE49-F238E27FC236}">
-                <a16:creationId xmlns:a16="http://schemas.microsoft.com/office/drawing/2014/main" id="{0E51A314-D793-7042-AAC9-95434A6220FF}"/>
+                <a16:creationId xmlns:a16="http://schemas.microsoft.com/office/drawing/2014/main" xmlns="" id="{0E51A314-D793-7042-AAC9-95434A6220FF}"/>
               </a:ext>
             </a:extLst>
           </p:cNvPr>
@@ -1668,7 +1668,7 @@
           <p:cNvPr id="4" name="Date Placeholder 3">
             <a:extLst>
               <a:ext uri="{FF2B5EF4-FFF2-40B4-BE49-F238E27FC236}">
-                <a16:creationId xmlns:a16="http://schemas.microsoft.com/office/drawing/2014/main" id="{5A29F1A9-4259-0146-8779-3E9783F752A5}"/>
+                <a16:creationId xmlns:a16="http://schemas.microsoft.com/office/drawing/2014/main" xmlns="" id="{5A29F1A9-4259-0146-8779-3E9783F752A5}"/>
               </a:ext>
             </a:extLst>
           </p:cNvPr>
@@ -1697,7 +1697,7 @@
           <p:cNvPr id="5" name="Footer Placeholder 4">
             <a:extLst>
               <a:ext uri="{FF2B5EF4-FFF2-40B4-BE49-F238E27FC236}">
-                <a16:creationId xmlns:a16="http://schemas.microsoft.com/office/drawing/2014/main" id="{AA504BB6-C0C0-D642-86F1-049824923D9C}"/>
+                <a16:creationId xmlns:a16="http://schemas.microsoft.com/office/drawing/2014/main" xmlns="" id="{AA504BB6-C0C0-D642-86F1-049824923D9C}"/>
               </a:ext>
             </a:extLst>
           </p:cNvPr>
@@ -1722,7 +1722,7 @@
           <p:cNvPr id="6" name="Slide Number Placeholder 5">
             <a:extLst>
               <a:ext uri="{FF2B5EF4-FFF2-40B4-BE49-F238E27FC236}">
-                <a16:creationId xmlns:a16="http://schemas.microsoft.com/office/drawing/2014/main" id="{A1478E59-1975-4547-B211-B596040E9ADE}"/>
+                <a16:creationId xmlns:a16="http://schemas.microsoft.com/office/drawing/2014/main" xmlns="" id="{A1478E59-1975-4547-B211-B596040E9ADE}"/>
               </a:ext>
             </a:extLst>
           </p:cNvPr>
@@ -1781,7 +1781,7 @@
           <p:cNvPr id="2" name="Title 1">
             <a:extLst>
               <a:ext uri="{FF2B5EF4-FFF2-40B4-BE49-F238E27FC236}">
-                <a16:creationId xmlns:a16="http://schemas.microsoft.com/office/drawing/2014/main" id="{A0A2C9C6-146F-AC4D-B5C9-2248C41580B0}"/>
+                <a16:creationId xmlns:a16="http://schemas.microsoft.com/office/drawing/2014/main" xmlns="" id="{A0A2C9C6-146F-AC4D-B5C9-2248C41580B0}"/>
               </a:ext>
             </a:extLst>
           </p:cNvPr>
@@ -1809,7 +1809,7 @@
           <p:cNvPr id="3" name="Content Placeholder 2">
             <a:extLst>
               <a:ext uri="{FF2B5EF4-FFF2-40B4-BE49-F238E27FC236}">
-                <a16:creationId xmlns:a16="http://schemas.microsoft.com/office/drawing/2014/main" id="{E85010A7-DE99-5342-AFAD-3DBE37866E52}"/>
+                <a16:creationId xmlns:a16="http://schemas.microsoft.com/office/drawing/2014/main" xmlns="" id="{E85010A7-DE99-5342-AFAD-3DBE37866E52}"/>
               </a:ext>
             </a:extLst>
           </p:cNvPr>
@@ -1871,7 +1871,7 @@
           <p:cNvPr id="4" name="Content Placeholder 3">
             <a:extLst>
               <a:ext uri="{FF2B5EF4-FFF2-40B4-BE49-F238E27FC236}">
-                <a16:creationId xmlns:a16="http://schemas.microsoft.com/office/drawing/2014/main" id="{55AC3DC5-E0AE-AC4C-8D5A-EC7EDFF99BE0}"/>
+                <a16:creationId xmlns:a16="http://schemas.microsoft.com/office/drawing/2014/main" xmlns="" id="{55AC3DC5-E0AE-AC4C-8D5A-EC7EDFF99BE0}"/>
               </a:ext>
             </a:extLst>
           </p:cNvPr>
@@ -1933,7 +1933,7 @@
           <p:cNvPr id="5" name="Date Placeholder 4">
             <a:extLst>
               <a:ext uri="{FF2B5EF4-FFF2-40B4-BE49-F238E27FC236}">
-                <a16:creationId xmlns:a16="http://schemas.microsoft.com/office/drawing/2014/main" id="{895DDA00-DB5D-0540-931A-850557903CEA}"/>
+                <a16:creationId xmlns:a16="http://schemas.microsoft.com/office/drawing/2014/main" xmlns="" id="{895DDA00-DB5D-0540-931A-850557903CEA}"/>
               </a:ext>
             </a:extLst>
           </p:cNvPr>
@@ -1962,7 +1962,7 @@
           <p:cNvPr id="6" name="Footer Placeholder 5">
             <a:extLst>
               <a:ext uri="{FF2B5EF4-FFF2-40B4-BE49-F238E27FC236}">
-                <a16:creationId xmlns:a16="http://schemas.microsoft.com/office/drawing/2014/main" id="{DD031AA0-4E9A-D345-BB79-CAA2C8E5F853}"/>
+                <a16:creationId xmlns:a16="http://schemas.microsoft.com/office/drawing/2014/main" xmlns="" id="{DD031AA0-4E9A-D345-BB79-CAA2C8E5F853}"/>
               </a:ext>
             </a:extLst>
           </p:cNvPr>
@@ -1987,7 +1987,7 @@
           <p:cNvPr id="7" name="Slide Number Placeholder 6">
             <a:extLst>
               <a:ext uri="{FF2B5EF4-FFF2-40B4-BE49-F238E27FC236}">
-                <a16:creationId xmlns:a16="http://schemas.microsoft.com/office/drawing/2014/main" id="{A05671C0-F387-CD48-9548-3D11AF2A2D62}"/>
+                <a16:creationId xmlns:a16="http://schemas.microsoft.com/office/drawing/2014/main" xmlns="" id="{A05671C0-F387-CD48-9548-3D11AF2A2D62}"/>
               </a:ext>
             </a:extLst>
           </p:cNvPr>
@@ -2046,7 +2046,7 @@
           <p:cNvPr id="2" name="Title 1">
             <a:extLst>
               <a:ext uri="{FF2B5EF4-FFF2-40B4-BE49-F238E27FC236}">
-                <a16:creationId xmlns:a16="http://schemas.microsoft.com/office/drawing/2014/main" id="{52C7E19E-33BB-0A40-898E-21C4D8B75257}"/>
+                <a16:creationId xmlns:a16="http://schemas.microsoft.com/office/drawing/2014/main" xmlns="" id="{52C7E19E-33BB-0A40-898E-21C4D8B75257}"/>
               </a:ext>
             </a:extLst>
           </p:cNvPr>
@@ -2079,7 +2079,7 @@
           <p:cNvPr id="3" name="Text Placeholder 2">
             <a:extLst>
               <a:ext uri="{FF2B5EF4-FFF2-40B4-BE49-F238E27FC236}">
-                <a16:creationId xmlns:a16="http://schemas.microsoft.com/office/drawing/2014/main" id="{F2C45494-BDE1-204B-8971-46B3CD32A0A3}"/>
+                <a16:creationId xmlns:a16="http://schemas.microsoft.com/office/drawing/2014/main" xmlns="" id="{F2C45494-BDE1-204B-8971-46B3CD32A0A3}"/>
               </a:ext>
             </a:extLst>
           </p:cNvPr>
@@ -2150,7 +2150,7 @@
           <p:cNvPr id="4" name="Content Placeholder 3">
             <a:extLst>
               <a:ext uri="{FF2B5EF4-FFF2-40B4-BE49-F238E27FC236}">
-                <a16:creationId xmlns:a16="http://schemas.microsoft.com/office/drawing/2014/main" id="{F7A71837-ADCE-5540-B0C6-56D108B40738}"/>
+                <a16:creationId xmlns:a16="http://schemas.microsoft.com/office/drawing/2014/main" xmlns="" id="{F7A71837-ADCE-5540-B0C6-56D108B40738}"/>
               </a:ext>
             </a:extLst>
           </p:cNvPr>
@@ -2212,7 +2212,7 @@
           <p:cNvPr id="5" name="Text Placeholder 4">
             <a:extLst>
               <a:ext uri="{FF2B5EF4-FFF2-40B4-BE49-F238E27FC236}">
-                <a16:creationId xmlns:a16="http://schemas.microsoft.com/office/drawing/2014/main" id="{A759F03B-0228-2F41-A14D-2546EE9BA806}"/>
+                <a16:creationId xmlns:a16="http://schemas.microsoft.com/office/drawing/2014/main" xmlns="" id="{A759F03B-0228-2F41-A14D-2546EE9BA806}"/>
               </a:ext>
             </a:extLst>
           </p:cNvPr>
@@ -2283,7 +2283,7 @@
           <p:cNvPr id="6" name="Content Placeholder 5">
             <a:extLst>
               <a:ext uri="{FF2B5EF4-FFF2-40B4-BE49-F238E27FC236}">
-                <a16:creationId xmlns:a16="http://schemas.microsoft.com/office/drawing/2014/main" id="{C6F5956D-FB22-2B4A-9329-A84FD2CE3CDE}"/>
+                <a16:creationId xmlns:a16="http://schemas.microsoft.com/office/drawing/2014/main" xmlns="" id="{C6F5956D-FB22-2B4A-9329-A84FD2CE3CDE}"/>
               </a:ext>
             </a:extLst>
           </p:cNvPr>
@@ -2345,7 +2345,7 @@
           <p:cNvPr id="7" name="Date Placeholder 6">
             <a:extLst>
               <a:ext uri="{FF2B5EF4-FFF2-40B4-BE49-F238E27FC236}">
-                <a16:creationId xmlns:a16="http://schemas.microsoft.com/office/drawing/2014/main" id="{36852D22-52BE-C24C-A899-BD0B675C2519}"/>
+                <a16:creationId xmlns:a16="http://schemas.microsoft.com/office/drawing/2014/main" xmlns="" id="{36852D22-52BE-C24C-A899-BD0B675C2519}"/>
               </a:ext>
             </a:extLst>
           </p:cNvPr>
@@ -2374,7 +2374,7 @@
           <p:cNvPr id="8" name="Footer Placeholder 7">
             <a:extLst>
               <a:ext uri="{FF2B5EF4-FFF2-40B4-BE49-F238E27FC236}">
-                <a16:creationId xmlns:a16="http://schemas.microsoft.com/office/drawing/2014/main" id="{4DD51E40-6853-054E-B5AE-67E0A6E77D76}"/>
+                <a16:creationId xmlns:a16="http://schemas.microsoft.com/office/drawing/2014/main" xmlns="" id="{4DD51E40-6853-054E-B5AE-67E0A6E77D76}"/>
               </a:ext>
             </a:extLst>
           </p:cNvPr>
@@ -2399,7 +2399,7 @@
           <p:cNvPr id="9" name="Slide Number Placeholder 8">
             <a:extLst>
               <a:ext uri="{FF2B5EF4-FFF2-40B4-BE49-F238E27FC236}">
-                <a16:creationId xmlns:a16="http://schemas.microsoft.com/office/drawing/2014/main" id="{6C3D38B8-3FD8-7C43-A59F-2AC8EAF716AE}"/>
+                <a16:creationId xmlns:a16="http://schemas.microsoft.com/office/drawing/2014/main" xmlns="" id="{6C3D38B8-3FD8-7C43-A59F-2AC8EAF716AE}"/>
               </a:ext>
             </a:extLst>
           </p:cNvPr>
@@ -2458,7 +2458,7 @@
           <p:cNvPr id="2" name="Title 1">
             <a:extLst>
               <a:ext uri="{FF2B5EF4-FFF2-40B4-BE49-F238E27FC236}">
-                <a16:creationId xmlns:a16="http://schemas.microsoft.com/office/drawing/2014/main" id="{BC0F2119-3587-934F-A1F3-141C18E80571}"/>
+                <a16:creationId xmlns:a16="http://schemas.microsoft.com/office/drawing/2014/main" xmlns="" id="{BC0F2119-3587-934F-A1F3-141C18E80571}"/>
               </a:ext>
             </a:extLst>
           </p:cNvPr>
@@ -2486,7 +2486,7 @@
           <p:cNvPr id="3" name="Date Placeholder 2">
             <a:extLst>
               <a:ext uri="{FF2B5EF4-FFF2-40B4-BE49-F238E27FC236}">
-                <a16:creationId xmlns:a16="http://schemas.microsoft.com/office/drawing/2014/main" id="{48B2ADF1-6077-8F4D-A5B9-EAA77AEE8050}"/>
+                <a16:creationId xmlns:a16="http://schemas.microsoft.com/office/drawing/2014/main" xmlns="" id="{48B2ADF1-6077-8F4D-A5B9-EAA77AEE8050}"/>
               </a:ext>
             </a:extLst>
           </p:cNvPr>
@@ -2515,7 +2515,7 @@
           <p:cNvPr id="4" name="Footer Placeholder 3">
             <a:extLst>
               <a:ext uri="{FF2B5EF4-FFF2-40B4-BE49-F238E27FC236}">
-                <a16:creationId xmlns:a16="http://schemas.microsoft.com/office/drawing/2014/main" id="{438B4D55-647C-E14F-9867-EC595AB77EFC}"/>
+                <a16:creationId xmlns:a16="http://schemas.microsoft.com/office/drawing/2014/main" xmlns="" id="{438B4D55-647C-E14F-9867-EC595AB77EFC}"/>
               </a:ext>
             </a:extLst>
           </p:cNvPr>
@@ -2540,7 +2540,7 @@
           <p:cNvPr id="5" name="Slide Number Placeholder 4">
             <a:extLst>
               <a:ext uri="{FF2B5EF4-FFF2-40B4-BE49-F238E27FC236}">
-                <a16:creationId xmlns:a16="http://schemas.microsoft.com/office/drawing/2014/main" id="{5E294510-31ED-A543-938B-8CF7846E4740}"/>
+                <a16:creationId xmlns:a16="http://schemas.microsoft.com/office/drawing/2014/main" xmlns="" id="{5E294510-31ED-A543-938B-8CF7846E4740}"/>
               </a:ext>
             </a:extLst>
           </p:cNvPr>
@@ -2599,7 +2599,7 @@
           <p:cNvPr id="2" name="Date Placeholder 1">
             <a:extLst>
               <a:ext uri="{FF2B5EF4-FFF2-40B4-BE49-F238E27FC236}">
-                <a16:creationId xmlns:a16="http://schemas.microsoft.com/office/drawing/2014/main" id="{67B9FED5-E769-A047-B151-4EE167E79EBE}"/>
+                <a16:creationId xmlns:a16="http://schemas.microsoft.com/office/drawing/2014/main" xmlns="" id="{67B9FED5-E769-A047-B151-4EE167E79EBE}"/>
               </a:ext>
             </a:extLst>
           </p:cNvPr>
@@ -2628,7 +2628,7 @@
           <p:cNvPr id="3" name="Footer Placeholder 2">
             <a:extLst>
               <a:ext uri="{FF2B5EF4-FFF2-40B4-BE49-F238E27FC236}">
-                <a16:creationId xmlns:a16="http://schemas.microsoft.com/office/drawing/2014/main" id="{822FC704-CD34-614E-9901-77A2B18593FA}"/>
+                <a16:creationId xmlns:a16="http://schemas.microsoft.com/office/drawing/2014/main" xmlns="" id="{822FC704-CD34-614E-9901-77A2B18593FA}"/>
               </a:ext>
             </a:extLst>
           </p:cNvPr>
@@ -2653,7 +2653,7 @@
           <p:cNvPr id="4" name="Slide Number Placeholder 3">
             <a:extLst>
               <a:ext uri="{FF2B5EF4-FFF2-40B4-BE49-F238E27FC236}">
-                <a16:creationId xmlns:a16="http://schemas.microsoft.com/office/drawing/2014/main" id="{578C6DFB-A9C7-BE4A-8010-0780CB83E74A}"/>
+                <a16:creationId xmlns:a16="http://schemas.microsoft.com/office/drawing/2014/main" xmlns="" id="{578C6DFB-A9C7-BE4A-8010-0780CB83E74A}"/>
               </a:ext>
             </a:extLst>
           </p:cNvPr>
@@ -2712,7 +2712,7 @@
           <p:cNvPr id="2" name="Title 1">
             <a:extLst>
               <a:ext uri="{FF2B5EF4-FFF2-40B4-BE49-F238E27FC236}">
-                <a16:creationId xmlns:a16="http://schemas.microsoft.com/office/drawing/2014/main" id="{6496F54F-5C2A-1741-AD6E-DCCBB020B005}"/>
+                <a16:creationId xmlns:a16="http://schemas.microsoft.com/office/drawing/2014/main" xmlns="" id="{6496F54F-5C2A-1741-AD6E-DCCBB020B005}"/>
               </a:ext>
             </a:extLst>
           </p:cNvPr>
@@ -2749,7 +2749,7 @@
           <p:cNvPr id="3" name="Content Placeholder 2">
             <a:extLst>
               <a:ext uri="{FF2B5EF4-FFF2-40B4-BE49-F238E27FC236}">
-                <a16:creationId xmlns:a16="http://schemas.microsoft.com/office/drawing/2014/main" id="{CBCA52CB-7EED-9A42-87CF-290AF13CF29A}"/>
+                <a16:creationId xmlns:a16="http://schemas.microsoft.com/office/drawing/2014/main" xmlns="" id="{CBCA52CB-7EED-9A42-87CF-290AF13CF29A}"/>
               </a:ext>
             </a:extLst>
           </p:cNvPr>
@@ -2839,7 +2839,7 @@
           <p:cNvPr id="4" name="Text Placeholder 3">
             <a:extLst>
               <a:ext uri="{FF2B5EF4-FFF2-40B4-BE49-F238E27FC236}">
-                <a16:creationId xmlns:a16="http://schemas.microsoft.com/office/drawing/2014/main" id="{E1702E7A-FD2F-CB46-94BF-FF2EC9490D6E}"/>
+                <a16:creationId xmlns:a16="http://schemas.microsoft.com/office/drawing/2014/main" xmlns="" id="{E1702E7A-FD2F-CB46-94BF-FF2EC9490D6E}"/>
               </a:ext>
             </a:extLst>
           </p:cNvPr>
@@ -2910,7 +2910,7 @@
           <p:cNvPr id="5" name="Date Placeholder 4">
             <a:extLst>
               <a:ext uri="{FF2B5EF4-FFF2-40B4-BE49-F238E27FC236}">
-                <a16:creationId xmlns:a16="http://schemas.microsoft.com/office/drawing/2014/main" id="{8958105E-9337-A749-8929-C81DA369C8A1}"/>
+                <a16:creationId xmlns:a16="http://schemas.microsoft.com/office/drawing/2014/main" xmlns="" id="{8958105E-9337-A749-8929-C81DA369C8A1}"/>
               </a:ext>
             </a:extLst>
           </p:cNvPr>
@@ -2939,7 +2939,7 @@
           <p:cNvPr id="6" name="Footer Placeholder 5">
             <a:extLst>
               <a:ext uri="{FF2B5EF4-FFF2-40B4-BE49-F238E27FC236}">
-                <a16:creationId xmlns:a16="http://schemas.microsoft.com/office/drawing/2014/main" id="{10081911-6878-5B45-A37C-ACB36ADFD7E1}"/>
+                <a16:creationId xmlns:a16="http://schemas.microsoft.com/office/drawing/2014/main" xmlns="" id="{10081911-6878-5B45-A37C-ACB36ADFD7E1}"/>
               </a:ext>
             </a:extLst>
           </p:cNvPr>
@@ -2964,7 +2964,7 @@
           <p:cNvPr id="7" name="Slide Number Placeholder 6">
             <a:extLst>
               <a:ext uri="{FF2B5EF4-FFF2-40B4-BE49-F238E27FC236}">
-                <a16:creationId xmlns:a16="http://schemas.microsoft.com/office/drawing/2014/main" id="{2AF73ABD-0129-F14E-B86A-51D07AA4CD86}"/>
+                <a16:creationId xmlns:a16="http://schemas.microsoft.com/office/drawing/2014/main" xmlns="" id="{2AF73ABD-0129-F14E-B86A-51D07AA4CD86}"/>
               </a:ext>
             </a:extLst>
           </p:cNvPr>
@@ -3023,7 +3023,7 @@
           <p:cNvPr id="2" name="Title 1">
             <a:extLst>
               <a:ext uri="{FF2B5EF4-FFF2-40B4-BE49-F238E27FC236}">
-                <a16:creationId xmlns:a16="http://schemas.microsoft.com/office/drawing/2014/main" id="{1ADBDC04-624F-4240-A155-7100DB9CDF1F}"/>
+                <a16:creationId xmlns:a16="http://schemas.microsoft.com/office/drawing/2014/main" xmlns="" id="{1ADBDC04-624F-4240-A155-7100DB9CDF1F}"/>
               </a:ext>
             </a:extLst>
           </p:cNvPr>
@@ -3060,7 +3060,7 @@
           <p:cNvPr id="3" name="Picture Placeholder 2">
             <a:extLst>
               <a:ext uri="{FF2B5EF4-FFF2-40B4-BE49-F238E27FC236}">
-                <a16:creationId xmlns:a16="http://schemas.microsoft.com/office/drawing/2014/main" id="{BD9289DE-964C-8043-9669-894C54065FCE}"/>
+                <a16:creationId xmlns:a16="http://schemas.microsoft.com/office/drawing/2014/main" xmlns="" id="{BD9289DE-964C-8043-9669-894C54065FCE}"/>
               </a:ext>
             </a:extLst>
           </p:cNvPr>
@@ -3127,7 +3127,7 @@
           <p:cNvPr id="4" name="Text Placeholder 3">
             <a:extLst>
               <a:ext uri="{FF2B5EF4-FFF2-40B4-BE49-F238E27FC236}">
-                <a16:creationId xmlns:a16="http://schemas.microsoft.com/office/drawing/2014/main" id="{869C1FF4-FD92-7F4A-85CD-FF7136BEC969}"/>
+                <a16:creationId xmlns:a16="http://schemas.microsoft.com/office/drawing/2014/main" xmlns="" id="{869C1FF4-FD92-7F4A-85CD-FF7136BEC969}"/>
               </a:ext>
             </a:extLst>
           </p:cNvPr>
@@ -3198,7 +3198,7 @@
           <p:cNvPr id="5" name="Date Placeholder 4">
             <a:extLst>
               <a:ext uri="{FF2B5EF4-FFF2-40B4-BE49-F238E27FC236}">
-                <a16:creationId xmlns:a16="http://schemas.microsoft.com/office/drawing/2014/main" id="{AE4CC592-934E-3B4A-AE9C-25599CF11B32}"/>
+                <a16:creationId xmlns:a16="http://schemas.microsoft.com/office/drawing/2014/main" xmlns="" id="{AE4CC592-934E-3B4A-AE9C-25599CF11B32}"/>
               </a:ext>
             </a:extLst>
           </p:cNvPr>
@@ -3227,7 +3227,7 @@
           <p:cNvPr id="6" name="Footer Placeholder 5">
             <a:extLst>
               <a:ext uri="{FF2B5EF4-FFF2-40B4-BE49-F238E27FC236}">
-                <a16:creationId xmlns:a16="http://schemas.microsoft.com/office/drawing/2014/main" id="{3C0170A9-8B9F-D448-BA4F-42DC22D5ED6C}"/>
+                <a16:creationId xmlns:a16="http://schemas.microsoft.com/office/drawing/2014/main" xmlns="" id="{3C0170A9-8B9F-D448-BA4F-42DC22D5ED6C}"/>
               </a:ext>
             </a:extLst>
           </p:cNvPr>
@@ -3252,7 +3252,7 @@
           <p:cNvPr id="7" name="Slide Number Placeholder 6">
             <a:extLst>
               <a:ext uri="{FF2B5EF4-FFF2-40B4-BE49-F238E27FC236}">
-                <a16:creationId xmlns:a16="http://schemas.microsoft.com/office/drawing/2014/main" id="{D6313800-A129-844E-B8F0-F74902DD6ACF}"/>
+                <a16:creationId xmlns:a16="http://schemas.microsoft.com/office/drawing/2014/main" xmlns="" id="{D6313800-A129-844E-B8F0-F74902DD6ACF}"/>
               </a:ext>
             </a:extLst>
           </p:cNvPr>
@@ -3316,7 +3316,7 @@
           <p:cNvPr id="2" name="Title Placeholder 1">
             <a:extLst>
               <a:ext uri="{FF2B5EF4-FFF2-40B4-BE49-F238E27FC236}">
-                <a16:creationId xmlns:a16="http://schemas.microsoft.com/office/drawing/2014/main" id="{21B7F7A1-DE46-9245-A6FA-08F1D89789CA}"/>
+                <a16:creationId xmlns:a16="http://schemas.microsoft.com/office/drawing/2014/main" xmlns="" id="{21B7F7A1-DE46-9245-A6FA-08F1D89789CA}"/>
               </a:ext>
             </a:extLst>
           </p:cNvPr>
@@ -3354,7 +3354,7 @@
           <p:cNvPr id="3" name="Text Placeholder 2">
             <a:extLst>
               <a:ext uri="{FF2B5EF4-FFF2-40B4-BE49-F238E27FC236}">
-                <a16:creationId xmlns:a16="http://schemas.microsoft.com/office/drawing/2014/main" id="{8595D4CB-5937-CE41-ABC4-0A4A8A16FF51}"/>
+                <a16:creationId xmlns:a16="http://schemas.microsoft.com/office/drawing/2014/main" xmlns="" id="{8595D4CB-5937-CE41-ABC4-0A4A8A16FF51}"/>
               </a:ext>
             </a:extLst>
           </p:cNvPr>
@@ -3421,7 +3421,7 @@
           <p:cNvPr id="4" name="Date Placeholder 3">
             <a:extLst>
               <a:ext uri="{FF2B5EF4-FFF2-40B4-BE49-F238E27FC236}">
-                <a16:creationId xmlns:a16="http://schemas.microsoft.com/office/drawing/2014/main" id="{05F1C33D-8603-7847-9915-7BF7CF5F9D32}"/>
+                <a16:creationId xmlns:a16="http://schemas.microsoft.com/office/drawing/2014/main" xmlns="" id="{05F1C33D-8603-7847-9915-7BF7CF5F9D32}"/>
               </a:ext>
             </a:extLst>
           </p:cNvPr>
@@ -3468,7 +3468,7 @@
           <p:cNvPr id="5" name="Footer Placeholder 4">
             <a:extLst>
               <a:ext uri="{FF2B5EF4-FFF2-40B4-BE49-F238E27FC236}">
-                <a16:creationId xmlns:a16="http://schemas.microsoft.com/office/drawing/2014/main" id="{1DDFE2EE-C744-6646-AF9E-0CDDD662B2F9}"/>
+                <a16:creationId xmlns:a16="http://schemas.microsoft.com/office/drawing/2014/main" xmlns="" id="{1DDFE2EE-C744-6646-AF9E-0CDDD662B2F9}"/>
               </a:ext>
             </a:extLst>
           </p:cNvPr>
@@ -3511,7 +3511,7 @@
           <p:cNvPr id="6" name="Slide Number Placeholder 5">
             <a:extLst>
               <a:ext uri="{FF2B5EF4-FFF2-40B4-BE49-F238E27FC236}">
-                <a16:creationId xmlns:a16="http://schemas.microsoft.com/office/drawing/2014/main" id="{23020908-4F60-D74E-922D-3F84F22F8041}"/>
+                <a16:creationId xmlns:a16="http://schemas.microsoft.com/office/drawing/2014/main" xmlns="" id="{23020908-4F60-D74E-922D-3F84F22F8041}"/>
               </a:ext>
             </a:extLst>
           </p:cNvPr>
@@ -3879,7 +3879,7 @@
           <p:cNvPr id="2" name="Title 1">
             <a:extLst>
               <a:ext uri="{FF2B5EF4-FFF2-40B4-BE49-F238E27FC236}">
-                <a16:creationId xmlns:a16="http://schemas.microsoft.com/office/drawing/2014/main" id="{FAA89291-60DA-2C40-8096-73810E04757F}"/>
+                <a16:creationId xmlns:a16="http://schemas.microsoft.com/office/drawing/2014/main" xmlns="" id="{FAA89291-60DA-2C40-8096-73810E04757F}"/>
               </a:ext>
             </a:extLst>
           </p:cNvPr>
@@ -3908,7 +3908,7 @@
           <p:cNvPr id="3" name="Subtitle 2">
             <a:extLst>
               <a:ext uri="{FF2B5EF4-FFF2-40B4-BE49-F238E27FC236}">
-                <a16:creationId xmlns:a16="http://schemas.microsoft.com/office/drawing/2014/main" id="{CEB73EAD-9E51-C647-886C-A89700E6F256}"/>
+                <a16:creationId xmlns:a16="http://schemas.microsoft.com/office/drawing/2014/main" xmlns="" id="{CEB73EAD-9E51-C647-886C-A89700E6F256}"/>
               </a:ext>
             </a:extLst>
           </p:cNvPr>
@@ -3952,7 +3952,7 @@
           <p:cNvPr id="5" name="Picture 4">
             <a:extLst>
               <a:ext uri="{FF2B5EF4-FFF2-40B4-BE49-F238E27FC236}">
-                <a16:creationId xmlns:a16="http://schemas.microsoft.com/office/drawing/2014/main" id="{0056138C-987F-684A-938F-5B452E26E6CF}"/>
+                <a16:creationId xmlns:a16="http://schemas.microsoft.com/office/drawing/2014/main" xmlns="" id="{0056138C-987F-684A-938F-5B452E26E6CF}"/>
               </a:ext>
             </a:extLst>
           </p:cNvPr>
@@ -4009,7 +4009,13 @@
       </p:grpSpPr>
       <p:sp>
         <p:nvSpPr>
-          <p:cNvPr id="2" name="Title 1"/>
+          <p:cNvPr id="2" name="Title 1">
+            <a:extLst>
+              <a:ext uri="{FF2B5EF4-FFF2-40B4-BE49-F238E27FC236}">
+                <a16:creationId xmlns:a16="http://schemas.microsoft.com/office/drawing/2014/main" xmlns="" id="{AA9F9160-9019-3040-A139-DCC8B1C95273}"/>
+              </a:ext>
+            </a:extLst>
+          </p:cNvPr>
           <p:cNvSpPr>
             <a:spLocks noGrp="1"/>
           </p:cNvSpPr>
@@ -4022,16 +4028,23 @@
           <a:bodyPr/>
           <a:lstStyle/>
           <a:p>
-            <a:r>
-              <a:rPr lang="en-US" dirty="0"/>
-              <a:t>Challenges</a:t>
-            </a:r>
-          </a:p>
-        </p:txBody>
-      </p:sp>
-      <p:sp>
-        <p:nvSpPr>
-          <p:cNvPr id="3" name="Content Placeholder 2"/>
+            <a:pPr algn="ctr"/>
+            <a:r>
+              <a:rPr lang="en-US" dirty="0"/>
+              <a:t>How we do it - Auditing</a:t>
+            </a:r>
+          </a:p>
+        </p:txBody>
+      </p:sp>
+      <p:sp>
+        <p:nvSpPr>
+          <p:cNvPr id="3" name="Content Placeholder 2">
+            <a:extLst>
+              <a:ext uri="{FF2B5EF4-FFF2-40B4-BE49-F238E27FC236}">
+                <a16:creationId xmlns:a16="http://schemas.microsoft.com/office/drawing/2014/main" xmlns="" id="{0A31F19A-6F02-B246-85CC-8A5EF661C09D}"/>
+              </a:ext>
+            </a:extLst>
+          </p:cNvPr>
           <p:cNvSpPr>
             <a:spLocks noGrp="1"/>
           </p:cNvSpPr>
@@ -4044,51 +4057,69 @@
           <a:bodyPr/>
           <a:lstStyle/>
           <a:p>
-            <a:r>
-              <a:rPr lang="en-US" dirty="0"/>
-              <a:t>Security</a:t>
-            </a:r>
-          </a:p>
-          <a:p>
-            <a:pPr lvl="1"/>
-            <a:r>
-              <a:rPr lang="en-US" dirty="0"/>
-              <a:t>Everything is local</a:t>
-            </a:r>
-          </a:p>
-          <a:p>
-            <a:r>
-              <a:rPr lang="en-US" dirty="0"/>
-              <a:t>Alert Fatigue</a:t>
-            </a:r>
-          </a:p>
-          <a:p>
-            <a:pPr lvl="1"/>
-            <a:r>
-              <a:rPr lang="en-US" dirty="0"/>
-              <a:t>Custom thresholds for notifications</a:t>
-            </a:r>
-          </a:p>
-          <a:p>
-            <a:r>
-              <a:rPr lang="en-US" dirty="0"/>
-              <a:t>Constraint discovery is hard</a:t>
-            </a:r>
-          </a:p>
-          <a:p>
-            <a:pPr lvl="1"/>
-            <a:r>
-              <a:rPr lang="en-US" dirty="0"/>
-              <a:t>We’ll do our best</a:t>
-            </a:r>
-          </a:p>
-          <a:p>
+            <a:pPr>
+              <a:lnSpc>
+                <a:spcPct val="100000"/>
+              </a:lnSpc>
+            </a:pPr>
+            <a:r>
+              <a:rPr lang="en-US" dirty="0"/>
+              <a:t>Train off previous intervals of </a:t>
+            </a:r>
+            <a:r>
+              <a:rPr lang="en-US" dirty="0" smtClean="0"/>
+              <a:t>data</a:t>
+            </a:r>
+          </a:p>
+          <a:p>
+            <a:pPr>
+              <a:lnSpc>
+                <a:spcPct val="100000"/>
+              </a:lnSpc>
+            </a:pPr>
             <a:endParaRPr lang="en-US" dirty="0"/>
           </a:p>
           <a:p>
+            <a:pPr>
+              <a:lnSpc>
+                <a:spcPct val="100000"/>
+              </a:lnSpc>
+            </a:pPr>
+            <a:r>
+              <a:rPr lang="en-US" dirty="0" smtClean="0"/>
+              <a:t>Predict </a:t>
+            </a:r>
+            <a:r>
+              <a:rPr lang="en-US" dirty="0"/>
+              <a:t>behavior of future </a:t>
+            </a:r>
+            <a:r>
+              <a:rPr lang="en-US" dirty="0" smtClean="0"/>
+              <a:t>data</a:t>
+            </a:r>
+          </a:p>
+          <a:p>
+            <a:pPr>
+              <a:lnSpc>
+                <a:spcPct val="100000"/>
+              </a:lnSpc>
+            </a:pPr>
             <a:endParaRPr lang="en-US" dirty="0"/>
           </a:p>
           <a:p>
+            <a:pPr>
+              <a:lnSpc>
+                <a:spcPct val="100000"/>
+              </a:lnSpc>
+            </a:pPr>
+            <a:r>
+              <a:rPr lang="en-US" dirty="0"/>
+              <a:t>Notify users of any </a:t>
+            </a:r>
+            <a:r>
+              <a:rPr lang="en-US" dirty="0" smtClean="0"/>
+              <a:t>anomalies that are anomalous enough to satisfy notification thresholds</a:t>
+            </a:r>
             <a:endParaRPr lang="en-US" dirty="0"/>
           </a:p>
         </p:txBody>
@@ -4098,7 +4129,172 @@
           <p:cNvPr id="4" name="Picture 3">
             <a:extLst>
               <a:ext uri="{FF2B5EF4-FFF2-40B4-BE49-F238E27FC236}">
-                <a16:creationId xmlns:a16="http://schemas.microsoft.com/office/drawing/2014/main" id="{E4AEDFE2-2953-F54B-B6FB-1C4BD361B3F7}"/>
+                <a16:creationId xmlns:a16="http://schemas.microsoft.com/office/drawing/2014/main" xmlns="" id="{E4AEDFE2-2953-F54B-B6FB-1C4BD361B3F7}"/>
+              </a:ext>
+            </a:extLst>
+          </p:cNvPr>
+          <p:cNvPicPr>
+            <a:picLocks noChangeAspect="1"/>
+          </p:cNvPicPr>
+          <p:nvPr/>
+        </p:nvPicPr>
+        <p:blipFill>
+          <a:blip r:embed="rId2"/>
+          <a:stretch>
+            <a:fillRect/>
+          </a:stretch>
+        </p:blipFill>
+        <p:spPr>
+          <a:xfrm>
+            <a:off x="10642600" y="5308600"/>
+            <a:ext cx="1549400" cy="1549400"/>
+          </a:xfrm>
+          <a:prstGeom prst="rect">
+            <a:avLst/>
+          </a:prstGeom>
+        </p:spPr>
+      </p:pic>
+    </p:spTree>
+    <p:extLst>
+      <p:ext uri="{BB962C8B-B14F-4D97-AF65-F5344CB8AC3E}">
+        <p14:creationId xmlns:p14="http://schemas.microsoft.com/office/powerpoint/2010/main" val="158140429"/>
+      </p:ext>
+    </p:extLst>
+  </p:cSld>
+  <p:clrMapOvr>
+    <a:masterClrMapping/>
+  </p:clrMapOvr>
+</p:sld>
+</file>
+
+<file path=ppt/slides/slide11.xml><?xml version="1.0" encoding="utf-8"?>
+<p:sld xmlns:a="http://schemas.openxmlformats.org/drawingml/2006/main" xmlns:r="http://schemas.openxmlformats.org/officeDocument/2006/relationships" xmlns:p="http://schemas.openxmlformats.org/presentationml/2006/main">
+  <p:cSld>
+    <p:spTree>
+      <p:nvGrpSpPr>
+        <p:cNvPr id="1" name=""/>
+        <p:cNvGrpSpPr/>
+        <p:nvPr/>
+      </p:nvGrpSpPr>
+      <p:grpSpPr>
+        <a:xfrm>
+          <a:off x="0" y="0"/>
+          <a:ext cx="0" cy="0"/>
+          <a:chOff x="0" y="0"/>
+          <a:chExt cx="0" cy="0"/>
+        </a:xfrm>
+      </p:grpSpPr>
+      <p:sp>
+        <p:nvSpPr>
+          <p:cNvPr id="2" name="Title 1"/>
+          <p:cNvSpPr>
+            <a:spLocks noGrp="1"/>
+          </p:cNvSpPr>
+          <p:nvPr>
+            <p:ph type="title"/>
+          </p:nvPr>
+        </p:nvSpPr>
+        <p:spPr/>
+        <p:txBody>
+          <a:bodyPr/>
+          <a:lstStyle/>
+          <a:p>
+            <a:pPr algn="ctr"/>
+            <a:r>
+              <a:rPr lang="en-US" dirty="0"/>
+              <a:t>Challenges</a:t>
+            </a:r>
+          </a:p>
+        </p:txBody>
+      </p:sp>
+      <p:sp>
+        <p:nvSpPr>
+          <p:cNvPr id="3" name="Content Placeholder 2"/>
+          <p:cNvSpPr>
+            <a:spLocks noGrp="1"/>
+          </p:cNvSpPr>
+          <p:nvPr>
+            <p:ph idx="1"/>
+          </p:nvPr>
+        </p:nvSpPr>
+        <p:spPr/>
+        <p:txBody>
+          <a:bodyPr/>
+          <a:lstStyle/>
+          <a:p>
+            <a:r>
+              <a:rPr lang="en-US" dirty="0"/>
+              <a:t>Security</a:t>
+            </a:r>
+          </a:p>
+          <a:p>
+            <a:pPr lvl="1"/>
+            <a:r>
+              <a:rPr lang="en-US" dirty="0"/>
+              <a:t>Everything is local</a:t>
+            </a:r>
+          </a:p>
+          <a:p>
+            <a:r>
+              <a:rPr lang="en-US" dirty="0"/>
+              <a:t>Alert Fatigue</a:t>
+            </a:r>
+          </a:p>
+          <a:p>
+            <a:pPr lvl="1"/>
+            <a:r>
+              <a:rPr lang="en-US" dirty="0"/>
+              <a:t>Custom thresholds for </a:t>
+            </a:r>
+            <a:r>
+              <a:rPr lang="en-US" dirty="0" smtClean="0"/>
+              <a:t>notifications</a:t>
+            </a:r>
+          </a:p>
+          <a:p>
+            <a:r>
+              <a:rPr lang="en-US" dirty="0" smtClean="0"/>
+              <a:t>Performance constraints</a:t>
+            </a:r>
+          </a:p>
+          <a:p>
+            <a:pPr lvl="1"/>
+            <a:r>
+              <a:rPr lang="en-US" dirty="0" smtClean="0"/>
+              <a:t>Use sampling up to a max number of rows</a:t>
+            </a:r>
+            <a:endParaRPr lang="en-US" dirty="0"/>
+          </a:p>
+          <a:p>
+            <a:r>
+              <a:rPr lang="en-US" dirty="0"/>
+              <a:t>Constraint discovery is hard</a:t>
+            </a:r>
+          </a:p>
+          <a:p>
+            <a:pPr lvl="1"/>
+            <a:r>
+              <a:rPr lang="en-US" dirty="0"/>
+              <a:t>We’ll do our best</a:t>
+            </a:r>
+          </a:p>
+          <a:p>
+            <a:endParaRPr lang="en-US" dirty="0"/>
+          </a:p>
+          <a:p>
+            <a:endParaRPr lang="en-US" dirty="0"/>
+          </a:p>
+          <a:p>
+            <a:endParaRPr lang="en-US" dirty="0"/>
+          </a:p>
+        </p:txBody>
+      </p:sp>
+      <p:pic>
+        <p:nvPicPr>
+          <p:cNvPr id="4" name="Picture 3">
+            <a:extLst>
+              <a:ext uri="{FF2B5EF4-FFF2-40B4-BE49-F238E27FC236}">
+                <a16:creationId xmlns:a16="http://schemas.microsoft.com/office/drawing/2014/main" xmlns="" id="{E4AEDFE2-2953-F54B-B6FB-1C4BD361B3F7}"/>
               </a:ext>
             </a:extLst>
           </p:cNvPr>
@@ -4136,7 +4332,7 @@
 </p:sld>
 </file>
 
-<file path=ppt/slides/slide11.xml><?xml version="1.0" encoding="utf-8"?>
+<file path=ppt/slides/slide12.xml><?xml version="1.0" encoding="utf-8"?>
 <p:sld xmlns:a="http://schemas.openxmlformats.org/drawingml/2006/main" xmlns:r="http://schemas.openxmlformats.org/officeDocument/2006/relationships" xmlns:p="http://schemas.openxmlformats.org/presentationml/2006/main">
   <p:cSld>
     <p:spTree>
@@ -4158,7 +4354,7 @@
           <p:cNvPr id="2" name="Title 1">
             <a:extLst>
               <a:ext uri="{FF2B5EF4-FFF2-40B4-BE49-F238E27FC236}">
-                <a16:creationId xmlns:a16="http://schemas.microsoft.com/office/drawing/2014/main" id="{E394CE2A-A9C6-F34F-8952-7B586B7A7598}"/>
+                <a16:creationId xmlns:a16="http://schemas.microsoft.com/office/drawing/2014/main" xmlns="" id="{E394CE2A-A9C6-F34F-8952-7B586B7A7598}"/>
               </a:ext>
             </a:extLst>
           </p:cNvPr>
@@ -4187,7 +4383,7 @@
           <p:cNvPr id="4" name="Picture 3">
             <a:extLst>
               <a:ext uri="{FF2B5EF4-FFF2-40B4-BE49-F238E27FC236}">
-                <a16:creationId xmlns:a16="http://schemas.microsoft.com/office/drawing/2014/main" id="{700EA7AA-F650-334A-956C-0AB6D3D51848}"/>
+                <a16:creationId xmlns:a16="http://schemas.microsoft.com/office/drawing/2014/main" xmlns="" id="{700EA7AA-F650-334A-956C-0AB6D3D51848}"/>
               </a:ext>
             </a:extLst>
           </p:cNvPr>
@@ -4225,7 +4421,7 @@
 </p:sld>
 </file>
 
-<file path=ppt/slides/slide12.xml><?xml version="1.0" encoding="utf-8"?>
+<file path=ppt/slides/slide13.xml><?xml version="1.0" encoding="utf-8"?>
 <p:sld xmlns:a="http://schemas.openxmlformats.org/drawingml/2006/main" xmlns:r="http://schemas.openxmlformats.org/officeDocument/2006/relationships" xmlns:p="http://schemas.openxmlformats.org/presentationml/2006/main">
   <p:cSld>
     <p:spTree>
@@ -4257,6 +4453,7 @@
           <a:bodyPr/>
           <a:lstStyle/>
           <a:p>
+            <a:pPr algn="ctr"/>
             <a:r>
               <a:rPr lang="en-US" dirty="0"/>
               <a:t>Null Proportion Confidence Intervals</a:t>
@@ -4323,7 +4520,7 @@
           <p:cNvPr id="4" name="Picture 3">
             <a:extLst>
               <a:ext uri="{FF2B5EF4-FFF2-40B4-BE49-F238E27FC236}">
-                <a16:creationId xmlns:a16="http://schemas.microsoft.com/office/drawing/2014/main" id="{E4AEDFE2-2953-F54B-B6FB-1C4BD361B3F7}"/>
+                <a16:creationId xmlns:a16="http://schemas.microsoft.com/office/drawing/2014/main" xmlns="" id="{E4AEDFE2-2953-F54B-B6FB-1C4BD361B3F7}"/>
               </a:ext>
             </a:extLst>
           </p:cNvPr>
@@ -4391,7 +4588,7 @@
 </p:sld>
 </file>
 
-<file path=ppt/slides/slide13.xml><?xml version="1.0" encoding="utf-8"?>
+<file path=ppt/slides/slide14.xml><?xml version="1.0" encoding="utf-8"?>
 <p:sld xmlns:a="http://schemas.openxmlformats.org/drawingml/2006/main" xmlns:r="http://schemas.openxmlformats.org/officeDocument/2006/relationships" xmlns:p="http://schemas.openxmlformats.org/presentationml/2006/main">
   <p:cSld>
     <p:spTree>
@@ -4423,6 +4620,7 @@
           <a:bodyPr/>
           <a:lstStyle/>
           <a:p>
+            <a:pPr algn="ctr"/>
             <a:r>
               <a:rPr lang="en-US" dirty="0"/>
               <a:t>NYC311 </a:t>
@@ -4504,7 +4702,7 @@
           <p:cNvPr id="4" name="Picture 3">
             <a:extLst>
               <a:ext uri="{FF2B5EF4-FFF2-40B4-BE49-F238E27FC236}">
-                <a16:creationId xmlns:a16="http://schemas.microsoft.com/office/drawing/2014/main" id="{E4AEDFE2-2953-F54B-B6FB-1C4BD361B3F7}"/>
+                <a16:creationId xmlns:a16="http://schemas.microsoft.com/office/drawing/2014/main" xmlns="" id="{E4AEDFE2-2953-F54B-B6FB-1C4BD361B3F7}"/>
               </a:ext>
             </a:extLst>
           </p:cNvPr>
@@ -4583,429 +4781,6 @@
 </p:sld>
 </file>
 
-<file path=ppt/slides/slide14.xml><?xml version="1.0" encoding="utf-8"?>
-<p:sld xmlns:a="http://schemas.openxmlformats.org/drawingml/2006/main" xmlns:r="http://schemas.openxmlformats.org/officeDocument/2006/relationships" xmlns:p="http://schemas.openxmlformats.org/presentationml/2006/main">
-  <p:cSld>
-    <p:spTree>
-      <p:nvGrpSpPr>
-        <p:cNvPr id="1" name=""/>
-        <p:cNvGrpSpPr/>
-        <p:nvPr/>
-      </p:nvGrpSpPr>
-      <p:grpSpPr>
-        <a:xfrm>
-          <a:off x="0" y="0"/>
-          <a:ext cx="0" cy="0"/>
-          <a:chOff x="0" y="0"/>
-          <a:chExt cx="0" cy="0"/>
-        </a:xfrm>
-      </p:grpSpPr>
-      <p:sp>
-        <p:nvSpPr>
-          <p:cNvPr id="2" name="Title 1"/>
-          <p:cNvSpPr>
-            <a:spLocks noGrp="1"/>
-          </p:cNvSpPr>
-          <p:nvPr>
-            <p:ph type="title"/>
-          </p:nvPr>
-        </p:nvSpPr>
-        <p:spPr/>
-        <p:txBody>
-          <a:bodyPr/>
-          <a:lstStyle/>
-          <a:p>
-            <a:r>
-              <a:rPr lang="en-US" dirty="0"/>
-              <a:t>Current Technologies</a:t>
-            </a:r>
-          </a:p>
-        </p:txBody>
-      </p:sp>
-      <p:sp>
-        <p:nvSpPr>
-          <p:cNvPr id="3" name="Content Placeholder 2"/>
-          <p:cNvSpPr>
-            <a:spLocks noGrp="1"/>
-          </p:cNvSpPr>
-          <p:nvPr>
-            <p:ph idx="1"/>
-          </p:nvPr>
-        </p:nvSpPr>
-        <p:spPr/>
-        <p:txBody>
-          <a:bodyPr>
-            <a:normAutofit fontScale="92500" lnSpcReduction="20000"/>
-          </a:bodyPr>
-          <a:lstStyle/>
-          <a:p>
-            <a:r>
-              <a:rPr lang="en-US" dirty="0"/>
-              <a:t>Python</a:t>
-            </a:r>
-          </a:p>
-          <a:p>
-            <a:endParaRPr lang="en-US" dirty="0"/>
-          </a:p>
-          <a:p>
-            <a:endParaRPr lang="en-US" dirty="0"/>
-          </a:p>
-          <a:p>
-            <a:r>
-              <a:rPr lang="en-US" dirty="0"/>
-              <a:t>GitHub</a:t>
-            </a:r>
-          </a:p>
-          <a:p>
-            <a:endParaRPr lang="en-US" dirty="0"/>
-          </a:p>
-          <a:p>
-            <a:endParaRPr lang="en-US" dirty="0"/>
-          </a:p>
-          <a:p>
-            <a:r>
-              <a:rPr lang="en-US" dirty="0"/>
-              <a:t>MySQL</a:t>
-            </a:r>
-          </a:p>
-          <a:p>
-            <a:endParaRPr lang="en-US" dirty="0"/>
-          </a:p>
-          <a:p>
-            <a:endParaRPr lang="en-US" dirty="0"/>
-          </a:p>
-          <a:p>
-            <a:r>
-              <a:rPr lang="en-US" dirty="0"/>
-              <a:t>Slack API</a:t>
-            </a:r>
-          </a:p>
-        </p:txBody>
-      </p:sp>
-      <p:pic>
-        <p:nvPicPr>
-          <p:cNvPr id="4" name="Picture 3">
-            <a:extLst>
-              <a:ext uri="{FF2B5EF4-FFF2-40B4-BE49-F238E27FC236}">
-                <a16:creationId xmlns:a16="http://schemas.microsoft.com/office/drawing/2014/main" id="{E4AEDFE2-2953-F54B-B6FB-1C4BD361B3F7}"/>
-              </a:ext>
-            </a:extLst>
-          </p:cNvPr>
-          <p:cNvPicPr>
-            <a:picLocks noChangeAspect="1"/>
-          </p:cNvPicPr>
-          <p:nvPr/>
-        </p:nvPicPr>
-        <p:blipFill>
-          <a:blip r:embed="rId3"/>
-          <a:stretch>
-            <a:fillRect/>
-          </a:stretch>
-        </p:blipFill>
-        <p:spPr>
-          <a:xfrm>
-            <a:off x="10642600" y="5308600"/>
-            <a:ext cx="1549400" cy="1549400"/>
-          </a:xfrm>
-          <a:prstGeom prst="rect">
-            <a:avLst/>
-          </a:prstGeom>
-        </p:spPr>
-      </p:pic>
-      <p:pic>
-        <p:nvPicPr>
-          <p:cNvPr id="1026" name="Picture 2" descr="mage result for python image"/>
-          <p:cNvPicPr>
-            <a:picLocks noChangeAspect="1" noChangeArrowheads="1"/>
-          </p:cNvPicPr>
-          <p:nvPr/>
-        </p:nvPicPr>
-        <p:blipFill>
-          <a:blip r:embed="rId4">
-            <a:extLst>
-              <a:ext uri="{28A0092B-C50C-407E-A947-70E740481C1C}">
-                <a14:useLocalDpi xmlns:a14="http://schemas.microsoft.com/office/drawing/2010/main" val="0"/>
-              </a:ext>
-            </a:extLst>
-          </a:blip>
-          <a:srcRect/>
-          <a:stretch>
-            <a:fillRect/>
-          </a:stretch>
-        </p:blipFill>
-        <p:spPr bwMode="auto">
-          <a:xfrm>
-            <a:off x="6096000" y="1543797"/>
-            <a:ext cx="963579" cy="974820"/>
-          </a:xfrm>
-          <a:prstGeom prst="rect">
-            <a:avLst/>
-          </a:prstGeom>
-          <a:noFill/>
-          <a:extLst>
-            <a:ext uri="{909E8E84-426E-40DD-AFC4-6F175D3DCCD1}">
-              <a14:hiddenFill xmlns:a14="http://schemas.microsoft.com/office/drawing/2010/main">
-                <a:solidFill>
-                  <a:srgbClr val="FFFFFF"/>
-                </a:solidFill>
-              </a14:hiddenFill>
-            </a:ext>
-          </a:extLst>
-        </p:spPr>
-      </p:pic>
-      <p:sp>
-        <p:nvSpPr>
-          <p:cNvPr id="5" name="AutoShape 4" descr="mage result for mysql logo"/>
-          <p:cNvSpPr>
-            <a:spLocks noChangeAspect="1" noChangeArrowheads="1"/>
-          </p:cNvSpPr>
-          <p:nvPr/>
-        </p:nvSpPr>
-        <p:spPr bwMode="auto">
-          <a:xfrm>
-            <a:off x="0" y="0"/>
-            <a:ext cx="304800" cy="304800"/>
-          </a:xfrm>
-          <a:prstGeom prst="rect">
-            <a:avLst/>
-          </a:prstGeom>
-          <a:noFill/>
-          <a:extLst>
-            <a:ext uri="{909E8E84-426E-40DD-AFC4-6F175D3DCCD1}">
-              <a14:hiddenFill xmlns:a14="http://schemas.microsoft.com/office/drawing/2010/main">
-                <a:solidFill>
-                  <a:srgbClr val="FFFFFF"/>
-                </a:solidFill>
-              </a14:hiddenFill>
-            </a:ext>
-          </a:extLst>
-        </p:spPr>
-        <p:txBody>
-          <a:bodyPr vert="horz" wrap="square" lIns="91440" tIns="45720" rIns="91440" bIns="45720" numCol="1" anchor="t" anchorCtr="0" compatLnSpc="1">
-            <a:prstTxWarp prst="textNoShape">
-              <a:avLst/>
-            </a:prstTxWarp>
-          </a:bodyPr>
-          <a:lstStyle/>
-          <a:p>
-            <a:endParaRPr lang="en-US"/>
-          </a:p>
-        </p:txBody>
-      </p:sp>
-      <p:sp>
-        <p:nvSpPr>
-          <p:cNvPr id="7" name="AutoShape 8" descr="mage result for mysql logo"/>
-          <p:cNvSpPr>
-            <a:spLocks noChangeAspect="1" noChangeArrowheads="1"/>
-          </p:cNvSpPr>
-          <p:nvPr/>
-        </p:nvSpPr>
-        <p:spPr bwMode="auto">
-          <a:xfrm>
-            <a:off x="152400" y="152400"/>
-            <a:ext cx="304800" cy="304800"/>
-          </a:xfrm>
-          <a:prstGeom prst="rect">
-            <a:avLst/>
-          </a:prstGeom>
-          <a:noFill/>
-          <a:extLst>
-            <a:ext uri="{909E8E84-426E-40DD-AFC4-6F175D3DCCD1}">
-              <a14:hiddenFill xmlns:a14="http://schemas.microsoft.com/office/drawing/2010/main">
-                <a:solidFill>
-                  <a:srgbClr val="FFFFFF"/>
-                </a:solidFill>
-              </a14:hiddenFill>
-            </a:ext>
-          </a:extLst>
-        </p:spPr>
-        <p:txBody>
-          <a:bodyPr vert="horz" wrap="square" lIns="91440" tIns="45720" rIns="91440" bIns="45720" numCol="1" anchor="t" anchorCtr="0" compatLnSpc="1">
-            <a:prstTxWarp prst="textNoShape">
-              <a:avLst/>
-            </a:prstTxWarp>
-          </a:bodyPr>
-          <a:lstStyle/>
-          <a:p>
-            <a:endParaRPr lang="en-US"/>
-          </a:p>
-        </p:txBody>
-      </p:sp>
-      <p:pic>
-        <p:nvPicPr>
-          <p:cNvPr id="1034" name="Picture 10" descr="mage result for mysql logo"/>
-          <p:cNvPicPr>
-            <a:picLocks noChangeAspect="1" noChangeArrowheads="1"/>
-          </p:cNvPicPr>
-          <p:nvPr/>
-        </p:nvPicPr>
-        <p:blipFill>
-          <a:blip r:embed="rId5">
-            <a:extLst>
-              <a:ext uri="{28A0092B-C50C-407E-A947-70E740481C1C}">
-                <a14:useLocalDpi xmlns:a14="http://schemas.microsoft.com/office/drawing/2010/main" val="0"/>
-              </a:ext>
-            </a:extLst>
-          </a:blip>
-          <a:srcRect/>
-          <a:stretch>
-            <a:fillRect/>
-          </a:stretch>
-        </p:blipFill>
-        <p:spPr bwMode="auto">
-          <a:xfrm>
-            <a:off x="5455451" y="3773076"/>
-            <a:ext cx="1917732" cy="989230"/>
-          </a:xfrm>
-          <a:prstGeom prst="rect">
-            <a:avLst/>
-          </a:prstGeom>
-          <a:noFill/>
-          <a:extLst>
-            <a:ext uri="{909E8E84-426E-40DD-AFC4-6F175D3DCCD1}">
-              <a14:hiddenFill xmlns:a14="http://schemas.microsoft.com/office/drawing/2010/main">
-                <a:solidFill>
-                  <a:srgbClr val="FFFFFF"/>
-                </a:solidFill>
-              </a14:hiddenFill>
-            </a:ext>
-          </a:extLst>
-        </p:spPr>
-      </p:pic>
-      <p:pic>
-        <p:nvPicPr>
-          <p:cNvPr id="1042" name="Picture 18" descr="mage result for slack image"/>
-          <p:cNvPicPr>
-            <a:picLocks noChangeAspect="1" noChangeArrowheads="1"/>
-          </p:cNvPicPr>
-          <p:nvPr/>
-        </p:nvPicPr>
-        <p:blipFill>
-          <a:blip r:embed="rId6">
-            <a:extLst>
-              <a:ext uri="{28A0092B-C50C-407E-A947-70E740481C1C}">
-                <a14:useLocalDpi xmlns:a14="http://schemas.microsoft.com/office/drawing/2010/main" val="0"/>
-              </a:ext>
-            </a:extLst>
-          </a:blip>
-          <a:srcRect/>
-          <a:stretch>
-            <a:fillRect/>
-          </a:stretch>
-        </p:blipFill>
-        <p:spPr bwMode="auto">
-          <a:xfrm>
-            <a:off x="7373183" y="4762306"/>
-            <a:ext cx="1797843" cy="1797843"/>
-          </a:xfrm>
-          <a:prstGeom prst="rect">
-            <a:avLst/>
-          </a:prstGeom>
-          <a:noFill/>
-          <a:extLst>
-            <a:ext uri="{909E8E84-426E-40DD-AFC4-6F175D3DCCD1}">
-              <a14:hiddenFill xmlns:a14="http://schemas.microsoft.com/office/drawing/2010/main">
-                <a:solidFill>
-                  <a:srgbClr val="FFFFFF"/>
-                </a:solidFill>
-              </a14:hiddenFill>
-            </a:ext>
-          </a:extLst>
-        </p:spPr>
-      </p:pic>
-      <p:sp>
-        <p:nvSpPr>
-          <p:cNvPr id="11" name="AutoShape 20" descr="mage result for github logo"/>
-          <p:cNvSpPr>
-            <a:spLocks noChangeAspect="1" noChangeArrowheads="1"/>
-          </p:cNvSpPr>
-          <p:nvPr/>
-        </p:nvSpPr>
-        <p:spPr bwMode="auto">
-          <a:xfrm>
-            <a:off x="304800" y="304800"/>
-            <a:ext cx="304800" cy="304800"/>
-          </a:xfrm>
-          <a:prstGeom prst="rect">
-            <a:avLst/>
-          </a:prstGeom>
-          <a:noFill/>
-          <a:extLst>
-            <a:ext uri="{909E8E84-426E-40DD-AFC4-6F175D3DCCD1}">
-              <a14:hiddenFill xmlns:a14="http://schemas.microsoft.com/office/drawing/2010/main">
-                <a:solidFill>
-                  <a:srgbClr val="FFFFFF"/>
-                </a:solidFill>
-              </a14:hiddenFill>
-            </a:ext>
-          </a:extLst>
-        </p:spPr>
-        <p:txBody>
-          <a:bodyPr vert="horz" wrap="square" lIns="91440" tIns="45720" rIns="91440" bIns="45720" numCol="1" anchor="t" anchorCtr="0" compatLnSpc="1">
-            <a:prstTxWarp prst="textNoShape">
-              <a:avLst/>
-            </a:prstTxWarp>
-          </a:bodyPr>
-          <a:lstStyle/>
-          <a:p>
-            <a:endParaRPr lang="en-US"/>
-          </a:p>
-        </p:txBody>
-      </p:sp>
-      <p:pic>
-        <p:nvPicPr>
-          <p:cNvPr id="1046" name="Picture 22" descr="mage result for github logo"/>
-          <p:cNvPicPr>
-            <a:picLocks noChangeAspect="1" noChangeArrowheads="1"/>
-          </p:cNvPicPr>
-          <p:nvPr/>
-        </p:nvPicPr>
-        <p:blipFill>
-          <a:blip r:embed="rId7">
-            <a:extLst>
-              <a:ext uri="{28A0092B-C50C-407E-A947-70E740481C1C}">
-                <a14:useLocalDpi xmlns:a14="http://schemas.microsoft.com/office/drawing/2010/main" val="0"/>
-              </a:ext>
-            </a:extLst>
-          </a:blip>
-          <a:srcRect/>
-          <a:stretch>
-            <a:fillRect/>
-          </a:stretch>
-        </p:blipFill>
-        <p:spPr bwMode="auto">
-          <a:xfrm>
-            <a:off x="7687508" y="2513903"/>
-            <a:ext cx="1169192" cy="1169192"/>
-          </a:xfrm>
-          <a:prstGeom prst="rect">
-            <a:avLst/>
-          </a:prstGeom>
-          <a:noFill/>
-          <a:extLst>
-            <a:ext uri="{909E8E84-426E-40DD-AFC4-6F175D3DCCD1}">
-              <a14:hiddenFill xmlns:a14="http://schemas.microsoft.com/office/drawing/2010/main">
-                <a:solidFill>
-                  <a:srgbClr val="FFFFFF"/>
-                </a:solidFill>
-              </a14:hiddenFill>
-            </a:ext>
-          </a:extLst>
-        </p:spPr>
-      </p:pic>
-    </p:spTree>
-    <p:extLst>
-      <p:ext uri="{BB962C8B-B14F-4D97-AF65-F5344CB8AC3E}">
-        <p14:creationId xmlns:p14="http://schemas.microsoft.com/office/powerpoint/2010/main" val="1150571277"/>
-      </p:ext>
-    </p:extLst>
-  </p:cSld>
-  <p:clrMapOvr>
-    <a:masterClrMapping/>
-  </p:clrMapOvr>
-</p:sld>
-</file>
-
 <file path=ppt/slides/slide15.xml><?xml version="1.0" encoding="utf-8"?>
 <p:sld xmlns:a="http://schemas.openxmlformats.org/drawingml/2006/main" xmlns:r="http://schemas.openxmlformats.org/officeDocument/2006/relationships" xmlns:p="http://schemas.openxmlformats.org/presentationml/2006/main">
   <p:cSld>
@@ -5038,6 +4813,7 @@
           <a:bodyPr/>
           <a:lstStyle/>
           <a:p>
+            <a:pPr algn="ctr"/>
             <a:r>
               <a:rPr lang="en-US" dirty="0"/>
               <a:t>Next Steps</a:t>
@@ -5113,7 +4889,7 @@
           <p:cNvPr id="4" name="Picture 3">
             <a:extLst>
               <a:ext uri="{FF2B5EF4-FFF2-40B4-BE49-F238E27FC236}">
-                <a16:creationId xmlns:a16="http://schemas.microsoft.com/office/drawing/2014/main" id="{E4AEDFE2-2953-F54B-B6FB-1C4BD361B3F7}"/>
+                <a16:creationId xmlns:a16="http://schemas.microsoft.com/office/drawing/2014/main" xmlns="" id="{E4AEDFE2-2953-F54B-B6FB-1C4BD361B3F7}"/>
               </a:ext>
             </a:extLst>
           </p:cNvPr>
@@ -5173,7 +4949,7 @@
           <p:cNvPr id="2" name="Title 1">
             <a:extLst>
               <a:ext uri="{FF2B5EF4-FFF2-40B4-BE49-F238E27FC236}">
-                <a16:creationId xmlns:a16="http://schemas.microsoft.com/office/drawing/2014/main" id="{735D7AA6-1425-8C4F-8608-265E01867490}"/>
+                <a16:creationId xmlns:a16="http://schemas.microsoft.com/office/drawing/2014/main" xmlns="" id="{735D7AA6-1425-8C4F-8608-265E01867490}"/>
               </a:ext>
             </a:extLst>
           </p:cNvPr>
@@ -5202,7 +4978,7 @@
           <p:cNvPr id="3" name="Content Placeholder 2">
             <a:extLst>
               <a:ext uri="{FF2B5EF4-FFF2-40B4-BE49-F238E27FC236}">
-                <a16:creationId xmlns:a16="http://schemas.microsoft.com/office/drawing/2014/main" id="{31882B9E-E7C2-C443-B3BB-E435A2E6804C}"/>
+                <a16:creationId xmlns:a16="http://schemas.microsoft.com/office/drawing/2014/main" xmlns="" id="{31882B9E-E7C2-C443-B3BB-E435A2E6804C}"/>
               </a:ext>
             </a:extLst>
           </p:cNvPr>
@@ -5276,7 +5052,7 @@
           <p:cNvPr id="4" name="Picture 3">
             <a:extLst>
               <a:ext uri="{FF2B5EF4-FFF2-40B4-BE49-F238E27FC236}">
-                <a16:creationId xmlns:a16="http://schemas.microsoft.com/office/drawing/2014/main" id="{A196DAC0-1739-7B42-AB81-828E29C6B021}"/>
+                <a16:creationId xmlns:a16="http://schemas.microsoft.com/office/drawing/2014/main" xmlns="" id="{A196DAC0-1739-7B42-AB81-828E29C6B021}"/>
               </a:ext>
             </a:extLst>
           </p:cNvPr>
@@ -5336,7 +5112,7 @@
           <p:cNvPr id="2" name="Title 1">
             <a:extLst>
               <a:ext uri="{FF2B5EF4-FFF2-40B4-BE49-F238E27FC236}">
-                <a16:creationId xmlns:a16="http://schemas.microsoft.com/office/drawing/2014/main" id="{2841A013-1902-0A4D-9383-F3238305A7C5}"/>
+                <a16:creationId xmlns:a16="http://schemas.microsoft.com/office/drawing/2014/main" xmlns="" id="{2841A013-1902-0A4D-9383-F3238305A7C5}"/>
               </a:ext>
             </a:extLst>
           </p:cNvPr>
@@ -5365,7 +5141,7 @@
           <p:cNvPr id="3" name="Content Placeholder 2">
             <a:extLst>
               <a:ext uri="{FF2B5EF4-FFF2-40B4-BE49-F238E27FC236}">
-                <a16:creationId xmlns:a16="http://schemas.microsoft.com/office/drawing/2014/main" id="{D8AC1DFA-2A83-E54D-B67B-E20F3EA39F94}"/>
+                <a16:creationId xmlns:a16="http://schemas.microsoft.com/office/drawing/2014/main" xmlns="" id="{D8AC1DFA-2A83-E54D-B67B-E20F3EA39F94}"/>
               </a:ext>
             </a:extLst>
           </p:cNvPr>
@@ -5383,26 +5159,54 @@
           <a:p>
             <a:pPr>
               <a:lnSpc>
-                <a:spcPct val="200000"/>
+                <a:spcPct val="100000"/>
               </a:lnSpc>
             </a:pPr>
             <a:r>
-              <a:rPr lang="en-US" dirty="0"/>
-              <a:t>Targeting companies</a:t>
+              <a:rPr lang="en-US" dirty="0" smtClean="0"/>
+              <a:t>Companies with large amounts of data consolidated in a handful of important tables</a:t>
             </a:r>
           </a:p>
           <a:p>
             <a:pPr>
               <a:lnSpc>
-                <a:spcPct val="200000"/>
+                <a:spcPct val="100000"/>
               </a:lnSpc>
             </a:pPr>
             <a:r>
-              <a:rPr lang="en-US" dirty="0"/>
+              <a:rPr lang="en-US" dirty="0" smtClean="0"/>
+              <a:t>Small-to-medium sized (not large enough to have dedicated data quality teams)</a:t>
+            </a:r>
+          </a:p>
+          <a:p>
+            <a:pPr>
+              <a:lnSpc>
+                <a:spcPct val="100000"/>
+              </a:lnSpc>
+            </a:pPr>
+            <a:r>
+              <a:rPr lang="en-US" dirty="0" smtClean="0"/>
               <a:t>Data Engineers</a:t>
             </a:r>
           </a:p>
           <a:p>
+            <a:pPr>
+              <a:lnSpc>
+                <a:spcPct val="100000"/>
+              </a:lnSpc>
+            </a:pPr>
+            <a:r>
+              <a:rPr lang="en-US" dirty="0" smtClean="0"/>
+              <a:t>Example use cases:</a:t>
+            </a:r>
+            <a:endParaRPr lang="en-US" dirty="0"/>
+          </a:p>
+          <a:p>
+            <a:pPr>
+              <a:lnSpc>
+                <a:spcPct val="100000"/>
+              </a:lnSpc>
+            </a:pPr>
             <a:endParaRPr lang="en-US" dirty="0"/>
           </a:p>
         </p:txBody>
@@ -5412,7 +5216,7 @@
           <p:cNvPr id="4" name="Picture 3">
             <a:extLst>
               <a:ext uri="{FF2B5EF4-FFF2-40B4-BE49-F238E27FC236}">
-                <a16:creationId xmlns:a16="http://schemas.microsoft.com/office/drawing/2014/main" id="{EFE81110-E345-0A4A-B78E-9AD34187D73F}"/>
+                <a16:creationId xmlns:a16="http://schemas.microsoft.com/office/drawing/2014/main" xmlns="" id="{EFE81110-E345-0A4A-B78E-9AD34187D73F}"/>
               </a:ext>
             </a:extLst>
           </p:cNvPr>
@@ -5442,7 +5246,7 @@
           <p:cNvPr id="6" name="Picture 5">
             <a:extLst>
               <a:ext uri="{FF2B5EF4-FFF2-40B4-BE49-F238E27FC236}">
-                <a16:creationId xmlns:a16="http://schemas.microsoft.com/office/drawing/2014/main" id="{C33F4CFD-AAF0-784F-8D1A-AEFC1C5E590D}"/>
+                <a16:creationId xmlns:a16="http://schemas.microsoft.com/office/drawing/2014/main" xmlns="" id="{C33F4CFD-AAF0-784F-8D1A-AEFC1C5E590D}"/>
               </a:ext>
             </a:extLst>
           </p:cNvPr>
@@ -5459,7 +5263,7 @@
         </p:blipFill>
         <p:spPr>
           <a:xfrm>
-            <a:off x="2006600" y="4350359"/>
+            <a:off x="1984091" y="5216155"/>
             <a:ext cx="2294467" cy="960808"/>
           </a:xfrm>
           <a:prstGeom prst="rect">
@@ -5472,7 +5276,7 @@
           <p:cNvPr id="10" name="Picture 9">
             <a:extLst>
               <a:ext uri="{FF2B5EF4-FFF2-40B4-BE49-F238E27FC236}">
-                <a16:creationId xmlns:a16="http://schemas.microsoft.com/office/drawing/2014/main" id="{2D375751-A7E1-0648-A61D-70EF4E727BC8}"/>
+                <a16:creationId xmlns:a16="http://schemas.microsoft.com/office/drawing/2014/main" xmlns="" id="{2D375751-A7E1-0648-A61D-70EF4E727BC8}"/>
               </a:ext>
             </a:extLst>
           </p:cNvPr>
@@ -5489,7 +5293,7 @@
         </p:blipFill>
         <p:spPr>
           <a:xfrm>
-            <a:off x="6495885" y="4210981"/>
+            <a:off x="6495885" y="5147749"/>
             <a:ext cx="3518010" cy="1097619"/>
           </a:xfrm>
           <a:prstGeom prst="rect">
@@ -5529,10 +5333,121 @@
       </p:grpSpPr>
       <p:sp>
         <p:nvSpPr>
+          <p:cNvPr id="2" name="Title 1"/>
+          <p:cNvSpPr>
+            <a:spLocks noGrp="1"/>
+          </p:cNvSpPr>
+          <p:nvPr>
+            <p:ph type="title"/>
+          </p:nvPr>
+        </p:nvSpPr>
+        <p:spPr/>
+        <p:txBody>
+          <a:bodyPr/>
+          <a:lstStyle/>
+          <a:p>
+            <a:pPr algn="ctr"/>
+            <a:r>
+              <a:rPr lang="en-US" dirty="0" smtClean="0"/>
+              <a:t>How data quality checking currently works</a:t>
+            </a:r>
+            <a:endParaRPr lang="en-US" dirty="0"/>
+          </a:p>
+        </p:txBody>
+      </p:sp>
+      <p:sp>
+        <p:nvSpPr>
+          <p:cNvPr id="3" name="Content Placeholder 2"/>
+          <p:cNvSpPr>
+            <a:spLocks noGrp="1"/>
+          </p:cNvSpPr>
+          <p:nvPr>
+            <p:ph idx="1"/>
+          </p:nvPr>
+        </p:nvSpPr>
+        <p:spPr/>
+        <p:txBody>
+          <a:bodyPr/>
+          <a:lstStyle/>
+          <a:p>
+            <a:r>
+              <a:rPr lang="en-US" dirty="0" smtClean="0"/>
+              <a:t>Rule engines</a:t>
+            </a:r>
+          </a:p>
+          <a:p>
+            <a:pPr lvl="1"/>
+            <a:r>
+              <a:rPr lang="en-US" dirty="0" smtClean="0"/>
+              <a:t>Just like tests, hard to get engineers to consistently write good rules</a:t>
+            </a:r>
+          </a:p>
+          <a:p>
+            <a:pPr lvl="1"/>
+            <a:r>
+              <a:rPr lang="en-US" dirty="0" smtClean="0"/>
+              <a:t>Evolving data makes this difficult</a:t>
+            </a:r>
+          </a:p>
+          <a:p>
+            <a:pPr lvl="1"/>
+            <a:endParaRPr lang="en-US" dirty="0"/>
+          </a:p>
+          <a:p>
+            <a:pPr lvl="1"/>
+            <a:endParaRPr lang="en-US" dirty="0" smtClean="0"/>
+          </a:p>
+          <a:p>
+            <a:r>
+              <a:rPr lang="en-US" dirty="0" smtClean="0"/>
+              <a:t>Anomaly Detection</a:t>
+            </a:r>
+          </a:p>
+          <a:p>
+            <a:pPr lvl="1"/>
+            <a:r>
+              <a:rPr lang="en-US" dirty="0" smtClean="0"/>
+              <a:t>Most solutions are very noisy and tend to get ignored</a:t>
+            </a:r>
+          </a:p>
+        </p:txBody>
+      </p:sp>
+    </p:spTree>
+    <p:extLst>
+      <p:ext uri="{BB962C8B-B14F-4D97-AF65-F5344CB8AC3E}">
+        <p14:creationId xmlns:p14="http://schemas.microsoft.com/office/powerpoint/2010/main" val="670749730"/>
+      </p:ext>
+    </p:extLst>
+  </p:cSld>
+  <p:clrMapOvr>
+    <a:masterClrMapping/>
+  </p:clrMapOvr>
+</p:sld>
+</file>
+
+<file path=ppt/slides/slide5.xml><?xml version="1.0" encoding="utf-8"?>
+<p:sld xmlns:a="http://schemas.openxmlformats.org/drawingml/2006/main" xmlns:r="http://schemas.openxmlformats.org/officeDocument/2006/relationships" xmlns:p="http://schemas.openxmlformats.org/presentationml/2006/main">
+  <p:cSld>
+    <p:spTree>
+      <p:nvGrpSpPr>
+        <p:cNvPr id="1" name=""/>
+        <p:cNvGrpSpPr/>
+        <p:nvPr/>
+      </p:nvGrpSpPr>
+      <p:grpSpPr>
+        <a:xfrm>
+          <a:off x="0" y="0"/>
+          <a:ext cx="0" cy="0"/>
+          <a:chOff x="0" y="0"/>
+          <a:chExt cx="0" cy="0"/>
+        </a:xfrm>
+      </p:grpSpPr>
+      <p:sp>
+        <p:nvSpPr>
           <p:cNvPr id="2" name="Title 1">
             <a:extLst>
               <a:ext uri="{FF2B5EF4-FFF2-40B4-BE49-F238E27FC236}">
-                <a16:creationId xmlns:a16="http://schemas.microsoft.com/office/drawing/2014/main" id="{2841A013-1902-0A4D-9383-F3238305A7C5}"/>
+                <a16:creationId xmlns:a16="http://schemas.microsoft.com/office/drawing/2014/main" xmlns="" id="{2841A013-1902-0A4D-9383-F3238305A7C5}"/>
               </a:ext>
             </a:extLst>
           </p:cNvPr>
@@ -5561,7 +5476,7 @@
           <p:cNvPr id="3" name="Content Placeholder 2">
             <a:extLst>
               <a:ext uri="{FF2B5EF4-FFF2-40B4-BE49-F238E27FC236}">
-                <a16:creationId xmlns:a16="http://schemas.microsoft.com/office/drawing/2014/main" id="{D8AC1DFA-2A83-E54D-B67B-E20F3EA39F94}"/>
+                <a16:creationId xmlns:a16="http://schemas.microsoft.com/office/drawing/2014/main" xmlns="" id="{D8AC1DFA-2A83-E54D-B67B-E20F3EA39F94}"/>
               </a:ext>
             </a:extLst>
           </p:cNvPr>
@@ -5621,7 +5536,7 @@
           <p:cNvPr id="4" name="Picture 3">
             <a:extLst>
               <a:ext uri="{FF2B5EF4-FFF2-40B4-BE49-F238E27FC236}">
-                <a16:creationId xmlns:a16="http://schemas.microsoft.com/office/drawing/2014/main" id="{EFE81110-E345-0A4A-B78E-9AD34187D73F}"/>
+                <a16:creationId xmlns:a16="http://schemas.microsoft.com/office/drawing/2014/main" xmlns="" id="{EFE81110-E345-0A4A-B78E-9AD34187D73F}"/>
               </a:ext>
             </a:extLst>
           </p:cNvPr>
@@ -5659,7 +5574,7 @@
 </p:sld>
 </file>
 
-<file path=ppt/slides/slide5.xml><?xml version="1.0" encoding="utf-8"?>
+<file path=ppt/slides/slide6.xml><?xml version="1.0" encoding="utf-8"?>
 <p:sld xmlns:a="http://schemas.openxmlformats.org/drawingml/2006/main" xmlns:r="http://schemas.openxmlformats.org/officeDocument/2006/relationships" xmlns:p="http://schemas.openxmlformats.org/presentationml/2006/main">
   <p:cSld>
     <p:spTree>
@@ -5681,7 +5596,7 @@
           <p:cNvPr id="2" name="Title 1">
             <a:extLst>
               <a:ext uri="{FF2B5EF4-FFF2-40B4-BE49-F238E27FC236}">
-                <a16:creationId xmlns:a16="http://schemas.microsoft.com/office/drawing/2014/main" id="{2841A013-1902-0A4D-9383-F3238305A7C5}"/>
+                <a16:creationId xmlns:a16="http://schemas.microsoft.com/office/drawing/2014/main" xmlns="" id="{2841A013-1902-0A4D-9383-F3238305A7C5}"/>
               </a:ext>
             </a:extLst>
           </p:cNvPr>
@@ -5710,7 +5625,7 @@
           <p:cNvPr id="3" name="Content Placeholder 2">
             <a:extLst>
               <a:ext uri="{FF2B5EF4-FFF2-40B4-BE49-F238E27FC236}">
-                <a16:creationId xmlns:a16="http://schemas.microsoft.com/office/drawing/2014/main" id="{D8AC1DFA-2A83-E54D-B67B-E20F3EA39F94}"/>
+                <a16:creationId xmlns:a16="http://schemas.microsoft.com/office/drawing/2014/main" xmlns="" id="{D8AC1DFA-2A83-E54D-B67B-E20F3EA39F94}"/>
               </a:ext>
             </a:extLst>
           </p:cNvPr>
@@ -5832,7 +5747,7 @@
           <p:cNvPr id="4" name="Picture 3">
             <a:extLst>
               <a:ext uri="{FF2B5EF4-FFF2-40B4-BE49-F238E27FC236}">
-                <a16:creationId xmlns:a16="http://schemas.microsoft.com/office/drawing/2014/main" id="{EFE81110-E345-0A4A-B78E-9AD34187D73F}"/>
+                <a16:creationId xmlns:a16="http://schemas.microsoft.com/office/drawing/2014/main" xmlns="" id="{EFE81110-E345-0A4A-B78E-9AD34187D73F}"/>
               </a:ext>
             </a:extLst>
           </p:cNvPr>
@@ -5870,150 +5785,6 @@
 </p:sld>
 </file>
 
-<file path=ppt/slides/slide6.xml><?xml version="1.0" encoding="utf-8"?>
-<p:sld xmlns:a="http://schemas.openxmlformats.org/drawingml/2006/main" xmlns:r="http://schemas.openxmlformats.org/officeDocument/2006/relationships" xmlns:p="http://schemas.openxmlformats.org/presentationml/2006/main">
-  <p:cSld>
-    <p:spTree>
-      <p:nvGrpSpPr>
-        <p:cNvPr id="1" name=""/>
-        <p:cNvGrpSpPr/>
-        <p:nvPr/>
-      </p:nvGrpSpPr>
-      <p:grpSpPr>
-        <a:xfrm>
-          <a:off x="0" y="0"/>
-          <a:ext cx="0" cy="0"/>
-          <a:chOff x="0" y="0"/>
-          <a:chExt cx="0" cy="0"/>
-        </a:xfrm>
-      </p:grpSpPr>
-      <p:sp>
-        <p:nvSpPr>
-          <p:cNvPr id="2" name="Title 1">
-            <a:extLst>
-              <a:ext uri="{FF2B5EF4-FFF2-40B4-BE49-F238E27FC236}">
-                <a16:creationId xmlns:a16="http://schemas.microsoft.com/office/drawing/2014/main" id="{04D6DE77-0B18-5646-AD91-872F7E289CB4}"/>
-              </a:ext>
-            </a:extLst>
-          </p:cNvPr>
-          <p:cNvSpPr>
-            <a:spLocks noGrp="1"/>
-          </p:cNvSpPr>
-          <p:nvPr>
-            <p:ph type="title"/>
-          </p:nvPr>
-        </p:nvSpPr>
-        <p:spPr/>
-        <p:txBody>
-          <a:bodyPr/>
-          <a:lstStyle/>
-          <a:p>
-            <a:pPr algn="ctr"/>
-            <a:r>
-              <a:rPr lang="en-US" dirty="0"/>
-              <a:t>How we do it</a:t>
-            </a:r>
-          </a:p>
-        </p:txBody>
-      </p:sp>
-      <p:sp>
-        <p:nvSpPr>
-          <p:cNvPr id="3" name="Content Placeholder 2">
-            <a:extLst>
-              <a:ext uri="{FF2B5EF4-FFF2-40B4-BE49-F238E27FC236}">
-                <a16:creationId xmlns:a16="http://schemas.microsoft.com/office/drawing/2014/main" id="{E1CBED8E-9DCB-F54F-8E3B-AD75AD759D9F}"/>
-              </a:ext>
-            </a:extLst>
-          </p:cNvPr>
-          <p:cNvSpPr>
-            <a:spLocks noGrp="1"/>
-          </p:cNvSpPr>
-          <p:nvPr>
-            <p:ph idx="1"/>
-          </p:nvPr>
-        </p:nvSpPr>
-        <p:spPr/>
-        <p:txBody>
-          <a:bodyPr/>
-          <a:lstStyle/>
-          <a:p>
-            <a:pPr>
-              <a:lnSpc>
-                <a:spcPct val="200000"/>
-              </a:lnSpc>
-            </a:pPr>
-            <a:r>
-              <a:rPr lang="en-US" dirty="0"/>
-              <a:t>Database integration</a:t>
-            </a:r>
-          </a:p>
-          <a:p>
-            <a:pPr>
-              <a:lnSpc>
-                <a:spcPct val="200000"/>
-              </a:lnSpc>
-            </a:pPr>
-            <a:r>
-              <a:rPr lang="en-US" dirty="0"/>
-              <a:t>Slack integration</a:t>
-            </a:r>
-          </a:p>
-          <a:p>
-            <a:pPr>
-              <a:lnSpc>
-                <a:spcPct val="200000"/>
-              </a:lnSpc>
-            </a:pPr>
-            <a:r>
-              <a:rPr lang="en-US" dirty="0"/>
-              <a:t>Auditing</a:t>
-            </a:r>
-          </a:p>
-        </p:txBody>
-      </p:sp>
-      <p:pic>
-        <p:nvPicPr>
-          <p:cNvPr id="4" name="Picture 3">
-            <a:extLst>
-              <a:ext uri="{FF2B5EF4-FFF2-40B4-BE49-F238E27FC236}">
-                <a16:creationId xmlns:a16="http://schemas.microsoft.com/office/drawing/2014/main" id="{375A873E-10C2-E243-BFE6-0D1F802AFDEF}"/>
-              </a:ext>
-            </a:extLst>
-          </p:cNvPr>
-          <p:cNvPicPr>
-            <a:picLocks noChangeAspect="1"/>
-          </p:cNvPicPr>
-          <p:nvPr/>
-        </p:nvPicPr>
-        <p:blipFill>
-          <a:blip r:embed="rId2"/>
-          <a:stretch>
-            <a:fillRect/>
-          </a:stretch>
-        </p:blipFill>
-        <p:spPr>
-          <a:xfrm>
-            <a:off x="10642600" y="5308600"/>
-            <a:ext cx="1549400" cy="1549400"/>
-          </a:xfrm>
-          <a:prstGeom prst="rect">
-            <a:avLst/>
-          </a:prstGeom>
-        </p:spPr>
-      </p:pic>
-    </p:spTree>
-    <p:extLst>
-      <p:ext uri="{BB962C8B-B14F-4D97-AF65-F5344CB8AC3E}">
-        <p14:creationId xmlns:p14="http://schemas.microsoft.com/office/powerpoint/2010/main" val="1024092039"/>
-      </p:ext>
-    </p:extLst>
-  </p:cSld>
-  <p:clrMapOvr>
-    <a:masterClrMapping/>
-  </p:clrMapOvr>
-</p:sld>
-</file>
-
 <file path=ppt/slides/slide7.xml><?xml version="1.0" encoding="utf-8"?>
 <p:sld xmlns:a="http://schemas.openxmlformats.org/drawingml/2006/main" xmlns:r="http://schemas.openxmlformats.org/officeDocument/2006/relationships" xmlns:p="http://schemas.openxmlformats.org/presentationml/2006/main">
   <p:cSld>
@@ -6033,10 +5804,434 @@
       </p:grpSpPr>
       <p:sp>
         <p:nvSpPr>
+          <p:cNvPr id="2" name="Title 1"/>
+          <p:cNvSpPr>
+            <a:spLocks noGrp="1"/>
+          </p:cNvSpPr>
+          <p:nvPr>
+            <p:ph type="title"/>
+          </p:nvPr>
+        </p:nvSpPr>
+        <p:spPr/>
+        <p:txBody>
+          <a:bodyPr/>
+          <a:lstStyle/>
+          <a:p>
+            <a:pPr algn="ctr"/>
+            <a:r>
+              <a:rPr lang="en-US" dirty="0"/>
+              <a:t>Current Technologies</a:t>
+            </a:r>
+          </a:p>
+        </p:txBody>
+      </p:sp>
+      <p:sp>
+        <p:nvSpPr>
+          <p:cNvPr id="3" name="Content Placeholder 2"/>
+          <p:cNvSpPr>
+            <a:spLocks noGrp="1"/>
+          </p:cNvSpPr>
+          <p:nvPr>
+            <p:ph idx="1"/>
+          </p:nvPr>
+        </p:nvSpPr>
+        <p:spPr/>
+        <p:txBody>
+          <a:bodyPr>
+            <a:normAutofit fontScale="92500" lnSpcReduction="20000"/>
+          </a:bodyPr>
+          <a:lstStyle/>
+          <a:p>
+            <a:r>
+              <a:rPr lang="en-US" dirty="0"/>
+              <a:t>Python</a:t>
+            </a:r>
+          </a:p>
+          <a:p>
+            <a:endParaRPr lang="en-US" dirty="0"/>
+          </a:p>
+          <a:p>
+            <a:endParaRPr lang="en-US" dirty="0"/>
+          </a:p>
+          <a:p>
+            <a:r>
+              <a:rPr lang="en-US" dirty="0"/>
+              <a:t>GitHub</a:t>
+            </a:r>
+          </a:p>
+          <a:p>
+            <a:endParaRPr lang="en-US" dirty="0"/>
+          </a:p>
+          <a:p>
+            <a:endParaRPr lang="en-US" dirty="0"/>
+          </a:p>
+          <a:p>
+            <a:r>
+              <a:rPr lang="en-US" dirty="0"/>
+              <a:t>MySQL</a:t>
+            </a:r>
+          </a:p>
+          <a:p>
+            <a:endParaRPr lang="en-US" dirty="0"/>
+          </a:p>
+          <a:p>
+            <a:endParaRPr lang="en-US" dirty="0"/>
+          </a:p>
+          <a:p>
+            <a:r>
+              <a:rPr lang="en-US" dirty="0"/>
+              <a:t>Slack API</a:t>
+            </a:r>
+          </a:p>
+        </p:txBody>
+      </p:sp>
+      <p:pic>
+        <p:nvPicPr>
+          <p:cNvPr id="4" name="Picture 3">
+            <a:extLst>
+              <a:ext uri="{FF2B5EF4-FFF2-40B4-BE49-F238E27FC236}">
+                <a16:creationId xmlns:a16="http://schemas.microsoft.com/office/drawing/2014/main" xmlns="" id="{E4AEDFE2-2953-F54B-B6FB-1C4BD361B3F7}"/>
+              </a:ext>
+            </a:extLst>
+          </p:cNvPr>
+          <p:cNvPicPr>
+            <a:picLocks noChangeAspect="1"/>
+          </p:cNvPicPr>
+          <p:nvPr/>
+        </p:nvPicPr>
+        <p:blipFill>
+          <a:blip r:embed="rId3"/>
+          <a:stretch>
+            <a:fillRect/>
+          </a:stretch>
+        </p:blipFill>
+        <p:spPr>
+          <a:xfrm>
+            <a:off x="10642600" y="5308600"/>
+            <a:ext cx="1549400" cy="1549400"/>
+          </a:xfrm>
+          <a:prstGeom prst="rect">
+            <a:avLst/>
+          </a:prstGeom>
+        </p:spPr>
+      </p:pic>
+      <p:pic>
+        <p:nvPicPr>
+          <p:cNvPr id="1026" name="Picture 2" descr="mage result for python image"/>
+          <p:cNvPicPr>
+            <a:picLocks noChangeAspect="1" noChangeArrowheads="1"/>
+          </p:cNvPicPr>
+          <p:nvPr/>
+        </p:nvPicPr>
+        <p:blipFill>
+          <a:blip r:embed="rId4">
+            <a:extLst>
+              <a:ext uri="{28A0092B-C50C-407E-A947-70E740481C1C}">
+                <a14:useLocalDpi xmlns:a14="http://schemas.microsoft.com/office/drawing/2010/main" val="0"/>
+              </a:ext>
+            </a:extLst>
+          </a:blip>
+          <a:srcRect/>
+          <a:stretch>
+            <a:fillRect/>
+          </a:stretch>
+        </p:blipFill>
+        <p:spPr bwMode="auto">
+          <a:xfrm>
+            <a:off x="6096000" y="1543797"/>
+            <a:ext cx="963579" cy="974820"/>
+          </a:xfrm>
+          <a:prstGeom prst="rect">
+            <a:avLst/>
+          </a:prstGeom>
+          <a:noFill/>
+          <a:extLst>
+            <a:ext uri="{909E8E84-426E-40DD-AFC4-6F175D3DCCD1}">
+              <a14:hiddenFill xmlns:a14="http://schemas.microsoft.com/office/drawing/2010/main">
+                <a:solidFill>
+                  <a:srgbClr val="FFFFFF"/>
+                </a:solidFill>
+              </a14:hiddenFill>
+            </a:ext>
+          </a:extLst>
+        </p:spPr>
+      </p:pic>
+      <p:sp>
+        <p:nvSpPr>
+          <p:cNvPr id="5" name="AutoShape 4" descr="mage result for mysql logo"/>
+          <p:cNvSpPr>
+            <a:spLocks noChangeAspect="1" noChangeArrowheads="1"/>
+          </p:cNvSpPr>
+          <p:nvPr/>
+        </p:nvSpPr>
+        <p:spPr bwMode="auto">
+          <a:xfrm>
+            <a:off x="0" y="0"/>
+            <a:ext cx="304800" cy="304800"/>
+          </a:xfrm>
+          <a:prstGeom prst="rect">
+            <a:avLst/>
+          </a:prstGeom>
+          <a:noFill/>
+          <a:extLst>
+            <a:ext uri="{909E8E84-426E-40DD-AFC4-6F175D3DCCD1}">
+              <a14:hiddenFill xmlns:a14="http://schemas.microsoft.com/office/drawing/2010/main">
+                <a:solidFill>
+                  <a:srgbClr val="FFFFFF"/>
+                </a:solidFill>
+              </a14:hiddenFill>
+            </a:ext>
+          </a:extLst>
+        </p:spPr>
+        <p:txBody>
+          <a:bodyPr vert="horz" wrap="square" lIns="91440" tIns="45720" rIns="91440" bIns="45720" numCol="1" anchor="t" anchorCtr="0" compatLnSpc="1">
+            <a:prstTxWarp prst="textNoShape">
+              <a:avLst/>
+            </a:prstTxWarp>
+          </a:bodyPr>
+          <a:lstStyle/>
+          <a:p>
+            <a:endParaRPr lang="en-US"/>
+          </a:p>
+        </p:txBody>
+      </p:sp>
+      <p:sp>
+        <p:nvSpPr>
+          <p:cNvPr id="7" name="AutoShape 8" descr="mage result for mysql logo"/>
+          <p:cNvSpPr>
+            <a:spLocks noChangeAspect="1" noChangeArrowheads="1"/>
+          </p:cNvSpPr>
+          <p:nvPr/>
+        </p:nvSpPr>
+        <p:spPr bwMode="auto">
+          <a:xfrm>
+            <a:off x="152400" y="152400"/>
+            <a:ext cx="304800" cy="304800"/>
+          </a:xfrm>
+          <a:prstGeom prst="rect">
+            <a:avLst/>
+          </a:prstGeom>
+          <a:noFill/>
+          <a:extLst>
+            <a:ext uri="{909E8E84-426E-40DD-AFC4-6F175D3DCCD1}">
+              <a14:hiddenFill xmlns:a14="http://schemas.microsoft.com/office/drawing/2010/main">
+                <a:solidFill>
+                  <a:srgbClr val="FFFFFF"/>
+                </a:solidFill>
+              </a14:hiddenFill>
+            </a:ext>
+          </a:extLst>
+        </p:spPr>
+        <p:txBody>
+          <a:bodyPr vert="horz" wrap="square" lIns="91440" tIns="45720" rIns="91440" bIns="45720" numCol="1" anchor="t" anchorCtr="0" compatLnSpc="1">
+            <a:prstTxWarp prst="textNoShape">
+              <a:avLst/>
+            </a:prstTxWarp>
+          </a:bodyPr>
+          <a:lstStyle/>
+          <a:p>
+            <a:endParaRPr lang="en-US"/>
+          </a:p>
+        </p:txBody>
+      </p:sp>
+      <p:pic>
+        <p:nvPicPr>
+          <p:cNvPr id="1034" name="Picture 10" descr="mage result for mysql logo"/>
+          <p:cNvPicPr>
+            <a:picLocks noChangeAspect="1" noChangeArrowheads="1"/>
+          </p:cNvPicPr>
+          <p:nvPr/>
+        </p:nvPicPr>
+        <p:blipFill>
+          <a:blip r:embed="rId5">
+            <a:extLst>
+              <a:ext uri="{28A0092B-C50C-407E-A947-70E740481C1C}">
+                <a14:useLocalDpi xmlns:a14="http://schemas.microsoft.com/office/drawing/2010/main" val="0"/>
+              </a:ext>
+            </a:extLst>
+          </a:blip>
+          <a:srcRect/>
+          <a:stretch>
+            <a:fillRect/>
+          </a:stretch>
+        </p:blipFill>
+        <p:spPr bwMode="auto">
+          <a:xfrm>
+            <a:off x="5455451" y="3773076"/>
+            <a:ext cx="1917732" cy="989230"/>
+          </a:xfrm>
+          <a:prstGeom prst="rect">
+            <a:avLst/>
+          </a:prstGeom>
+          <a:noFill/>
+          <a:extLst>
+            <a:ext uri="{909E8E84-426E-40DD-AFC4-6F175D3DCCD1}">
+              <a14:hiddenFill xmlns:a14="http://schemas.microsoft.com/office/drawing/2010/main">
+                <a:solidFill>
+                  <a:srgbClr val="FFFFFF"/>
+                </a:solidFill>
+              </a14:hiddenFill>
+            </a:ext>
+          </a:extLst>
+        </p:spPr>
+      </p:pic>
+      <p:pic>
+        <p:nvPicPr>
+          <p:cNvPr id="1042" name="Picture 18" descr="mage result for slack image"/>
+          <p:cNvPicPr>
+            <a:picLocks noChangeAspect="1" noChangeArrowheads="1"/>
+          </p:cNvPicPr>
+          <p:nvPr/>
+        </p:nvPicPr>
+        <p:blipFill>
+          <a:blip r:embed="rId6">
+            <a:extLst>
+              <a:ext uri="{28A0092B-C50C-407E-A947-70E740481C1C}">
+                <a14:useLocalDpi xmlns:a14="http://schemas.microsoft.com/office/drawing/2010/main" val="0"/>
+              </a:ext>
+            </a:extLst>
+          </a:blip>
+          <a:srcRect/>
+          <a:stretch>
+            <a:fillRect/>
+          </a:stretch>
+        </p:blipFill>
+        <p:spPr bwMode="auto">
+          <a:xfrm>
+            <a:off x="7373183" y="4762306"/>
+            <a:ext cx="1797843" cy="1797843"/>
+          </a:xfrm>
+          <a:prstGeom prst="rect">
+            <a:avLst/>
+          </a:prstGeom>
+          <a:noFill/>
+          <a:extLst>
+            <a:ext uri="{909E8E84-426E-40DD-AFC4-6F175D3DCCD1}">
+              <a14:hiddenFill xmlns:a14="http://schemas.microsoft.com/office/drawing/2010/main">
+                <a:solidFill>
+                  <a:srgbClr val="FFFFFF"/>
+                </a:solidFill>
+              </a14:hiddenFill>
+            </a:ext>
+          </a:extLst>
+        </p:spPr>
+      </p:pic>
+      <p:sp>
+        <p:nvSpPr>
+          <p:cNvPr id="11" name="AutoShape 20" descr="mage result for github logo"/>
+          <p:cNvSpPr>
+            <a:spLocks noChangeAspect="1" noChangeArrowheads="1"/>
+          </p:cNvSpPr>
+          <p:nvPr/>
+        </p:nvSpPr>
+        <p:spPr bwMode="auto">
+          <a:xfrm>
+            <a:off x="304800" y="304800"/>
+            <a:ext cx="304800" cy="304800"/>
+          </a:xfrm>
+          <a:prstGeom prst="rect">
+            <a:avLst/>
+          </a:prstGeom>
+          <a:noFill/>
+          <a:extLst>
+            <a:ext uri="{909E8E84-426E-40DD-AFC4-6F175D3DCCD1}">
+              <a14:hiddenFill xmlns:a14="http://schemas.microsoft.com/office/drawing/2010/main">
+                <a:solidFill>
+                  <a:srgbClr val="FFFFFF"/>
+                </a:solidFill>
+              </a14:hiddenFill>
+            </a:ext>
+          </a:extLst>
+        </p:spPr>
+        <p:txBody>
+          <a:bodyPr vert="horz" wrap="square" lIns="91440" tIns="45720" rIns="91440" bIns="45720" numCol="1" anchor="t" anchorCtr="0" compatLnSpc="1">
+            <a:prstTxWarp prst="textNoShape">
+              <a:avLst/>
+            </a:prstTxWarp>
+          </a:bodyPr>
+          <a:lstStyle/>
+          <a:p>
+            <a:endParaRPr lang="en-US"/>
+          </a:p>
+        </p:txBody>
+      </p:sp>
+      <p:pic>
+        <p:nvPicPr>
+          <p:cNvPr id="1046" name="Picture 22" descr="mage result for github logo"/>
+          <p:cNvPicPr>
+            <a:picLocks noChangeAspect="1" noChangeArrowheads="1"/>
+          </p:cNvPicPr>
+          <p:nvPr/>
+        </p:nvPicPr>
+        <p:blipFill>
+          <a:blip r:embed="rId7">
+            <a:extLst>
+              <a:ext uri="{28A0092B-C50C-407E-A947-70E740481C1C}">
+                <a14:useLocalDpi xmlns:a14="http://schemas.microsoft.com/office/drawing/2010/main" val="0"/>
+              </a:ext>
+            </a:extLst>
+          </a:blip>
+          <a:srcRect/>
+          <a:stretch>
+            <a:fillRect/>
+          </a:stretch>
+        </p:blipFill>
+        <p:spPr bwMode="auto">
+          <a:xfrm>
+            <a:off x="7687508" y="2513903"/>
+            <a:ext cx="1169192" cy="1169192"/>
+          </a:xfrm>
+          <a:prstGeom prst="rect">
+            <a:avLst/>
+          </a:prstGeom>
+          <a:noFill/>
+          <a:extLst>
+            <a:ext uri="{909E8E84-426E-40DD-AFC4-6F175D3DCCD1}">
+              <a14:hiddenFill xmlns:a14="http://schemas.microsoft.com/office/drawing/2010/main">
+                <a:solidFill>
+                  <a:srgbClr val="FFFFFF"/>
+                </a:solidFill>
+              </a14:hiddenFill>
+            </a:ext>
+          </a:extLst>
+        </p:spPr>
+      </p:pic>
+    </p:spTree>
+    <p:extLst>
+      <p:ext uri="{BB962C8B-B14F-4D97-AF65-F5344CB8AC3E}">
+        <p14:creationId xmlns:p14="http://schemas.microsoft.com/office/powerpoint/2010/main" val="1150571277"/>
+      </p:ext>
+    </p:extLst>
+  </p:cSld>
+  <p:clrMapOvr>
+    <a:masterClrMapping/>
+  </p:clrMapOvr>
+</p:sld>
+</file>
+
+<file path=ppt/slides/slide8.xml><?xml version="1.0" encoding="utf-8"?>
+<p:sld xmlns:a="http://schemas.openxmlformats.org/drawingml/2006/main" xmlns:r="http://schemas.openxmlformats.org/officeDocument/2006/relationships" xmlns:p="http://schemas.openxmlformats.org/presentationml/2006/main">
+  <p:cSld>
+    <p:spTree>
+      <p:nvGrpSpPr>
+        <p:cNvPr id="1" name=""/>
+        <p:cNvGrpSpPr/>
+        <p:nvPr/>
+      </p:nvGrpSpPr>
+      <p:grpSpPr>
+        <a:xfrm>
+          <a:off x="0" y="0"/>
+          <a:ext cx="0" cy="0"/>
+          <a:chOff x="0" y="0"/>
+          <a:chExt cx="0" cy="0"/>
+        </a:xfrm>
+      </p:grpSpPr>
+      <p:sp>
+        <p:nvSpPr>
           <p:cNvPr id="2" name="Title 1">
             <a:extLst>
               <a:ext uri="{FF2B5EF4-FFF2-40B4-BE49-F238E27FC236}">
-                <a16:creationId xmlns:a16="http://schemas.microsoft.com/office/drawing/2014/main" id="{80650A49-BE78-CB47-87F4-137D78D89344}"/>
+                <a16:creationId xmlns:a16="http://schemas.microsoft.com/office/drawing/2014/main" xmlns="" id="{80650A49-BE78-CB47-87F4-137D78D89344}"/>
               </a:ext>
             </a:extLst>
           </p:cNvPr>
@@ -6065,7 +6260,7 @@
           <p:cNvPr id="3" name="Content Placeholder 2">
             <a:extLst>
               <a:ext uri="{FF2B5EF4-FFF2-40B4-BE49-F238E27FC236}">
-                <a16:creationId xmlns:a16="http://schemas.microsoft.com/office/drawing/2014/main" id="{5F5DC835-9939-6F45-AF4A-B6B80623ED1D}"/>
+                <a16:creationId xmlns:a16="http://schemas.microsoft.com/office/drawing/2014/main" xmlns="" id="{5F5DC835-9939-6F45-AF4A-B6B80623ED1D}"/>
               </a:ext>
             </a:extLst>
           </p:cNvPr>
@@ -6131,7 +6326,7 @@
           <p:cNvPr id="4" name="Picture 3">
             <a:extLst>
               <a:ext uri="{FF2B5EF4-FFF2-40B4-BE49-F238E27FC236}">
-                <a16:creationId xmlns:a16="http://schemas.microsoft.com/office/drawing/2014/main" id="{9008AD4F-484B-8040-B237-4A4DE7B0EA8E}"/>
+                <a16:creationId xmlns:a16="http://schemas.microsoft.com/office/drawing/2014/main" xmlns="" id="{9008AD4F-484B-8040-B237-4A4DE7B0EA8E}"/>
               </a:ext>
             </a:extLst>
           </p:cNvPr>
@@ -6169,7 +6364,7 @@
 </p:sld>
 </file>
 
-<file path=ppt/slides/slide8.xml><?xml version="1.0" encoding="utf-8"?>
+<file path=ppt/slides/slide9.xml><?xml version="1.0" encoding="utf-8"?>
 <p:sld xmlns:a="http://schemas.openxmlformats.org/drawingml/2006/main" xmlns:r="http://schemas.openxmlformats.org/officeDocument/2006/relationships" xmlns:p="http://schemas.openxmlformats.org/presentationml/2006/main">
   <p:cSld>
     <p:spTree>
@@ -6191,7 +6386,7 @@
           <p:cNvPr id="2" name="Title 1">
             <a:extLst>
               <a:ext uri="{FF2B5EF4-FFF2-40B4-BE49-F238E27FC236}">
-                <a16:creationId xmlns:a16="http://schemas.microsoft.com/office/drawing/2014/main" id="{BC5DA4AD-0C71-7A47-85DE-BC9DE15B285A}"/>
+                <a16:creationId xmlns:a16="http://schemas.microsoft.com/office/drawing/2014/main" xmlns="" id="{BC5DA4AD-0C71-7A47-85DE-BC9DE15B285A}"/>
               </a:ext>
             </a:extLst>
           </p:cNvPr>
@@ -6220,7 +6415,7 @@
           <p:cNvPr id="3" name="Content Placeholder 2">
             <a:extLst>
               <a:ext uri="{FF2B5EF4-FFF2-40B4-BE49-F238E27FC236}">
-                <a16:creationId xmlns:a16="http://schemas.microsoft.com/office/drawing/2014/main" id="{DFEB92B7-8F82-E449-A4BC-7E38092C7E34}"/>
+                <a16:creationId xmlns:a16="http://schemas.microsoft.com/office/drawing/2014/main" xmlns="" id="{DFEB92B7-8F82-E449-A4BC-7E38092C7E34}"/>
               </a:ext>
             </a:extLst>
           </p:cNvPr>
@@ -6281,7 +6476,7 @@
           <p:cNvPr id="4" name="Picture 3">
             <a:extLst>
               <a:ext uri="{FF2B5EF4-FFF2-40B4-BE49-F238E27FC236}">
-                <a16:creationId xmlns:a16="http://schemas.microsoft.com/office/drawing/2014/main" id="{1DB5F070-954F-B246-92C2-DBBAF1318929}"/>
+                <a16:creationId xmlns:a16="http://schemas.microsoft.com/office/drawing/2014/main" xmlns="" id="{1DB5F070-954F-B246-92C2-DBBAF1318929}"/>
               </a:ext>
             </a:extLst>
           </p:cNvPr>
@@ -6310,150 +6505,6 @@
     <p:extLst>
       <p:ext uri="{BB962C8B-B14F-4D97-AF65-F5344CB8AC3E}">
         <p14:creationId xmlns:p14="http://schemas.microsoft.com/office/powerpoint/2010/main" val="372812670"/>
-      </p:ext>
-    </p:extLst>
-  </p:cSld>
-  <p:clrMapOvr>
-    <a:masterClrMapping/>
-  </p:clrMapOvr>
-</p:sld>
-</file>
-
-<file path=ppt/slides/slide9.xml><?xml version="1.0" encoding="utf-8"?>
-<p:sld xmlns:a="http://schemas.openxmlformats.org/drawingml/2006/main" xmlns:r="http://schemas.openxmlformats.org/officeDocument/2006/relationships" xmlns:p="http://schemas.openxmlformats.org/presentationml/2006/main">
-  <p:cSld>
-    <p:spTree>
-      <p:nvGrpSpPr>
-        <p:cNvPr id="1" name=""/>
-        <p:cNvGrpSpPr/>
-        <p:nvPr/>
-      </p:nvGrpSpPr>
-      <p:grpSpPr>
-        <a:xfrm>
-          <a:off x="0" y="0"/>
-          <a:ext cx="0" cy="0"/>
-          <a:chOff x="0" y="0"/>
-          <a:chExt cx="0" cy="0"/>
-        </a:xfrm>
-      </p:grpSpPr>
-      <p:sp>
-        <p:nvSpPr>
-          <p:cNvPr id="2" name="Title 1">
-            <a:extLst>
-              <a:ext uri="{FF2B5EF4-FFF2-40B4-BE49-F238E27FC236}">
-                <a16:creationId xmlns:a16="http://schemas.microsoft.com/office/drawing/2014/main" id="{AA9F9160-9019-3040-A139-DCC8B1C95273}"/>
-              </a:ext>
-            </a:extLst>
-          </p:cNvPr>
-          <p:cNvSpPr>
-            <a:spLocks noGrp="1"/>
-          </p:cNvSpPr>
-          <p:nvPr>
-            <p:ph type="title"/>
-          </p:nvPr>
-        </p:nvSpPr>
-        <p:spPr/>
-        <p:txBody>
-          <a:bodyPr/>
-          <a:lstStyle/>
-          <a:p>
-            <a:pPr algn="ctr"/>
-            <a:r>
-              <a:rPr lang="en-US" dirty="0"/>
-              <a:t>How we do it - Auditing</a:t>
-            </a:r>
-          </a:p>
-        </p:txBody>
-      </p:sp>
-      <p:sp>
-        <p:nvSpPr>
-          <p:cNvPr id="3" name="Content Placeholder 2">
-            <a:extLst>
-              <a:ext uri="{FF2B5EF4-FFF2-40B4-BE49-F238E27FC236}">
-                <a16:creationId xmlns:a16="http://schemas.microsoft.com/office/drawing/2014/main" id="{0A31F19A-6F02-B246-85CC-8A5EF661C09D}"/>
-              </a:ext>
-            </a:extLst>
-          </p:cNvPr>
-          <p:cNvSpPr>
-            <a:spLocks noGrp="1"/>
-          </p:cNvSpPr>
-          <p:nvPr>
-            <p:ph idx="1"/>
-          </p:nvPr>
-        </p:nvSpPr>
-        <p:spPr/>
-        <p:txBody>
-          <a:bodyPr/>
-          <a:lstStyle/>
-          <a:p>
-            <a:pPr>
-              <a:lnSpc>
-                <a:spcPct val="200000"/>
-              </a:lnSpc>
-            </a:pPr>
-            <a:r>
-              <a:rPr lang="en-US" dirty="0"/>
-              <a:t>Train off previous intervals of data</a:t>
-            </a:r>
-          </a:p>
-          <a:p>
-            <a:pPr>
-              <a:lnSpc>
-                <a:spcPct val="200000"/>
-              </a:lnSpc>
-            </a:pPr>
-            <a:r>
-              <a:rPr lang="en-US" dirty="0"/>
-              <a:t>Predict behavior of future data</a:t>
-            </a:r>
-          </a:p>
-          <a:p>
-            <a:pPr>
-              <a:lnSpc>
-                <a:spcPct val="200000"/>
-              </a:lnSpc>
-            </a:pPr>
-            <a:r>
-              <a:rPr lang="en-US" dirty="0"/>
-              <a:t>Notify users of any anomalies</a:t>
-            </a:r>
-          </a:p>
-        </p:txBody>
-      </p:sp>
-      <p:pic>
-        <p:nvPicPr>
-          <p:cNvPr id="4" name="Picture 3">
-            <a:extLst>
-              <a:ext uri="{FF2B5EF4-FFF2-40B4-BE49-F238E27FC236}">
-                <a16:creationId xmlns:a16="http://schemas.microsoft.com/office/drawing/2014/main" id="{E4AEDFE2-2953-F54B-B6FB-1C4BD361B3F7}"/>
-              </a:ext>
-            </a:extLst>
-          </p:cNvPr>
-          <p:cNvPicPr>
-            <a:picLocks noChangeAspect="1"/>
-          </p:cNvPicPr>
-          <p:nvPr/>
-        </p:nvPicPr>
-        <p:blipFill>
-          <a:blip r:embed="rId2"/>
-          <a:stretch>
-            <a:fillRect/>
-          </a:stretch>
-        </p:blipFill>
-        <p:spPr>
-          <a:xfrm>
-            <a:off x="10642600" y="5308600"/>
-            <a:ext cx="1549400" cy="1549400"/>
-          </a:xfrm>
-          <a:prstGeom prst="rect">
-            <a:avLst/>
-          </a:prstGeom>
-        </p:spPr>
-      </p:pic>
-    </p:spTree>
-    <p:extLst>
-      <p:ext uri="{BB962C8B-B14F-4D97-AF65-F5344CB8AC3E}">
-        <p14:creationId xmlns:p14="http://schemas.microsoft.com/office/powerpoint/2010/main" val="158140429"/>
       </p:ext>
     </p:extLst>
   </p:cSld>

--- a/midterm_presentation.pptx
+++ b/midterm_presentation.pptx
@@ -522,6 +522,90 @@
           <a:bodyPr/>
           <a:lstStyle/>
           <a:p>
+            <a:endParaRPr lang="en-US" dirty="0"/>
+          </a:p>
+        </p:txBody>
+      </p:sp>
+      <p:sp>
+        <p:nvSpPr>
+          <p:cNvPr id="4" name="Slide Number Placeholder 3"/>
+          <p:cNvSpPr>
+            <a:spLocks noGrp="1"/>
+          </p:cNvSpPr>
+          <p:nvPr>
+            <p:ph type="sldNum" sz="quarter" idx="10"/>
+          </p:nvPr>
+        </p:nvSpPr>
+        <p:spPr/>
+        <p:txBody>
+          <a:bodyPr/>
+          <a:lstStyle/>
+          <a:p>
+            <a:fld id="{B722305B-3B16-C141-9D10-B33E0E704EC5}" type="slidenum">
+              <a:rPr lang="en-US" smtClean="0"/>
+              <a:t>1</a:t>
+            </a:fld>
+            <a:endParaRPr lang="en-US"/>
+          </a:p>
+        </p:txBody>
+      </p:sp>
+    </p:spTree>
+    <p:extLst>
+      <p:ext uri="{BB962C8B-B14F-4D97-AF65-F5344CB8AC3E}">
+        <p14:creationId xmlns:p14="http://schemas.microsoft.com/office/powerpoint/2010/main" val="1816065549"/>
+      </p:ext>
+    </p:extLst>
+  </p:cSld>
+  <p:clrMapOvr>
+    <a:masterClrMapping/>
+  </p:clrMapOvr>
+</p:notes>
+</file>
+
+<file path=ppt/notesSlides/notesSlide2.xml><?xml version="1.0" encoding="utf-8"?>
+<p:notes xmlns:a="http://schemas.openxmlformats.org/drawingml/2006/main" xmlns:r="http://schemas.openxmlformats.org/officeDocument/2006/relationships" xmlns:p="http://schemas.openxmlformats.org/presentationml/2006/main">
+  <p:cSld>
+    <p:spTree>
+      <p:nvGrpSpPr>
+        <p:cNvPr id="1" name=""/>
+        <p:cNvGrpSpPr/>
+        <p:nvPr/>
+      </p:nvGrpSpPr>
+      <p:grpSpPr>
+        <a:xfrm>
+          <a:off x="0" y="0"/>
+          <a:ext cx="0" cy="0"/>
+          <a:chOff x="0" y="0"/>
+          <a:chExt cx="0" cy="0"/>
+        </a:xfrm>
+      </p:grpSpPr>
+      <p:sp>
+        <p:nvSpPr>
+          <p:cNvPr id="2" name="Slide Image Placeholder 1"/>
+          <p:cNvSpPr>
+            <a:spLocks noGrp="1" noRot="1" noChangeAspect="1"/>
+          </p:cNvSpPr>
+          <p:nvPr>
+            <p:ph type="sldImg"/>
+          </p:nvPr>
+        </p:nvSpPr>
+        <p:spPr/>
+      </p:sp>
+      <p:sp>
+        <p:nvSpPr>
+          <p:cNvPr id="3" name="Notes Placeholder 2"/>
+          <p:cNvSpPr>
+            <a:spLocks noGrp="1"/>
+          </p:cNvSpPr>
+          <p:nvPr>
+            <p:ph type="body" idx="1"/>
+          </p:nvPr>
+        </p:nvSpPr>
+        <p:spPr/>
+        <p:txBody>
+          <a:bodyPr/>
+          <a:lstStyle/>
+          <a:p>
             <a:r>
               <a:rPr lang="en-US" dirty="0" err="1"/>
               <a:t>Arash</a:t>
@@ -569,7 +653,7 @@
 </p:notes>
 </file>
 
-<file path=ppt/notesSlides/notesSlide2.xml><?xml version="1.0" encoding="utf-8"?>
+<file path=ppt/notesSlides/notesSlide3.xml><?xml version="1.0" encoding="utf-8"?>
 <p:notes xmlns:a="http://schemas.openxmlformats.org/drawingml/2006/main" xmlns:r="http://schemas.openxmlformats.org/officeDocument/2006/relationships" xmlns:p="http://schemas.openxmlformats.org/presentationml/2006/main">
   <p:cSld>
     <p:spTree>
@@ -682,7 +766,7 @@
           <p:cNvPr id="2" name="Title 1">
             <a:extLst>
               <a:ext uri="{FF2B5EF4-FFF2-40B4-BE49-F238E27FC236}">
-                <a16:creationId xmlns:a16="http://schemas.microsoft.com/office/drawing/2014/main" xmlns="" id="{9514A341-69ED-D243-A5BB-D69A08A2FAB9}"/>
+                <a16:creationId xmlns:a16="http://schemas.microsoft.com/office/drawing/2014/main" id="{9514A341-69ED-D243-A5BB-D69A08A2FAB9}"/>
               </a:ext>
             </a:extLst>
           </p:cNvPr>
@@ -719,7 +803,7 @@
           <p:cNvPr id="3" name="Subtitle 2">
             <a:extLst>
               <a:ext uri="{FF2B5EF4-FFF2-40B4-BE49-F238E27FC236}">
-                <a16:creationId xmlns:a16="http://schemas.microsoft.com/office/drawing/2014/main" xmlns="" id="{731088D5-9375-494B-AB28-C0E75E715692}"/>
+                <a16:creationId xmlns:a16="http://schemas.microsoft.com/office/drawing/2014/main" id="{731088D5-9375-494B-AB28-C0E75E715692}"/>
               </a:ext>
             </a:extLst>
           </p:cNvPr>
@@ -789,7 +873,7 @@
           <p:cNvPr id="4" name="Date Placeholder 3">
             <a:extLst>
               <a:ext uri="{FF2B5EF4-FFF2-40B4-BE49-F238E27FC236}">
-                <a16:creationId xmlns:a16="http://schemas.microsoft.com/office/drawing/2014/main" xmlns="" id="{8892F842-31FF-6147-9392-A775EA2935F3}"/>
+                <a16:creationId xmlns:a16="http://schemas.microsoft.com/office/drawing/2014/main" id="{8892F842-31FF-6147-9392-A775EA2935F3}"/>
               </a:ext>
             </a:extLst>
           </p:cNvPr>
@@ -818,7 +902,7 @@
           <p:cNvPr id="5" name="Footer Placeholder 4">
             <a:extLst>
               <a:ext uri="{FF2B5EF4-FFF2-40B4-BE49-F238E27FC236}">
-                <a16:creationId xmlns:a16="http://schemas.microsoft.com/office/drawing/2014/main" xmlns="" id="{6E530C11-C6F5-CD4B-9A63-CF4661BC01C1}"/>
+                <a16:creationId xmlns:a16="http://schemas.microsoft.com/office/drawing/2014/main" id="{6E530C11-C6F5-CD4B-9A63-CF4661BC01C1}"/>
               </a:ext>
             </a:extLst>
           </p:cNvPr>
@@ -843,7 +927,7 @@
           <p:cNvPr id="6" name="Slide Number Placeholder 5">
             <a:extLst>
               <a:ext uri="{FF2B5EF4-FFF2-40B4-BE49-F238E27FC236}">
-                <a16:creationId xmlns:a16="http://schemas.microsoft.com/office/drawing/2014/main" xmlns="" id="{41F82781-0884-BB4C-8F43-B6331D184175}"/>
+                <a16:creationId xmlns:a16="http://schemas.microsoft.com/office/drawing/2014/main" id="{41F82781-0884-BB4C-8F43-B6331D184175}"/>
               </a:ext>
             </a:extLst>
           </p:cNvPr>
@@ -902,7 +986,7 @@
           <p:cNvPr id="2" name="Title 1">
             <a:extLst>
               <a:ext uri="{FF2B5EF4-FFF2-40B4-BE49-F238E27FC236}">
-                <a16:creationId xmlns:a16="http://schemas.microsoft.com/office/drawing/2014/main" xmlns="" id="{52DC6E93-7D37-D846-8E12-2407481497D4}"/>
+                <a16:creationId xmlns:a16="http://schemas.microsoft.com/office/drawing/2014/main" id="{52DC6E93-7D37-D846-8E12-2407481497D4}"/>
               </a:ext>
             </a:extLst>
           </p:cNvPr>
@@ -930,7 +1014,7 @@
           <p:cNvPr id="3" name="Vertical Text Placeholder 2">
             <a:extLst>
               <a:ext uri="{FF2B5EF4-FFF2-40B4-BE49-F238E27FC236}">
-                <a16:creationId xmlns:a16="http://schemas.microsoft.com/office/drawing/2014/main" xmlns="" id="{800A96E4-D12D-1241-914B-A275D740532A}"/>
+                <a16:creationId xmlns:a16="http://schemas.microsoft.com/office/drawing/2014/main" id="{800A96E4-D12D-1241-914B-A275D740532A}"/>
               </a:ext>
             </a:extLst>
           </p:cNvPr>
@@ -987,7 +1071,7 @@
           <p:cNvPr id="4" name="Date Placeholder 3">
             <a:extLst>
               <a:ext uri="{FF2B5EF4-FFF2-40B4-BE49-F238E27FC236}">
-                <a16:creationId xmlns:a16="http://schemas.microsoft.com/office/drawing/2014/main" xmlns="" id="{95B2D362-25D9-7A4A-A76B-9917DBA216F0}"/>
+                <a16:creationId xmlns:a16="http://schemas.microsoft.com/office/drawing/2014/main" id="{95B2D362-25D9-7A4A-A76B-9917DBA216F0}"/>
               </a:ext>
             </a:extLst>
           </p:cNvPr>
@@ -1016,7 +1100,7 @@
           <p:cNvPr id="5" name="Footer Placeholder 4">
             <a:extLst>
               <a:ext uri="{FF2B5EF4-FFF2-40B4-BE49-F238E27FC236}">
-                <a16:creationId xmlns:a16="http://schemas.microsoft.com/office/drawing/2014/main" xmlns="" id="{39BD6234-876E-1C4B-AD64-5DC3425C3558}"/>
+                <a16:creationId xmlns:a16="http://schemas.microsoft.com/office/drawing/2014/main" id="{39BD6234-876E-1C4B-AD64-5DC3425C3558}"/>
               </a:ext>
             </a:extLst>
           </p:cNvPr>
@@ -1041,7 +1125,7 @@
           <p:cNvPr id="6" name="Slide Number Placeholder 5">
             <a:extLst>
               <a:ext uri="{FF2B5EF4-FFF2-40B4-BE49-F238E27FC236}">
-                <a16:creationId xmlns:a16="http://schemas.microsoft.com/office/drawing/2014/main" xmlns="" id="{9CECE56A-C32E-4E47-8979-B6B101E523FE}"/>
+                <a16:creationId xmlns:a16="http://schemas.microsoft.com/office/drawing/2014/main" id="{9CECE56A-C32E-4E47-8979-B6B101E523FE}"/>
               </a:ext>
             </a:extLst>
           </p:cNvPr>
@@ -1100,7 +1184,7 @@
           <p:cNvPr id="2" name="Vertical Title 1">
             <a:extLst>
               <a:ext uri="{FF2B5EF4-FFF2-40B4-BE49-F238E27FC236}">
-                <a16:creationId xmlns:a16="http://schemas.microsoft.com/office/drawing/2014/main" xmlns="" id="{47199A6F-730A-5146-AE4E-85181386019A}"/>
+                <a16:creationId xmlns:a16="http://schemas.microsoft.com/office/drawing/2014/main" id="{47199A6F-730A-5146-AE4E-85181386019A}"/>
               </a:ext>
             </a:extLst>
           </p:cNvPr>
@@ -1133,7 +1217,7 @@
           <p:cNvPr id="3" name="Vertical Text Placeholder 2">
             <a:extLst>
               <a:ext uri="{FF2B5EF4-FFF2-40B4-BE49-F238E27FC236}">
-                <a16:creationId xmlns:a16="http://schemas.microsoft.com/office/drawing/2014/main" xmlns="" id="{D024795D-3721-A740-8FEE-425C4D4969E6}"/>
+                <a16:creationId xmlns:a16="http://schemas.microsoft.com/office/drawing/2014/main" id="{D024795D-3721-A740-8FEE-425C4D4969E6}"/>
               </a:ext>
             </a:extLst>
           </p:cNvPr>
@@ -1195,7 +1279,7 @@
           <p:cNvPr id="4" name="Date Placeholder 3">
             <a:extLst>
               <a:ext uri="{FF2B5EF4-FFF2-40B4-BE49-F238E27FC236}">
-                <a16:creationId xmlns:a16="http://schemas.microsoft.com/office/drawing/2014/main" xmlns="" id="{4FA1E2ED-2612-8B40-8DD7-0C99AF14E6C1}"/>
+                <a16:creationId xmlns:a16="http://schemas.microsoft.com/office/drawing/2014/main" id="{4FA1E2ED-2612-8B40-8DD7-0C99AF14E6C1}"/>
               </a:ext>
             </a:extLst>
           </p:cNvPr>
@@ -1224,7 +1308,7 @@
           <p:cNvPr id="5" name="Footer Placeholder 4">
             <a:extLst>
               <a:ext uri="{FF2B5EF4-FFF2-40B4-BE49-F238E27FC236}">
-                <a16:creationId xmlns:a16="http://schemas.microsoft.com/office/drawing/2014/main" xmlns="" id="{283FB754-7C96-9846-8180-DFFB00EE9579}"/>
+                <a16:creationId xmlns:a16="http://schemas.microsoft.com/office/drawing/2014/main" id="{283FB754-7C96-9846-8180-DFFB00EE9579}"/>
               </a:ext>
             </a:extLst>
           </p:cNvPr>
@@ -1249,7 +1333,7 @@
           <p:cNvPr id="6" name="Slide Number Placeholder 5">
             <a:extLst>
               <a:ext uri="{FF2B5EF4-FFF2-40B4-BE49-F238E27FC236}">
-                <a16:creationId xmlns:a16="http://schemas.microsoft.com/office/drawing/2014/main" xmlns="" id="{D31D0FF8-6C1F-9E40-B424-B2F0223C1053}"/>
+                <a16:creationId xmlns:a16="http://schemas.microsoft.com/office/drawing/2014/main" id="{D31D0FF8-6C1F-9E40-B424-B2F0223C1053}"/>
               </a:ext>
             </a:extLst>
           </p:cNvPr>
@@ -1308,7 +1392,7 @@
           <p:cNvPr id="2" name="Title 1">
             <a:extLst>
               <a:ext uri="{FF2B5EF4-FFF2-40B4-BE49-F238E27FC236}">
-                <a16:creationId xmlns:a16="http://schemas.microsoft.com/office/drawing/2014/main" xmlns="" id="{A52527F9-C314-664B-9A0A-94E07F7A2538}"/>
+                <a16:creationId xmlns:a16="http://schemas.microsoft.com/office/drawing/2014/main" id="{A52527F9-C314-664B-9A0A-94E07F7A2538}"/>
               </a:ext>
             </a:extLst>
           </p:cNvPr>
@@ -1336,7 +1420,7 @@
           <p:cNvPr id="3" name="Content Placeholder 2">
             <a:extLst>
               <a:ext uri="{FF2B5EF4-FFF2-40B4-BE49-F238E27FC236}">
-                <a16:creationId xmlns:a16="http://schemas.microsoft.com/office/drawing/2014/main" xmlns="" id="{D3113FAD-EE1C-4C4A-96EC-F110260F44BD}"/>
+                <a16:creationId xmlns:a16="http://schemas.microsoft.com/office/drawing/2014/main" id="{D3113FAD-EE1C-4C4A-96EC-F110260F44BD}"/>
               </a:ext>
             </a:extLst>
           </p:cNvPr>
@@ -1393,7 +1477,7 @@
           <p:cNvPr id="4" name="Date Placeholder 3">
             <a:extLst>
               <a:ext uri="{FF2B5EF4-FFF2-40B4-BE49-F238E27FC236}">
-                <a16:creationId xmlns:a16="http://schemas.microsoft.com/office/drawing/2014/main" xmlns="" id="{3CF56791-06EE-0D4D-A66B-EF1791829745}"/>
+                <a16:creationId xmlns:a16="http://schemas.microsoft.com/office/drawing/2014/main" id="{3CF56791-06EE-0D4D-A66B-EF1791829745}"/>
               </a:ext>
             </a:extLst>
           </p:cNvPr>
@@ -1422,7 +1506,7 @@
           <p:cNvPr id="5" name="Footer Placeholder 4">
             <a:extLst>
               <a:ext uri="{FF2B5EF4-FFF2-40B4-BE49-F238E27FC236}">
-                <a16:creationId xmlns:a16="http://schemas.microsoft.com/office/drawing/2014/main" xmlns="" id="{F4BF55C5-8418-C440-BE9F-B8120E0270B3}"/>
+                <a16:creationId xmlns:a16="http://schemas.microsoft.com/office/drawing/2014/main" id="{F4BF55C5-8418-C440-BE9F-B8120E0270B3}"/>
               </a:ext>
             </a:extLst>
           </p:cNvPr>
@@ -1447,7 +1531,7 @@
           <p:cNvPr id="6" name="Slide Number Placeholder 5">
             <a:extLst>
               <a:ext uri="{FF2B5EF4-FFF2-40B4-BE49-F238E27FC236}">
-                <a16:creationId xmlns:a16="http://schemas.microsoft.com/office/drawing/2014/main" xmlns="" id="{0C093C2C-0399-2F42-BC62-A8A3A52DFBEF}"/>
+                <a16:creationId xmlns:a16="http://schemas.microsoft.com/office/drawing/2014/main" id="{0C093C2C-0399-2F42-BC62-A8A3A52DFBEF}"/>
               </a:ext>
             </a:extLst>
           </p:cNvPr>
@@ -1506,7 +1590,7 @@
           <p:cNvPr id="2" name="Title 1">
             <a:extLst>
               <a:ext uri="{FF2B5EF4-FFF2-40B4-BE49-F238E27FC236}">
-                <a16:creationId xmlns:a16="http://schemas.microsoft.com/office/drawing/2014/main" xmlns="" id="{46AE4F74-C04B-6646-966D-8CE135029F67}"/>
+                <a16:creationId xmlns:a16="http://schemas.microsoft.com/office/drawing/2014/main" id="{46AE4F74-C04B-6646-966D-8CE135029F67}"/>
               </a:ext>
             </a:extLst>
           </p:cNvPr>
@@ -1543,7 +1627,7 @@
           <p:cNvPr id="3" name="Text Placeholder 2">
             <a:extLst>
               <a:ext uri="{FF2B5EF4-FFF2-40B4-BE49-F238E27FC236}">
-                <a16:creationId xmlns:a16="http://schemas.microsoft.com/office/drawing/2014/main" xmlns="" id="{0E51A314-D793-7042-AAC9-95434A6220FF}"/>
+                <a16:creationId xmlns:a16="http://schemas.microsoft.com/office/drawing/2014/main" id="{0E51A314-D793-7042-AAC9-95434A6220FF}"/>
               </a:ext>
             </a:extLst>
           </p:cNvPr>
@@ -1668,7 +1752,7 @@
           <p:cNvPr id="4" name="Date Placeholder 3">
             <a:extLst>
               <a:ext uri="{FF2B5EF4-FFF2-40B4-BE49-F238E27FC236}">
-                <a16:creationId xmlns:a16="http://schemas.microsoft.com/office/drawing/2014/main" xmlns="" id="{5A29F1A9-4259-0146-8779-3E9783F752A5}"/>
+                <a16:creationId xmlns:a16="http://schemas.microsoft.com/office/drawing/2014/main" id="{5A29F1A9-4259-0146-8779-3E9783F752A5}"/>
               </a:ext>
             </a:extLst>
           </p:cNvPr>
@@ -1697,7 +1781,7 @@
           <p:cNvPr id="5" name="Footer Placeholder 4">
             <a:extLst>
               <a:ext uri="{FF2B5EF4-FFF2-40B4-BE49-F238E27FC236}">
-                <a16:creationId xmlns:a16="http://schemas.microsoft.com/office/drawing/2014/main" xmlns="" id="{AA504BB6-C0C0-D642-86F1-049824923D9C}"/>
+                <a16:creationId xmlns:a16="http://schemas.microsoft.com/office/drawing/2014/main" id="{AA504BB6-C0C0-D642-86F1-049824923D9C}"/>
               </a:ext>
             </a:extLst>
           </p:cNvPr>
@@ -1722,7 +1806,7 @@
           <p:cNvPr id="6" name="Slide Number Placeholder 5">
             <a:extLst>
               <a:ext uri="{FF2B5EF4-FFF2-40B4-BE49-F238E27FC236}">
-                <a16:creationId xmlns:a16="http://schemas.microsoft.com/office/drawing/2014/main" xmlns="" id="{A1478E59-1975-4547-B211-B596040E9ADE}"/>
+                <a16:creationId xmlns:a16="http://schemas.microsoft.com/office/drawing/2014/main" id="{A1478E59-1975-4547-B211-B596040E9ADE}"/>
               </a:ext>
             </a:extLst>
           </p:cNvPr>
@@ -1781,7 +1865,7 @@
           <p:cNvPr id="2" name="Title 1">
             <a:extLst>
               <a:ext uri="{FF2B5EF4-FFF2-40B4-BE49-F238E27FC236}">
-                <a16:creationId xmlns:a16="http://schemas.microsoft.com/office/drawing/2014/main" xmlns="" id="{A0A2C9C6-146F-AC4D-B5C9-2248C41580B0}"/>
+                <a16:creationId xmlns:a16="http://schemas.microsoft.com/office/drawing/2014/main" id="{A0A2C9C6-146F-AC4D-B5C9-2248C41580B0}"/>
               </a:ext>
             </a:extLst>
           </p:cNvPr>
@@ -1809,7 +1893,7 @@
           <p:cNvPr id="3" name="Content Placeholder 2">
             <a:extLst>
               <a:ext uri="{FF2B5EF4-FFF2-40B4-BE49-F238E27FC236}">
-                <a16:creationId xmlns:a16="http://schemas.microsoft.com/office/drawing/2014/main" xmlns="" id="{E85010A7-DE99-5342-AFAD-3DBE37866E52}"/>
+                <a16:creationId xmlns:a16="http://schemas.microsoft.com/office/drawing/2014/main" id="{E85010A7-DE99-5342-AFAD-3DBE37866E52}"/>
               </a:ext>
             </a:extLst>
           </p:cNvPr>
@@ -1871,7 +1955,7 @@
           <p:cNvPr id="4" name="Content Placeholder 3">
             <a:extLst>
               <a:ext uri="{FF2B5EF4-FFF2-40B4-BE49-F238E27FC236}">
-                <a16:creationId xmlns:a16="http://schemas.microsoft.com/office/drawing/2014/main" xmlns="" id="{55AC3DC5-E0AE-AC4C-8D5A-EC7EDFF99BE0}"/>
+                <a16:creationId xmlns:a16="http://schemas.microsoft.com/office/drawing/2014/main" id="{55AC3DC5-E0AE-AC4C-8D5A-EC7EDFF99BE0}"/>
               </a:ext>
             </a:extLst>
           </p:cNvPr>
@@ -1933,7 +2017,7 @@
           <p:cNvPr id="5" name="Date Placeholder 4">
             <a:extLst>
               <a:ext uri="{FF2B5EF4-FFF2-40B4-BE49-F238E27FC236}">
-                <a16:creationId xmlns:a16="http://schemas.microsoft.com/office/drawing/2014/main" xmlns="" id="{895DDA00-DB5D-0540-931A-850557903CEA}"/>
+                <a16:creationId xmlns:a16="http://schemas.microsoft.com/office/drawing/2014/main" id="{895DDA00-DB5D-0540-931A-850557903CEA}"/>
               </a:ext>
             </a:extLst>
           </p:cNvPr>
@@ -1962,7 +2046,7 @@
           <p:cNvPr id="6" name="Footer Placeholder 5">
             <a:extLst>
               <a:ext uri="{FF2B5EF4-FFF2-40B4-BE49-F238E27FC236}">
-                <a16:creationId xmlns:a16="http://schemas.microsoft.com/office/drawing/2014/main" xmlns="" id="{DD031AA0-4E9A-D345-BB79-CAA2C8E5F853}"/>
+                <a16:creationId xmlns:a16="http://schemas.microsoft.com/office/drawing/2014/main" id="{DD031AA0-4E9A-D345-BB79-CAA2C8E5F853}"/>
               </a:ext>
             </a:extLst>
           </p:cNvPr>
@@ -1987,7 +2071,7 @@
           <p:cNvPr id="7" name="Slide Number Placeholder 6">
             <a:extLst>
               <a:ext uri="{FF2B5EF4-FFF2-40B4-BE49-F238E27FC236}">
-                <a16:creationId xmlns:a16="http://schemas.microsoft.com/office/drawing/2014/main" xmlns="" id="{A05671C0-F387-CD48-9548-3D11AF2A2D62}"/>
+                <a16:creationId xmlns:a16="http://schemas.microsoft.com/office/drawing/2014/main" id="{A05671C0-F387-CD48-9548-3D11AF2A2D62}"/>
               </a:ext>
             </a:extLst>
           </p:cNvPr>
@@ -2046,7 +2130,7 @@
           <p:cNvPr id="2" name="Title 1">
             <a:extLst>
               <a:ext uri="{FF2B5EF4-FFF2-40B4-BE49-F238E27FC236}">
-                <a16:creationId xmlns:a16="http://schemas.microsoft.com/office/drawing/2014/main" xmlns="" id="{52C7E19E-33BB-0A40-898E-21C4D8B75257}"/>
+                <a16:creationId xmlns:a16="http://schemas.microsoft.com/office/drawing/2014/main" id="{52C7E19E-33BB-0A40-898E-21C4D8B75257}"/>
               </a:ext>
             </a:extLst>
           </p:cNvPr>
@@ -2079,7 +2163,7 @@
           <p:cNvPr id="3" name="Text Placeholder 2">
             <a:extLst>
               <a:ext uri="{FF2B5EF4-FFF2-40B4-BE49-F238E27FC236}">
-                <a16:creationId xmlns:a16="http://schemas.microsoft.com/office/drawing/2014/main" xmlns="" id="{F2C45494-BDE1-204B-8971-46B3CD32A0A3}"/>
+                <a16:creationId xmlns:a16="http://schemas.microsoft.com/office/drawing/2014/main" id="{F2C45494-BDE1-204B-8971-46B3CD32A0A3}"/>
               </a:ext>
             </a:extLst>
           </p:cNvPr>
@@ -2150,7 +2234,7 @@
           <p:cNvPr id="4" name="Content Placeholder 3">
             <a:extLst>
               <a:ext uri="{FF2B5EF4-FFF2-40B4-BE49-F238E27FC236}">
-                <a16:creationId xmlns:a16="http://schemas.microsoft.com/office/drawing/2014/main" xmlns="" id="{F7A71837-ADCE-5540-B0C6-56D108B40738}"/>
+                <a16:creationId xmlns:a16="http://schemas.microsoft.com/office/drawing/2014/main" id="{F7A71837-ADCE-5540-B0C6-56D108B40738}"/>
               </a:ext>
             </a:extLst>
           </p:cNvPr>
@@ -2212,7 +2296,7 @@
           <p:cNvPr id="5" name="Text Placeholder 4">
             <a:extLst>
               <a:ext uri="{FF2B5EF4-FFF2-40B4-BE49-F238E27FC236}">
-                <a16:creationId xmlns:a16="http://schemas.microsoft.com/office/drawing/2014/main" xmlns="" id="{A759F03B-0228-2F41-A14D-2546EE9BA806}"/>
+                <a16:creationId xmlns:a16="http://schemas.microsoft.com/office/drawing/2014/main" id="{A759F03B-0228-2F41-A14D-2546EE9BA806}"/>
               </a:ext>
             </a:extLst>
           </p:cNvPr>
@@ -2283,7 +2367,7 @@
           <p:cNvPr id="6" name="Content Placeholder 5">
             <a:extLst>
               <a:ext uri="{FF2B5EF4-FFF2-40B4-BE49-F238E27FC236}">
-                <a16:creationId xmlns:a16="http://schemas.microsoft.com/office/drawing/2014/main" xmlns="" id="{C6F5956D-FB22-2B4A-9329-A84FD2CE3CDE}"/>
+                <a16:creationId xmlns:a16="http://schemas.microsoft.com/office/drawing/2014/main" id="{C6F5956D-FB22-2B4A-9329-A84FD2CE3CDE}"/>
               </a:ext>
             </a:extLst>
           </p:cNvPr>
@@ -2345,7 +2429,7 @@
           <p:cNvPr id="7" name="Date Placeholder 6">
             <a:extLst>
               <a:ext uri="{FF2B5EF4-FFF2-40B4-BE49-F238E27FC236}">
-                <a16:creationId xmlns:a16="http://schemas.microsoft.com/office/drawing/2014/main" xmlns="" id="{36852D22-52BE-C24C-A899-BD0B675C2519}"/>
+                <a16:creationId xmlns:a16="http://schemas.microsoft.com/office/drawing/2014/main" id="{36852D22-52BE-C24C-A899-BD0B675C2519}"/>
               </a:ext>
             </a:extLst>
           </p:cNvPr>
@@ -2374,7 +2458,7 @@
           <p:cNvPr id="8" name="Footer Placeholder 7">
             <a:extLst>
               <a:ext uri="{FF2B5EF4-FFF2-40B4-BE49-F238E27FC236}">
-                <a16:creationId xmlns:a16="http://schemas.microsoft.com/office/drawing/2014/main" xmlns="" id="{4DD51E40-6853-054E-B5AE-67E0A6E77D76}"/>
+                <a16:creationId xmlns:a16="http://schemas.microsoft.com/office/drawing/2014/main" id="{4DD51E40-6853-054E-B5AE-67E0A6E77D76}"/>
               </a:ext>
             </a:extLst>
           </p:cNvPr>
@@ -2399,7 +2483,7 @@
           <p:cNvPr id="9" name="Slide Number Placeholder 8">
             <a:extLst>
               <a:ext uri="{FF2B5EF4-FFF2-40B4-BE49-F238E27FC236}">
-                <a16:creationId xmlns:a16="http://schemas.microsoft.com/office/drawing/2014/main" xmlns="" id="{6C3D38B8-3FD8-7C43-A59F-2AC8EAF716AE}"/>
+                <a16:creationId xmlns:a16="http://schemas.microsoft.com/office/drawing/2014/main" id="{6C3D38B8-3FD8-7C43-A59F-2AC8EAF716AE}"/>
               </a:ext>
             </a:extLst>
           </p:cNvPr>
@@ -2458,7 +2542,7 @@
           <p:cNvPr id="2" name="Title 1">
             <a:extLst>
               <a:ext uri="{FF2B5EF4-FFF2-40B4-BE49-F238E27FC236}">
-                <a16:creationId xmlns:a16="http://schemas.microsoft.com/office/drawing/2014/main" xmlns="" id="{BC0F2119-3587-934F-A1F3-141C18E80571}"/>
+                <a16:creationId xmlns:a16="http://schemas.microsoft.com/office/drawing/2014/main" id="{BC0F2119-3587-934F-A1F3-141C18E80571}"/>
               </a:ext>
             </a:extLst>
           </p:cNvPr>
@@ -2486,7 +2570,7 @@
           <p:cNvPr id="3" name="Date Placeholder 2">
             <a:extLst>
               <a:ext uri="{FF2B5EF4-FFF2-40B4-BE49-F238E27FC236}">
-                <a16:creationId xmlns:a16="http://schemas.microsoft.com/office/drawing/2014/main" xmlns="" id="{48B2ADF1-6077-8F4D-A5B9-EAA77AEE8050}"/>
+                <a16:creationId xmlns:a16="http://schemas.microsoft.com/office/drawing/2014/main" id="{48B2ADF1-6077-8F4D-A5B9-EAA77AEE8050}"/>
               </a:ext>
             </a:extLst>
           </p:cNvPr>
@@ -2515,7 +2599,7 @@
           <p:cNvPr id="4" name="Footer Placeholder 3">
             <a:extLst>
               <a:ext uri="{FF2B5EF4-FFF2-40B4-BE49-F238E27FC236}">
-                <a16:creationId xmlns:a16="http://schemas.microsoft.com/office/drawing/2014/main" xmlns="" id="{438B4D55-647C-E14F-9867-EC595AB77EFC}"/>
+                <a16:creationId xmlns:a16="http://schemas.microsoft.com/office/drawing/2014/main" id="{438B4D55-647C-E14F-9867-EC595AB77EFC}"/>
               </a:ext>
             </a:extLst>
           </p:cNvPr>
@@ -2540,7 +2624,7 @@
           <p:cNvPr id="5" name="Slide Number Placeholder 4">
             <a:extLst>
               <a:ext uri="{FF2B5EF4-FFF2-40B4-BE49-F238E27FC236}">
-                <a16:creationId xmlns:a16="http://schemas.microsoft.com/office/drawing/2014/main" xmlns="" id="{5E294510-31ED-A543-938B-8CF7846E4740}"/>
+                <a16:creationId xmlns:a16="http://schemas.microsoft.com/office/drawing/2014/main" id="{5E294510-31ED-A543-938B-8CF7846E4740}"/>
               </a:ext>
             </a:extLst>
           </p:cNvPr>
@@ -2599,7 +2683,7 @@
           <p:cNvPr id="2" name="Date Placeholder 1">
             <a:extLst>
               <a:ext uri="{FF2B5EF4-FFF2-40B4-BE49-F238E27FC236}">
-                <a16:creationId xmlns:a16="http://schemas.microsoft.com/office/drawing/2014/main" xmlns="" id="{67B9FED5-E769-A047-B151-4EE167E79EBE}"/>
+                <a16:creationId xmlns:a16="http://schemas.microsoft.com/office/drawing/2014/main" id="{67B9FED5-E769-A047-B151-4EE167E79EBE}"/>
               </a:ext>
             </a:extLst>
           </p:cNvPr>
@@ -2628,7 +2712,7 @@
           <p:cNvPr id="3" name="Footer Placeholder 2">
             <a:extLst>
               <a:ext uri="{FF2B5EF4-FFF2-40B4-BE49-F238E27FC236}">
-                <a16:creationId xmlns:a16="http://schemas.microsoft.com/office/drawing/2014/main" xmlns="" id="{822FC704-CD34-614E-9901-77A2B18593FA}"/>
+                <a16:creationId xmlns:a16="http://schemas.microsoft.com/office/drawing/2014/main" id="{822FC704-CD34-614E-9901-77A2B18593FA}"/>
               </a:ext>
             </a:extLst>
           </p:cNvPr>
@@ -2653,7 +2737,7 @@
           <p:cNvPr id="4" name="Slide Number Placeholder 3">
             <a:extLst>
               <a:ext uri="{FF2B5EF4-FFF2-40B4-BE49-F238E27FC236}">
-                <a16:creationId xmlns:a16="http://schemas.microsoft.com/office/drawing/2014/main" xmlns="" id="{578C6DFB-A9C7-BE4A-8010-0780CB83E74A}"/>
+                <a16:creationId xmlns:a16="http://schemas.microsoft.com/office/drawing/2014/main" id="{578C6DFB-A9C7-BE4A-8010-0780CB83E74A}"/>
               </a:ext>
             </a:extLst>
           </p:cNvPr>
@@ -2712,7 +2796,7 @@
           <p:cNvPr id="2" name="Title 1">
             <a:extLst>
               <a:ext uri="{FF2B5EF4-FFF2-40B4-BE49-F238E27FC236}">
-                <a16:creationId xmlns:a16="http://schemas.microsoft.com/office/drawing/2014/main" xmlns="" id="{6496F54F-5C2A-1741-AD6E-DCCBB020B005}"/>
+                <a16:creationId xmlns:a16="http://schemas.microsoft.com/office/drawing/2014/main" id="{6496F54F-5C2A-1741-AD6E-DCCBB020B005}"/>
               </a:ext>
             </a:extLst>
           </p:cNvPr>
@@ -2749,7 +2833,7 @@
           <p:cNvPr id="3" name="Content Placeholder 2">
             <a:extLst>
               <a:ext uri="{FF2B5EF4-FFF2-40B4-BE49-F238E27FC236}">
-                <a16:creationId xmlns:a16="http://schemas.microsoft.com/office/drawing/2014/main" xmlns="" id="{CBCA52CB-7EED-9A42-87CF-290AF13CF29A}"/>
+                <a16:creationId xmlns:a16="http://schemas.microsoft.com/office/drawing/2014/main" id="{CBCA52CB-7EED-9A42-87CF-290AF13CF29A}"/>
               </a:ext>
             </a:extLst>
           </p:cNvPr>
@@ -2839,7 +2923,7 @@
           <p:cNvPr id="4" name="Text Placeholder 3">
             <a:extLst>
               <a:ext uri="{FF2B5EF4-FFF2-40B4-BE49-F238E27FC236}">
-                <a16:creationId xmlns:a16="http://schemas.microsoft.com/office/drawing/2014/main" xmlns="" id="{E1702E7A-FD2F-CB46-94BF-FF2EC9490D6E}"/>
+                <a16:creationId xmlns:a16="http://schemas.microsoft.com/office/drawing/2014/main" id="{E1702E7A-FD2F-CB46-94BF-FF2EC9490D6E}"/>
               </a:ext>
             </a:extLst>
           </p:cNvPr>
@@ -2910,7 +2994,7 @@
           <p:cNvPr id="5" name="Date Placeholder 4">
             <a:extLst>
               <a:ext uri="{FF2B5EF4-FFF2-40B4-BE49-F238E27FC236}">
-                <a16:creationId xmlns:a16="http://schemas.microsoft.com/office/drawing/2014/main" xmlns="" id="{8958105E-9337-A749-8929-C81DA369C8A1}"/>
+                <a16:creationId xmlns:a16="http://schemas.microsoft.com/office/drawing/2014/main" id="{8958105E-9337-A749-8929-C81DA369C8A1}"/>
               </a:ext>
             </a:extLst>
           </p:cNvPr>
@@ -2939,7 +3023,7 @@
           <p:cNvPr id="6" name="Footer Placeholder 5">
             <a:extLst>
               <a:ext uri="{FF2B5EF4-FFF2-40B4-BE49-F238E27FC236}">
-                <a16:creationId xmlns:a16="http://schemas.microsoft.com/office/drawing/2014/main" xmlns="" id="{10081911-6878-5B45-A37C-ACB36ADFD7E1}"/>
+                <a16:creationId xmlns:a16="http://schemas.microsoft.com/office/drawing/2014/main" id="{10081911-6878-5B45-A37C-ACB36ADFD7E1}"/>
               </a:ext>
             </a:extLst>
           </p:cNvPr>
@@ -2964,7 +3048,7 @@
           <p:cNvPr id="7" name="Slide Number Placeholder 6">
             <a:extLst>
               <a:ext uri="{FF2B5EF4-FFF2-40B4-BE49-F238E27FC236}">
-                <a16:creationId xmlns:a16="http://schemas.microsoft.com/office/drawing/2014/main" xmlns="" id="{2AF73ABD-0129-F14E-B86A-51D07AA4CD86}"/>
+                <a16:creationId xmlns:a16="http://schemas.microsoft.com/office/drawing/2014/main" id="{2AF73ABD-0129-F14E-B86A-51D07AA4CD86}"/>
               </a:ext>
             </a:extLst>
           </p:cNvPr>
@@ -3023,7 +3107,7 @@
           <p:cNvPr id="2" name="Title 1">
             <a:extLst>
               <a:ext uri="{FF2B5EF4-FFF2-40B4-BE49-F238E27FC236}">
-                <a16:creationId xmlns:a16="http://schemas.microsoft.com/office/drawing/2014/main" xmlns="" id="{1ADBDC04-624F-4240-A155-7100DB9CDF1F}"/>
+                <a16:creationId xmlns:a16="http://schemas.microsoft.com/office/drawing/2014/main" id="{1ADBDC04-624F-4240-A155-7100DB9CDF1F}"/>
               </a:ext>
             </a:extLst>
           </p:cNvPr>
@@ -3060,7 +3144,7 @@
           <p:cNvPr id="3" name="Picture Placeholder 2">
             <a:extLst>
               <a:ext uri="{FF2B5EF4-FFF2-40B4-BE49-F238E27FC236}">
-                <a16:creationId xmlns:a16="http://schemas.microsoft.com/office/drawing/2014/main" xmlns="" id="{BD9289DE-964C-8043-9669-894C54065FCE}"/>
+                <a16:creationId xmlns:a16="http://schemas.microsoft.com/office/drawing/2014/main" id="{BD9289DE-964C-8043-9669-894C54065FCE}"/>
               </a:ext>
             </a:extLst>
           </p:cNvPr>
@@ -3127,7 +3211,7 @@
           <p:cNvPr id="4" name="Text Placeholder 3">
             <a:extLst>
               <a:ext uri="{FF2B5EF4-FFF2-40B4-BE49-F238E27FC236}">
-                <a16:creationId xmlns:a16="http://schemas.microsoft.com/office/drawing/2014/main" xmlns="" id="{869C1FF4-FD92-7F4A-85CD-FF7136BEC969}"/>
+                <a16:creationId xmlns:a16="http://schemas.microsoft.com/office/drawing/2014/main" id="{869C1FF4-FD92-7F4A-85CD-FF7136BEC969}"/>
               </a:ext>
             </a:extLst>
           </p:cNvPr>
@@ -3198,7 +3282,7 @@
           <p:cNvPr id="5" name="Date Placeholder 4">
             <a:extLst>
               <a:ext uri="{FF2B5EF4-FFF2-40B4-BE49-F238E27FC236}">
-                <a16:creationId xmlns:a16="http://schemas.microsoft.com/office/drawing/2014/main" xmlns="" id="{AE4CC592-934E-3B4A-AE9C-25599CF11B32}"/>
+                <a16:creationId xmlns:a16="http://schemas.microsoft.com/office/drawing/2014/main" id="{AE4CC592-934E-3B4A-AE9C-25599CF11B32}"/>
               </a:ext>
             </a:extLst>
           </p:cNvPr>
@@ -3227,7 +3311,7 @@
           <p:cNvPr id="6" name="Footer Placeholder 5">
             <a:extLst>
               <a:ext uri="{FF2B5EF4-FFF2-40B4-BE49-F238E27FC236}">
-                <a16:creationId xmlns:a16="http://schemas.microsoft.com/office/drawing/2014/main" xmlns="" id="{3C0170A9-8B9F-D448-BA4F-42DC22D5ED6C}"/>
+                <a16:creationId xmlns:a16="http://schemas.microsoft.com/office/drawing/2014/main" id="{3C0170A9-8B9F-D448-BA4F-42DC22D5ED6C}"/>
               </a:ext>
             </a:extLst>
           </p:cNvPr>
@@ -3252,7 +3336,7 @@
           <p:cNvPr id="7" name="Slide Number Placeholder 6">
             <a:extLst>
               <a:ext uri="{FF2B5EF4-FFF2-40B4-BE49-F238E27FC236}">
-                <a16:creationId xmlns:a16="http://schemas.microsoft.com/office/drawing/2014/main" xmlns="" id="{D6313800-A129-844E-B8F0-F74902DD6ACF}"/>
+                <a16:creationId xmlns:a16="http://schemas.microsoft.com/office/drawing/2014/main" id="{D6313800-A129-844E-B8F0-F74902DD6ACF}"/>
               </a:ext>
             </a:extLst>
           </p:cNvPr>
@@ -3316,7 +3400,7 @@
           <p:cNvPr id="2" name="Title Placeholder 1">
             <a:extLst>
               <a:ext uri="{FF2B5EF4-FFF2-40B4-BE49-F238E27FC236}">
-                <a16:creationId xmlns:a16="http://schemas.microsoft.com/office/drawing/2014/main" xmlns="" id="{21B7F7A1-DE46-9245-A6FA-08F1D89789CA}"/>
+                <a16:creationId xmlns:a16="http://schemas.microsoft.com/office/drawing/2014/main" id="{21B7F7A1-DE46-9245-A6FA-08F1D89789CA}"/>
               </a:ext>
             </a:extLst>
           </p:cNvPr>
@@ -3354,7 +3438,7 @@
           <p:cNvPr id="3" name="Text Placeholder 2">
             <a:extLst>
               <a:ext uri="{FF2B5EF4-FFF2-40B4-BE49-F238E27FC236}">
-                <a16:creationId xmlns:a16="http://schemas.microsoft.com/office/drawing/2014/main" xmlns="" id="{8595D4CB-5937-CE41-ABC4-0A4A8A16FF51}"/>
+                <a16:creationId xmlns:a16="http://schemas.microsoft.com/office/drawing/2014/main" id="{8595D4CB-5937-CE41-ABC4-0A4A8A16FF51}"/>
               </a:ext>
             </a:extLst>
           </p:cNvPr>
@@ -3421,7 +3505,7 @@
           <p:cNvPr id="4" name="Date Placeholder 3">
             <a:extLst>
               <a:ext uri="{FF2B5EF4-FFF2-40B4-BE49-F238E27FC236}">
-                <a16:creationId xmlns:a16="http://schemas.microsoft.com/office/drawing/2014/main" xmlns="" id="{05F1C33D-8603-7847-9915-7BF7CF5F9D32}"/>
+                <a16:creationId xmlns:a16="http://schemas.microsoft.com/office/drawing/2014/main" id="{05F1C33D-8603-7847-9915-7BF7CF5F9D32}"/>
               </a:ext>
             </a:extLst>
           </p:cNvPr>
@@ -3468,7 +3552,7 @@
           <p:cNvPr id="5" name="Footer Placeholder 4">
             <a:extLst>
               <a:ext uri="{FF2B5EF4-FFF2-40B4-BE49-F238E27FC236}">
-                <a16:creationId xmlns:a16="http://schemas.microsoft.com/office/drawing/2014/main" xmlns="" id="{1DDFE2EE-C744-6646-AF9E-0CDDD662B2F9}"/>
+                <a16:creationId xmlns:a16="http://schemas.microsoft.com/office/drawing/2014/main" id="{1DDFE2EE-C744-6646-AF9E-0CDDD662B2F9}"/>
               </a:ext>
             </a:extLst>
           </p:cNvPr>
@@ -3511,7 +3595,7 @@
           <p:cNvPr id="6" name="Slide Number Placeholder 5">
             <a:extLst>
               <a:ext uri="{FF2B5EF4-FFF2-40B4-BE49-F238E27FC236}">
-                <a16:creationId xmlns:a16="http://schemas.microsoft.com/office/drawing/2014/main" xmlns="" id="{23020908-4F60-D74E-922D-3F84F22F8041}"/>
+                <a16:creationId xmlns:a16="http://schemas.microsoft.com/office/drawing/2014/main" id="{23020908-4F60-D74E-922D-3F84F22F8041}"/>
               </a:ext>
             </a:extLst>
           </p:cNvPr>
@@ -3879,7 +3963,7 @@
           <p:cNvPr id="2" name="Title 1">
             <a:extLst>
               <a:ext uri="{FF2B5EF4-FFF2-40B4-BE49-F238E27FC236}">
-                <a16:creationId xmlns:a16="http://schemas.microsoft.com/office/drawing/2014/main" xmlns="" id="{FAA89291-60DA-2C40-8096-73810E04757F}"/>
+                <a16:creationId xmlns:a16="http://schemas.microsoft.com/office/drawing/2014/main" id="{FAA89291-60DA-2C40-8096-73810E04757F}"/>
               </a:ext>
             </a:extLst>
           </p:cNvPr>
@@ -3908,7 +3992,7 @@
           <p:cNvPr id="3" name="Subtitle 2">
             <a:extLst>
               <a:ext uri="{FF2B5EF4-FFF2-40B4-BE49-F238E27FC236}">
-                <a16:creationId xmlns:a16="http://schemas.microsoft.com/office/drawing/2014/main" xmlns="" id="{CEB73EAD-9E51-C647-886C-A89700E6F256}"/>
+                <a16:creationId xmlns:a16="http://schemas.microsoft.com/office/drawing/2014/main" id="{CEB73EAD-9E51-C647-886C-A89700E6F256}"/>
               </a:ext>
             </a:extLst>
           </p:cNvPr>
@@ -3952,7 +4036,7 @@
           <p:cNvPr id="5" name="Picture 4">
             <a:extLst>
               <a:ext uri="{FF2B5EF4-FFF2-40B4-BE49-F238E27FC236}">
-                <a16:creationId xmlns:a16="http://schemas.microsoft.com/office/drawing/2014/main" xmlns="" id="{0056138C-987F-684A-938F-5B452E26E6CF}"/>
+                <a16:creationId xmlns:a16="http://schemas.microsoft.com/office/drawing/2014/main" id="{0056138C-987F-684A-938F-5B452E26E6CF}"/>
               </a:ext>
             </a:extLst>
           </p:cNvPr>
@@ -3962,7 +4046,7 @@
           <p:nvPr/>
         </p:nvPicPr>
         <p:blipFill>
-          <a:blip r:embed="rId2"/>
+          <a:blip r:embed="rId3"/>
           <a:stretch>
             <a:fillRect/>
           </a:stretch>
@@ -4012,7 +4096,7 @@
           <p:cNvPr id="2" name="Title 1">
             <a:extLst>
               <a:ext uri="{FF2B5EF4-FFF2-40B4-BE49-F238E27FC236}">
-                <a16:creationId xmlns:a16="http://schemas.microsoft.com/office/drawing/2014/main" xmlns="" id="{AA9F9160-9019-3040-A139-DCC8B1C95273}"/>
+                <a16:creationId xmlns:a16="http://schemas.microsoft.com/office/drawing/2014/main" id="{AA9F9160-9019-3040-A139-DCC8B1C95273}"/>
               </a:ext>
             </a:extLst>
           </p:cNvPr>
@@ -4041,7 +4125,7 @@
           <p:cNvPr id="3" name="Content Placeholder 2">
             <a:extLst>
               <a:ext uri="{FF2B5EF4-FFF2-40B4-BE49-F238E27FC236}">
-                <a16:creationId xmlns:a16="http://schemas.microsoft.com/office/drawing/2014/main" xmlns="" id="{0A31F19A-6F02-B246-85CC-8A5EF661C09D}"/>
+                <a16:creationId xmlns:a16="http://schemas.microsoft.com/office/drawing/2014/main" id="{0A31F19A-6F02-B246-85CC-8A5EF661C09D}"/>
               </a:ext>
             </a:extLst>
           </p:cNvPr>
@@ -4064,11 +4148,7 @@
             </a:pPr>
             <a:r>
               <a:rPr lang="en-US" dirty="0"/>
-              <a:t>Train off previous intervals of </a:t>
-            </a:r>
-            <a:r>
-              <a:rPr lang="en-US" dirty="0" smtClean="0"/>
-              <a:t>data</a:t>
+              <a:t>Train off previous intervals of data</a:t>
             </a:r>
           </a:p>
           <a:p>
@@ -4086,16 +4166,8 @@
               </a:lnSpc>
             </a:pPr>
             <a:r>
-              <a:rPr lang="en-US" dirty="0" smtClean="0"/>
-              <a:t>Predict </a:t>
-            </a:r>
-            <a:r>
-              <a:rPr lang="en-US" dirty="0"/>
-              <a:t>behavior of future </a:t>
-            </a:r>
-            <a:r>
-              <a:rPr lang="en-US" dirty="0" smtClean="0"/>
-              <a:t>data</a:t>
+              <a:rPr lang="en-US" dirty="0"/>
+              <a:t>Predict behavior of future data</a:t>
             </a:r>
           </a:p>
           <a:p>
@@ -4114,13 +4186,8 @@
             </a:pPr>
             <a:r>
               <a:rPr lang="en-US" dirty="0"/>
-              <a:t>Notify users of any </a:t>
-            </a:r>
-            <a:r>
-              <a:rPr lang="en-US" dirty="0" smtClean="0"/>
-              <a:t>anomalies that are anomalous enough to satisfy notification thresholds</a:t>
-            </a:r>
-            <a:endParaRPr lang="en-US" dirty="0"/>
+              <a:t>Notify users of any anomalies that are anomalous enough to satisfy notification thresholds</a:t>
+            </a:r>
           </a:p>
         </p:txBody>
       </p:sp>
@@ -4129,7 +4196,7 @@
           <p:cNvPr id="4" name="Picture 3">
             <a:extLst>
               <a:ext uri="{FF2B5EF4-FFF2-40B4-BE49-F238E27FC236}">
-                <a16:creationId xmlns:a16="http://schemas.microsoft.com/office/drawing/2014/main" xmlns="" id="{E4AEDFE2-2953-F54B-B6FB-1C4BD361B3F7}"/>
+                <a16:creationId xmlns:a16="http://schemas.microsoft.com/office/drawing/2014/main" id="{E4AEDFE2-2953-F54B-B6FB-1C4BD361B3F7}"/>
               </a:ext>
             </a:extLst>
           </p:cNvPr>
@@ -4244,26 +4311,21 @@
             <a:pPr lvl="1"/>
             <a:r>
               <a:rPr lang="en-US" dirty="0"/>
-              <a:t>Custom thresholds for </a:t>
-            </a:r>
-            <a:r>
-              <a:rPr lang="en-US" dirty="0" smtClean="0"/>
-              <a:t>notifications</a:t>
-            </a:r>
-          </a:p>
-          <a:p>
-            <a:r>
-              <a:rPr lang="en-US" dirty="0" smtClean="0"/>
+              <a:t>Custom thresholds for notifications</a:t>
+            </a:r>
+          </a:p>
+          <a:p>
+            <a:r>
+              <a:rPr lang="en-US" dirty="0"/>
               <a:t>Performance constraints</a:t>
             </a:r>
           </a:p>
           <a:p>
             <a:pPr lvl="1"/>
             <a:r>
-              <a:rPr lang="en-US" dirty="0" smtClean="0"/>
+              <a:rPr lang="en-US" dirty="0"/>
               <a:t>Use sampling up to a max number of rows</a:t>
             </a:r>
-            <a:endParaRPr lang="en-US" dirty="0"/>
           </a:p>
           <a:p>
             <a:r>
@@ -4294,7 +4356,7 @@
           <p:cNvPr id="4" name="Picture 3">
             <a:extLst>
               <a:ext uri="{FF2B5EF4-FFF2-40B4-BE49-F238E27FC236}">
-                <a16:creationId xmlns:a16="http://schemas.microsoft.com/office/drawing/2014/main" xmlns="" id="{E4AEDFE2-2953-F54B-B6FB-1C4BD361B3F7}"/>
+                <a16:creationId xmlns:a16="http://schemas.microsoft.com/office/drawing/2014/main" id="{E4AEDFE2-2953-F54B-B6FB-1C4BD361B3F7}"/>
               </a:ext>
             </a:extLst>
           </p:cNvPr>
@@ -4354,7 +4416,7 @@
           <p:cNvPr id="2" name="Title 1">
             <a:extLst>
               <a:ext uri="{FF2B5EF4-FFF2-40B4-BE49-F238E27FC236}">
-                <a16:creationId xmlns:a16="http://schemas.microsoft.com/office/drawing/2014/main" xmlns="" id="{E394CE2A-A9C6-F34F-8952-7B586B7A7598}"/>
+                <a16:creationId xmlns:a16="http://schemas.microsoft.com/office/drawing/2014/main" id="{E394CE2A-A9C6-F34F-8952-7B586B7A7598}"/>
               </a:ext>
             </a:extLst>
           </p:cNvPr>
@@ -4383,7 +4445,7 @@
           <p:cNvPr id="4" name="Picture 3">
             <a:extLst>
               <a:ext uri="{FF2B5EF4-FFF2-40B4-BE49-F238E27FC236}">
-                <a16:creationId xmlns:a16="http://schemas.microsoft.com/office/drawing/2014/main" xmlns="" id="{700EA7AA-F650-334A-956C-0AB6D3D51848}"/>
+                <a16:creationId xmlns:a16="http://schemas.microsoft.com/office/drawing/2014/main" id="{700EA7AA-F650-334A-956C-0AB6D3D51848}"/>
               </a:ext>
             </a:extLst>
           </p:cNvPr>
@@ -4478,7 +4540,15 @@
           <a:p>
             <a:r>
               <a:rPr lang="en-US" dirty="0"/>
-              <a:t>Treat the column being null/ as a Bernoulli Trial</a:t>
+              <a:t>Treat the column </a:t>
+            </a:r>
+            <a:r>
+              <a:rPr lang="en-US"/>
+              <a:t>being null </a:t>
+            </a:r>
+            <a:r>
+              <a:rPr lang="en-US" dirty="0"/>
+              <a:t>as a Bernoulli Trial</a:t>
             </a:r>
           </a:p>
           <a:p>
@@ -4520,7 +4590,7 @@
           <p:cNvPr id="4" name="Picture 3">
             <a:extLst>
               <a:ext uri="{FF2B5EF4-FFF2-40B4-BE49-F238E27FC236}">
-                <a16:creationId xmlns:a16="http://schemas.microsoft.com/office/drawing/2014/main" xmlns="" id="{E4AEDFE2-2953-F54B-B6FB-1C4BD361B3F7}"/>
+                <a16:creationId xmlns:a16="http://schemas.microsoft.com/office/drawing/2014/main" id="{E4AEDFE2-2953-F54B-B6FB-1C4BD361B3F7}"/>
               </a:ext>
             </a:extLst>
           </p:cNvPr>
@@ -4702,7 +4772,7 @@
           <p:cNvPr id="4" name="Picture 3">
             <a:extLst>
               <a:ext uri="{FF2B5EF4-FFF2-40B4-BE49-F238E27FC236}">
-                <a16:creationId xmlns:a16="http://schemas.microsoft.com/office/drawing/2014/main" xmlns="" id="{E4AEDFE2-2953-F54B-B6FB-1C4BD361B3F7}"/>
+                <a16:creationId xmlns:a16="http://schemas.microsoft.com/office/drawing/2014/main" id="{E4AEDFE2-2953-F54B-B6FB-1C4BD361B3F7}"/>
               </a:ext>
             </a:extLst>
           </p:cNvPr>
@@ -4889,7 +4959,7 @@
           <p:cNvPr id="4" name="Picture 3">
             <a:extLst>
               <a:ext uri="{FF2B5EF4-FFF2-40B4-BE49-F238E27FC236}">
-                <a16:creationId xmlns:a16="http://schemas.microsoft.com/office/drawing/2014/main" xmlns="" id="{E4AEDFE2-2953-F54B-B6FB-1C4BD361B3F7}"/>
+                <a16:creationId xmlns:a16="http://schemas.microsoft.com/office/drawing/2014/main" id="{E4AEDFE2-2953-F54B-B6FB-1C4BD361B3F7}"/>
               </a:ext>
             </a:extLst>
           </p:cNvPr>
@@ -4949,7 +5019,7 @@
           <p:cNvPr id="2" name="Title 1">
             <a:extLst>
               <a:ext uri="{FF2B5EF4-FFF2-40B4-BE49-F238E27FC236}">
-                <a16:creationId xmlns:a16="http://schemas.microsoft.com/office/drawing/2014/main" xmlns="" id="{735D7AA6-1425-8C4F-8608-265E01867490}"/>
+                <a16:creationId xmlns:a16="http://schemas.microsoft.com/office/drawing/2014/main" id="{735D7AA6-1425-8C4F-8608-265E01867490}"/>
               </a:ext>
             </a:extLst>
           </p:cNvPr>
@@ -4978,7 +5048,7 @@
           <p:cNvPr id="3" name="Content Placeholder 2">
             <a:extLst>
               <a:ext uri="{FF2B5EF4-FFF2-40B4-BE49-F238E27FC236}">
-                <a16:creationId xmlns:a16="http://schemas.microsoft.com/office/drawing/2014/main" xmlns="" id="{31882B9E-E7C2-C443-B3BB-E435A2E6804C}"/>
+                <a16:creationId xmlns:a16="http://schemas.microsoft.com/office/drawing/2014/main" id="{31882B9E-E7C2-C443-B3BB-E435A2E6804C}"/>
               </a:ext>
             </a:extLst>
           </p:cNvPr>
@@ -5052,7 +5122,7 @@
           <p:cNvPr id="4" name="Picture 3">
             <a:extLst>
               <a:ext uri="{FF2B5EF4-FFF2-40B4-BE49-F238E27FC236}">
-                <a16:creationId xmlns:a16="http://schemas.microsoft.com/office/drawing/2014/main" xmlns="" id="{A196DAC0-1739-7B42-AB81-828E29C6B021}"/>
+                <a16:creationId xmlns:a16="http://schemas.microsoft.com/office/drawing/2014/main" id="{A196DAC0-1739-7B42-AB81-828E29C6B021}"/>
               </a:ext>
             </a:extLst>
           </p:cNvPr>
@@ -5112,7 +5182,7 @@
           <p:cNvPr id="2" name="Title 1">
             <a:extLst>
               <a:ext uri="{FF2B5EF4-FFF2-40B4-BE49-F238E27FC236}">
-                <a16:creationId xmlns:a16="http://schemas.microsoft.com/office/drawing/2014/main" xmlns="" id="{2841A013-1902-0A4D-9383-F3238305A7C5}"/>
+                <a16:creationId xmlns:a16="http://schemas.microsoft.com/office/drawing/2014/main" id="{2841A013-1902-0A4D-9383-F3238305A7C5}"/>
               </a:ext>
             </a:extLst>
           </p:cNvPr>
@@ -5141,7 +5211,7 @@
           <p:cNvPr id="3" name="Content Placeholder 2">
             <a:extLst>
               <a:ext uri="{FF2B5EF4-FFF2-40B4-BE49-F238E27FC236}">
-                <a16:creationId xmlns:a16="http://schemas.microsoft.com/office/drawing/2014/main" xmlns="" id="{D8AC1DFA-2A83-E54D-B67B-E20F3EA39F94}"/>
+                <a16:creationId xmlns:a16="http://schemas.microsoft.com/office/drawing/2014/main" id="{D8AC1DFA-2A83-E54D-B67B-E20F3EA39F94}"/>
               </a:ext>
             </a:extLst>
           </p:cNvPr>
@@ -5163,7 +5233,7 @@
               </a:lnSpc>
             </a:pPr>
             <a:r>
-              <a:rPr lang="en-US" dirty="0" smtClean="0"/>
+              <a:rPr lang="en-US" dirty="0"/>
               <a:t>Companies with large amounts of data consolidated in a handful of important tables</a:t>
             </a:r>
           </a:p>
@@ -5174,7 +5244,7 @@
               </a:lnSpc>
             </a:pPr>
             <a:r>
-              <a:rPr lang="en-US" dirty="0" smtClean="0"/>
+              <a:rPr lang="en-US" dirty="0"/>
               <a:t>Small-to-medium sized (not large enough to have dedicated data quality teams)</a:t>
             </a:r>
           </a:p>
@@ -5185,7 +5255,7 @@
               </a:lnSpc>
             </a:pPr>
             <a:r>
-              <a:rPr lang="en-US" dirty="0" smtClean="0"/>
+              <a:rPr lang="en-US" dirty="0"/>
               <a:t>Data Engineers</a:t>
             </a:r>
           </a:p>
@@ -5196,10 +5266,9 @@
               </a:lnSpc>
             </a:pPr>
             <a:r>
-              <a:rPr lang="en-US" dirty="0" smtClean="0"/>
+              <a:rPr lang="en-US" dirty="0"/>
               <a:t>Example use cases:</a:t>
             </a:r>
-            <a:endParaRPr lang="en-US" dirty="0"/>
           </a:p>
           <a:p>
             <a:pPr>
@@ -5216,7 +5285,7 @@
           <p:cNvPr id="4" name="Picture 3">
             <a:extLst>
               <a:ext uri="{FF2B5EF4-FFF2-40B4-BE49-F238E27FC236}">
-                <a16:creationId xmlns:a16="http://schemas.microsoft.com/office/drawing/2014/main" xmlns="" id="{EFE81110-E345-0A4A-B78E-9AD34187D73F}"/>
+                <a16:creationId xmlns:a16="http://schemas.microsoft.com/office/drawing/2014/main" id="{EFE81110-E345-0A4A-B78E-9AD34187D73F}"/>
               </a:ext>
             </a:extLst>
           </p:cNvPr>
@@ -5246,7 +5315,7 @@
           <p:cNvPr id="6" name="Picture 5">
             <a:extLst>
               <a:ext uri="{FF2B5EF4-FFF2-40B4-BE49-F238E27FC236}">
-                <a16:creationId xmlns:a16="http://schemas.microsoft.com/office/drawing/2014/main" xmlns="" id="{C33F4CFD-AAF0-784F-8D1A-AEFC1C5E590D}"/>
+                <a16:creationId xmlns:a16="http://schemas.microsoft.com/office/drawing/2014/main" id="{C33F4CFD-AAF0-784F-8D1A-AEFC1C5E590D}"/>
               </a:ext>
             </a:extLst>
           </p:cNvPr>
@@ -5276,7 +5345,7 @@
           <p:cNvPr id="10" name="Picture 9">
             <a:extLst>
               <a:ext uri="{FF2B5EF4-FFF2-40B4-BE49-F238E27FC236}">
-                <a16:creationId xmlns:a16="http://schemas.microsoft.com/office/drawing/2014/main" xmlns="" id="{2D375751-A7E1-0648-A61D-70EF4E727BC8}"/>
+                <a16:creationId xmlns:a16="http://schemas.microsoft.com/office/drawing/2014/main" id="{2D375751-A7E1-0648-A61D-70EF4E727BC8}"/>
               </a:ext>
             </a:extLst>
           </p:cNvPr>
@@ -5348,10 +5417,9 @@
           <a:p>
             <a:pPr algn="ctr"/>
             <a:r>
-              <a:rPr lang="en-US" dirty="0" smtClean="0"/>
+              <a:rPr lang="en-US" dirty="0"/>
               <a:t>How data quality checking currently works</a:t>
             </a:r>
-            <a:endParaRPr lang="en-US" dirty="0"/>
           </a:p>
         </p:txBody>
       </p:sp>
@@ -5371,21 +5439,21 @@
           <a:lstStyle/>
           <a:p>
             <a:r>
-              <a:rPr lang="en-US" dirty="0" smtClean="0"/>
+              <a:rPr lang="en-US" dirty="0"/>
               <a:t>Rule engines</a:t>
             </a:r>
           </a:p>
           <a:p>
             <a:pPr lvl="1"/>
             <a:r>
-              <a:rPr lang="en-US" dirty="0" smtClean="0"/>
+              <a:rPr lang="en-US" dirty="0"/>
               <a:t>Just like tests, hard to get engineers to consistently write good rules</a:t>
             </a:r>
           </a:p>
           <a:p>
             <a:pPr lvl="1"/>
             <a:r>
-              <a:rPr lang="en-US" dirty="0" smtClean="0"/>
+              <a:rPr lang="en-US" dirty="0"/>
               <a:t>Evolving data makes this difficult</a:t>
             </a:r>
           </a:p>
@@ -5395,23 +5463,53 @@
           </a:p>
           <a:p>
             <a:pPr lvl="1"/>
-            <a:endParaRPr lang="en-US" dirty="0" smtClean="0"/>
-          </a:p>
-          <a:p>
-            <a:r>
-              <a:rPr lang="en-US" dirty="0" smtClean="0"/>
+            <a:endParaRPr lang="en-US" dirty="0"/>
+          </a:p>
+          <a:p>
+            <a:r>
+              <a:rPr lang="en-US" dirty="0"/>
               <a:t>Anomaly Detection</a:t>
             </a:r>
           </a:p>
           <a:p>
             <a:pPr lvl="1"/>
             <a:r>
-              <a:rPr lang="en-US" dirty="0" smtClean="0"/>
+              <a:rPr lang="en-US" dirty="0"/>
               <a:t>Most solutions are very noisy and tend to get ignored</a:t>
             </a:r>
           </a:p>
         </p:txBody>
       </p:sp>
+      <p:pic>
+        <p:nvPicPr>
+          <p:cNvPr id="4" name="Picture 3">
+            <a:extLst>
+              <a:ext uri="{FF2B5EF4-FFF2-40B4-BE49-F238E27FC236}">
+                <a16:creationId xmlns:a16="http://schemas.microsoft.com/office/drawing/2014/main" id="{EFDEDE13-6A12-704A-AB3D-110B7E49DF53}"/>
+              </a:ext>
+            </a:extLst>
+          </p:cNvPr>
+          <p:cNvPicPr>
+            <a:picLocks noChangeAspect="1"/>
+          </p:cNvPicPr>
+          <p:nvPr/>
+        </p:nvPicPr>
+        <p:blipFill>
+          <a:blip r:embed="rId2"/>
+          <a:stretch>
+            <a:fillRect/>
+          </a:stretch>
+        </p:blipFill>
+        <p:spPr>
+          <a:xfrm>
+            <a:off x="10642600" y="5308600"/>
+            <a:ext cx="1549400" cy="1549400"/>
+          </a:xfrm>
+          <a:prstGeom prst="rect">
+            <a:avLst/>
+          </a:prstGeom>
+        </p:spPr>
+      </p:pic>
     </p:spTree>
     <p:extLst>
       <p:ext uri="{BB962C8B-B14F-4D97-AF65-F5344CB8AC3E}">
@@ -5447,7 +5545,7 @@
           <p:cNvPr id="2" name="Title 1">
             <a:extLst>
               <a:ext uri="{FF2B5EF4-FFF2-40B4-BE49-F238E27FC236}">
-                <a16:creationId xmlns:a16="http://schemas.microsoft.com/office/drawing/2014/main" xmlns="" id="{2841A013-1902-0A4D-9383-F3238305A7C5}"/>
+                <a16:creationId xmlns:a16="http://schemas.microsoft.com/office/drawing/2014/main" id="{2841A013-1902-0A4D-9383-F3238305A7C5}"/>
               </a:ext>
             </a:extLst>
           </p:cNvPr>
@@ -5476,7 +5574,7 @@
           <p:cNvPr id="3" name="Content Placeholder 2">
             <a:extLst>
               <a:ext uri="{FF2B5EF4-FFF2-40B4-BE49-F238E27FC236}">
-                <a16:creationId xmlns:a16="http://schemas.microsoft.com/office/drawing/2014/main" xmlns="" id="{D8AC1DFA-2A83-E54D-B67B-E20F3EA39F94}"/>
+                <a16:creationId xmlns:a16="http://schemas.microsoft.com/office/drawing/2014/main" id="{D8AC1DFA-2A83-E54D-B67B-E20F3EA39F94}"/>
               </a:ext>
             </a:extLst>
           </p:cNvPr>
@@ -5536,7 +5634,7 @@
           <p:cNvPr id="4" name="Picture 3">
             <a:extLst>
               <a:ext uri="{FF2B5EF4-FFF2-40B4-BE49-F238E27FC236}">
-                <a16:creationId xmlns:a16="http://schemas.microsoft.com/office/drawing/2014/main" xmlns="" id="{EFE81110-E345-0A4A-B78E-9AD34187D73F}"/>
+                <a16:creationId xmlns:a16="http://schemas.microsoft.com/office/drawing/2014/main" id="{EFE81110-E345-0A4A-B78E-9AD34187D73F}"/>
               </a:ext>
             </a:extLst>
           </p:cNvPr>
@@ -5596,7 +5694,7 @@
           <p:cNvPr id="2" name="Title 1">
             <a:extLst>
               <a:ext uri="{FF2B5EF4-FFF2-40B4-BE49-F238E27FC236}">
-                <a16:creationId xmlns:a16="http://schemas.microsoft.com/office/drawing/2014/main" xmlns="" id="{2841A013-1902-0A4D-9383-F3238305A7C5}"/>
+                <a16:creationId xmlns:a16="http://schemas.microsoft.com/office/drawing/2014/main" id="{2841A013-1902-0A4D-9383-F3238305A7C5}"/>
               </a:ext>
             </a:extLst>
           </p:cNvPr>
@@ -5625,7 +5723,7 @@
           <p:cNvPr id="3" name="Content Placeholder 2">
             <a:extLst>
               <a:ext uri="{FF2B5EF4-FFF2-40B4-BE49-F238E27FC236}">
-                <a16:creationId xmlns:a16="http://schemas.microsoft.com/office/drawing/2014/main" xmlns="" id="{D8AC1DFA-2A83-E54D-B67B-E20F3EA39F94}"/>
+                <a16:creationId xmlns:a16="http://schemas.microsoft.com/office/drawing/2014/main" id="{D8AC1DFA-2A83-E54D-B67B-E20F3EA39F94}"/>
               </a:ext>
             </a:extLst>
           </p:cNvPr>
@@ -5747,7 +5845,7 @@
           <p:cNvPr id="4" name="Picture 3">
             <a:extLst>
               <a:ext uri="{FF2B5EF4-FFF2-40B4-BE49-F238E27FC236}">
-                <a16:creationId xmlns:a16="http://schemas.microsoft.com/office/drawing/2014/main" xmlns="" id="{EFE81110-E345-0A4A-B78E-9AD34187D73F}"/>
+                <a16:creationId xmlns:a16="http://schemas.microsoft.com/office/drawing/2014/main" id="{EFE81110-E345-0A4A-B78E-9AD34187D73F}"/>
               </a:ext>
             </a:extLst>
           </p:cNvPr>
@@ -5890,7 +5988,7 @@
           <p:cNvPr id="4" name="Picture 3">
             <a:extLst>
               <a:ext uri="{FF2B5EF4-FFF2-40B4-BE49-F238E27FC236}">
-                <a16:creationId xmlns:a16="http://schemas.microsoft.com/office/drawing/2014/main" xmlns="" id="{E4AEDFE2-2953-F54B-B6FB-1C4BD361B3F7}"/>
+                <a16:creationId xmlns:a16="http://schemas.microsoft.com/office/drawing/2014/main" id="{E4AEDFE2-2953-F54B-B6FB-1C4BD361B3F7}"/>
               </a:ext>
             </a:extLst>
           </p:cNvPr>
@@ -6231,7 +6329,7 @@
           <p:cNvPr id="2" name="Title 1">
             <a:extLst>
               <a:ext uri="{FF2B5EF4-FFF2-40B4-BE49-F238E27FC236}">
-                <a16:creationId xmlns:a16="http://schemas.microsoft.com/office/drawing/2014/main" xmlns="" id="{80650A49-BE78-CB47-87F4-137D78D89344}"/>
+                <a16:creationId xmlns:a16="http://schemas.microsoft.com/office/drawing/2014/main" id="{80650A49-BE78-CB47-87F4-137D78D89344}"/>
               </a:ext>
             </a:extLst>
           </p:cNvPr>
@@ -6260,7 +6358,7 @@
           <p:cNvPr id="3" name="Content Placeholder 2">
             <a:extLst>
               <a:ext uri="{FF2B5EF4-FFF2-40B4-BE49-F238E27FC236}">
-                <a16:creationId xmlns:a16="http://schemas.microsoft.com/office/drawing/2014/main" xmlns="" id="{5F5DC835-9939-6F45-AF4A-B6B80623ED1D}"/>
+                <a16:creationId xmlns:a16="http://schemas.microsoft.com/office/drawing/2014/main" id="{5F5DC835-9939-6F45-AF4A-B6B80623ED1D}"/>
               </a:ext>
             </a:extLst>
           </p:cNvPr>
@@ -6326,7 +6424,7 @@
           <p:cNvPr id="4" name="Picture 3">
             <a:extLst>
               <a:ext uri="{FF2B5EF4-FFF2-40B4-BE49-F238E27FC236}">
-                <a16:creationId xmlns:a16="http://schemas.microsoft.com/office/drawing/2014/main" xmlns="" id="{9008AD4F-484B-8040-B237-4A4DE7B0EA8E}"/>
+                <a16:creationId xmlns:a16="http://schemas.microsoft.com/office/drawing/2014/main" id="{9008AD4F-484B-8040-B237-4A4DE7B0EA8E}"/>
               </a:ext>
             </a:extLst>
           </p:cNvPr>
@@ -6386,7 +6484,7 @@
           <p:cNvPr id="2" name="Title 1">
             <a:extLst>
               <a:ext uri="{FF2B5EF4-FFF2-40B4-BE49-F238E27FC236}">
-                <a16:creationId xmlns:a16="http://schemas.microsoft.com/office/drawing/2014/main" xmlns="" id="{BC5DA4AD-0C71-7A47-85DE-BC9DE15B285A}"/>
+                <a16:creationId xmlns:a16="http://schemas.microsoft.com/office/drawing/2014/main" id="{BC5DA4AD-0C71-7A47-85DE-BC9DE15B285A}"/>
               </a:ext>
             </a:extLst>
           </p:cNvPr>
@@ -6415,7 +6513,7 @@
           <p:cNvPr id="3" name="Content Placeholder 2">
             <a:extLst>
               <a:ext uri="{FF2B5EF4-FFF2-40B4-BE49-F238E27FC236}">
-                <a16:creationId xmlns:a16="http://schemas.microsoft.com/office/drawing/2014/main" xmlns="" id="{DFEB92B7-8F82-E449-A4BC-7E38092C7E34}"/>
+                <a16:creationId xmlns:a16="http://schemas.microsoft.com/office/drawing/2014/main" id="{DFEB92B7-8F82-E449-A4BC-7E38092C7E34}"/>
               </a:ext>
             </a:extLst>
           </p:cNvPr>
@@ -6476,7 +6574,7 @@
           <p:cNvPr id="4" name="Picture 3">
             <a:extLst>
               <a:ext uri="{FF2B5EF4-FFF2-40B4-BE49-F238E27FC236}">
-                <a16:creationId xmlns:a16="http://schemas.microsoft.com/office/drawing/2014/main" xmlns="" id="{1DB5F070-954F-B246-92C2-DBBAF1318929}"/>
+                <a16:creationId xmlns:a16="http://schemas.microsoft.com/office/drawing/2014/main" id="{1DB5F070-954F-B246-92C2-DBBAF1318929}"/>
               </a:ext>
             </a:extLst>
           </p:cNvPr>

--- a/midterm_presentation.pptx
+++ b/midterm_presentation.pptx
@@ -2,27 +2,23 @@
 <file path=ppt/presentation.xml><?xml version="1.0" encoding="utf-8"?>
 <p:presentation xmlns:a="http://schemas.openxmlformats.org/drawingml/2006/main" xmlns:r="http://schemas.openxmlformats.org/officeDocument/2006/relationships" xmlns:p="http://schemas.openxmlformats.org/presentationml/2006/main" saveSubsetFonts="1" autoCompressPictures="0">
   <p:sldMasterIdLst>
-    <p:sldMasterId id="2147483648" r:id="rId1"/>
+    <p:sldMasterId id="2147483660" r:id="rId1"/>
   </p:sldMasterIdLst>
   <p:notesMasterIdLst>
-    <p:notesMasterId r:id="rId17"/>
+    <p:notesMasterId r:id="rId13"/>
   </p:notesMasterIdLst>
   <p:sldIdLst>
     <p:sldId id="256" r:id="rId2"/>
-    <p:sldId id="257" r:id="rId3"/>
-    <p:sldId id="258" r:id="rId4"/>
-    <p:sldId id="271" r:id="rId5"/>
-    <p:sldId id="269" r:id="rId6"/>
-    <p:sldId id="270" r:id="rId7"/>
-    <p:sldId id="264" r:id="rId8"/>
-    <p:sldId id="261" r:id="rId9"/>
-    <p:sldId id="262" r:id="rId10"/>
-    <p:sldId id="263" r:id="rId11"/>
-    <p:sldId id="267" r:id="rId12"/>
-    <p:sldId id="260" r:id="rId13"/>
-    <p:sldId id="265" r:id="rId14"/>
-    <p:sldId id="266" r:id="rId15"/>
-    <p:sldId id="268" r:id="rId16"/>
+    <p:sldId id="272" r:id="rId3"/>
+    <p:sldId id="273" r:id="rId4"/>
+    <p:sldId id="274" r:id="rId5"/>
+    <p:sldId id="275" r:id="rId6"/>
+    <p:sldId id="277" r:id="rId7"/>
+    <p:sldId id="276" r:id="rId8"/>
+    <p:sldId id="278" r:id="rId9"/>
+    <p:sldId id="264" r:id="rId10"/>
+    <p:sldId id="261" r:id="rId11"/>
+    <p:sldId id="262" r:id="rId12"/>
   </p:sldIdLst>
   <p:sldSz cx="12192000" cy="6858000"/>
   <p:notesSz cx="6858000" cy="9144000"/>
@@ -211,7 +207,7 @@
           <a:p>
             <a:fld id="{E6113AA3-5719-7743-B49D-1B3494013C7A}" type="datetimeFigureOut">
               <a:rPr lang="en-US" smtClean="0"/>
-              <a:t>6/13/19</a:t>
+              <a:t>7/31/19</a:t>
             </a:fld>
             <a:endParaRPr lang="en-US"/>
           </a:p>
@@ -634,7 +630,7 @@
           <a:p>
             <a:fld id="{B722305B-3B16-C141-9D10-B33E0E704EC5}" type="slidenum">
               <a:rPr lang="en-US" smtClean="0"/>
-              <a:t>7</a:t>
+              <a:t>9</a:t>
             </a:fld>
             <a:endParaRPr lang="en-US"/>
           </a:p>
@@ -644,97 +640,6 @@
     <p:extLst>
       <p:ext uri="{BB962C8B-B14F-4D97-AF65-F5344CB8AC3E}">
         <p14:creationId xmlns:p14="http://schemas.microsoft.com/office/powerpoint/2010/main" val="1879625997"/>
-      </p:ext>
-    </p:extLst>
-  </p:cSld>
-  <p:clrMapOvr>
-    <a:masterClrMapping/>
-  </p:clrMapOvr>
-</p:notes>
-</file>
-
-<file path=ppt/notesSlides/notesSlide3.xml><?xml version="1.0" encoding="utf-8"?>
-<p:notes xmlns:a="http://schemas.openxmlformats.org/drawingml/2006/main" xmlns:r="http://schemas.openxmlformats.org/officeDocument/2006/relationships" xmlns:p="http://schemas.openxmlformats.org/presentationml/2006/main">
-  <p:cSld>
-    <p:spTree>
-      <p:nvGrpSpPr>
-        <p:cNvPr id="1" name=""/>
-        <p:cNvGrpSpPr/>
-        <p:nvPr/>
-      </p:nvGrpSpPr>
-      <p:grpSpPr>
-        <a:xfrm>
-          <a:off x="0" y="0"/>
-          <a:ext cx="0" cy="0"/>
-          <a:chOff x="0" y="0"/>
-          <a:chExt cx="0" cy="0"/>
-        </a:xfrm>
-      </p:grpSpPr>
-      <p:sp>
-        <p:nvSpPr>
-          <p:cNvPr id="2" name="Slide Image Placeholder 1"/>
-          <p:cNvSpPr>
-            <a:spLocks noGrp="1" noRot="1" noChangeAspect="1"/>
-          </p:cNvSpPr>
-          <p:nvPr>
-            <p:ph type="sldImg"/>
-          </p:nvPr>
-        </p:nvSpPr>
-        <p:spPr/>
-      </p:sp>
-      <p:sp>
-        <p:nvSpPr>
-          <p:cNvPr id="3" name="Notes Placeholder 2"/>
-          <p:cNvSpPr>
-            <a:spLocks noGrp="1"/>
-          </p:cNvSpPr>
-          <p:nvPr>
-            <p:ph type="body" idx="1"/>
-          </p:nvPr>
-        </p:nvSpPr>
-        <p:spPr/>
-        <p:txBody>
-          <a:bodyPr/>
-          <a:lstStyle/>
-          <a:p>
-            <a:r>
-              <a:rPr lang="en-US" dirty="0" err="1"/>
-              <a:t>Arash</a:t>
-            </a:r>
-            <a:r>
-              <a:rPr lang="en-US" dirty="0"/>
-              <a:t> -</a:t>
-            </a:r>
-          </a:p>
-        </p:txBody>
-      </p:sp>
-      <p:sp>
-        <p:nvSpPr>
-          <p:cNvPr id="4" name="Slide Number Placeholder 3"/>
-          <p:cNvSpPr>
-            <a:spLocks noGrp="1"/>
-          </p:cNvSpPr>
-          <p:nvPr>
-            <p:ph type="sldNum" sz="quarter" idx="10"/>
-          </p:nvPr>
-        </p:nvSpPr>
-        <p:spPr/>
-        <p:txBody>
-          <a:bodyPr/>
-          <a:lstStyle/>
-          <a:p>
-            <a:fld id="{B722305B-3B16-C141-9D10-B33E0E704EC5}" type="slidenum">
-              <a:rPr lang="en-US" smtClean="0"/>
-              <a:t>14</a:t>
-            </a:fld>
-            <a:endParaRPr lang="en-US"/>
-          </a:p>
-        </p:txBody>
-      </p:sp>
-    </p:spTree>
-    <p:extLst>
-      <p:ext uri="{BB962C8B-B14F-4D97-AF65-F5344CB8AC3E}">
-        <p14:creationId xmlns:p14="http://schemas.microsoft.com/office/powerpoint/2010/main" val="1248071848"/>
       </p:ext>
     </p:extLst>
   </p:cSld>
@@ -763,13 +668,7 @@
       </p:grpSpPr>
       <p:sp>
         <p:nvSpPr>
-          <p:cNvPr id="2" name="Title 1">
-            <a:extLst>
-              <a:ext uri="{FF2B5EF4-FFF2-40B4-BE49-F238E27FC236}">
-                <a16:creationId xmlns:a16="http://schemas.microsoft.com/office/drawing/2014/main" id="{9514A341-69ED-D243-A5BB-D69A08A2FAB9}"/>
-              </a:ext>
-            </a:extLst>
-          </p:cNvPr>
+          <p:cNvPr id="2" name="Title 1"/>
           <p:cNvSpPr>
             <a:spLocks noGrp="1"/>
           </p:cNvSpPr>
@@ -792,21 +691,16 @@
           </a:lstStyle>
           <a:p>
             <a:r>
-              <a:rPr lang="en-US"/>
+              <a:rPr lang="en-US" smtClean="0"/>
               <a:t>Click to edit Master title style</a:t>
             </a:r>
-          </a:p>
-        </p:txBody>
-      </p:sp>
-      <p:sp>
-        <p:nvSpPr>
-          <p:cNvPr id="3" name="Subtitle 2">
-            <a:extLst>
-              <a:ext uri="{FF2B5EF4-FFF2-40B4-BE49-F238E27FC236}">
-                <a16:creationId xmlns:a16="http://schemas.microsoft.com/office/drawing/2014/main" id="{731088D5-9375-494B-AB28-C0E75E715692}"/>
-              </a:ext>
-            </a:extLst>
-          </p:cNvPr>
+            <a:endParaRPr lang="en-US"/>
+          </a:p>
+        </p:txBody>
+      </p:sp>
+      <p:sp>
+        <p:nvSpPr>
+          <p:cNvPr id="3" name="Subtitle 2"/>
           <p:cNvSpPr>
             <a:spLocks noGrp="1"/>
           </p:cNvSpPr>
@@ -862,21 +756,16 @@
           </a:lstStyle>
           <a:p>
             <a:r>
-              <a:rPr lang="en-US"/>
+              <a:rPr lang="en-US" smtClean="0"/>
               <a:t>Click to edit Master subtitle style</a:t>
             </a:r>
-          </a:p>
-        </p:txBody>
-      </p:sp>
-      <p:sp>
-        <p:nvSpPr>
-          <p:cNvPr id="4" name="Date Placeholder 3">
-            <a:extLst>
-              <a:ext uri="{FF2B5EF4-FFF2-40B4-BE49-F238E27FC236}">
-                <a16:creationId xmlns:a16="http://schemas.microsoft.com/office/drawing/2014/main" id="{8892F842-31FF-6147-9392-A775EA2935F3}"/>
-              </a:ext>
-            </a:extLst>
-          </p:cNvPr>
+            <a:endParaRPr lang="en-US"/>
+          </a:p>
+        </p:txBody>
+      </p:sp>
+      <p:sp>
+        <p:nvSpPr>
+          <p:cNvPr id="4" name="Date Placeholder 3"/>
           <p:cNvSpPr>
             <a:spLocks noGrp="1"/>
           </p:cNvSpPr>
@@ -891,7 +780,7 @@
           <a:p>
             <a:fld id="{B117922E-E910-6545-901D-B3B05E413205}" type="datetimeFigureOut">
               <a:rPr lang="en-US" smtClean="0"/>
-              <a:t>6/13/19</a:t>
+              <a:t>7/31/19</a:t>
             </a:fld>
             <a:endParaRPr lang="en-US"/>
           </a:p>
@@ -899,13 +788,7 @@
       </p:sp>
       <p:sp>
         <p:nvSpPr>
-          <p:cNvPr id="5" name="Footer Placeholder 4">
-            <a:extLst>
-              <a:ext uri="{FF2B5EF4-FFF2-40B4-BE49-F238E27FC236}">
-                <a16:creationId xmlns:a16="http://schemas.microsoft.com/office/drawing/2014/main" id="{6E530C11-C6F5-CD4B-9A63-CF4661BC01C1}"/>
-              </a:ext>
-            </a:extLst>
-          </p:cNvPr>
+          <p:cNvPr id="5" name="Footer Placeholder 4"/>
           <p:cNvSpPr>
             <a:spLocks noGrp="1"/>
           </p:cNvSpPr>
@@ -924,13 +807,7 @@
       </p:sp>
       <p:sp>
         <p:nvSpPr>
-          <p:cNvPr id="6" name="Slide Number Placeholder 5">
-            <a:extLst>
-              <a:ext uri="{FF2B5EF4-FFF2-40B4-BE49-F238E27FC236}">
-                <a16:creationId xmlns:a16="http://schemas.microsoft.com/office/drawing/2014/main" id="{41F82781-0884-BB4C-8F43-B6331D184175}"/>
-              </a:ext>
-            </a:extLst>
-          </p:cNvPr>
+          <p:cNvPr id="6" name="Slide Number Placeholder 5"/>
           <p:cNvSpPr>
             <a:spLocks noGrp="1"/>
           </p:cNvSpPr>
@@ -952,11 +829,6 @@
         </p:txBody>
       </p:sp>
     </p:spTree>
-    <p:extLst>
-      <p:ext uri="{BB962C8B-B14F-4D97-AF65-F5344CB8AC3E}">
-        <p14:creationId xmlns:p14="http://schemas.microsoft.com/office/powerpoint/2010/main" val="2152264963"/>
-      </p:ext>
-    </p:extLst>
   </p:cSld>
   <p:clrMapOvr>
     <a:masterClrMapping/>
@@ -983,13 +855,7 @@
       </p:grpSpPr>
       <p:sp>
         <p:nvSpPr>
-          <p:cNvPr id="2" name="Title 1">
-            <a:extLst>
-              <a:ext uri="{FF2B5EF4-FFF2-40B4-BE49-F238E27FC236}">
-                <a16:creationId xmlns:a16="http://schemas.microsoft.com/office/drawing/2014/main" id="{52DC6E93-7D37-D846-8E12-2407481497D4}"/>
-              </a:ext>
-            </a:extLst>
-          </p:cNvPr>
+          <p:cNvPr id="2" name="Title 1"/>
           <p:cNvSpPr>
             <a:spLocks noGrp="1"/>
           </p:cNvSpPr>
@@ -1003,21 +869,16 @@
           <a:lstStyle/>
           <a:p>
             <a:r>
-              <a:rPr lang="en-US"/>
+              <a:rPr lang="en-US" smtClean="0"/>
               <a:t>Click to edit Master title style</a:t>
             </a:r>
-          </a:p>
-        </p:txBody>
-      </p:sp>
-      <p:sp>
-        <p:nvSpPr>
-          <p:cNvPr id="3" name="Vertical Text Placeholder 2">
-            <a:extLst>
-              <a:ext uri="{FF2B5EF4-FFF2-40B4-BE49-F238E27FC236}">
-                <a16:creationId xmlns:a16="http://schemas.microsoft.com/office/drawing/2014/main" id="{800A96E4-D12D-1241-914B-A275D740532A}"/>
-              </a:ext>
-            </a:extLst>
-          </p:cNvPr>
+            <a:endParaRPr lang="en-US"/>
+          </a:p>
+        </p:txBody>
+      </p:sp>
+      <p:sp>
+        <p:nvSpPr>
+          <p:cNvPr id="3" name="Vertical Text Placeholder 2"/>
           <p:cNvSpPr>
             <a:spLocks noGrp="1"/>
           </p:cNvSpPr>
@@ -1032,49 +893,44 @@
           <a:p>
             <a:pPr lvl="0"/>
             <a:r>
-              <a:rPr lang="en-US"/>
-              <a:t>Edit Master text styles</a:t>
+              <a:rPr lang="en-US" smtClean="0"/>
+              <a:t>Click to edit Master text styles</a:t>
             </a:r>
           </a:p>
           <a:p>
             <a:pPr lvl="1"/>
             <a:r>
-              <a:rPr lang="en-US"/>
+              <a:rPr lang="en-US" smtClean="0"/>
               <a:t>Second level</a:t>
             </a:r>
           </a:p>
           <a:p>
             <a:pPr lvl="2"/>
             <a:r>
-              <a:rPr lang="en-US"/>
+              <a:rPr lang="en-US" smtClean="0"/>
               <a:t>Third level</a:t>
             </a:r>
           </a:p>
           <a:p>
             <a:pPr lvl="3"/>
             <a:r>
-              <a:rPr lang="en-US"/>
+              <a:rPr lang="en-US" smtClean="0"/>
               <a:t>Fourth level</a:t>
             </a:r>
           </a:p>
           <a:p>
             <a:pPr lvl="4"/>
             <a:r>
-              <a:rPr lang="en-US"/>
+              <a:rPr lang="en-US" smtClean="0"/>
               <a:t>Fifth level</a:t>
             </a:r>
-          </a:p>
-        </p:txBody>
-      </p:sp>
-      <p:sp>
-        <p:nvSpPr>
-          <p:cNvPr id="4" name="Date Placeholder 3">
-            <a:extLst>
-              <a:ext uri="{FF2B5EF4-FFF2-40B4-BE49-F238E27FC236}">
-                <a16:creationId xmlns:a16="http://schemas.microsoft.com/office/drawing/2014/main" id="{95B2D362-25D9-7A4A-A76B-9917DBA216F0}"/>
-              </a:ext>
-            </a:extLst>
-          </p:cNvPr>
+            <a:endParaRPr lang="en-US"/>
+          </a:p>
+        </p:txBody>
+      </p:sp>
+      <p:sp>
+        <p:nvSpPr>
+          <p:cNvPr id="4" name="Date Placeholder 3"/>
           <p:cNvSpPr>
             <a:spLocks noGrp="1"/>
           </p:cNvSpPr>
@@ -1089,7 +945,7 @@
           <a:p>
             <a:fld id="{B117922E-E910-6545-901D-B3B05E413205}" type="datetimeFigureOut">
               <a:rPr lang="en-US" smtClean="0"/>
-              <a:t>6/13/19</a:t>
+              <a:t>7/31/19</a:t>
             </a:fld>
             <a:endParaRPr lang="en-US"/>
           </a:p>
@@ -1097,13 +953,7 @@
       </p:sp>
       <p:sp>
         <p:nvSpPr>
-          <p:cNvPr id="5" name="Footer Placeholder 4">
-            <a:extLst>
-              <a:ext uri="{FF2B5EF4-FFF2-40B4-BE49-F238E27FC236}">
-                <a16:creationId xmlns:a16="http://schemas.microsoft.com/office/drawing/2014/main" id="{39BD6234-876E-1C4B-AD64-5DC3425C3558}"/>
-              </a:ext>
-            </a:extLst>
-          </p:cNvPr>
+          <p:cNvPr id="5" name="Footer Placeholder 4"/>
           <p:cNvSpPr>
             <a:spLocks noGrp="1"/>
           </p:cNvSpPr>
@@ -1122,13 +972,7 @@
       </p:sp>
       <p:sp>
         <p:nvSpPr>
-          <p:cNvPr id="6" name="Slide Number Placeholder 5">
-            <a:extLst>
-              <a:ext uri="{FF2B5EF4-FFF2-40B4-BE49-F238E27FC236}">
-                <a16:creationId xmlns:a16="http://schemas.microsoft.com/office/drawing/2014/main" id="{9CECE56A-C32E-4E47-8979-B6B101E523FE}"/>
-              </a:ext>
-            </a:extLst>
-          </p:cNvPr>
+          <p:cNvPr id="6" name="Slide Number Placeholder 5"/>
           <p:cNvSpPr>
             <a:spLocks noGrp="1"/>
           </p:cNvSpPr>
@@ -1150,11 +994,6 @@
         </p:txBody>
       </p:sp>
     </p:spTree>
-    <p:extLst>
-      <p:ext uri="{BB962C8B-B14F-4D97-AF65-F5344CB8AC3E}">
-        <p14:creationId xmlns:p14="http://schemas.microsoft.com/office/powerpoint/2010/main" val="1353504157"/>
-      </p:ext>
-    </p:extLst>
   </p:cSld>
   <p:clrMapOvr>
     <a:masterClrMapping/>
@@ -1181,13 +1020,7 @@
       </p:grpSpPr>
       <p:sp>
         <p:nvSpPr>
-          <p:cNvPr id="2" name="Vertical Title 1">
-            <a:extLst>
-              <a:ext uri="{FF2B5EF4-FFF2-40B4-BE49-F238E27FC236}">
-                <a16:creationId xmlns:a16="http://schemas.microsoft.com/office/drawing/2014/main" id="{47199A6F-730A-5146-AE4E-85181386019A}"/>
-              </a:ext>
-            </a:extLst>
-          </p:cNvPr>
+          <p:cNvPr id="2" name="Vertical Title 1"/>
           <p:cNvSpPr>
             <a:spLocks noGrp="1"/>
           </p:cNvSpPr>
@@ -1206,21 +1039,16 @@
           <a:lstStyle/>
           <a:p>
             <a:r>
-              <a:rPr lang="en-US"/>
+              <a:rPr lang="en-US" smtClean="0"/>
               <a:t>Click to edit Master title style</a:t>
             </a:r>
-          </a:p>
-        </p:txBody>
-      </p:sp>
-      <p:sp>
-        <p:nvSpPr>
-          <p:cNvPr id="3" name="Vertical Text Placeholder 2">
-            <a:extLst>
-              <a:ext uri="{FF2B5EF4-FFF2-40B4-BE49-F238E27FC236}">
-                <a16:creationId xmlns:a16="http://schemas.microsoft.com/office/drawing/2014/main" id="{D024795D-3721-A740-8FEE-425C4D4969E6}"/>
-              </a:ext>
-            </a:extLst>
-          </p:cNvPr>
+            <a:endParaRPr lang="en-US"/>
+          </a:p>
+        </p:txBody>
+      </p:sp>
+      <p:sp>
+        <p:nvSpPr>
+          <p:cNvPr id="3" name="Vertical Text Placeholder 2"/>
           <p:cNvSpPr>
             <a:spLocks noGrp="1"/>
           </p:cNvSpPr>
@@ -1240,49 +1068,44 @@
           <a:p>
             <a:pPr lvl="0"/>
             <a:r>
-              <a:rPr lang="en-US"/>
-              <a:t>Edit Master text styles</a:t>
+              <a:rPr lang="en-US" smtClean="0"/>
+              <a:t>Click to edit Master text styles</a:t>
             </a:r>
           </a:p>
           <a:p>
             <a:pPr lvl="1"/>
             <a:r>
-              <a:rPr lang="en-US"/>
+              <a:rPr lang="en-US" smtClean="0"/>
               <a:t>Second level</a:t>
             </a:r>
           </a:p>
           <a:p>
             <a:pPr lvl="2"/>
             <a:r>
-              <a:rPr lang="en-US"/>
+              <a:rPr lang="en-US" smtClean="0"/>
               <a:t>Third level</a:t>
             </a:r>
           </a:p>
           <a:p>
             <a:pPr lvl="3"/>
             <a:r>
-              <a:rPr lang="en-US"/>
+              <a:rPr lang="en-US" smtClean="0"/>
               <a:t>Fourth level</a:t>
             </a:r>
           </a:p>
           <a:p>
             <a:pPr lvl="4"/>
             <a:r>
-              <a:rPr lang="en-US"/>
+              <a:rPr lang="en-US" smtClean="0"/>
               <a:t>Fifth level</a:t>
             </a:r>
-          </a:p>
-        </p:txBody>
-      </p:sp>
-      <p:sp>
-        <p:nvSpPr>
-          <p:cNvPr id="4" name="Date Placeholder 3">
-            <a:extLst>
-              <a:ext uri="{FF2B5EF4-FFF2-40B4-BE49-F238E27FC236}">
-                <a16:creationId xmlns:a16="http://schemas.microsoft.com/office/drawing/2014/main" id="{4FA1E2ED-2612-8B40-8DD7-0C99AF14E6C1}"/>
-              </a:ext>
-            </a:extLst>
-          </p:cNvPr>
+            <a:endParaRPr lang="en-US"/>
+          </a:p>
+        </p:txBody>
+      </p:sp>
+      <p:sp>
+        <p:nvSpPr>
+          <p:cNvPr id="4" name="Date Placeholder 3"/>
           <p:cNvSpPr>
             <a:spLocks noGrp="1"/>
           </p:cNvSpPr>
@@ -1297,7 +1120,7 @@
           <a:p>
             <a:fld id="{B117922E-E910-6545-901D-B3B05E413205}" type="datetimeFigureOut">
               <a:rPr lang="en-US" smtClean="0"/>
-              <a:t>6/13/19</a:t>
+              <a:t>7/31/19</a:t>
             </a:fld>
             <a:endParaRPr lang="en-US"/>
           </a:p>
@@ -1305,13 +1128,7 @@
       </p:sp>
       <p:sp>
         <p:nvSpPr>
-          <p:cNvPr id="5" name="Footer Placeholder 4">
-            <a:extLst>
-              <a:ext uri="{FF2B5EF4-FFF2-40B4-BE49-F238E27FC236}">
-                <a16:creationId xmlns:a16="http://schemas.microsoft.com/office/drawing/2014/main" id="{283FB754-7C96-9846-8180-DFFB00EE9579}"/>
-              </a:ext>
-            </a:extLst>
-          </p:cNvPr>
+          <p:cNvPr id="5" name="Footer Placeholder 4"/>
           <p:cNvSpPr>
             <a:spLocks noGrp="1"/>
           </p:cNvSpPr>
@@ -1330,13 +1147,7 @@
       </p:sp>
       <p:sp>
         <p:nvSpPr>
-          <p:cNvPr id="6" name="Slide Number Placeholder 5">
-            <a:extLst>
-              <a:ext uri="{FF2B5EF4-FFF2-40B4-BE49-F238E27FC236}">
-                <a16:creationId xmlns:a16="http://schemas.microsoft.com/office/drawing/2014/main" id="{D31D0FF8-6C1F-9E40-B424-B2F0223C1053}"/>
-              </a:ext>
-            </a:extLst>
-          </p:cNvPr>
+          <p:cNvPr id="6" name="Slide Number Placeholder 5"/>
           <p:cNvSpPr>
             <a:spLocks noGrp="1"/>
           </p:cNvSpPr>
@@ -1358,11 +1169,6 @@
         </p:txBody>
       </p:sp>
     </p:spTree>
-    <p:extLst>
-      <p:ext uri="{BB962C8B-B14F-4D97-AF65-F5344CB8AC3E}">
-        <p14:creationId xmlns:p14="http://schemas.microsoft.com/office/powerpoint/2010/main" val="3674518049"/>
-      </p:ext>
-    </p:extLst>
   </p:cSld>
   <p:clrMapOvr>
     <a:masterClrMapping/>
@@ -1389,13 +1195,7 @@
       </p:grpSpPr>
       <p:sp>
         <p:nvSpPr>
-          <p:cNvPr id="2" name="Title 1">
-            <a:extLst>
-              <a:ext uri="{FF2B5EF4-FFF2-40B4-BE49-F238E27FC236}">
-                <a16:creationId xmlns:a16="http://schemas.microsoft.com/office/drawing/2014/main" id="{A52527F9-C314-664B-9A0A-94E07F7A2538}"/>
-              </a:ext>
-            </a:extLst>
-          </p:cNvPr>
+          <p:cNvPr id="2" name="Title 1"/>
           <p:cNvSpPr>
             <a:spLocks noGrp="1"/>
           </p:cNvSpPr>
@@ -1409,21 +1209,16 @@
           <a:lstStyle/>
           <a:p>
             <a:r>
-              <a:rPr lang="en-US"/>
+              <a:rPr lang="en-US" smtClean="0"/>
               <a:t>Click to edit Master title style</a:t>
             </a:r>
-          </a:p>
-        </p:txBody>
-      </p:sp>
-      <p:sp>
-        <p:nvSpPr>
-          <p:cNvPr id="3" name="Content Placeholder 2">
-            <a:extLst>
-              <a:ext uri="{FF2B5EF4-FFF2-40B4-BE49-F238E27FC236}">
-                <a16:creationId xmlns:a16="http://schemas.microsoft.com/office/drawing/2014/main" id="{D3113FAD-EE1C-4C4A-96EC-F110260F44BD}"/>
-              </a:ext>
-            </a:extLst>
-          </p:cNvPr>
+            <a:endParaRPr lang="en-US"/>
+          </a:p>
+        </p:txBody>
+      </p:sp>
+      <p:sp>
+        <p:nvSpPr>
+          <p:cNvPr id="3" name="Content Placeholder 2"/>
           <p:cNvSpPr>
             <a:spLocks noGrp="1"/>
           </p:cNvSpPr>
@@ -1438,49 +1233,44 @@
           <a:p>
             <a:pPr lvl="0"/>
             <a:r>
-              <a:rPr lang="en-US"/>
-              <a:t>Edit Master text styles</a:t>
+              <a:rPr lang="en-US" smtClean="0"/>
+              <a:t>Click to edit Master text styles</a:t>
             </a:r>
           </a:p>
           <a:p>
             <a:pPr lvl="1"/>
             <a:r>
-              <a:rPr lang="en-US"/>
+              <a:rPr lang="en-US" smtClean="0"/>
               <a:t>Second level</a:t>
             </a:r>
           </a:p>
           <a:p>
             <a:pPr lvl="2"/>
             <a:r>
-              <a:rPr lang="en-US"/>
+              <a:rPr lang="en-US" smtClean="0"/>
               <a:t>Third level</a:t>
             </a:r>
           </a:p>
           <a:p>
             <a:pPr lvl="3"/>
             <a:r>
-              <a:rPr lang="en-US"/>
+              <a:rPr lang="en-US" smtClean="0"/>
               <a:t>Fourth level</a:t>
             </a:r>
           </a:p>
           <a:p>
             <a:pPr lvl="4"/>
             <a:r>
-              <a:rPr lang="en-US"/>
+              <a:rPr lang="en-US" smtClean="0"/>
               <a:t>Fifth level</a:t>
             </a:r>
-          </a:p>
-        </p:txBody>
-      </p:sp>
-      <p:sp>
-        <p:nvSpPr>
-          <p:cNvPr id="4" name="Date Placeholder 3">
-            <a:extLst>
-              <a:ext uri="{FF2B5EF4-FFF2-40B4-BE49-F238E27FC236}">
-                <a16:creationId xmlns:a16="http://schemas.microsoft.com/office/drawing/2014/main" id="{3CF56791-06EE-0D4D-A66B-EF1791829745}"/>
-              </a:ext>
-            </a:extLst>
-          </p:cNvPr>
+            <a:endParaRPr lang="en-US"/>
+          </a:p>
+        </p:txBody>
+      </p:sp>
+      <p:sp>
+        <p:nvSpPr>
+          <p:cNvPr id="4" name="Date Placeholder 3"/>
           <p:cNvSpPr>
             <a:spLocks noGrp="1"/>
           </p:cNvSpPr>
@@ -1495,7 +1285,7 @@
           <a:p>
             <a:fld id="{B117922E-E910-6545-901D-B3B05E413205}" type="datetimeFigureOut">
               <a:rPr lang="en-US" smtClean="0"/>
-              <a:t>6/13/19</a:t>
+              <a:t>7/31/19</a:t>
             </a:fld>
             <a:endParaRPr lang="en-US"/>
           </a:p>
@@ -1503,13 +1293,7 @@
       </p:sp>
       <p:sp>
         <p:nvSpPr>
-          <p:cNvPr id="5" name="Footer Placeholder 4">
-            <a:extLst>
-              <a:ext uri="{FF2B5EF4-FFF2-40B4-BE49-F238E27FC236}">
-                <a16:creationId xmlns:a16="http://schemas.microsoft.com/office/drawing/2014/main" id="{F4BF55C5-8418-C440-BE9F-B8120E0270B3}"/>
-              </a:ext>
-            </a:extLst>
-          </p:cNvPr>
+          <p:cNvPr id="5" name="Footer Placeholder 4"/>
           <p:cNvSpPr>
             <a:spLocks noGrp="1"/>
           </p:cNvSpPr>
@@ -1528,13 +1312,7 @@
       </p:sp>
       <p:sp>
         <p:nvSpPr>
-          <p:cNvPr id="6" name="Slide Number Placeholder 5">
-            <a:extLst>
-              <a:ext uri="{FF2B5EF4-FFF2-40B4-BE49-F238E27FC236}">
-                <a16:creationId xmlns:a16="http://schemas.microsoft.com/office/drawing/2014/main" id="{0C093C2C-0399-2F42-BC62-A8A3A52DFBEF}"/>
-              </a:ext>
-            </a:extLst>
-          </p:cNvPr>
+          <p:cNvPr id="6" name="Slide Number Placeholder 5"/>
           <p:cNvSpPr>
             <a:spLocks noGrp="1"/>
           </p:cNvSpPr>
@@ -1556,11 +1334,6 @@
         </p:txBody>
       </p:sp>
     </p:spTree>
-    <p:extLst>
-      <p:ext uri="{BB962C8B-B14F-4D97-AF65-F5344CB8AC3E}">
-        <p14:creationId xmlns:p14="http://schemas.microsoft.com/office/powerpoint/2010/main" val="614761825"/>
-      </p:ext>
-    </p:extLst>
   </p:cSld>
   <p:clrMapOvr>
     <a:masterClrMapping/>
@@ -1587,13 +1360,7 @@
       </p:grpSpPr>
       <p:sp>
         <p:nvSpPr>
-          <p:cNvPr id="2" name="Title 1">
-            <a:extLst>
-              <a:ext uri="{FF2B5EF4-FFF2-40B4-BE49-F238E27FC236}">
-                <a16:creationId xmlns:a16="http://schemas.microsoft.com/office/drawing/2014/main" id="{46AE4F74-C04B-6646-966D-8CE135029F67}"/>
-              </a:ext>
-            </a:extLst>
-          </p:cNvPr>
+          <p:cNvPr id="2" name="Title 1"/>
           <p:cNvSpPr>
             <a:spLocks noGrp="1"/>
           </p:cNvSpPr>
@@ -1616,21 +1383,16 @@
           </a:lstStyle>
           <a:p>
             <a:r>
-              <a:rPr lang="en-US"/>
+              <a:rPr lang="en-US" smtClean="0"/>
               <a:t>Click to edit Master title style</a:t>
             </a:r>
-          </a:p>
-        </p:txBody>
-      </p:sp>
-      <p:sp>
-        <p:nvSpPr>
-          <p:cNvPr id="3" name="Text Placeholder 2">
-            <a:extLst>
-              <a:ext uri="{FF2B5EF4-FFF2-40B4-BE49-F238E27FC236}">
-                <a16:creationId xmlns:a16="http://schemas.microsoft.com/office/drawing/2014/main" id="{0E51A314-D793-7042-AAC9-95434A6220FF}"/>
-              </a:ext>
-            </a:extLst>
-          </p:cNvPr>
+            <a:endParaRPr lang="en-US"/>
+          </a:p>
+        </p:txBody>
+      </p:sp>
+      <p:sp>
+        <p:nvSpPr>
+          <p:cNvPr id="3" name="Text Placeholder 2"/>
           <p:cNvSpPr>
             <a:spLocks noGrp="1"/>
           </p:cNvSpPr>
@@ -1741,21 +1503,15 @@
           <a:p>
             <a:pPr lvl="0"/>
             <a:r>
-              <a:rPr lang="en-US"/>
-              <a:t>Edit Master text styles</a:t>
-            </a:r>
-          </a:p>
-        </p:txBody>
-      </p:sp>
-      <p:sp>
-        <p:nvSpPr>
-          <p:cNvPr id="4" name="Date Placeholder 3">
-            <a:extLst>
-              <a:ext uri="{FF2B5EF4-FFF2-40B4-BE49-F238E27FC236}">
-                <a16:creationId xmlns:a16="http://schemas.microsoft.com/office/drawing/2014/main" id="{5A29F1A9-4259-0146-8779-3E9783F752A5}"/>
-              </a:ext>
-            </a:extLst>
-          </p:cNvPr>
+              <a:rPr lang="en-US" smtClean="0"/>
+              <a:t>Click to edit Master text styles</a:t>
+            </a:r>
+          </a:p>
+        </p:txBody>
+      </p:sp>
+      <p:sp>
+        <p:nvSpPr>
+          <p:cNvPr id="4" name="Date Placeholder 3"/>
           <p:cNvSpPr>
             <a:spLocks noGrp="1"/>
           </p:cNvSpPr>
@@ -1770,7 +1526,7 @@
           <a:p>
             <a:fld id="{B117922E-E910-6545-901D-B3B05E413205}" type="datetimeFigureOut">
               <a:rPr lang="en-US" smtClean="0"/>
-              <a:t>6/13/19</a:t>
+              <a:t>7/31/19</a:t>
             </a:fld>
             <a:endParaRPr lang="en-US"/>
           </a:p>
@@ -1778,13 +1534,7 @@
       </p:sp>
       <p:sp>
         <p:nvSpPr>
-          <p:cNvPr id="5" name="Footer Placeholder 4">
-            <a:extLst>
-              <a:ext uri="{FF2B5EF4-FFF2-40B4-BE49-F238E27FC236}">
-                <a16:creationId xmlns:a16="http://schemas.microsoft.com/office/drawing/2014/main" id="{AA504BB6-C0C0-D642-86F1-049824923D9C}"/>
-              </a:ext>
-            </a:extLst>
-          </p:cNvPr>
+          <p:cNvPr id="5" name="Footer Placeholder 4"/>
           <p:cNvSpPr>
             <a:spLocks noGrp="1"/>
           </p:cNvSpPr>
@@ -1803,13 +1553,7 @@
       </p:sp>
       <p:sp>
         <p:nvSpPr>
-          <p:cNvPr id="6" name="Slide Number Placeholder 5">
-            <a:extLst>
-              <a:ext uri="{FF2B5EF4-FFF2-40B4-BE49-F238E27FC236}">
-                <a16:creationId xmlns:a16="http://schemas.microsoft.com/office/drawing/2014/main" id="{A1478E59-1975-4547-B211-B596040E9ADE}"/>
-              </a:ext>
-            </a:extLst>
-          </p:cNvPr>
+          <p:cNvPr id="6" name="Slide Number Placeholder 5"/>
           <p:cNvSpPr>
             <a:spLocks noGrp="1"/>
           </p:cNvSpPr>
@@ -1831,11 +1575,6 @@
         </p:txBody>
       </p:sp>
     </p:spTree>
-    <p:extLst>
-      <p:ext uri="{BB962C8B-B14F-4D97-AF65-F5344CB8AC3E}">
-        <p14:creationId xmlns:p14="http://schemas.microsoft.com/office/powerpoint/2010/main" val="2859744595"/>
-      </p:ext>
-    </p:extLst>
   </p:cSld>
   <p:clrMapOvr>
     <a:masterClrMapping/>
@@ -1862,13 +1601,7 @@
       </p:grpSpPr>
       <p:sp>
         <p:nvSpPr>
-          <p:cNvPr id="2" name="Title 1">
-            <a:extLst>
-              <a:ext uri="{FF2B5EF4-FFF2-40B4-BE49-F238E27FC236}">
-                <a16:creationId xmlns:a16="http://schemas.microsoft.com/office/drawing/2014/main" id="{A0A2C9C6-146F-AC4D-B5C9-2248C41580B0}"/>
-              </a:ext>
-            </a:extLst>
-          </p:cNvPr>
+          <p:cNvPr id="2" name="Title 1"/>
           <p:cNvSpPr>
             <a:spLocks noGrp="1"/>
           </p:cNvSpPr>
@@ -1882,21 +1615,16 @@
           <a:lstStyle/>
           <a:p>
             <a:r>
-              <a:rPr lang="en-US"/>
+              <a:rPr lang="en-US" smtClean="0"/>
               <a:t>Click to edit Master title style</a:t>
             </a:r>
-          </a:p>
-        </p:txBody>
-      </p:sp>
-      <p:sp>
-        <p:nvSpPr>
-          <p:cNvPr id="3" name="Content Placeholder 2">
-            <a:extLst>
-              <a:ext uri="{FF2B5EF4-FFF2-40B4-BE49-F238E27FC236}">
-                <a16:creationId xmlns:a16="http://schemas.microsoft.com/office/drawing/2014/main" id="{E85010A7-DE99-5342-AFAD-3DBE37866E52}"/>
-              </a:ext>
-            </a:extLst>
-          </p:cNvPr>
+            <a:endParaRPr lang="en-US"/>
+          </a:p>
+        </p:txBody>
+      </p:sp>
+      <p:sp>
+        <p:nvSpPr>
+          <p:cNvPr id="3" name="Content Placeholder 2"/>
           <p:cNvSpPr>
             <a:spLocks noGrp="1"/>
           </p:cNvSpPr>
@@ -1916,49 +1644,44 @@
           <a:p>
             <a:pPr lvl="0"/>
             <a:r>
-              <a:rPr lang="en-US"/>
-              <a:t>Edit Master text styles</a:t>
+              <a:rPr lang="en-US" smtClean="0"/>
+              <a:t>Click to edit Master text styles</a:t>
             </a:r>
           </a:p>
           <a:p>
             <a:pPr lvl="1"/>
             <a:r>
-              <a:rPr lang="en-US"/>
+              <a:rPr lang="en-US" smtClean="0"/>
               <a:t>Second level</a:t>
             </a:r>
           </a:p>
           <a:p>
             <a:pPr lvl="2"/>
             <a:r>
-              <a:rPr lang="en-US"/>
+              <a:rPr lang="en-US" smtClean="0"/>
               <a:t>Third level</a:t>
             </a:r>
           </a:p>
           <a:p>
             <a:pPr lvl="3"/>
             <a:r>
-              <a:rPr lang="en-US"/>
+              <a:rPr lang="en-US" smtClean="0"/>
               <a:t>Fourth level</a:t>
             </a:r>
           </a:p>
           <a:p>
             <a:pPr lvl="4"/>
             <a:r>
-              <a:rPr lang="en-US"/>
+              <a:rPr lang="en-US" smtClean="0"/>
               <a:t>Fifth level</a:t>
             </a:r>
-          </a:p>
-        </p:txBody>
-      </p:sp>
-      <p:sp>
-        <p:nvSpPr>
-          <p:cNvPr id="4" name="Content Placeholder 3">
-            <a:extLst>
-              <a:ext uri="{FF2B5EF4-FFF2-40B4-BE49-F238E27FC236}">
-                <a16:creationId xmlns:a16="http://schemas.microsoft.com/office/drawing/2014/main" id="{55AC3DC5-E0AE-AC4C-8D5A-EC7EDFF99BE0}"/>
-              </a:ext>
-            </a:extLst>
-          </p:cNvPr>
+            <a:endParaRPr lang="en-US"/>
+          </a:p>
+        </p:txBody>
+      </p:sp>
+      <p:sp>
+        <p:nvSpPr>
+          <p:cNvPr id="4" name="Content Placeholder 3"/>
           <p:cNvSpPr>
             <a:spLocks noGrp="1"/>
           </p:cNvSpPr>
@@ -1978,49 +1701,44 @@
           <a:p>
             <a:pPr lvl="0"/>
             <a:r>
-              <a:rPr lang="en-US"/>
-              <a:t>Edit Master text styles</a:t>
+              <a:rPr lang="en-US" smtClean="0"/>
+              <a:t>Click to edit Master text styles</a:t>
             </a:r>
           </a:p>
           <a:p>
             <a:pPr lvl="1"/>
             <a:r>
-              <a:rPr lang="en-US"/>
+              <a:rPr lang="en-US" smtClean="0"/>
               <a:t>Second level</a:t>
             </a:r>
           </a:p>
           <a:p>
             <a:pPr lvl="2"/>
             <a:r>
-              <a:rPr lang="en-US"/>
+              <a:rPr lang="en-US" smtClean="0"/>
               <a:t>Third level</a:t>
             </a:r>
           </a:p>
           <a:p>
             <a:pPr lvl="3"/>
             <a:r>
-              <a:rPr lang="en-US"/>
+              <a:rPr lang="en-US" smtClean="0"/>
               <a:t>Fourth level</a:t>
             </a:r>
           </a:p>
           <a:p>
             <a:pPr lvl="4"/>
             <a:r>
-              <a:rPr lang="en-US"/>
+              <a:rPr lang="en-US" smtClean="0"/>
               <a:t>Fifth level</a:t>
             </a:r>
-          </a:p>
-        </p:txBody>
-      </p:sp>
-      <p:sp>
-        <p:nvSpPr>
-          <p:cNvPr id="5" name="Date Placeholder 4">
-            <a:extLst>
-              <a:ext uri="{FF2B5EF4-FFF2-40B4-BE49-F238E27FC236}">
-                <a16:creationId xmlns:a16="http://schemas.microsoft.com/office/drawing/2014/main" id="{895DDA00-DB5D-0540-931A-850557903CEA}"/>
-              </a:ext>
-            </a:extLst>
-          </p:cNvPr>
+            <a:endParaRPr lang="en-US"/>
+          </a:p>
+        </p:txBody>
+      </p:sp>
+      <p:sp>
+        <p:nvSpPr>
+          <p:cNvPr id="5" name="Date Placeholder 4"/>
           <p:cNvSpPr>
             <a:spLocks noGrp="1"/>
           </p:cNvSpPr>
@@ -2035,7 +1753,7 @@
           <a:p>
             <a:fld id="{B117922E-E910-6545-901D-B3B05E413205}" type="datetimeFigureOut">
               <a:rPr lang="en-US" smtClean="0"/>
-              <a:t>6/13/19</a:t>
+              <a:t>7/31/19</a:t>
             </a:fld>
             <a:endParaRPr lang="en-US"/>
           </a:p>
@@ -2043,13 +1761,7 @@
       </p:sp>
       <p:sp>
         <p:nvSpPr>
-          <p:cNvPr id="6" name="Footer Placeholder 5">
-            <a:extLst>
-              <a:ext uri="{FF2B5EF4-FFF2-40B4-BE49-F238E27FC236}">
-                <a16:creationId xmlns:a16="http://schemas.microsoft.com/office/drawing/2014/main" id="{DD031AA0-4E9A-D345-BB79-CAA2C8E5F853}"/>
-              </a:ext>
-            </a:extLst>
-          </p:cNvPr>
+          <p:cNvPr id="6" name="Footer Placeholder 5"/>
           <p:cNvSpPr>
             <a:spLocks noGrp="1"/>
           </p:cNvSpPr>
@@ -2068,13 +1780,7 @@
       </p:sp>
       <p:sp>
         <p:nvSpPr>
-          <p:cNvPr id="7" name="Slide Number Placeholder 6">
-            <a:extLst>
-              <a:ext uri="{FF2B5EF4-FFF2-40B4-BE49-F238E27FC236}">
-                <a16:creationId xmlns:a16="http://schemas.microsoft.com/office/drawing/2014/main" id="{A05671C0-F387-CD48-9548-3D11AF2A2D62}"/>
-              </a:ext>
-            </a:extLst>
-          </p:cNvPr>
+          <p:cNvPr id="7" name="Slide Number Placeholder 6"/>
           <p:cNvSpPr>
             <a:spLocks noGrp="1"/>
           </p:cNvSpPr>
@@ -2096,11 +1802,6 @@
         </p:txBody>
       </p:sp>
     </p:spTree>
-    <p:extLst>
-      <p:ext uri="{BB962C8B-B14F-4D97-AF65-F5344CB8AC3E}">
-        <p14:creationId xmlns:p14="http://schemas.microsoft.com/office/powerpoint/2010/main" val="812829082"/>
-      </p:ext>
-    </p:extLst>
   </p:cSld>
   <p:clrMapOvr>
     <a:masterClrMapping/>
@@ -2127,13 +1828,7 @@
       </p:grpSpPr>
       <p:sp>
         <p:nvSpPr>
-          <p:cNvPr id="2" name="Title 1">
-            <a:extLst>
-              <a:ext uri="{FF2B5EF4-FFF2-40B4-BE49-F238E27FC236}">
-                <a16:creationId xmlns:a16="http://schemas.microsoft.com/office/drawing/2014/main" id="{52C7E19E-33BB-0A40-898E-21C4D8B75257}"/>
-              </a:ext>
-            </a:extLst>
-          </p:cNvPr>
+          <p:cNvPr id="2" name="Title 1"/>
           <p:cNvSpPr>
             <a:spLocks noGrp="1"/>
           </p:cNvSpPr>
@@ -2152,21 +1847,16 @@
           <a:lstStyle/>
           <a:p>
             <a:r>
-              <a:rPr lang="en-US"/>
+              <a:rPr lang="en-US" smtClean="0"/>
               <a:t>Click to edit Master title style</a:t>
             </a:r>
-          </a:p>
-        </p:txBody>
-      </p:sp>
-      <p:sp>
-        <p:nvSpPr>
-          <p:cNvPr id="3" name="Text Placeholder 2">
-            <a:extLst>
-              <a:ext uri="{FF2B5EF4-FFF2-40B4-BE49-F238E27FC236}">
-                <a16:creationId xmlns:a16="http://schemas.microsoft.com/office/drawing/2014/main" id="{F2C45494-BDE1-204B-8971-46B3CD32A0A3}"/>
-              </a:ext>
-            </a:extLst>
-          </p:cNvPr>
+            <a:endParaRPr lang="en-US"/>
+          </a:p>
+        </p:txBody>
+      </p:sp>
+      <p:sp>
+        <p:nvSpPr>
+          <p:cNvPr id="3" name="Text Placeholder 2"/>
           <p:cNvSpPr>
             <a:spLocks noGrp="1"/>
           </p:cNvSpPr>
@@ -2223,21 +1913,15 @@
           <a:p>
             <a:pPr lvl="0"/>
             <a:r>
-              <a:rPr lang="en-US"/>
-              <a:t>Edit Master text styles</a:t>
-            </a:r>
-          </a:p>
-        </p:txBody>
-      </p:sp>
-      <p:sp>
-        <p:nvSpPr>
-          <p:cNvPr id="4" name="Content Placeholder 3">
-            <a:extLst>
-              <a:ext uri="{FF2B5EF4-FFF2-40B4-BE49-F238E27FC236}">
-                <a16:creationId xmlns:a16="http://schemas.microsoft.com/office/drawing/2014/main" id="{F7A71837-ADCE-5540-B0C6-56D108B40738}"/>
-              </a:ext>
-            </a:extLst>
-          </p:cNvPr>
+              <a:rPr lang="en-US" smtClean="0"/>
+              <a:t>Click to edit Master text styles</a:t>
+            </a:r>
+          </a:p>
+        </p:txBody>
+      </p:sp>
+      <p:sp>
+        <p:nvSpPr>
+          <p:cNvPr id="4" name="Content Placeholder 3"/>
           <p:cNvSpPr>
             <a:spLocks noGrp="1"/>
           </p:cNvSpPr>
@@ -2257,49 +1941,44 @@
           <a:p>
             <a:pPr lvl="0"/>
             <a:r>
-              <a:rPr lang="en-US"/>
-              <a:t>Edit Master text styles</a:t>
+              <a:rPr lang="en-US" smtClean="0"/>
+              <a:t>Click to edit Master text styles</a:t>
             </a:r>
           </a:p>
           <a:p>
             <a:pPr lvl="1"/>
             <a:r>
-              <a:rPr lang="en-US"/>
+              <a:rPr lang="en-US" smtClean="0"/>
               <a:t>Second level</a:t>
             </a:r>
           </a:p>
           <a:p>
             <a:pPr lvl="2"/>
             <a:r>
-              <a:rPr lang="en-US"/>
+              <a:rPr lang="en-US" smtClean="0"/>
               <a:t>Third level</a:t>
             </a:r>
           </a:p>
           <a:p>
             <a:pPr lvl="3"/>
             <a:r>
-              <a:rPr lang="en-US"/>
+              <a:rPr lang="en-US" smtClean="0"/>
               <a:t>Fourth level</a:t>
             </a:r>
           </a:p>
           <a:p>
             <a:pPr lvl="4"/>
             <a:r>
-              <a:rPr lang="en-US"/>
+              <a:rPr lang="en-US" smtClean="0"/>
               <a:t>Fifth level</a:t>
             </a:r>
-          </a:p>
-        </p:txBody>
-      </p:sp>
-      <p:sp>
-        <p:nvSpPr>
-          <p:cNvPr id="5" name="Text Placeholder 4">
-            <a:extLst>
-              <a:ext uri="{FF2B5EF4-FFF2-40B4-BE49-F238E27FC236}">
-                <a16:creationId xmlns:a16="http://schemas.microsoft.com/office/drawing/2014/main" id="{A759F03B-0228-2F41-A14D-2546EE9BA806}"/>
-              </a:ext>
-            </a:extLst>
-          </p:cNvPr>
+            <a:endParaRPr lang="en-US"/>
+          </a:p>
+        </p:txBody>
+      </p:sp>
+      <p:sp>
+        <p:nvSpPr>
+          <p:cNvPr id="5" name="Text Placeholder 4"/>
           <p:cNvSpPr>
             <a:spLocks noGrp="1"/>
           </p:cNvSpPr>
@@ -2356,21 +2035,15 @@
           <a:p>
             <a:pPr lvl="0"/>
             <a:r>
-              <a:rPr lang="en-US"/>
-              <a:t>Edit Master text styles</a:t>
-            </a:r>
-          </a:p>
-        </p:txBody>
-      </p:sp>
-      <p:sp>
-        <p:nvSpPr>
-          <p:cNvPr id="6" name="Content Placeholder 5">
-            <a:extLst>
-              <a:ext uri="{FF2B5EF4-FFF2-40B4-BE49-F238E27FC236}">
-                <a16:creationId xmlns:a16="http://schemas.microsoft.com/office/drawing/2014/main" id="{C6F5956D-FB22-2B4A-9329-A84FD2CE3CDE}"/>
-              </a:ext>
-            </a:extLst>
-          </p:cNvPr>
+              <a:rPr lang="en-US" smtClean="0"/>
+              <a:t>Click to edit Master text styles</a:t>
+            </a:r>
+          </a:p>
+        </p:txBody>
+      </p:sp>
+      <p:sp>
+        <p:nvSpPr>
+          <p:cNvPr id="6" name="Content Placeholder 5"/>
           <p:cNvSpPr>
             <a:spLocks noGrp="1"/>
           </p:cNvSpPr>
@@ -2390,49 +2063,44 @@
           <a:p>
             <a:pPr lvl="0"/>
             <a:r>
-              <a:rPr lang="en-US"/>
-              <a:t>Edit Master text styles</a:t>
+              <a:rPr lang="en-US" smtClean="0"/>
+              <a:t>Click to edit Master text styles</a:t>
             </a:r>
           </a:p>
           <a:p>
             <a:pPr lvl="1"/>
             <a:r>
-              <a:rPr lang="en-US"/>
+              <a:rPr lang="en-US" smtClean="0"/>
               <a:t>Second level</a:t>
             </a:r>
           </a:p>
           <a:p>
             <a:pPr lvl="2"/>
             <a:r>
-              <a:rPr lang="en-US"/>
+              <a:rPr lang="en-US" smtClean="0"/>
               <a:t>Third level</a:t>
             </a:r>
           </a:p>
           <a:p>
             <a:pPr lvl="3"/>
             <a:r>
-              <a:rPr lang="en-US"/>
+              <a:rPr lang="en-US" smtClean="0"/>
               <a:t>Fourth level</a:t>
             </a:r>
           </a:p>
           <a:p>
             <a:pPr lvl="4"/>
             <a:r>
-              <a:rPr lang="en-US"/>
+              <a:rPr lang="en-US" smtClean="0"/>
               <a:t>Fifth level</a:t>
             </a:r>
-          </a:p>
-        </p:txBody>
-      </p:sp>
-      <p:sp>
-        <p:nvSpPr>
-          <p:cNvPr id="7" name="Date Placeholder 6">
-            <a:extLst>
-              <a:ext uri="{FF2B5EF4-FFF2-40B4-BE49-F238E27FC236}">
-                <a16:creationId xmlns:a16="http://schemas.microsoft.com/office/drawing/2014/main" id="{36852D22-52BE-C24C-A899-BD0B675C2519}"/>
-              </a:ext>
-            </a:extLst>
-          </p:cNvPr>
+            <a:endParaRPr lang="en-US"/>
+          </a:p>
+        </p:txBody>
+      </p:sp>
+      <p:sp>
+        <p:nvSpPr>
+          <p:cNvPr id="7" name="Date Placeholder 6"/>
           <p:cNvSpPr>
             <a:spLocks noGrp="1"/>
           </p:cNvSpPr>
@@ -2447,7 +2115,7 @@
           <a:p>
             <a:fld id="{B117922E-E910-6545-901D-B3B05E413205}" type="datetimeFigureOut">
               <a:rPr lang="en-US" smtClean="0"/>
-              <a:t>6/13/19</a:t>
+              <a:t>7/31/19</a:t>
             </a:fld>
             <a:endParaRPr lang="en-US"/>
           </a:p>
@@ -2455,13 +2123,7 @@
       </p:sp>
       <p:sp>
         <p:nvSpPr>
-          <p:cNvPr id="8" name="Footer Placeholder 7">
-            <a:extLst>
-              <a:ext uri="{FF2B5EF4-FFF2-40B4-BE49-F238E27FC236}">
-                <a16:creationId xmlns:a16="http://schemas.microsoft.com/office/drawing/2014/main" id="{4DD51E40-6853-054E-B5AE-67E0A6E77D76}"/>
-              </a:ext>
-            </a:extLst>
-          </p:cNvPr>
+          <p:cNvPr id="8" name="Footer Placeholder 7"/>
           <p:cNvSpPr>
             <a:spLocks noGrp="1"/>
           </p:cNvSpPr>
@@ -2480,13 +2142,7 @@
       </p:sp>
       <p:sp>
         <p:nvSpPr>
-          <p:cNvPr id="9" name="Slide Number Placeholder 8">
-            <a:extLst>
-              <a:ext uri="{FF2B5EF4-FFF2-40B4-BE49-F238E27FC236}">
-                <a16:creationId xmlns:a16="http://schemas.microsoft.com/office/drawing/2014/main" id="{6C3D38B8-3FD8-7C43-A59F-2AC8EAF716AE}"/>
-              </a:ext>
-            </a:extLst>
-          </p:cNvPr>
+          <p:cNvPr id="9" name="Slide Number Placeholder 8"/>
           <p:cNvSpPr>
             <a:spLocks noGrp="1"/>
           </p:cNvSpPr>
@@ -2508,11 +2164,6 @@
         </p:txBody>
       </p:sp>
     </p:spTree>
-    <p:extLst>
-      <p:ext uri="{BB962C8B-B14F-4D97-AF65-F5344CB8AC3E}">
-        <p14:creationId xmlns:p14="http://schemas.microsoft.com/office/powerpoint/2010/main" val="915773349"/>
-      </p:ext>
-    </p:extLst>
   </p:cSld>
   <p:clrMapOvr>
     <a:masterClrMapping/>
@@ -2539,13 +2190,7 @@
       </p:grpSpPr>
       <p:sp>
         <p:nvSpPr>
-          <p:cNvPr id="2" name="Title 1">
-            <a:extLst>
-              <a:ext uri="{FF2B5EF4-FFF2-40B4-BE49-F238E27FC236}">
-                <a16:creationId xmlns:a16="http://schemas.microsoft.com/office/drawing/2014/main" id="{BC0F2119-3587-934F-A1F3-141C18E80571}"/>
-              </a:ext>
-            </a:extLst>
-          </p:cNvPr>
+          <p:cNvPr id="2" name="Title 1"/>
           <p:cNvSpPr>
             <a:spLocks noGrp="1"/>
           </p:cNvSpPr>
@@ -2559,21 +2204,16 @@
           <a:lstStyle/>
           <a:p>
             <a:r>
-              <a:rPr lang="en-US"/>
+              <a:rPr lang="en-US" smtClean="0"/>
               <a:t>Click to edit Master title style</a:t>
             </a:r>
-          </a:p>
-        </p:txBody>
-      </p:sp>
-      <p:sp>
-        <p:nvSpPr>
-          <p:cNvPr id="3" name="Date Placeholder 2">
-            <a:extLst>
-              <a:ext uri="{FF2B5EF4-FFF2-40B4-BE49-F238E27FC236}">
-                <a16:creationId xmlns:a16="http://schemas.microsoft.com/office/drawing/2014/main" id="{48B2ADF1-6077-8F4D-A5B9-EAA77AEE8050}"/>
-              </a:ext>
-            </a:extLst>
-          </p:cNvPr>
+            <a:endParaRPr lang="en-US"/>
+          </a:p>
+        </p:txBody>
+      </p:sp>
+      <p:sp>
+        <p:nvSpPr>
+          <p:cNvPr id="3" name="Date Placeholder 2"/>
           <p:cNvSpPr>
             <a:spLocks noGrp="1"/>
           </p:cNvSpPr>
@@ -2588,7 +2228,7 @@
           <a:p>
             <a:fld id="{B117922E-E910-6545-901D-B3B05E413205}" type="datetimeFigureOut">
               <a:rPr lang="en-US" smtClean="0"/>
-              <a:t>6/13/19</a:t>
+              <a:t>7/31/19</a:t>
             </a:fld>
             <a:endParaRPr lang="en-US"/>
           </a:p>
@@ -2596,13 +2236,7 @@
       </p:sp>
       <p:sp>
         <p:nvSpPr>
-          <p:cNvPr id="4" name="Footer Placeholder 3">
-            <a:extLst>
-              <a:ext uri="{FF2B5EF4-FFF2-40B4-BE49-F238E27FC236}">
-                <a16:creationId xmlns:a16="http://schemas.microsoft.com/office/drawing/2014/main" id="{438B4D55-647C-E14F-9867-EC595AB77EFC}"/>
-              </a:ext>
-            </a:extLst>
-          </p:cNvPr>
+          <p:cNvPr id="4" name="Footer Placeholder 3"/>
           <p:cNvSpPr>
             <a:spLocks noGrp="1"/>
           </p:cNvSpPr>
@@ -2621,13 +2255,7 @@
       </p:sp>
       <p:sp>
         <p:nvSpPr>
-          <p:cNvPr id="5" name="Slide Number Placeholder 4">
-            <a:extLst>
-              <a:ext uri="{FF2B5EF4-FFF2-40B4-BE49-F238E27FC236}">
-                <a16:creationId xmlns:a16="http://schemas.microsoft.com/office/drawing/2014/main" id="{5E294510-31ED-A543-938B-8CF7846E4740}"/>
-              </a:ext>
-            </a:extLst>
-          </p:cNvPr>
+          <p:cNvPr id="5" name="Slide Number Placeholder 4"/>
           <p:cNvSpPr>
             <a:spLocks noGrp="1"/>
           </p:cNvSpPr>
@@ -2649,11 +2277,6 @@
         </p:txBody>
       </p:sp>
     </p:spTree>
-    <p:extLst>
-      <p:ext uri="{BB962C8B-B14F-4D97-AF65-F5344CB8AC3E}">
-        <p14:creationId xmlns:p14="http://schemas.microsoft.com/office/powerpoint/2010/main" val="3117711918"/>
-      </p:ext>
-    </p:extLst>
   </p:cSld>
   <p:clrMapOvr>
     <a:masterClrMapping/>
@@ -2680,13 +2303,7 @@
       </p:grpSpPr>
       <p:sp>
         <p:nvSpPr>
-          <p:cNvPr id="2" name="Date Placeholder 1">
-            <a:extLst>
-              <a:ext uri="{FF2B5EF4-FFF2-40B4-BE49-F238E27FC236}">
-                <a16:creationId xmlns:a16="http://schemas.microsoft.com/office/drawing/2014/main" id="{67B9FED5-E769-A047-B151-4EE167E79EBE}"/>
-              </a:ext>
-            </a:extLst>
-          </p:cNvPr>
+          <p:cNvPr id="2" name="Date Placeholder 1"/>
           <p:cNvSpPr>
             <a:spLocks noGrp="1"/>
           </p:cNvSpPr>
@@ -2701,7 +2318,7 @@
           <a:p>
             <a:fld id="{B117922E-E910-6545-901D-B3B05E413205}" type="datetimeFigureOut">
               <a:rPr lang="en-US" smtClean="0"/>
-              <a:t>6/13/19</a:t>
+              <a:t>7/31/19</a:t>
             </a:fld>
             <a:endParaRPr lang="en-US"/>
           </a:p>
@@ -2709,13 +2326,7 @@
       </p:sp>
       <p:sp>
         <p:nvSpPr>
-          <p:cNvPr id="3" name="Footer Placeholder 2">
-            <a:extLst>
-              <a:ext uri="{FF2B5EF4-FFF2-40B4-BE49-F238E27FC236}">
-                <a16:creationId xmlns:a16="http://schemas.microsoft.com/office/drawing/2014/main" id="{822FC704-CD34-614E-9901-77A2B18593FA}"/>
-              </a:ext>
-            </a:extLst>
-          </p:cNvPr>
+          <p:cNvPr id="3" name="Footer Placeholder 2"/>
           <p:cNvSpPr>
             <a:spLocks noGrp="1"/>
           </p:cNvSpPr>
@@ -2734,13 +2345,7 @@
       </p:sp>
       <p:sp>
         <p:nvSpPr>
-          <p:cNvPr id="4" name="Slide Number Placeholder 3">
-            <a:extLst>
-              <a:ext uri="{FF2B5EF4-FFF2-40B4-BE49-F238E27FC236}">
-                <a16:creationId xmlns:a16="http://schemas.microsoft.com/office/drawing/2014/main" id="{578C6DFB-A9C7-BE4A-8010-0780CB83E74A}"/>
-              </a:ext>
-            </a:extLst>
-          </p:cNvPr>
+          <p:cNvPr id="4" name="Slide Number Placeholder 3"/>
           <p:cNvSpPr>
             <a:spLocks noGrp="1"/>
           </p:cNvSpPr>
@@ -2762,11 +2367,6 @@
         </p:txBody>
       </p:sp>
     </p:spTree>
-    <p:extLst>
-      <p:ext uri="{BB962C8B-B14F-4D97-AF65-F5344CB8AC3E}">
-        <p14:creationId xmlns:p14="http://schemas.microsoft.com/office/powerpoint/2010/main" val="567622076"/>
-      </p:ext>
-    </p:extLst>
   </p:cSld>
   <p:clrMapOvr>
     <a:masterClrMapping/>
@@ -2793,13 +2393,7 @@
       </p:grpSpPr>
       <p:sp>
         <p:nvSpPr>
-          <p:cNvPr id="2" name="Title 1">
-            <a:extLst>
-              <a:ext uri="{FF2B5EF4-FFF2-40B4-BE49-F238E27FC236}">
-                <a16:creationId xmlns:a16="http://schemas.microsoft.com/office/drawing/2014/main" id="{6496F54F-5C2A-1741-AD6E-DCCBB020B005}"/>
-              </a:ext>
-            </a:extLst>
-          </p:cNvPr>
+          <p:cNvPr id="2" name="Title 1"/>
           <p:cNvSpPr>
             <a:spLocks noGrp="1"/>
           </p:cNvSpPr>
@@ -2822,21 +2416,16 @@
           </a:lstStyle>
           <a:p>
             <a:r>
-              <a:rPr lang="en-US"/>
+              <a:rPr lang="en-US" smtClean="0"/>
               <a:t>Click to edit Master title style</a:t>
             </a:r>
-          </a:p>
-        </p:txBody>
-      </p:sp>
-      <p:sp>
-        <p:nvSpPr>
-          <p:cNvPr id="3" name="Content Placeholder 2">
-            <a:extLst>
-              <a:ext uri="{FF2B5EF4-FFF2-40B4-BE49-F238E27FC236}">
-                <a16:creationId xmlns:a16="http://schemas.microsoft.com/office/drawing/2014/main" id="{CBCA52CB-7EED-9A42-87CF-290AF13CF29A}"/>
-              </a:ext>
-            </a:extLst>
-          </p:cNvPr>
+            <a:endParaRPr lang="en-US"/>
+          </a:p>
+        </p:txBody>
+      </p:sp>
+      <p:sp>
+        <p:nvSpPr>
+          <p:cNvPr id="3" name="Content Placeholder 2"/>
           <p:cNvSpPr>
             <a:spLocks noGrp="1"/>
           </p:cNvSpPr>
@@ -2884,49 +2473,44 @@
           <a:p>
             <a:pPr lvl="0"/>
             <a:r>
-              <a:rPr lang="en-US"/>
-              <a:t>Edit Master text styles</a:t>
+              <a:rPr lang="en-US" smtClean="0"/>
+              <a:t>Click to edit Master text styles</a:t>
             </a:r>
           </a:p>
           <a:p>
             <a:pPr lvl="1"/>
             <a:r>
-              <a:rPr lang="en-US"/>
+              <a:rPr lang="en-US" smtClean="0"/>
               <a:t>Second level</a:t>
             </a:r>
           </a:p>
           <a:p>
             <a:pPr lvl="2"/>
             <a:r>
-              <a:rPr lang="en-US"/>
+              <a:rPr lang="en-US" smtClean="0"/>
               <a:t>Third level</a:t>
             </a:r>
           </a:p>
           <a:p>
             <a:pPr lvl="3"/>
             <a:r>
-              <a:rPr lang="en-US"/>
+              <a:rPr lang="en-US" smtClean="0"/>
               <a:t>Fourth level</a:t>
             </a:r>
           </a:p>
           <a:p>
             <a:pPr lvl="4"/>
             <a:r>
-              <a:rPr lang="en-US"/>
+              <a:rPr lang="en-US" smtClean="0"/>
               <a:t>Fifth level</a:t>
             </a:r>
-          </a:p>
-        </p:txBody>
-      </p:sp>
-      <p:sp>
-        <p:nvSpPr>
-          <p:cNvPr id="4" name="Text Placeholder 3">
-            <a:extLst>
-              <a:ext uri="{FF2B5EF4-FFF2-40B4-BE49-F238E27FC236}">
-                <a16:creationId xmlns:a16="http://schemas.microsoft.com/office/drawing/2014/main" id="{E1702E7A-FD2F-CB46-94BF-FF2EC9490D6E}"/>
-              </a:ext>
-            </a:extLst>
-          </p:cNvPr>
+            <a:endParaRPr lang="en-US"/>
+          </a:p>
+        </p:txBody>
+      </p:sp>
+      <p:sp>
+        <p:nvSpPr>
+          <p:cNvPr id="4" name="Text Placeholder 3"/>
           <p:cNvSpPr>
             <a:spLocks noGrp="1"/>
           </p:cNvSpPr>
@@ -2983,21 +2567,15 @@
           <a:p>
             <a:pPr lvl="0"/>
             <a:r>
-              <a:rPr lang="en-US"/>
-              <a:t>Edit Master text styles</a:t>
-            </a:r>
-          </a:p>
-        </p:txBody>
-      </p:sp>
-      <p:sp>
-        <p:nvSpPr>
-          <p:cNvPr id="5" name="Date Placeholder 4">
-            <a:extLst>
-              <a:ext uri="{FF2B5EF4-FFF2-40B4-BE49-F238E27FC236}">
-                <a16:creationId xmlns:a16="http://schemas.microsoft.com/office/drawing/2014/main" id="{8958105E-9337-A749-8929-C81DA369C8A1}"/>
-              </a:ext>
-            </a:extLst>
-          </p:cNvPr>
+              <a:rPr lang="en-US" smtClean="0"/>
+              <a:t>Click to edit Master text styles</a:t>
+            </a:r>
+          </a:p>
+        </p:txBody>
+      </p:sp>
+      <p:sp>
+        <p:nvSpPr>
+          <p:cNvPr id="5" name="Date Placeholder 4"/>
           <p:cNvSpPr>
             <a:spLocks noGrp="1"/>
           </p:cNvSpPr>
@@ -3012,7 +2590,7 @@
           <a:p>
             <a:fld id="{B117922E-E910-6545-901D-B3B05E413205}" type="datetimeFigureOut">
               <a:rPr lang="en-US" smtClean="0"/>
-              <a:t>6/13/19</a:t>
+              <a:t>7/31/19</a:t>
             </a:fld>
             <a:endParaRPr lang="en-US"/>
           </a:p>
@@ -3020,13 +2598,7 @@
       </p:sp>
       <p:sp>
         <p:nvSpPr>
-          <p:cNvPr id="6" name="Footer Placeholder 5">
-            <a:extLst>
-              <a:ext uri="{FF2B5EF4-FFF2-40B4-BE49-F238E27FC236}">
-                <a16:creationId xmlns:a16="http://schemas.microsoft.com/office/drawing/2014/main" id="{10081911-6878-5B45-A37C-ACB36ADFD7E1}"/>
-              </a:ext>
-            </a:extLst>
-          </p:cNvPr>
+          <p:cNvPr id="6" name="Footer Placeholder 5"/>
           <p:cNvSpPr>
             <a:spLocks noGrp="1"/>
           </p:cNvSpPr>
@@ -3045,13 +2617,7 @@
       </p:sp>
       <p:sp>
         <p:nvSpPr>
-          <p:cNvPr id="7" name="Slide Number Placeholder 6">
-            <a:extLst>
-              <a:ext uri="{FF2B5EF4-FFF2-40B4-BE49-F238E27FC236}">
-                <a16:creationId xmlns:a16="http://schemas.microsoft.com/office/drawing/2014/main" id="{2AF73ABD-0129-F14E-B86A-51D07AA4CD86}"/>
-              </a:ext>
-            </a:extLst>
-          </p:cNvPr>
+          <p:cNvPr id="7" name="Slide Number Placeholder 6"/>
           <p:cNvSpPr>
             <a:spLocks noGrp="1"/>
           </p:cNvSpPr>
@@ -3073,11 +2639,6 @@
         </p:txBody>
       </p:sp>
     </p:spTree>
-    <p:extLst>
-      <p:ext uri="{BB962C8B-B14F-4D97-AF65-F5344CB8AC3E}">
-        <p14:creationId xmlns:p14="http://schemas.microsoft.com/office/powerpoint/2010/main" val="2487874719"/>
-      </p:ext>
-    </p:extLst>
   </p:cSld>
   <p:clrMapOvr>
     <a:masterClrMapping/>
@@ -3104,13 +2665,7 @@
       </p:grpSpPr>
       <p:sp>
         <p:nvSpPr>
-          <p:cNvPr id="2" name="Title 1">
-            <a:extLst>
-              <a:ext uri="{FF2B5EF4-FFF2-40B4-BE49-F238E27FC236}">
-                <a16:creationId xmlns:a16="http://schemas.microsoft.com/office/drawing/2014/main" id="{1ADBDC04-624F-4240-A155-7100DB9CDF1F}"/>
-              </a:ext>
-            </a:extLst>
-          </p:cNvPr>
+          <p:cNvPr id="2" name="Title 1"/>
           <p:cNvSpPr>
             <a:spLocks noGrp="1"/>
           </p:cNvSpPr>
@@ -3133,21 +2688,16 @@
           </a:lstStyle>
           <a:p>
             <a:r>
-              <a:rPr lang="en-US"/>
+              <a:rPr lang="en-US" smtClean="0"/>
               <a:t>Click to edit Master title style</a:t>
             </a:r>
-          </a:p>
-        </p:txBody>
-      </p:sp>
-      <p:sp>
-        <p:nvSpPr>
-          <p:cNvPr id="3" name="Picture Placeholder 2">
-            <a:extLst>
-              <a:ext uri="{FF2B5EF4-FFF2-40B4-BE49-F238E27FC236}">
-                <a16:creationId xmlns:a16="http://schemas.microsoft.com/office/drawing/2014/main" id="{BD9289DE-964C-8043-9669-894C54065FCE}"/>
-              </a:ext>
-            </a:extLst>
-          </p:cNvPr>
+            <a:endParaRPr lang="en-US"/>
+          </a:p>
+        </p:txBody>
+      </p:sp>
+      <p:sp>
+        <p:nvSpPr>
+          <p:cNvPr id="3" name="Picture Placeholder 2"/>
           <p:cNvSpPr>
             <a:spLocks noGrp="1"/>
           </p:cNvSpPr>
@@ -3208,13 +2758,7 @@
       </p:sp>
       <p:sp>
         <p:nvSpPr>
-          <p:cNvPr id="4" name="Text Placeholder 3">
-            <a:extLst>
-              <a:ext uri="{FF2B5EF4-FFF2-40B4-BE49-F238E27FC236}">
-                <a16:creationId xmlns:a16="http://schemas.microsoft.com/office/drawing/2014/main" id="{869C1FF4-FD92-7F4A-85CD-FF7136BEC969}"/>
-              </a:ext>
-            </a:extLst>
-          </p:cNvPr>
+          <p:cNvPr id="4" name="Text Placeholder 3"/>
           <p:cNvSpPr>
             <a:spLocks noGrp="1"/>
           </p:cNvSpPr>
@@ -3271,21 +2815,15 @@
           <a:p>
             <a:pPr lvl="0"/>
             <a:r>
-              <a:rPr lang="en-US"/>
-              <a:t>Edit Master text styles</a:t>
-            </a:r>
-          </a:p>
-        </p:txBody>
-      </p:sp>
-      <p:sp>
-        <p:nvSpPr>
-          <p:cNvPr id="5" name="Date Placeholder 4">
-            <a:extLst>
-              <a:ext uri="{FF2B5EF4-FFF2-40B4-BE49-F238E27FC236}">
-                <a16:creationId xmlns:a16="http://schemas.microsoft.com/office/drawing/2014/main" id="{AE4CC592-934E-3B4A-AE9C-25599CF11B32}"/>
-              </a:ext>
-            </a:extLst>
-          </p:cNvPr>
+              <a:rPr lang="en-US" smtClean="0"/>
+              <a:t>Click to edit Master text styles</a:t>
+            </a:r>
+          </a:p>
+        </p:txBody>
+      </p:sp>
+      <p:sp>
+        <p:nvSpPr>
+          <p:cNvPr id="5" name="Date Placeholder 4"/>
           <p:cNvSpPr>
             <a:spLocks noGrp="1"/>
           </p:cNvSpPr>
@@ -3300,7 +2838,7 @@
           <a:p>
             <a:fld id="{B117922E-E910-6545-901D-B3B05E413205}" type="datetimeFigureOut">
               <a:rPr lang="en-US" smtClean="0"/>
-              <a:t>6/13/19</a:t>
+              <a:t>7/31/19</a:t>
             </a:fld>
             <a:endParaRPr lang="en-US"/>
           </a:p>
@@ -3308,13 +2846,7 @@
       </p:sp>
       <p:sp>
         <p:nvSpPr>
-          <p:cNvPr id="6" name="Footer Placeholder 5">
-            <a:extLst>
-              <a:ext uri="{FF2B5EF4-FFF2-40B4-BE49-F238E27FC236}">
-                <a16:creationId xmlns:a16="http://schemas.microsoft.com/office/drawing/2014/main" id="{3C0170A9-8B9F-D448-BA4F-42DC22D5ED6C}"/>
-              </a:ext>
-            </a:extLst>
-          </p:cNvPr>
+          <p:cNvPr id="6" name="Footer Placeholder 5"/>
           <p:cNvSpPr>
             <a:spLocks noGrp="1"/>
           </p:cNvSpPr>
@@ -3333,13 +2865,7 @@
       </p:sp>
       <p:sp>
         <p:nvSpPr>
-          <p:cNvPr id="7" name="Slide Number Placeholder 6">
-            <a:extLst>
-              <a:ext uri="{FF2B5EF4-FFF2-40B4-BE49-F238E27FC236}">
-                <a16:creationId xmlns:a16="http://schemas.microsoft.com/office/drawing/2014/main" id="{D6313800-A129-844E-B8F0-F74902DD6ACF}"/>
-              </a:ext>
-            </a:extLst>
-          </p:cNvPr>
+          <p:cNvPr id="7" name="Slide Number Placeholder 6"/>
           <p:cNvSpPr>
             <a:spLocks noGrp="1"/>
           </p:cNvSpPr>
@@ -3361,11 +2887,6 @@
         </p:txBody>
       </p:sp>
     </p:spTree>
-    <p:extLst>
-      <p:ext uri="{BB962C8B-B14F-4D97-AF65-F5344CB8AC3E}">
-        <p14:creationId xmlns:p14="http://schemas.microsoft.com/office/powerpoint/2010/main" val="3265565999"/>
-      </p:ext>
-    </p:extLst>
   </p:cSld>
   <p:clrMapOvr>
     <a:masterClrMapping/>
@@ -3397,13 +2918,7 @@
       </p:grpSpPr>
       <p:sp>
         <p:nvSpPr>
-          <p:cNvPr id="2" name="Title Placeholder 1">
-            <a:extLst>
-              <a:ext uri="{FF2B5EF4-FFF2-40B4-BE49-F238E27FC236}">
-                <a16:creationId xmlns:a16="http://schemas.microsoft.com/office/drawing/2014/main" id="{21B7F7A1-DE46-9245-A6FA-08F1D89789CA}"/>
-              </a:ext>
-            </a:extLst>
-          </p:cNvPr>
+          <p:cNvPr id="2" name="Title Placeholder 1"/>
           <p:cNvSpPr>
             <a:spLocks noGrp="1"/>
           </p:cNvSpPr>
@@ -3427,21 +2942,16 @@
           <a:lstStyle/>
           <a:p>
             <a:r>
-              <a:rPr lang="en-US"/>
+              <a:rPr lang="en-US" smtClean="0"/>
               <a:t>Click to edit Master title style</a:t>
             </a:r>
-          </a:p>
-        </p:txBody>
-      </p:sp>
-      <p:sp>
-        <p:nvSpPr>
-          <p:cNvPr id="3" name="Text Placeholder 2">
-            <a:extLst>
-              <a:ext uri="{FF2B5EF4-FFF2-40B4-BE49-F238E27FC236}">
-                <a16:creationId xmlns:a16="http://schemas.microsoft.com/office/drawing/2014/main" id="{8595D4CB-5937-CE41-ABC4-0A4A8A16FF51}"/>
-              </a:ext>
-            </a:extLst>
-          </p:cNvPr>
+            <a:endParaRPr lang="en-US"/>
+          </a:p>
+        </p:txBody>
+      </p:sp>
+      <p:sp>
+        <p:nvSpPr>
+          <p:cNvPr id="3" name="Text Placeholder 2"/>
           <p:cNvSpPr>
             <a:spLocks noGrp="1"/>
           </p:cNvSpPr>
@@ -3466,49 +2976,44 @@
           <a:p>
             <a:pPr lvl="0"/>
             <a:r>
-              <a:rPr lang="en-US"/>
-              <a:t>Edit Master text styles</a:t>
+              <a:rPr lang="en-US" smtClean="0"/>
+              <a:t>Click to edit Master text styles</a:t>
             </a:r>
           </a:p>
           <a:p>
             <a:pPr lvl="1"/>
             <a:r>
-              <a:rPr lang="en-US"/>
+              <a:rPr lang="en-US" smtClean="0"/>
               <a:t>Second level</a:t>
             </a:r>
           </a:p>
           <a:p>
             <a:pPr lvl="2"/>
             <a:r>
-              <a:rPr lang="en-US"/>
+              <a:rPr lang="en-US" smtClean="0"/>
               <a:t>Third level</a:t>
             </a:r>
           </a:p>
           <a:p>
             <a:pPr lvl="3"/>
             <a:r>
-              <a:rPr lang="en-US"/>
+              <a:rPr lang="en-US" smtClean="0"/>
               <a:t>Fourth level</a:t>
             </a:r>
           </a:p>
           <a:p>
             <a:pPr lvl="4"/>
             <a:r>
-              <a:rPr lang="en-US"/>
+              <a:rPr lang="en-US" smtClean="0"/>
               <a:t>Fifth level</a:t>
             </a:r>
-          </a:p>
-        </p:txBody>
-      </p:sp>
-      <p:sp>
-        <p:nvSpPr>
-          <p:cNvPr id="4" name="Date Placeholder 3">
-            <a:extLst>
-              <a:ext uri="{FF2B5EF4-FFF2-40B4-BE49-F238E27FC236}">
-                <a16:creationId xmlns:a16="http://schemas.microsoft.com/office/drawing/2014/main" id="{05F1C33D-8603-7847-9915-7BF7CF5F9D32}"/>
-              </a:ext>
-            </a:extLst>
-          </p:cNvPr>
+            <a:endParaRPr lang="en-US"/>
+          </a:p>
+        </p:txBody>
+      </p:sp>
+      <p:sp>
+        <p:nvSpPr>
+          <p:cNvPr id="4" name="Date Placeholder 3"/>
           <p:cNvSpPr>
             <a:spLocks noGrp="1"/>
           </p:cNvSpPr>
@@ -3541,7 +3046,7 @@
           <a:p>
             <a:fld id="{B117922E-E910-6545-901D-B3B05E413205}" type="datetimeFigureOut">
               <a:rPr lang="en-US" smtClean="0"/>
-              <a:t>6/13/19</a:t>
+              <a:t>7/31/19</a:t>
             </a:fld>
             <a:endParaRPr lang="en-US"/>
           </a:p>
@@ -3549,13 +3054,7 @@
       </p:sp>
       <p:sp>
         <p:nvSpPr>
-          <p:cNvPr id="5" name="Footer Placeholder 4">
-            <a:extLst>
-              <a:ext uri="{FF2B5EF4-FFF2-40B4-BE49-F238E27FC236}">
-                <a16:creationId xmlns:a16="http://schemas.microsoft.com/office/drawing/2014/main" id="{1DDFE2EE-C744-6646-AF9E-0CDDD662B2F9}"/>
-              </a:ext>
-            </a:extLst>
-          </p:cNvPr>
+          <p:cNvPr id="5" name="Footer Placeholder 4"/>
           <p:cNvSpPr>
             <a:spLocks noGrp="1"/>
           </p:cNvSpPr>
@@ -3592,13 +3091,7 @@
       </p:sp>
       <p:sp>
         <p:nvSpPr>
-          <p:cNvPr id="6" name="Slide Number Placeholder 5">
-            <a:extLst>
-              <a:ext uri="{FF2B5EF4-FFF2-40B4-BE49-F238E27FC236}">
-                <a16:creationId xmlns:a16="http://schemas.microsoft.com/office/drawing/2014/main" id="{23020908-4F60-D74E-922D-3F84F22F8041}"/>
-              </a:ext>
-            </a:extLst>
-          </p:cNvPr>
+          <p:cNvPr id="6" name="Slide Number Placeholder 5"/>
           <p:cNvSpPr>
             <a:spLocks noGrp="1"/>
           </p:cNvSpPr>
@@ -3640,23 +3133,23 @@
     </p:spTree>
     <p:extLst>
       <p:ext uri="{BB962C8B-B14F-4D97-AF65-F5344CB8AC3E}">
-        <p14:creationId xmlns:p14="http://schemas.microsoft.com/office/powerpoint/2010/main" val="4193902026"/>
+        <p14:creationId xmlns:p14="http://schemas.microsoft.com/office/powerpoint/2010/main" val="837394626"/>
       </p:ext>
     </p:extLst>
   </p:cSld>
   <p:clrMap bg1="lt1" tx1="dk1" bg2="lt2" tx2="dk2" accent1="accent1" accent2="accent2" accent3="accent3" accent4="accent4" accent5="accent5" accent6="accent6" hlink="hlink" folHlink="folHlink"/>
   <p:sldLayoutIdLst>
-    <p:sldLayoutId id="2147483649" r:id="rId1"/>
-    <p:sldLayoutId id="2147483650" r:id="rId2"/>
-    <p:sldLayoutId id="2147483651" r:id="rId3"/>
-    <p:sldLayoutId id="2147483652" r:id="rId4"/>
-    <p:sldLayoutId id="2147483653" r:id="rId5"/>
-    <p:sldLayoutId id="2147483654" r:id="rId6"/>
-    <p:sldLayoutId id="2147483655" r:id="rId7"/>
-    <p:sldLayoutId id="2147483656" r:id="rId8"/>
-    <p:sldLayoutId id="2147483657" r:id="rId9"/>
-    <p:sldLayoutId id="2147483658" r:id="rId10"/>
-    <p:sldLayoutId id="2147483659" r:id="rId11"/>
+    <p:sldLayoutId id="2147483661" r:id="rId1"/>
+    <p:sldLayoutId id="2147483662" r:id="rId2"/>
+    <p:sldLayoutId id="2147483663" r:id="rId3"/>
+    <p:sldLayoutId id="2147483664" r:id="rId4"/>
+    <p:sldLayoutId id="2147483665" r:id="rId5"/>
+    <p:sldLayoutId id="2147483666" r:id="rId6"/>
+    <p:sldLayoutId id="2147483667" r:id="rId7"/>
+    <p:sldLayoutId id="2147483668" r:id="rId8"/>
+    <p:sldLayoutId id="2147483669" r:id="rId9"/>
+    <p:sldLayoutId id="2147483670" r:id="rId10"/>
+    <p:sldLayoutId id="2147483671" r:id="rId11"/>
   </p:sldLayoutIdLst>
   <p:txStyles>
     <p:titleStyle>
@@ -3686,7 +3179,7 @@
         <a:spcBef>
           <a:spcPts val="1000"/>
         </a:spcBef>
-        <a:buFont typeface="Arial" panose="020B0604020202020204" pitchFamily="34" charset="0"/>
+        <a:buFont typeface="Arial"/>
         <a:buChar char="•"/>
         <a:defRPr sz="2800" kern="1200">
           <a:solidFill>
@@ -3704,7 +3197,7 @@
         <a:spcBef>
           <a:spcPts val="500"/>
         </a:spcBef>
-        <a:buFont typeface="Arial" panose="020B0604020202020204" pitchFamily="34" charset="0"/>
+        <a:buFont typeface="Arial"/>
         <a:buChar char="•"/>
         <a:defRPr sz="2400" kern="1200">
           <a:solidFill>
@@ -3722,7 +3215,7 @@
         <a:spcBef>
           <a:spcPts val="500"/>
         </a:spcBef>
-        <a:buFont typeface="Arial" panose="020B0604020202020204" pitchFamily="34" charset="0"/>
+        <a:buFont typeface="Arial"/>
         <a:buChar char="•"/>
         <a:defRPr sz="2000" kern="1200">
           <a:solidFill>
@@ -3740,7 +3233,7 @@
         <a:spcBef>
           <a:spcPts val="500"/>
         </a:spcBef>
-        <a:buFont typeface="Arial" panose="020B0604020202020204" pitchFamily="34" charset="0"/>
+        <a:buFont typeface="Arial"/>
         <a:buChar char="•"/>
         <a:defRPr sz="1800" kern="1200">
           <a:solidFill>
@@ -3758,7 +3251,7 @@
         <a:spcBef>
           <a:spcPts val="500"/>
         </a:spcBef>
-        <a:buFont typeface="Arial" panose="020B0604020202020204" pitchFamily="34" charset="0"/>
+        <a:buFont typeface="Arial"/>
         <a:buChar char="•"/>
         <a:defRPr sz="1800" kern="1200">
           <a:solidFill>
@@ -3776,7 +3269,7 @@
         <a:spcBef>
           <a:spcPts val="500"/>
         </a:spcBef>
-        <a:buFont typeface="Arial" panose="020B0604020202020204" pitchFamily="34" charset="0"/>
+        <a:buFont typeface="Arial"/>
         <a:buChar char="•"/>
         <a:defRPr sz="1800" kern="1200">
           <a:solidFill>
@@ -3794,7 +3287,7 @@
         <a:spcBef>
           <a:spcPts val="500"/>
         </a:spcBef>
-        <a:buFont typeface="Arial" panose="020B0604020202020204" pitchFamily="34" charset="0"/>
+        <a:buFont typeface="Arial"/>
         <a:buChar char="•"/>
         <a:defRPr sz="1800" kern="1200">
           <a:solidFill>
@@ -3812,7 +3305,7 @@
         <a:spcBef>
           <a:spcPts val="500"/>
         </a:spcBef>
-        <a:buFont typeface="Arial" panose="020B0604020202020204" pitchFamily="34" charset="0"/>
+        <a:buFont typeface="Arial"/>
         <a:buChar char="•"/>
         <a:defRPr sz="1800" kern="1200">
           <a:solidFill>
@@ -3830,7 +3323,7 @@
         <a:spcBef>
           <a:spcPts val="500"/>
         </a:spcBef>
-        <a:buFont typeface="Arial" panose="020B0604020202020204" pitchFamily="34" charset="0"/>
+        <a:buFont typeface="Arial"/>
         <a:buChar char="•"/>
         <a:defRPr sz="1800" kern="1200">
           <a:solidFill>
@@ -3963,7 +3456,7 @@
           <p:cNvPr id="2" name="Title 1">
             <a:extLst>
               <a:ext uri="{FF2B5EF4-FFF2-40B4-BE49-F238E27FC236}">
-                <a16:creationId xmlns:a16="http://schemas.microsoft.com/office/drawing/2014/main" id="{FAA89291-60DA-2C40-8096-73810E04757F}"/>
+                <a16:creationId xmlns:a16="http://schemas.microsoft.com/office/drawing/2014/main" xmlns="" id="{FAA89291-60DA-2C40-8096-73810E04757F}"/>
               </a:ext>
             </a:extLst>
           </p:cNvPr>
@@ -3992,7 +3485,7 @@
           <p:cNvPr id="3" name="Subtitle 2">
             <a:extLst>
               <a:ext uri="{FF2B5EF4-FFF2-40B4-BE49-F238E27FC236}">
-                <a16:creationId xmlns:a16="http://schemas.microsoft.com/office/drawing/2014/main" id="{CEB73EAD-9E51-C647-886C-A89700E6F256}"/>
+                <a16:creationId xmlns:a16="http://schemas.microsoft.com/office/drawing/2014/main" xmlns="" id="{CEB73EAD-9E51-C647-886C-A89700E6F256}"/>
               </a:ext>
             </a:extLst>
           </p:cNvPr>
@@ -4036,7 +3529,7 @@
           <p:cNvPr id="5" name="Picture 4">
             <a:extLst>
               <a:ext uri="{FF2B5EF4-FFF2-40B4-BE49-F238E27FC236}">
-                <a16:creationId xmlns:a16="http://schemas.microsoft.com/office/drawing/2014/main" id="{0056138C-987F-684A-938F-5B452E26E6CF}"/>
+                <a16:creationId xmlns:a16="http://schemas.microsoft.com/office/drawing/2014/main" xmlns="" id="{0056138C-987F-684A-938F-5B452E26E6CF}"/>
               </a:ext>
             </a:extLst>
           </p:cNvPr>
@@ -4096,7 +3589,7 @@
           <p:cNvPr id="2" name="Title 1">
             <a:extLst>
               <a:ext uri="{FF2B5EF4-FFF2-40B4-BE49-F238E27FC236}">
-                <a16:creationId xmlns:a16="http://schemas.microsoft.com/office/drawing/2014/main" id="{AA9F9160-9019-3040-A139-DCC8B1C95273}"/>
+                <a16:creationId xmlns:a16="http://schemas.microsoft.com/office/drawing/2014/main" xmlns="" id="{80650A49-BE78-CB47-87F4-137D78D89344}"/>
               </a:ext>
             </a:extLst>
           </p:cNvPr>
@@ -4115,7 +3608,7 @@
             <a:pPr algn="ctr"/>
             <a:r>
               <a:rPr lang="en-US" dirty="0"/>
-              <a:t>How we do it - Auditing</a:t>
+              <a:t>How we do it – Database integration</a:t>
             </a:r>
           </a:p>
         </p:txBody>
@@ -4125,7 +3618,7 @@
           <p:cNvPr id="3" name="Content Placeholder 2">
             <a:extLst>
               <a:ext uri="{FF2B5EF4-FFF2-40B4-BE49-F238E27FC236}">
-                <a16:creationId xmlns:a16="http://schemas.microsoft.com/office/drawing/2014/main" id="{0A31F19A-6F02-B246-85CC-8A5EF661C09D}"/>
+                <a16:creationId xmlns:a16="http://schemas.microsoft.com/office/drawing/2014/main" xmlns="" id="{5F5DC835-9939-6F45-AF4A-B6B80623ED1D}"/>
               </a:ext>
             </a:extLst>
           </p:cNvPr>
@@ -4143,50 +3636,45 @@
           <a:p>
             <a:pPr>
               <a:lnSpc>
-                <a:spcPct val="100000"/>
+                <a:spcPct val="200000"/>
               </a:lnSpc>
             </a:pPr>
             <a:r>
               <a:rPr lang="en-US" dirty="0"/>
-              <a:t>Train off previous intervals of data</a:t>
+              <a:t>Currently only support MySQL</a:t>
             </a:r>
           </a:p>
           <a:p>
             <a:pPr>
               <a:lnSpc>
-                <a:spcPct val="100000"/>
+                <a:spcPct val="200000"/>
               </a:lnSpc>
             </a:pPr>
-            <a:endParaRPr lang="en-US" dirty="0"/>
+            <a:r>
+              <a:rPr lang="en-US" dirty="0"/>
+              <a:t>No complicated queries, just getting full columns</a:t>
+            </a:r>
           </a:p>
           <a:p>
             <a:pPr>
               <a:lnSpc>
-                <a:spcPct val="100000"/>
+                <a:spcPct val="200000"/>
               </a:lnSpc>
             </a:pPr>
             <a:r>
               <a:rPr lang="en-US" dirty="0"/>
-              <a:t>Predict behavior of future data</a:t>
-            </a:r>
-          </a:p>
-          <a:p>
-            <a:pPr>
+              <a:t>Extension to other databases is not difficult</a:t>
+            </a:r>
+          </a:p>
+          <a:p>
+            <a:pPr lvl="1">
               <a:lnSpc>
-                <a:spcPct val="100000"/>
+                <a:spcPct val="200000"/>
               </a:lnSpc>
             </a:pPr>
-            <a:endParaRPr lang="en-US" dirty="0"/>
-          </a:p>
-          <a:p>
-            <a:pPr>
-              <a:lnSpc>
-                <a:spcPct val="100000"/>
-              </a:lnSpc>
-            </a:pPr>
             <a:r>
               <a:rPr lang="en-US" dirty="0"/>
-              <a:t>Notify users of any anomalies that are anomalous enough to satisfy notification thresholds</a:t>
+              <a:t>Assuming they have nicely defined APIs.</a:t>
             </a:r>
           </a:p>
         </p:txBody>
@@ -4196,7 +3684,7 @@
           <p:cNvPr id="4" name="Picture 3">
             <a:extLst>
               <a:ext uri="{FF2B5EF4-FFF2-40B4-BE49-F238E27FC236}">
-                <a16:creationId xmlns:a16="http://schemas.microsoft.com/office/drawing/2014/main" id="{E4AEDFE2-2953-F54B-B6FB-1C4BD361B3F7}"/>
+                <a16:creationId xmlns:a16="http://schemas.microsoft.com/office/drawing/2014/main" xmlns="" id="{9008AD4F-484B-8040-B237-4A4DE7B0EA8E}"/>
               </a:ext>
             </a:extLst>
           </p:cNvPr>
@@ -4224,7 +3712,7 @@
     </p:spTree>
     <p:extLst>
       <p:ext uri="{BB962C8B-B14F-4D97-AF65-F5344CB8AC3E}">
-        <p14:creationId xmlns:p14="http://schemas.microsoft.com/office/powerpoint/2010/main" val="158140429"/>
+        <p14:creationId xmlns:p14="http://schemas.microsoft.com/office/powerpoint/2010/main" val="2192430235"/>
       </p:ext>
     </p:extLst>
   </p:cSld>
@@ -4253,7 +3741,13 @@
       </p:grpSpPr>
       <p:sp>
         <p:nvSpPr>
-          <p:cNvPr id="2" name="Title 1"/>
+          <p:cNvPr id="2" name="Title 1">
+            <a:extLst>
+              <a:ext uri="{FF2B5EF4-FFF2-40B4-BE49-F238E27FC236}">
+                <a16:creationId xmlns:a16="http://schemas.microsoft.com/office/drawing/2014/main" xmlns="" id="{BC5DA4AD-0C71-7A47-85DE-BC9DE15B285A}"/>
+              </a:ext>
+            </a:extLst>
+          </p:cNvPr>
           <p:cNvSpPr>
             <a:spLocks noGrp="1"/>
           </p:cNvSpPr>
@@ -4269,14 +3763,20 @@
             <a:pPr algn="ctr"/>
             <a:r>
               <a:rPr lang="en-US" dirty="0"/>
-              <a:t>Challenges</a:t>
-            </a:r>
-          </a:p>
-        </p:txBody>
-      </p:sp>
-      <p:sp>
-        <p:nvSpPr>
-          <p:cNvPr id="3" name="Content Placeholder 2"/>
+              <a:t>How we do it - Slack</a:t>
+            </a:r>
+          </a:p>
+        </p:txBody>
+      </p:sp>
+      <p:sp>
+        <p:nvSpPr>
+          <p:cNvPr id="3" name="Content Placeholder 2">
+            <a:extLst>
+              <a:ext uri="{FF2B5EF4-FFF2-40B4-BE49-F238E27FC236}">
+                <a16:creationId xmlns:a16="http://schemas.microsoft.com/office/drawing/2014/main" xmlns="" id="{DFEB92B7-8F82-E449-A4BC-7E38092C7E34}"/>
+              </a:ext>
+            </a:extLst>
+          </p:cNvPr>
           <p:cNvSpPr>
             <a:spLocks noGrp="1"/>
           </p:cNvSpPr>
@@ -4289,59 +3789,37 @@
           <a:bodyPr/>
           <a:lstStyle/>
           <a:p>
+            <a:pPr>
+              <a:lnSpc>
+                <a:spcPct val="200000"/>
+              </a:lnSpc>
+            </a:pPr>
             <a:r>
               <a:rPr lang="en-US" dirty="0"/>
-              <a:t>Security</a:t>
-            </a:r>
-          </a:p>
-          <a:p>
-            <a:pPr lvl="1"/>
+              <a:t>Local slack app</a:t>
+            </a:r>
+          </a:p>
+          <a:p>
+            <a:pPr>
+              <a:lnSpc>
+                <a:spcPct val="200000"/>
+              </a:lnSpc>
+            </a:pPr>
             <a:r>
               <a:rPr lang="en-US" dirty="0"/>
-              <a:t>Everything is local</a:t>
-            </a:r>
-          </a:p>
-          <a:p>
+              <a:t>Users add to internal Slack</a:t>
+            </a:r>
+          </a:p>
+          <a:p>
+            <a:pPr>
+              <a:lnSpc>
+                <a:spcPct val="200000"/>
+              </a:lnSpc>
+            </a:pPr>
             <a:r>
               <a:rPr lang="en-US" dirty="0"/>
-              <a:t>Alert Fatigue</a:t>
-            </a:r>
-          </a:p>
-          <a:p>
-            <a:pPr lvl="1"/>
-            <a:r>
-              <a:rPr lang="en-US" dirty="0"/>
-              <a:t>Custom thresholds for notifications</a:t>
-            </a:r>
-          </a:p>
-          <a:p>
-            <a:r>
-              <a:rPr lang="en-US" dirty="0"/>
-              <a:t>Performance constraints</a:t>
-            </a:r>
-          </a:p>
-          <a:p>
-            <a:pPr lvl="1"/>
-            <a:r>
-              <a:rPr lang="en-US" dirty="0"/>
-              <a:t>Use sampling up to a max number of rows</a:t>
-            </a:r>
-          </a:p>
-          <a:p>
-            <a:r>
-              <a:rPr lang="en-US" dirty="0"/>
-              <a:t>Constraint discovery is hard</a:t>
-            </a:r>
-          </a:p>
-          <a:p>
-            <a:pPr lvl="1"/>
-            <a:r>
-              <a:rPr lang="en-US" dirty="0"/>
-              <a:t>We’ll do our best</a:t>
-            </a:r>
-          </a:p>
-          <a:p>
-            <a:endParaRPr lang="en-US" dirty="0"/>
+              <a:t>Notifications and interactivity</a:t>
+            </a:r>
           </a:p>
           <a:p>
             <a:endParaRPr lang="en-US" dirty="0"/>
@@ -4356,7 +3834,7 @@
           <p:cNvPr id="4" name="Picture 3">
             <a:extLst>
               <a:ext uri="{FF2B5EF4-FFF2-40B4-BE49-F238E27FC236}">
-                <a16:creationId xmlns:a16="http://schemas.microsoft.com/office/drawing/2014/main" id="{E4AEDFE2-2953-F54B-B6FB-1C4BD361B3F7}"/>
+                <a16:creationId xmlns:a16="http://schemas.microsoft.com/office/drawing/2014/main" xmlns="" id="{1DB5F070-954F-B246-92C2-DBBAF1318929}"/>
               </a:ext>
             </a:extLst>
           </p:cNvPr>
@@ -4384,7 +3862,7 @@
     </p:spTree>
     <p:extLst>
       <p:ext uri="{BB962C8B-B14F-4D97-AF65-F5344CB8AC3E}">
-        <p14:creationId xmlns:p14="http://schemas.microsoft.com/office/powerpoint/2010/main" val="250373432"/>
+        <p14:creationId xmlns:p14="http://schemas.microsoft.com/office/powerpoint/2010/main" val="372812670"/>
       </p:ext>
     </p:extLst>
   </p:cSld>
@@ -4394,7 +3872,7 @@
 </p:sld>
 </file>
 
-<file path=ppt/slides/slide12.xml><?xml version="1.0" encoding="utf-8"?>
+<file path=ppt/slides/slide2.xml><?xml version="1.0" encoding="utf-8"?>
 <p:sld xmlns:a="http://schemas.openxmlformats.org/drawingml/2006/main" xmlns:r="http://schemas.openxmlformats.org/officeDocument/2006/relationships" xmlns:p="http://schemas.openxmlformats.org/presentationml/2006/main">
   <p:cSld>
     <p:spTree>
@@ -4413,13 +3891,7 @@
       </p:grpSpPr>
       <p:sp>
         <p:nvSpPr>
-          <p:cNvPr id="2" name="Title 1">
-            <a:extLst>
-              <a:ext uri="{FF2B5EF4-FFF2-40B4-BE49-F238E27FC236}">
-                <a16:creationId xmlns:a16="http://schemas.microsoft.com/office/drawing/2014/main" id="{E394CE2A-A9C6-F34F-8952-7B586B7A7598}"/>
-              </a:ext>
-            </a:extLst>
-          </p:cNvPr>
+          <p:cNvPr id="2" name="Title 1"/>
           <p:cNvSpPr>
             <a:spLocks noGrp="1"/>
           </p:cNvSpPr>
@@ -4434,9 +3906,72 @@
           <a:p>
             <a:pPr algn="ctr"/>
             <a:r>
-              <a:rPr lang="en-US" dirty="0"/>
-              <a:t>Demo</a:t>
-            </a:r>
+              <a:rPr lang="en-US" dirty="0" smtClean="0"/>
+              <a:t>Recap</a:t>
+            </a:r>
+            <a:endParaRPr lang="en-US" dirty="0"/>
+          </a:p>
+        </p:txBody>
+      </p:sp>
+      <p:sp>
+        <p:nvSpPr>
+          <p:cNvPr id="3" name="Content Placeholder 2"/>
+          <p:cNvSpPr>
+            <a:spLocks noGrp="1"/>
+          </p:cNvSpPr>
+          <p:nvPr>
+            <p:ph idx="1"/>
+          </p:nvPr>
+        </p:nvSpPr>
+        <p:spPr/>
+        <p:txBody>
+          <a:bodyPr/>
+          <a:lstStyle/>
+          <a:p>
+            <a:r>
+              <a:rPr lang="en-US" dirty="0" smtClean="0"/>
+              <a:t>What we do =&gt; Data Auditing, Cleanliness, Hygiene</a:t>
+            </a:r>
+          </a:p>
+          <a:p>
+            <a:r>
+              <a:rPr lang="en-US" dirty="0" smtClean="0"/>
+              <a:t>Who’s it for =&gt; </a:t>
+            </a:r>
+            <a:r>
+              <a:rPr lang="en-US" dirty="0" smtClean="0"/>
+              <a:t>Companies with large amounts of data</a:t>
+            </a:r>
+          </a:p>
+          <a:p>
+            <a:endParaRPr lang="en-US" dirty="0"/>
+          </a:p>
+          <a:p>
+            <a:endParaRPr lang="en-US" dirty="0" smtClean="0"/>
+          </a:p>
+          <a:p>
+            <a:endParaRPr lang="en-US" dirty="0"/>
+          </a:p>
+          <a:p>
+            <a:r>
+              <a:rPr lang="en-US" dirty="0" smtClean="0"/>
+              <a:t>Currently data quality checking is done with brittle rules engines (don’t evolve with data) and noisy anomaly detection</a:t>
+            </a:r>
+          </a:p>
+          <a:p>
+            <a:r>
+              <a:rPr lang="en-US" dirty="0" err="1" smtClean="0"/>
+              <a:t>Daudit</a:t>
+            </a:r>
+            <a:r>
+              <a:rPr lang="en-US" dirty="0" smtClean="0"/>
+              <a:t> aims solve these problems</a:t>
+            </a:r>
+            <a:endParaRPr lang="en-US" dirty="0" smtClean="0"/>
+          </a:p>
+          <a:p>
+            <a:pPr lvl="1"/>
+            <a:endParaRPr lang="en-US" dirty="0"/>
           </a:p>
         </p:txBody>
       </p:sp>
@@ -4445,7 +3980,7 @@
           <p:cNvPr id="4" name="Picture 3">
             <a:extLst>
               <a:ext uri="{FF2B5EF4-FFF2-40B4-BE49-F238E27FC236}">
-                <a16:creationId xmlns:a16="http://schemas.microsoft.com/office/drawing/2014/main" id="{700EA7AA-F650-334A-956C-0AB6D3D51848}"/>
+                <a16:creationId xmlns:a16="http://schemas.microsoft.com/office/drawing/2014/main" xmlns="" id="{0056138C-987F-684A-938F-5B452E26E6CF}"/>
               </a:ext>
             </a:extLst>
           </p:cNvPr>
@@ -4462,8 +3997,68 @@
         </p:blipFill>
         <p:spPr>
           <a:xfrm>
-            <a:off x="5321300" y="2752461"/>
+            <a:off x="10642600" y="5308600"/>
             <a:ext cx="1549400" cy="1549400"/>
+          </a:xfrm>
+          <a:prstGeom prst="rect">
+            <a:avLst/>
+          </a:prstGeom>
+        </p:spPr>
+      </p:pic>
+      <p:pic>
+        <p:nvPicPr>
+          <p:cNvPr id="5" name="Picture 4">
+            <a:extLst>
+              <a:ext uri="{FF2B5EF4-FFF2-40B4-BE49-F238E27FC236}">
+                <a16:creationId xmlns:a16="http://schemas.microsoft.com/office/drawing/2014/main" xmlns="" id="{C33F4CFD-AAF0-784F-8D1A-AEFC1C5E590D}"/>
+              </a:ext>
+            </a:extLst>
+          </p:cNvPr>
+          <p:cNvPicPr>
+            <a:picLocks noChangeAspect="1"/>
+          </p:cNvPicPr>
+          <p:nvPr/>
+        </p:nvPicPr>
+        <p:blipFill>
+          <a:blip r:embed="rId3"/>
+          <a:stretch>
+            <a:fillRect/>
+          </a:stretch>
+        </p:blipFill>
+        <p:spPr>
+          <a:xfrm>
+            <a:off x="1958538" y="2803155"/>
+            <a:ext cx="2294467" cy="960808"/>
+          </a:xfrm>
+          <a:prstGeom prst="rect">
+            <a:avLst/>
+          </a:prstGeom>
+        </p:spPr>
+      </p:pic>
+      <p:pic>
+        <p:nvPicPr>
+          <p:cNvPr id="6" name="Picture 5">
+            <a:extLst>
+              <a:ext uri="{FF2B5EF4-FFF2-40B4-BE49-F238E27FC236}">
+                <a16:creationId xmlns:a16="http://schemas.microsoft.com/office/drawing/2014/main" xmlns="" id="{2D375751-A7E1-0648-A61D-70EF4E727BC8}"/>
+              </a:ext>
+            </a:extLst>
+          </p:cNvPr>
+          <p:cNvPicPr>
+            <a:picLocks noChangeAspect="1"/>
+          </p:cNvPicPr>
+          <p:nvPr/>
+        </p:nvPicPr>
+        <p:blipFill>
+          <a:blip r:embed="rId4"/>
+          <a:stretch>
+            <a:fillRect/>
+          </a:stretch>
+        </p:blipFill>
+        <p:spPr>
+          <a:xfrm>
+            <a:off x="4802551" y="2803155"/>
+            <a:ext cx="3518010" cy="1097619"/>
           </a:xfrm>
           <a:prstGeom prst="rect">
             <a:avLst/>
@@ -4473,7 +4068,7 @@
     </p:spTree>
     <p:extLst>
       <p:ext uri="{BB962C8B-B14F-4D97-AF65-F5344CB8AC3E}">
-        <p14:creationId xmlns:p14="http://schemas.microsoft.com/office/powerpoint/2010/main" val="1987132512"/>
+        <p14:creationId xmlns:p14="http://schemas.microsoft.com/office/powerpoint/2010/main" val="1112002793"/>
       </p:ext>
     </p:extLst>
   </p:cSld>
@@ -4483,7 +4078,7 @@
 </p:sld>
 </file>
 
-<file path=ppt/slides/slide13.xml><?xml version="1.0" encoding="utf-8"?>
+<file path=ppt/slides/slide3.xml><?xml version="1.0" encoding="utf-8"?>
 <p:sld xmlns:a="http://schemas.openxmlformats.org/drawingml/2006/main" xmlns:r="http://schemas.openxmlformats.org/officeDocument/2006/relationships" xmlns:p="http://schemas.openxmlformats.org/presentationml/2006/main">
   <p:cSld>
     <p:spTree>
@@ -4517,9 +4112,10 @@
           <a:p>
             <a:pPr algn="ctr"/>
             <a:r>
-              <a:rPr lang="en-US" dirty="0"/>
-              <a:t>Null Proportion Confidence Intervals</a:t>
-            </a:r>
+              <a:rPr lang="en-US" dirty="0" smtClean="0"/>
+              <a:t>Midterm Demo Recap</a:t>
+            </a:r>
+            <a:endParaRPr lang="en-US" dirty="0"/>
           </a:p>
         </p:txBody>
       </p:sp>
@@ -4539,49 +4135,30 @@
           <a:lstStyle/>
           <a:p>
             <a:r>
-              <a:rPr lang="en-US" dirty="0"/>
-              <a:t>Treat the column </a:t>
-            </a:r>
-            <a:r>
-              <a:rPr lang="en-US"/>
-              <a:t>being null </a:t>
-            </a:r>
-            <a:r>
-              <a:rPr lang="en-US" dirty="0"/>
-              <a:t>as a Bernoulli Trial</a:t>
-            </a:r>
-          </a:p>
-          <a:p>
-            <a:r>
-              <a:rPr lang="en-US" dirty="0"/>
-              <a:t>Assume the proportion of nulls is normally distributed</a:t>
-            </a:r>
-          </a:p>
-          <a:p>
-            <a:r>
-              <a:rPr lang="en-US" dirty="0"/>
-              <a:t>Create confidence interval:</a:t>
-            </a:r>
-          </a:p>
-          <a:p>
-            <a:endParaRPr lang="en-US" dirty="0"/>
-          </a:p>
-          <a:p>
-            <a:endParaRPr lang="en-US" dirty="0"/>
-          </a:p>
-          <a:p>
-            <a:r>
-              <a:rPr lang="en-US" dirty="0"/>
-              <a:t>If next period of data has a null proportion outside the 95% confidence interval, </a:t>
-            </a:r>
-            <a:r>
-              <a:rPr lang="en-US" dirty="0" err="1"/>
-              <a:t>Daudit</a:t>
-            </a:r>
-            <a:r>
-              <a:rPr lang="en-US" dirty="0"/>
-              <a:t> reports it</a:t>
-            </a:r>
+              <a:rPr lang="en-US" dirty="0" smtClean="0"/>
+              <a:t>Single column null proportion error checking </a:t>
+            </a:r>
+          </a:p>
+          <a:p>
+            <a:r>
+              <a:rPr lang="en-US" dirty="0" smtClean="0"/>
+              <a:t>Basic Slack functionality</a:t>
+            </a:r>
+          </a:p>
+          <a:p>
+            <a:r>
+              <a:rPr lang="en-US" dirty="0" smtClean="0"/>
+              <a:t>Locally hosted</a:t>
+            </a:r>
+          </a:p>
+          <a:p>
+            <a:r>
+              <a:rPr lang="en-US" dirty="0" smtClean="0"/>
+              <a:t>MySQL Integration</a:t>
+            </a:r>
+          </a:p>
+          <a:p>
+            <a:endParaRPr lang="en-US" dirty="0" smtClean="0"/>
           </a:p>
         </p:txBody>
       </p:sp>
@@ -4590,7 +4167,443 @@
           <p:cNvPr id="4" name="Picture 3">
             <a:extLst>
               <a:ext uri="{FF2B5EF4-FFF2-40B4-BE49-F238E27FC236}">
-                <a16:creationId xmlns:a16="http://schemas.microsoft.com/office/drawing/2014/main" id="{E4AEDFE2-2953-F54B-B6FB-1C4BD361B3F7}"/>
+                <a16:creationId xmlns:a16="http://schemas.microsoft.com/office/drawing/2014/main" xmlns="" id="{0056138C-987F-684A-938F-5B452E26E6CF}"/>
+              </a:ext>
+            </a:extLst>
+          </p:cNvPr>
+          <p:cNvPicPr>
+            <a:picLocks noChangeAspect="1"/>
+          </p:cNvPicPr>
+          <p:nvPr/>
+        </p:nvPicPr>
+        <p:blipFill>
+          <a:blip r:embed="rId2"/>
+          <a:stretch>
+            <a:fillRect/>
+          </a:stretch>
+        </p:blipFill>
+        <p:spPr>
+          <a:xfrm>
+            <a:off x="10642600" y="5308600"/>
+            <a:ext cx="1549400" cy="1549400"/>
+          </a:xfrm>
+          <a:prstGeom prst="rect">
+            <a:avLst/>
+          </a:prstGeom>
+        </p:spPr>
+      </p:pic>
+    </p:spTree>
+    <p:extLst>
+      <p:ext uri="{BB962C8B-B14F-4D97-AF65-F5344CB8AC3E}">
+        <p14:creationId xmlns:p14="http://schemas.microsoft.com/office/powerpoint/2010/main" val="2042586479"/>
+      </p:ext>
+    </p:extLst>
+  </p:cSld>
+  <p:clrMapOvr>
+    <a:masterClrMapping/>
+  </p:clrMapOvr>
+</p:sld>
+</file>
+
+<file path=ppt/slides/slide4.xml><?xml version="1.0" encoding="utf-8"?>
+<p:sld xmlns:a="http://schemas.openxmlformats.org/drawingml/2006/main" xmlns:r="http://schemas.openxmlformats.org/officeDocument/2006/relationships" xmlns:p="http://schemas.openxmlformats.org/presentationml/2006/main">
+  <p:cSld>
+    <p:spTree>
+      <p:nvGrpSpPr>
+        <p:cNvPr id="1" name=""/>
+        <p:cNvGrpSpPr/>
+        <p:nvPr/>
+      </p:nvGrpSpPr>
+      <p:grpSpPr>
+        <a:xfrm>
+          <a:off x="0" y="0"/>
+          <a:ext cx="0" cy="0"/>
+          <a:chOff x="0" y="0"/>
+          <a:chExt cx="0" cy="0"/>
+        </a:xfrm>
+      </p:grpSpPr>
+      <p:sp>
+        <p:nvSpPr>
+          <p:cNvPr id="2" name="Title 1"/>
+          <p:cNvSpPr>
+            <a:spLocks noGrp="1"/>
+          </p:cNvSpPr>
+          <p:nvPr>
+            <p:ph type="title"/>
+          </p:nvPr>
+        </p:nvSpPr>
+        <p:spPr>
+          <a:xfrm>
+            <a:off x="838200" y="381751"/>
+            <a:ext cx="10515600" cy="1325563"/>
+          </a:xfrm>
+        </p:spPr>
+        <p:txBody>
+          <a:bodyPr/>
+          <a:lstStyle/>
+          <a:p>
+            <a:pPr algn="ctr"/>
+            <a:r>
+              <a:rPr lang="en-US" dirty="0" smtClean="0"/>
+              <a:t>What’s New </a:t>
+            </a:r>
+            <a:endParaRPr lang="en-US" dirty="0"/>
+          </a:p>
+        </p:txBody>
+      </p:sp>
+      <p:sp>
+        <p:nvSpPr>
+          <p:cNvPr id="3" name="Content Placeholder 2"/>
+          <p:cNvSpPr>
+            <a:spLocks noGrp="1"/>
+          </p:cNvSpPr>
+          <p:nvPr>
+            <p:ph idx="1"/>
+          </p:nvPr>
+        </p:nvSpPr>
+        <p:spPr/>
+        <p:txBody>
+          <a:bodyPr/>
+          <a:lstStyle/>
+          <a:p>
+            <a:r>
+              <a:rPr lang="en-US" dirty="0" smtClean="0"/>
+              <a:t>More database integrations </a:t>
+            </a:r>
+            <a:r>
+              <a:rPr lang="mr-IN" dirty="0" smtClean="0"/>
+              <a:t>–</a:t>
+            </a:r>
+            <a:r>
+              <a:rPr lang="en-US" dirty="0" smtClean="0"/>
+              <a:t> PostgreSQL</a:t>
+            </a:r>
+            <a:endParaRPr lang="en-US" dirty="0"/>
+          </a:p>
+          <a:p>
+            <a:r>
+              <a:rPr lang="en-US" dirty="0" smtClean="0"/>
+              <a:t>More anomaly detection</a:t>
+            </a:r>
+          </a:p>
+          <a:p>
+            <a:pPr lvl="1"/>
+            <a:r>
+              <a:rPr lang="en-US" dirty="0" smtClean="0"/>
+              <a:t>Binary relationships</a:t>
+            </a:r>
+          </a:p>
+          <a:p>
+            <a:r>
+              <a:rPr lang="en-US" dirty="0" smtClean="0"/>
+              <a:t>Additional Slack functionality</a:t>
+            </a:r>
+          </a:p>
+          <a:p>
+            <a:pPr lvl="1"/>
+            <a:r>
+              <a:rPr lang="en-US" dirty="0" smtClean="0"/>
+              <a:t>Cleaner notifications</a:t>
+            </a:r>
+          </a:p>
+          <a:p>
+            <a:pPr lvl="1"/>
+            <a:r>
+              <a:rPr lang="en-US" dirty="0" smtClean="0"/>
+              <a:t>Feedback buttons</a:t>
+            </a:r>
+          </a:p>
+          <a:p>
+            <a:r>
+              <a:rPr lang="en-US" smtClean="0"/>
+              <a:t>Alert </a:t>
+            </a:r>
+            <a:r>
+              <a:rPr lang="en-US" dirty="0" smtClean="0"/>
+              <a:t>back-off to prevent noise</a:t>
+            </a:r>
+            <a:endParaRPr lang="en-US" dirty="0"/>
+          </a:p>
+        </p:txBody>
+      </p:sp>
+      <p:pic>
+        <p:nvPicPr>
+          <p:cNvPr id="4" name="Picture 3">
+            <a:extLst>
+              <a:ext uri="{FF2B5EF4-FFF2-40B4-BE49-F238E27FC236}">
+                <a16:creationId xmlns:a16="http://schemas.microsoft.com/office/drawing/2014/main" xmlns="" id="{0056138C-987F-684A-938F-5B452E26E6CF}"/>
+              </a:ext>
+            </a:extLst>
+          </p:cNvPr>
+          <p:cNvPicPr>
+            <a:picLocks noChangeAspect="1"/>
+          </p:cNvPicPr>
+          <p:nvPr/>
+        </p:nvPicPr>
+        <p:blipFill>
+          <a:blip r:embed="rId2"/>
+          <a:stretch>
+            <a:fillRect/>
+          </a:stretch>
+        </p:blipFill>
+        <p:spPr>
+          <a:xfrm>
+            <a:off x="10642600" y="5308600"/>
+            <a:ext cx="1549400" cy="1549400"/>
+          </a:xfrm>
+          <a:prstGeom prst="rect">
+            <a:avLst/>
+          </a:prstGeom>
+        </p:spPr>
+      </p:pic>
+    </p:spTree>
+    <p:extLst>
+      <p:ext uri="{BB962C8B-B14F-4D97-AF65-F5344CB8AC3E}">
+        <p14:creationId xmlns:p14="http://schemas.microsoft.com/office/powerpoint/2010/main" val="333428008"/>
+      </p:ext>
+    </p:extLst>
+  </p:cSld>
+  <p:clrMapOvr>
+    <a:masterClrMapping/>
+  </p:clrMapOvr>
+</p:sld>
+</file>
+
+<file path=ppt/slides/slide5.xml><?xml version="1.0" encoding="utf-8"?>
+<p:sld xmlns:a="http://schemas.openxmlformats.org/drawingml/2006/main" xmlns:r="http://schemas.openxmlformats.org/officeDocument/2006/relationships" xmlns:p="http://schemas.openxmlformats.org/presentationml/2006/main">
+  <p:cSld>
+    <p:spTree>
+      <p:nvGrpSpPr>
+        <p:cNvPr id="1" name=""/>
+        <p:cNvGrpSpPr/>
+        <p:nvPr/>
+      </p:nvGrpSpPr>
+      <p:grpSpPr>
+        <a:xfrm>
+          <a:off x="0" y="0"/>
+          <a:ext cx="0" cy="0"/>
+          <a:chOff x="0" y="0"/>
+          <a:chExt cx="0" cy="0"/>
+        </a:xfrm>
+      </p:grpSpPr>
+      <p:sp>
+        <p:nvSpPr>
+          <p:cNvPr id="2" name="Title 1"/>
+          <p:cNvSpPr>
+            <a:spLocks noGrp="1"/>
+          </p:cNvSpPr>
+          <p:nvPr>
+            <p:ph type="title"/>
+          </p:nvPr>
+        </p:nvSpPr>
+        <p:spPr/>
+        <p:txBody>
+          <a:bodyPr/>
+          <a:lstStyle/>
+          <a:p>
+            <a:pPr algn="ctr"/>
+            <a:r>
+              <a:rPr lang="en-US" smtClean="0"/>
+              <a:t>Database Integrations</a:t>
+            </a:r>
+            <a:endParaRPr lang="en-US" dirty="0"/>
+          </a:p>
+        </p:txBody>
+      </p:sp>
+      <p:sp>
+        <p:nvSpPr>
+          <p:cNvPr id="3" name="Content Placeholder 2"/>
+          <p:cNvSpPr>
+            <a:spLocks noGrp="1"/>
+          </p:cNvSpPr>
+          <p:nvPr>
+            <p:ph idx="1"/>
+          </p:nvPr>
+        </p:nvSpPr>
+        <p:spPr/>
+        <p:txBody>
+          <a:bodyPr/>
+          <a:lstStyle/>
+          <a:p>
+            <a:r>
+              <a:rPr lang="en-US" dirty="0" smtClean="0"/>
+              <a:t>Added integration for </a:t>
+            </a:r>
+            <a:r>
+              <a:rPr lang="en-US" dirty="0" err="1" smtClean="0"/>
+              <a:t>postgreSQL</a:t>
+            </a:r>
+            <a:r>
+              <a:rPr lang="en-US" dirty="0" smtClean="0"/>
+              <a:t> databases</a:t>
+            </a:r>
+          </a:p>
+          <a:p>
+            <a:r>
+              <a:rPr lang="en-US" dirty="0" err="1" smtClean="0"/>
+              <a:t>Psycopg</a:t>
+            </a:r>
+            <a:r>
+              <a:rPr lang="en-US" dirty="0" smtClean="0"/>
+              <a:t> connector leveraged</a:t>
+            </a:r>
+          </a:p>
+          <a:p>
+            <a:endParaRPr lang="en-US" dirty="0" smtClean="0"/>
+          </a:p>
+        </p:txBody>
+      </p:sp>
+      <p:pic>
+        <p:nvPicPr>
+          <p:cNvPr id="4" name="Picture 3">
+            <a:extLst>
+              <a:ext uri="{FF2B5EF4-FFF2-40B4-BE49-F238E27FC236}">
+                <a16:creationId xmlns:a16="http://schemas.microsoft.com/office/drawing/2014/main" xmlns="" id="{0056138C-987F-684A-938F-5B452E26E6CF}"/>
+              </a:ext>
+            </a:extLst>
+          </p:cNvPr>
+          <p:cNvPicPr>
+            <a:picLocks noChangeAspect="1"/>
+          </p:cNvPicPr>
+          <p:nvPr/>
+        </p:nvPicPr>
+        <p:blipFill>
+          <a:blip r:embed="rId2"/>
+          <a:stretch>
+            <a:fillRect/>
+          </a:stretch>
+        </p:blipFill>
+        <p:spPr>
+          <a:xfrm>
+            <a:off x="10642600" y="5308600"/>
+            <a:ext cx="1549400" cy="1549400"/>
+          </a:xfrm>
+          <a:prstGeom prst="rect">
+            <a:avLst/>
+          </a:prstGeom>
+        </p:spPr>
+      </p:pic>
+    </p:spTree>
+    <p:extLst>
+      <p:ext uri="{BB962C8B-B14F-4D97-AF65-F5344CB8AC3E}">
+        <p14:creationId xmlns:p14="http://schemas.microsoft.com/office/powerpoint/2010/main" val="710121301"/>
+      </p:ext>
+    </p:extLst>
+  </p:cSld>
+  <p:clrMapOvr>
+    <a:masterClrMapping/>
+  </p:clrMapOvr>
+</p:sld>
+</file>
+
+<file path=ppt/slides/slide6.xml><?xml version="1.0" encoding="utf-8"?>
+<p:sld xmlns:a="http://schemas.openxmlformats.org/drawingml/2006/main" xmlns:r="http://schemas.openxmlformats.org/officeDocument/2006/relationships" xmlns:p="http://schemas.openxmlformats.org/presentationml/2006/main">
+  <p:cSld>
+    <p:spTree>
+      <p:nvGrpSpPr>
+        <p:cNvPr id="1" name=""/>
+        <p:cNvGrpSpPr/>
+        <p:nvPr/>
+      </p:nvGrpSpPr>
+      <p:grpSpPr>
+        <a:xfrm>
+          <a:off x="0" y="0"/>
+          <a:ext cx="0" cy="0"/>
+          <a:chOff x="0" y="0"/>
+          <a:chExt cx="0" cy="0"/>
+        </a:xfrm>
+      </p:grpSpPr>
+      <p:sp>
+        <p:nvSpPr>
+          <p:cNvPr id="2" name="Title 1"/>
+          <p:cNvSpPr>
+            <a:spLocks noGrp="1"/>
+          </p:cNvSpPr>
+          <p:nvPr>
+            <p:ph type="title"/>
+          </p:nvPr>
+        </p:nvSpPr>
+        <p:spPr/>
+        <p:txBody>
+          <a:bodyPr/>
+          <a:lstStyle/>
+          <a:p>
+            <a:pPr algn="ctr"/>
+            <a:r>
+              <a:rPr lang="en-US" dirty="0" smtClean="0"/>
+              <a:t>Anomaly Detection</a:t>
+            </a:r>
+            <a:endParaRPr lang="en-US" dirty="0"/>
+          </a:p>
+        </p:txBody>
+      </p:sp>
+      <p:sp>
+        <p:nvSpPr>
+          <p:cNvPr id="3" name="Content Placeholder 2"/>
+          <p:cNvSpPr>
+            <a:spLocks noGrp="1"/>
+          </p:cNvSpPr>
+          <p:nvPr>
+            <p:ph idx="1"/>
+          </p:nvPr>
+        </p:nvSpPr>
+        <p:spPr/>
+        <p:txBody>
+          <a:bodyPr/>
+          <a:lstStyle/>
+          <a:p>
+            <a:r>
+              <a:rPr lang="en-US" dirty="0" smtClean="0"/>
+              <a:t>Binary relations </a:t>
+            </a:r>
+          </a:p>
+          <a:p>
+            <a:pPr lvl="1"/>
+            <a:r>
+              <a:rPr lang="en-US" dirty="0" smtClean="0"/>
+              <a:t>Example NYC311 incident reports</a:t>
+            </a:r>
+          </a:p>
+          <a:p>
+            <a:pPr lvl="1"/>
+            <a:endParaRPr lang="en-US" dirty="0"/>
+          </a:p>
+          <a:p>
+            <a:pPr lvl="1"/>
+            <a:endParaRPr lang="en-US" dirty="0"/>
+          </a:p>
+          <a:p>
+            <a:pPr lvl="1"/>
+            <a:endParaRPr lang="en-US" dirty="0"/>
+          </a:p>
+          <a:p>
+            <a:pPr lvl="1"/>
+            <a:r>
+              <a:rPr lang="en-US" dirty="0" smtClean="0"/>
+              <a:t>Related fields</a:t>
+            </a:r>
+          </a:p>
+          <a:p>
+            <a:pPr lvl="2"/>
+            <a:r>
+              <a:rPr lang="en-US" dirty="0" smtClean="0"/>
+              <a:t>”Annoying neighbor from Manhattan”</a:t>
+            </a:r>
+          </a:p>
+          <a:p>
+            <a:endParaRPr lang="en-US" dirty="0"/>
+          </a:p>
+          <a:p>
+            <a:endParaRPr lang="en-US" dirty="0" smtClean="0"/>
+          </a:p>
+        </p:txBody>
+      </p:sp>
+      <p:pic>
+        <p:nvPicPr>
+          <p:cNvPr id="4" name="Picture 3">
+            <a:extLst>
+              <a:ext uri="{FF2B5EF4-FFF2-40B4-BE49-F238E27FC236}">
+                <a16:creationId xmlns:a16="http://schemas.microsoft.com/office/drawing/2014/main" xmlns="" id="{0056138C-987F-684A-938F-5B452E26E6CF}"/>
               </a:ext>
             </a:extLst>
           </p:cNvPr>
@@ -4637,160 +4650,8 @@
         </p:blipFill>
         <p:spPr>
           <a:xfrm>
-            <a:off x="5355358" y="3053742"/>
-            <a:ext cx="2787883" cy="1138248"/>
-          </a:xfrm>
-          <a:prstGeom prst="rect">
-            <a:avLst/>
-          </a:prstGeom>
-        </p:spPr>
-      </p:pic>
-    </p:spTree>
-    <p:extLst>
-      <p:ext uri="{BB962C8B-B14F-4D97-AF65-F5344CB8AC3E}">
-        <p14:creationId xmlns:p14="http://schemas.microsoft.com/office/powerpoint/2010/main" val="1124292996"/>
-      </p:ext>
-    </p:extLst>
-  </p:cSld>
-  <p:clrMapOvr>
-    <a:masterClrMapping/>
-  </p:clrMapOvr>
-</p:sld>
-</file>
-
-<file path=ppt/slides/slide14.xml><?xml version="1.0" encoding="utf-8"?>
-<p:sld xmlns:a="http://schemas.openxmlformats.org/drawingml/2006/main" xmlns:r="http://schemas.openxmlformats.org/officeDocument/2006/relationships" xmlns:p="http://schemas.openxmlformats.org/presentationml/2006/main">
-  <p:cSld>
-    <p:spTree>
-      <p:nvGrpSpPr>
-        <p:cNvPr id="1" name=""/>
-        <p:cNvGrpSpPr/>
-        <p:nvPr/>
-      </p:nvGrpSpPr>
-      <p:grpSpPr>
-        <a:xfrm>
-          <a:off x="0" y="0"/>
-          <a:ext cx="0" cy="0"/>
-          <a:chOff x="0" y="0"/>
-          <a:chExt cx="0" cy="0"/>
-        </a:xfrm>
-      </p:grpSpPr>
-      <p:sp>
-        <p:nvSpPr>
-          <p:cNvPr id="2" name="Title 1"/>
-          <p:cNvSpPr>
-            <a:spLocks noGrp="1"/>
-          </p:cNvSpPr>
-          <p:nvPr>
-            <p:ph type="title"/>
-          </p:nvPr>
-        </p:nvSpPr>
-        <p:spPr/>
-        <p:txBody>
-          <a:bodyPr/>
-          <a:lstStyle/>
-          <a:p>
-            <a:pPr algn="ctr"/>
-            <a:r>
-              <a:rPr lang="en-US" dirty="0"/>
-              <a:t>NYC311 </a:t>
-            </a:r>
-            <a:r>
-              <a:rPr lang="en-US" dirty="0" err="1"/>
-              <a:t>OpenData</a:t>
-            </a:r>
-            <a:endParaRPr lang="en-US" dirty="0"/>
-          </a:p>
-        </p:txBody>
-      </p:sp>
-      <p:sp>
-        <p:nvSpPr>
-          <p:cNvPr id="3" name="Content Placeholder 2"/>
-          <p:cNvSpPr>
-            <a:spLocks noGrp="1"/>
-          </p:cNvSpPr>
-          <p:nvPr>
-            <p:ph idx="1"/>
-          </p:nvPr>
-        </p:nvSpPr>
-        <p:spPr/>
-        <p:txBody>
-          <a:bodyPr/>
-          <a:lstStyle/>
-          <a:p>
-            <a:r>
-              <a:rPr lang="en-US" dirty="0"/>
-              <a:t>9 years worth of non-emergency phone calls</a:t>
-            </a:r>
-          </a:p>
-          <a:p>
-            <a:r>
-              <a:rPr lang="en-US" dirty="0"/>
-              <a:t>Lots of </a:t>
-            </a:r>
-            <a:r>
-              <a:rPr lang="en-US" dirty="0" err="1"/>
-              <a:t>nullable</a:t>
-            </a:r>
-            <a:r>
-              <a:rPr lang="en-US" dirty="0"/>
-              <a:t> fields and related columns</a:t>
-            </a:r>
-          </a:p>
-          <a:p>
-            <a:r>
-              <a:rPr lang="en-US" dirty="0"/>
-              <a:t>E.g. </a:t>
-            </a:r>
-          </a:p>
-          <a:p>
-            <a:pPr lvl="1"/>
-            <a:r>
-              <a:rPr lang="en-US" dirty="0"/>
-              <a:t>Latitude/Longitude</a:t>
-            </a:r>
-          </a:p>
-          <a:p>
-            <a:pPr lvl="1"/>
-            <a:r>
-              <a:rPr lang="en-US" dirty="0" err="1"/>
-              <a:t>OpenDataChannelType</a:t>
-            </a:r>
-            <a:r>
-              <a:rPr lang="en-US" dirty="0"/>
-              <a:t> vs. Borough</a:t>
-            </a:r>
-          </a:p>
-          <a:p>
-            <a:pPr lvl="1"/>
-            <a:endParaRPr lang="en-US" dirty="0"/>
-          </a:p>
-        </p:txBody>
-      </p:sp>
-      <p:pic>
-        <p:nvPicPr>
-          <p:cNvPr id="4" name="Picture 3">
-            <a:extLst>
-              <a:ext uri="{FF2B5EF4-FFF2-40B4-BE49-F238E27FC236}">
-                <a16:creationId xmlns:a16="http://schemas.microsoft.com/office/drawing/2014/main" id="{E4AEDFE2-2953-F54B-B6FB-1C4BD361B3F7}"/>
-              </a:ext>
-            </a:extLst>
-          </p:cNvPr>
-          <p:cNvPicPr>
-            <a:picLocks noChangeAspect="1"/>
-          </p:cNvPicPr>
-          <p:nvPr/>
-        </p:nvPicPr>
-        <p:blipFill>
-          <a:blip r:embed="rId3"/>
-          <a:stretch>
-            <a:fillRect/>
-          </a:stretch>
-        </p:blipFill>
-        <p:spPr>
-          <a:xfrm>
-            <a:off x="10642600" y="5308600"/>
-            <a:ext cx="1549400" cy="1549400"/>
+            <a:off x="6259714" y="2353385"/>
+            <a:ext cx="3467100" cy="1358900"/>
           </a:xfrm>
           <a:prstGeom prst="rect">
             <a:avLst/>
@@ -4799,7 +4660,7 @@
       </p:pic>
       <p:pic>
         <p:nvPicPr>
-          <p:cNvPr id="2050" name="Picture 2" descr="mage result for nyc 311 open data"/>
+          <p:cNvPr id="10" name="Picture 9" descr="mage result for angry old man yells at clouds"/>
           <p:cNvPicPr>
             <a:picLocks noChangeAspect="1" noChangeArrowheads="1"/>
           </p:cNvPicPr>
@@ -4820,8 +4681,8 @@
         </p:blipFill>
         <p:spPr bwMode="auto">
           <a:xfrm>
-            <a:off x="3414713" y="4005263"/>
-            <a:ext cx="5705475" cy="2171700"/>
+            <a:off x="6262833" y="4001294"/>
+            <a:ext cx="3463981" cy="2311461"/>
           </a:xfrm>
           <a:prstGeom prst="rect">
             <a:avLst/>
@@ -4841,1039 +4702,7 @@
     </p:spTree>
     <p:extLst>
       <p:ext uri="{BB962C8B-B14F-4D97-AF65-F5344CB8AC3E}">
-        <p14:creationId xmlns:p14="http://schemas.microsoft.com/office/powerpoint/2010/main" val="1042766602"/>
-      </p:ext>
-    </p:extLst>
-  </p:cSld>
-  <p:clrMapOvr>
-    <a:masterClrMapping/>
-  </p:clrMapOvr>
-</p:sld>
-</file>
-
-<file path=ppt/slides/slide15.xml><?xml version="1.0" encoding="utf-8"?>
-<p:sld xmlns:a="http://schemas.openxmlformats.org/drawingml/2006/main" xmlns:r="http://schemas.openxmlformats.org/officeDocument/2006/relationships" xmlns:p="http://schemas.openxmlformats.org/presentationml/2006/main">
-  <p:cSld>
-    <p:spTree>
-      <p:nvGrpSpPr>
-        <p:cNvPr id="1" name=""/>
-        <p:cNvGrpSpPr/>
-        <p:nvPr/>
-      </p:nvGrpSpPr>
-      <p:grpSpPr>
-        <a:xfrm>
-          <a:off x="0" y="0"/>
-          <a:ext cx="0" cy="0"/>
-          <a:chOff x="0" y="0"/>
-          <a:chExt cx="0" cy="0"/>
-        </a:xfrm>
-      </p:grpSpPr>
-      <p:sp>
-        <p:nvSpPr>
-          <p:cNvPr id="2" name="Title 1"/>
-          <p:cNvSpPr>
-            <a:spLocks noGrp="1"/>
-          </p:cNvSpPr>
-          <p:nvPr>
-            <p:ph type="title"/>
-          </p:nvPr>
-        </p:nvSpPr>
-        <p:spPr/>
-        <p:txBody>
-          <a:bodyPr/>
-          <a:lstStyle/>
-          <a:p>
-            <a:pPr algn="ctr"/>
-            <a:r>
-              <a:rPr lang="en-US" dirty="0"/>
-              <a:t>Next Steps</a:t>
-            </a:r>
-          </a:p>
-        </p:txBody>
-      </p:sp>
-      <p:sp>
-        <p:nvSpPr>
-          <p:cNvPr id="3" name="Content Placeholder 2"/>
-          <p:cNvSpPr>
-            <a:spLocks noGrp="1"/>
-          </p:cNvSpPr>
-          <p:nvPr>
-            <p:ph idx="1"/>
-          </p:nvPr>
-        </p:nvSpPr>
-        <p:spPr/>
-        <p:txBody>
-          <a:bodyPr/>
-          <a:lstStyle/>
-          <a:p>
-            <a:r>
-              <a:rPr lang="en-US" dirty="0"/>
-              <a:t>Talk to Professor </a:t>
-            </a:r>
-            <a:r>
-              <a:rPr lang="en-US" dirty="0" err="1"/>
-              <a:t>Poupart</a:t>
-            </a:r>
-            <a:r>
-              <a:rPr lang="en-US" dirty="0"/>
-              <a:t> (ML Prof) </a:t>
-            </a:r>
-          </a:p>
-          <a:p>
-            <a:r>
-              <a:rPr lang="en-US" dirty="0"/>
-              <a:t>Develop more complex auditing methods</a:t>
-            </a:r>
-          </a:p>
-          <a:p>
-            <a:r>
-              <a:rPr lang="en-US" dirty="0"/>
-              <a:t>Integration to other databases</a:t>
-            </a:r>
-          </a:p>
-          <a:p>
-            <a:r>
-              <a:rPr lang="en-US" dirty="0"/>
-              <a:t>Dashboards</a:t>
-            </a:r>
-          </a:p>
-          <a:p>
-            <a:r>
-              <a:rPr lang="en-US" dirty="0"/>
-              <a:t>More slack functionality</a:t>
-            </a:r>
-          </a:p>
-          <a:p>
-            <a:r>
-              <a:rPr lang="en-US" dirty="0"/>
-              <a:t>Custom notification thresholds</a:t>
-            </a:r>
-          </a:p>
-          <a:p>
-            <a:endParaRPr lang="en-US" dirty="0"/>
-          </a:p>
-        </p:txBody>
-      </p:sp>
-      <p:pic>
-        <p:nvPicPr>
-          <p:cNvPr id="4" name="Picture 3">
-            <a:extLst>
-              <a:ext uri="{FF2B5EF4-FFF2-40B4-BE49-F238E27FC236}">
-                <a16:creationId xmlns:a16="http://schemas.microsoft.com/office/drawing/2014/main" id="{E4AEDFE2-2953-F54B-B6FB-1C4BD361B3F7}"/>
-              </a:ext>
-            </a:extLst>
-          </p:cNvPr>
-          <p:cNvPicPr>
-            <a:picLocks noChangeAspect="1"/>
-          </p:cNvPicPr>
-          <p:nvPr/>
-        </p:nvPicPr>
-        <p:blipFill>
-          <a:blip r:embed="rId2"/>
-          <a:stretch>
-            <a:fillRect/>
-          </a:stretch>
-        </p:blipFill>
-        <p:spPr>
-          <a:xfrm>
-            <a:off x="10642600" y="5308600"/>
-            <a:ext cx="1549400" cy="1549400"/>
-          </a:xfrm>
-          <a:prstGeom prst="rect">
-            <a:avLst/>
-          </a:prstGeom>
-        </p:spPr>
-      </p:pic>
-    </p:spTree>
-    <p:extLst>
-      <p:ext uri="{BB962C8B-B14F-4D97-AF65-F5344CB8AC3E}">
-        <p14:creationId xmlns:p14="http://schemas.microsoft.com/office/powerpoint/2010/main" val="1456617669"/>
-      </p:ext>
-    </p:extLst>
-  </p:cSld>
-  <p:clrMapOvr>
-    <a:masterClrMapping/>
-  </p:clrMapOvr>
-</p:sld>
-</file>
-
-<file path=ppt/slides/slide2.xml><?xml version="1.0" encoding="utf-8"?>
-<p:sld xmlns:a="http://schemas.openxmlformats.org/drawingml/2006/main" xmlns:r="http://schemas.openxmlformats.org/officeDocument/2006/relationships" xmlns:p="http://schemas.openxmlformats.org/presentationml/2006/main">
-  <p:cSld>
-    <p:spTree>
-      <p:nvGrpSpPr>
-        <p:cNvPr id="1" name=""/>
-        <p:cNvGrpSpPr/>
-        <p:nvPr/>
-      </p:nvGrpSpPr>
-      <p:grpSpPr>
-        <a:xfrm>
-          <a:off x="0" y="0"/>
-          <a:ext cx="0" cy="0"/>
-          <a:chOff x="0" y="0"/>
-          <a:chExt cx="0" cy="0"/>
-        </a:xfrm>
-      </p:grpSpPr>
-      <p:sp>
-        <p:nvSpPr>
-          <p:cNvPr id="2" name="Title 1">
-            <a:extLst>
-              <a:ext uri="{FF2B5EF4-FFF2-40B4-BE49-F238E27FC236}">
-                <a16:creationId xmlns:a16="http://schemas.microsoft.com/office/drawing/2014/main" id="{735D7AA6-1425-8C4F-8608-265E01867490}"/>
-              </a:ext>
-            </a:extLst>
-          </p:cNvPr>
-          <p:cNvSpPr>
-            <a:spLocks noGrp="1"/>
-          </p:cNvSpPr>
-          <p:nvPr>
-            <p:ph type="title"/>
-          </p:nvPr>
-        </p:nvSpPr>
-        <p:spPr/>
-        <p:txBody>
-          <a:bodyPr/>
-          <a:lstStyle/>
-          <a:p>
-            <a:pPr algn="ctr"/>
-            <a:r>
-              <a:rPr lang="en-US" dirty="0"/>
-              <a:t>What we do</a:t>
-            </a:r>
-          </a:p>
-        </p:txBody>
-      </p:sp>
-      <p:sp>
-        <p:nvSpPr>
-          <p:cNvPr id="3" name="Content Placeholder 2">
-            <a:extLst>
-              <a:ext uri="{FF2B5EF4-FFF2-40B4-BE49-F238E27FC236}">
-                <a16:creationId xmlns:a16="http://schemas.microsoft.com/office/drawing/2014/main" id="{31882B9E-E7C2-C443-B3BB-E435A2E6804C}"/>
-              </a:ext>
-            </a:extLst>
-          </p:cNvPr>
-          <p:cNvSpPr>
-            <a:spLocks noGrp="1"/>
-          </p:cNvSpPr>
-          <p:nvPr>
-            <p:ph idx="1"/>
-          </p:nvPr>
-        </p:nvSpPr>
-        <p:spPr/>
-        <p:txBody>
-          <a:bodyPr/>
-          <a:lstStyle/>
-          <a:p>
-            <a:pPr>
-              <a:lnSpc>
-                <a:spcPct val="200000"/>
-              </a:lnSpc>
-            </a:pPr>
-            <a:r>
-              <a:rPr lang="en-US" dirty="0"/>
-              <a:t>Data – Auditing</a:t>
-            </a:r>
-          </a:p>
-          <a:p>
-            <a:pPr>
-              <a:lnSpc>
-                <a:spcPct val="200000"/>
-              </a:lnSpc>
-            </a:pPr>
-            <a:r>
-              <a:rPr lang="en-US" dirty="0"/>
-              <a:t>Local script</a:t>
-            </a:r>
-          </a:p>
-          <a:p>
-            <a:pPr lvl="1">
-              <a:lnSpc>
-                <a:spcPct val="200000"/>
-              </a:lnSpc>
-            </a:pPr>
-            <a:r>
-              <a:rPr lang="en-US" dirty="0"/>
-              <a:t>Configurable via </a:t>
-            </a:r>
-            <a:r>
-              <a:rPr lang="en-US" dirty="0" err="1"/>
-              <a:t>config</a:t>
-            </a:r>
-            <a:r>
-              <a:rPr lang="en-US" dirty="0"/>
-              <a:t> file and slack</a:t>
-            </a:r>
-          </a:p>
-          <a:p>
-            <a:pPr>
-              <a:lnSpc>
-                <a:spcPct val="200000"/>
-              </a:lnSpc>
-            </a:pPr>
-            <a:r>
-              <a:rPr lang="en-US" dirty="0"/>
-              <a:t>Prevent broken data from affecting business</a:t>
-            </a:r>
-          </a:p>
-        </p:txBody>
-      </p:sp>
-      <p:pic>
-        <p:nvPicPr>
-          <p:cNvPr id="4" name="Picture 3">
-            <a:extLst>
-              <a:ext uri="{FF2B5EF4-FFF2-40B4-BE49-F238E27FC236}">
-                <a16:creationId xmlns:a16="http://schemas.microsoft.com/office/drawing/2014/main" id="{A196DAC0-1739-7B42-AB81-828E29C6B021}"/>
-              </a:ext>
-            </a:extLst>
-          </p:cNvPr>
-          <p:cNvPicPr>
-            <a:picLocks noChangeAspect="1"/>
-          </p:cNvPicPr>
-          <p:nvPr/>
-        </p:nvPicPr>
-        <p:blipFill>
-          <a:blip r:embed="rId2"/>
-          <a:stretch>
-            <a:fillRect/>
-          </a:stretch>
-        </p:blipFill>
-        <p:spPr>
-          <a:xfrm>
-            <a:off x="10642600" y="5308600"/>
-            <a:ext cx="1549400" cy="1549400"/>
-          </a:xfrm>
-          <a:prstGeom prst="rect">
-            <a:avLst/>
-          </a:prstGeom>
-        </p:spPr>
-      </p:pic>
-    </p:spTree>
-    <p:extLst>
-      <p:ext uri="{BB962C8B-B14F-4D97-AF65-F5344CB8AC3E}">
-        <p14:creationId xmlns:p14="http://schemas.microsoft.com/office/powerpoint/2010/main" val="2770237891"/>
-      </p:ext>
-    </p:extLst>
-  </p:cSld>
-  <p:clrMapOvr>
-    <a:masterClrMapping/>
-  </p:clrMapOvr>
-</p:sld>
-</file>
-
-<file path=ppt/slides/slide3.xml><?xml version="1.0" encoding="utf-8"?>
-<p:sld xmlns:a="http://schemas.openxmlformats.org/drawingml/2006/main" xmlns:r="http://schemas.openxmlformats.org/officeDocument/2006/relationships" xmlns:p="http://schemas.openxmlformats.org/presentationml/2006/main">
-  <p:cSld>
-    <p:spTree>
-      <p:nvGrpSpPr>
-        <p:cNvPr id="1" name=""/>
-        <p:cNvGrpSpPr/>
-        <p:nvPr/>
-      </p:nvGrpSpPr>
-      <p:grpSpPr>
-        <a:xfrm>
-          <a:off x="0" y="0"/>
-          <a:ext cx="0" cy="0"/>
-          <a:chOff x="0" y="0"/>
-          <a:chExt cx="0" cy="0"/>
-        </a:xfrm>
-      </p:grpSpPr>
-      <p:sp>
-        <p:nvSpPr>
-          <p:cNvPr id="2" name="Title 1">
-            <a:extLst>
-              <a:ext uri="{FF2B5EF4-FFF2-40B4-BE49-F238E27FC236}">
-                <a16:creationId xmlns:a16="http://schemas.microsoft.com/office/drawing/2014/main" id="{2841A013-1902-0A4D-9383-F3238305A7C5}"/>
-              </a:ext>
-            </a:extLst>
-          </p:cNvPr>
-          <p:cNvSpPr>
-            <a:spLocks noGrp="1"/>
-          </p:cNvSpPr>
-          <p:nvPr>
-            <p:ph type="title"/>
-          </p:nvPr>
-        </p:nvSpPr>
-        <p:spPr/>
-        <p:txBody>
-          <a:bodyPr/>
-          <a:lstStyle/>
-          <a:p>
-            <a:pPr algn="ctr"/>
-            <a:r>
-              <a:rPr lang="en-US" dirty="0"/>
-              <a:t>Who it’s for</a:t>
-            </a:r>
-          </a:p>
-        </p:txBody>
-      </p:sp>
-      <p:sp>
-        <p:nvSpPr>
-          <p:cNvPr id="3" name="Content Placeholder 2">
-            <a:extLst>
-              <a:ext uri="{FF2B5EF4-FFF2-40B4-BE49-F238E27FC236}">
-                <a16:creationId xmlns:a16="http://schemas.microsoft.com/office/drawing/2014/main" id="{D8AC1DFA-2A83-E54D-B67B-E20F3EA39F94}"/>
-              </a:ext>
-            </a:extLst>
-          </p:cNvPr>
-          <p:cNvSpPr>
-            <a:spLocks noGrp="1"/>
-          </p:cNvSpPr>
-          <p:nvPr>
-            <p:ph idx="1"/>
-          </p:nvPr>
-        </p:nvSpPr>
-        <p:spPr/>
-        <p:txBody>
-          <a:bodyPr/>
-          <a:lstStyle/>
-          <a:p>
-            <a:pPr>
-              <a:lnSpc>
-                <a:spcPct val="100000"/>
-              </a:lnSpc>
-            </a:pPr>
-            <a:r>
-              <a:rPr lang="en-US" dirty="0"/>
-              <a:t>Companies with large amounts of data consolidated in a handful of important tables</a:t>
-            </a:r>
-          </a:p>
-          <a:p>
-            <a:pPr>
-              <a:lnSpc>
-                <a:spcPct val="100000"/>
-              </a:lnSpc>
-            </a:pPr>
-            <a:r>
-              <a:rPr lang="en-US" dirty="0"/>
-              <a:t>Small-to-medium sized (not large enough to have dedicated data quality teams)</a:t>
-            </a:r>
-          </a:p>
-          <a:p>
-            <a:pPr>
-              <a:lnSpc>
-                <a:spcPct val="100000"/>
-              </a:lnSpc>
-            </a:pPr>
-            <a:r>
-              <a:rPr lang="en-US" dirty="0"/>
-              <a:t>Data Engineers</a:t>
-            </a:r>
-          </a:p>
-          <a:p>
-            <a:pPr>
-              <a:lnSpc>
-                <a:spcPct val="100000"/>
-              </a:lnSpc>
-            </a:pPr>
-            <a:r>
-              <a:rPr lang="en-US" dirty="0"/>
-              <a:t>Example use cases:</a:t>
-            </a:r>
-          </a:p>
-          <a:p>
-            <a:pPr>
-              <a:lnSpc>
-                <a:spcPct val="100000"/>
-              </a:lnSpc>
-            </a:pPr>
-            <a:endParaRPr lang="en-US" dirty="0"/>
-          </a:p>
-        </p:txBody>
-      </p:sp>
-      <p:pic>
-        <p:nvPicPr>
-          <p:cNvPr id="4" name="Picture 3">
-            <a:extLst>
-              <a:ext uri="{FF2B5EF4-FFF2-40B4-BE49-F238E27FC236}">
-                <a16:creationId xmlns:a16="http://schemas.microsoft.com/office/drawing/2014/main" id="{EFE81110-E345-0A4A-B78E-9AD34187D73F}"/>
-              </a:ext>
-            </a:extLst>
-          </p:cNvPr>
-          <p:cNvPicPr>
-            <a:picLocks noChangeAspect="1"/>
-          </p:cNvPicPr>
-          <p:nvPr/>
-        </p:nvPicPr>
-        <p:blipFill>
-          <a:blip r:embed="rId2"/>
-          <a:stretch>
-            <a:fillRect/>
-          </a:stretch>
-        </p:blipFill>
-        <p:spPr>
-          <a:xfrm>
-            <a:off x="10642600" y="5308600"/>
-            <a:ext cx="1549400" cy="1549400"/>
-          </a:xfrm>
-          <a:prstGeom prst="rect">
-            <a:avLst/>
-          </a:prstGeom>
-        </p:spPr>
-      </p:pic>
-      <p:pic>
-        <p:nvPicPr>
-          <p:cNvPr id="6" name="Picture 5">
-            <a:extLst>
-              <a:ext uri="{FF2B5EF4-FFF2-40B4-BE49-F238E27FC236}">
-                <a16:creationId xmlns:a16="http://schemas.microsoft.com/office/drawing/2014/main" id="{C33F4CFD-AAF0-784F-8D1A-AEFC1C5E590D}"/>
-              </a:ext>
-            </a:extLst>
-          </p:cNvPr>
-          <p:cNvPicPr>
-            <a:picLocks noChangeAspect="1"/>
-          </p:cNvPicPr>
-          <p:nvPr/>
-        </p:nvPicPr>
-        <p:blipFill>
-          <a:blip r:embed="rId3"/>
-          <a:stretch>
-            <a:fillRect/>
-          </a:stretch>
-        </p:blipFill>
-        <p:spPr>
-          <a:xfrm>
-            <a:off x="1984091" y="5216155"/>
-            <a:ext cx="2294467" cy="960808"/>
-          </a:xfrm>
-          <a:prstGeom prst="rect">
-            <a:avLst/>
-          </a:prstGeom>
-        </p:spPr>
-      </p:pic>
-      <p:pic>
-        <p:nvPicPr>
-          <p:cNvPr id="10" name="Picture 9">
-            <a:extLst>
-              <a:ext uri="{FF2B5EF4-FFF2-40B4-BE49-F238E27FC236}">
-                <a16:creationId xmlns:a16="http://schemas.microsoft.com/office/drawing/2014/main" id="{2D375751-A7E1-0648-A61D-70EF4E727BC8}"/>
-              </a:ext>
-            </a:extLst>
-          </p:cNvPr>
-          <p:cNvPicPr>
-            <a:picLocks noChangeAspect="1"/>
-          </p:cNvPicPr>
-          <p:nvPr/>
-        </p:nvPicPr>
-        <p:blipFill>
-          <a:blip r:embed="rId4"/>
-          <a:stretch>
-            <a:fillRect/>
-          </a:stretch>
-        </p:blipFill>
-        <p:spPr>
-          <a:xfrm>
-            <a:off x="6495885" y="5147749"/>
-            <a:ext cx="3518010" cy="1097619"/>
-          </a:xfrm>
-          <a:prstGeom prst="rect">
-            <a:avLst/>
-          </a:prstGeom>
-        </p:spPr>
-      </p:pic>
-    </p:spTree>
-    <p:extLst>
-      <p:ext uri="{BB962C8B-B14F-4D97-AF65-F5344CB8AC3E}">
-        <p14:creationId xmlns:p14="http://schemas.microsoft.com/office/powerpoint/2010/main" val="1573208494"/>
-      </p:ext>
-    </p:extLst>
-  </p:cSld>
-  <p:clrMapOvr>
-    <a:masterClrMapping/>
-  </p:clrMapOvr>
-</p:sld>
-</file>
-
-<file path=ppt/slides/slide4.xml><?xml version="1.0" encoding="utf-8"?>
-<p:sld xmlns:a="http://schemas.openxmlformats.org/drawingml/2006/main" xmlns:r="http://schemas.openxmlformats.org/officeDocument/2006/relationships" xmlns:p="http://schemas.openxmlformats.org/presentationml/2006/main">
-  <p:cSld>
-    <p:spTree>
-      <p:nvGrpSpPr>
-        <p:cNvPr id="1" name=""/>
-        <p:cNvGrpSpPr/>
-        <p:nvPr/>
-      </p:nvGrpSpPr>
-      <p:grpSpPr>
-        <a:xfrm>
-          <a:off x="0" y="0"/>
-          <a:ext cx="0" cy="0"/>
-          <a:chOff x="0" y="0"/>
-          <a:chExt cx="0" cy="0"/>
-        </a:xfrm>
-      </p:grpSpPr>
-      <p:sp>
-        <p:nvSpPr>
-          <p:cNvPr id="2" name="Title 1"/>
-          <p:cNvSpPr>
-            <a:spLocks noGrp="1"/>
-          </p:cNvSpPr>
-          <p:nvPr>
-            <p:ph type="title"/>
-          </p:nvPr>
-        </p:nvSpPr>
-        <p:spPr/>
-        <p:txBody>
-          <a:bodyPr/>
-          <a:lstStyle/>
-          <a:p>
-            <a:pPr algn="ctr"/>
-            <a:r>
-              <a:rPr lang="en-US" dirty="0"/>
-              <a:t>How data quality checking currently works</a:t>
-            </a:r>
-          </a:p>
-        </p:txBody>
-      </p:sp>
-      <p:sp>
-        <p:nvSpPr>
-          <p:cNvPr id="3" name="Content Placeholder 2"/>
-          <p:cNvSpPr>
-            <a:spLocks noGrp="1"/>
-          </p:cNvSpPr>
-          <p:nvPr>
-            <p:ph idx="1"/>
-          </p:nvPr>
-        </p:nvSpPr>
-        <p:spPr/>
-        <p:txBody>
-          <a:bodyPr/>
-          <a:lstStyle/>
-          <a:p>
-            <a:r>
-              <a:rPr lang="en-US" dirty="0"/>
-              <a:t>Rule engines</a:t>
-            </a:r>
-          </a:p>
-          <a:p>
-            <a:pPr lvl="1"/>
-            <a:r>
-              <a:rPr lang="en-US" dirty="0"/>
-              <a:t>Just like tests, hard to get engineers to consistently write good rules</a:t>
-            </a:r>
-          </a:p>
-          <a:p>
-            <a:pPr lvl="1"/>
-            <a:r>
-              <a:rPr lang="en-US" dirty="0"/>
-              <a:t>Evolving data makes this difficult</a:t>
-            </a:r>
-          </a:p>
-          <a:p>
-            <a:pPr lvl="1"/>
-            <a:endParaRPr lang="en-US" dirty="0"/>
-          </a:p>
-          <a:p>
-            <a:pPr lvl="1"/>
-            <a:endParaRPr lang="en-US" dirty="0"/>
-          </a:p>
-          <a:p>
-            <a:r>
-              <a:rPr lang="en-US" dirty="0"/>
-              <a:t>Anomaly Detection</a:t>
-            </a:r>
-          </a:p>
-          <a:p>
-            <a:pPr lvl="1"/>
-            <a:r>
-              <a:rPr lang="en-US" dirty="0"/>
-              <a:t>Most solutions are very noisy and tend to get ignored</a:t>
-            </a:r>
-          </a:p>
-        </p:txBody>
-      </p:sp>
-      <p:pic>
-        <p:nvPicPr>
-          <p:cNvPr id="4" name="Picture 3">
-            <a:extLst>
-              <a:ext uri="{FF2B5EF4-FFF2-40B4-BE49-F238E27FC236}">
-                <a16:creationId xmlns:a16="http://schemas.microsoft.com/office/drawing/2014/main" id="{EFDEDE13-6A12-704A-AB3D-110B7E49DF53}"/>
-              </a:ext>
-            </a:extLst>
-          </p:cNvPr>
-          <p:cNvPicPr>
-            <a:picLocks noChangeAspect="1"/>
-          </p:cNvPicPr>
-          <p:nvPr/>
-        </p:nvPicPr>
-        <p:blipFill>
-          <a:blip r:embed="rId2"/>
-          <a:stretch>
-            <a:fillRect/>
-          </a:stretch>
-        </p:blipFill>
-        <p:spPr>
-          <a:xfrm>
-            <a:off x="10642600" y="5308600"/>
-            <a:ext cx="1549400" cy="1549400"/>
-          </a:xfrm>
-          <a:prstGeom prst="rect">
-            <a:avLst/>
-          </a:prstGeom>
-        </p:spPr>
-      </p:pic>
-    </p:spTree>
-    <p:extLst>
-      <p:ext uri="{BB962C8B-B14F-4D97-AF65-F5344CB8AC3E}">
-        <p14:creationId xmlns:p14="http://schemas.microsoft.com/office/powerpoint/2010/main" val="670749730"/>
-      </p:ext>
-    </p:extLst>
-  </p:cSld>
-  <p:clrMapOvr>
-    <a:masterClrMapping/>
-  </p:clrMapOvr>
-</p:sld>
-</file>
-
-<file path=ppt/slides/slide5.xml><?xml version="1.0" encoding="utf-8"?>
-<p:sld xmlns:a="http://schemas.openxmlformats.org/drawingml/2006/main" xmlns:r="http://schemas.openxmlformats.org/officeDocument/2006/relationships" xmlns:p="http://schemas.openxmlformats.org/presentationml/2006/main">
-  <p:cSld>
-    <p:spTree>
-      <p:nvGrpSpPr>
-        <p:cNvPr id="1" name=""/>
-        <p:cNvGrpSpPr/>
-        <p:nvPr/>
-      </p:nvGrpSpPr>
-      <p:grpSpPr>
-        <a:xfrm>
-          <a:off x="0" y="0"/>
-          <a:ext cx="0" cy="0"/>
-          <a:chOff x="0" y="0"/>
-          <a:chExt cx="0" cy="0"/>
-        </a:xfrm>
-      </p:grpSpPr>
-      <p:sp>
-        <p:nvSpPr>
-          <p:cNvPr id="2" name="Title 1">
-            <a:extLst>
-              <a:ext uri="{FF2B5EF4-FFF2-40B4-BE49-F238E27FC236}">
-                <a16:creationId xmlns:a16="http://schemas.microsoft.com/office/drawing/2014/main" id="{2841A013-1902-0A4D-9383-F3238305A7C5}"/>
-              </a:ext>
-            </a:extLst>
-          </p:cNvPr>
-          <p:cNvSpPr>
-            <a:spLocks noGrp="1"/>
-          </p:cNvSpPr>
-          <p:nvPr>
-            <p:ph type="title"/>
-          </p:nvPr>
-        </p:nvSpPr>
-        <p:spPr/>
-        <p:txBody>
-          <a:bodyPr/>
-          <a:lstStyle/>
-          <a:p>
-            <a:pPr algn="ctr"/>
-            <a:r>
-              <a:rPr lang="en-US" dirty="0"/>
-              <a:t>Key Requirements by Stakeholders</a:t>
-            </a:r>
-          </a:p>
-        </p:txBody>
-      </p:sp>
-      <p:sp>
-        <p:nvSpPr>
-          <p:cNvPr id="3" name="Content Placeholder 2">
-            <a:extLst>
-              <a:ext uri="{FF2B5EF4-FFF2-40B4-BE49-F238E27FC236}">
-                <a16:creationId xmlns:a16="http://schemas.microsoft.com/office/drawing/2014/main" id="{D8AC1DFA-2A83-E54D-B67B-E20F3EA39F94}"/>
-              </a:ext>
-            </a:extLst>
-          </p:cNvPr>
-          <p:cNvSpPr>
-            <a:spLocks noGrp="1"/>
-          </p:cNvSpPr>
-          <p:nvPr>
-            <p:ph idx="1"/>
-          </p:nvPr>
-        </p:nvSpPr>
-        <p:spPr/>
-        <p:txBody>
-          <a:bodyPr/>
-          <a:lstStyle/>
-          <a:p>
-            <a:pPr>
-              <a:lnSpc>
-                <a:spcPct val="200000"/>
-              </a:lnSpc>
-            </a:pPr>
-            <a:r>
-              <a:rPr lang="en-US" dirty="0"/>
-              <a:t>Surveyed data engineers and product managers from tech companies</a:t>
-            </a:r>
-          </a:p>
-          <a:p>
-            <a:r>
-              <a:rPr lang="en-US" dirty="0"/>
-              <a:t>Gathered an idea of </a:t>
-            </a:r>
-            <a:r>
-              <a:rPr lang="en-US" i="1" dirty="0"/>
-              <a:t>expectations</a:t>
-            </a:r>
-            <a:r>
-              <a:rPr lang="en-US" dirty="0"/>
-              <a:t> to understand what would make this product valuable</a:t>
-            </a:r>
-          </a:p>
-          <a:p>
-            <a:r>
-              <a:rPr lang="en-US" dirty="0"/>
-              <a:t>Data gathered:</a:t>
-            </a:r>
-          </a:p>
-          <a:p>
-            <a:pPr lvl="1"/>
-            <a:r>
-              <a:rPr lang="en-US" i="1" dirty="0"/>
-              <a:t>(next slide)</a:t>
-            </a:r>
-          </a:p>
-        </p:txBody>
-      </p:sp>
-      <p:pic>
-        <p:nvPicPr>
-          <p:cNvPr id="4" name="Picture 3">
-            <a:extLst>
-              <a:ext uri="{FF2B5EF4-FFF2-40B4-BE49-F238E27FC236}">
-                <a16:creationId xmlns:a16="http://schemas.microsoft.com/office/drawing/2014/main" id="{EFE81110-E345-0A4A-B78E-9AD34187D73F}"/>
-              </a:ext>
-            </a:extLst>
-          </p:cNvPr>
-          <p:cNvPicPr>
-            <a:picLocks noChangeAspect="1"/>
-          </p:cNvPicPr>
-          <p:nvPr/>
-        </p:nvPicPr>
-        <p:blipFill>
-          <a:blip r:embed="rId2"/>
-          <a:stretch>
-            <a:fillRect/>
-          </a:stretch>
-        </p:blipFill>
-        <p:spPr>
-          <a:xfrm>
-            <a:off x="10642600" y="5308600"/>
-            <a:ext cx="1549400" cy="1549400"/>
-          </a:xfrm>
-          <a:prstGeom prst="rect">
-            <a:avLst/>
-          </a:prstGeom>
-        </p:spPr>
-      </p:pic>
-    </p:spTree>
-    <p:extLst>
-      <p:ext uri="{BB962C8B-B14F-4D97-AF65-F5344CB8AC3E}">
-        <p14:creationId xmlns:p14="http://schemas.microsoft.com/office/powerpoint/2010/main" val="1797773900"/>
-      </p:ext>
-    </p:extLst>
-  </p:cSld>
-  <p:clrMapOvr>
-    <a:masterClrMapping/>
-  </p:clrMapOvr>
-</p:sld>
-</file>
-
-<file path=ppt/slides/slide6.xml><?xml version="1.0" encoding="utf-8"?>
-<p:sld xmlns:a="http://schemas.openxmlformats.org/drawingml/2006/main" xmlns:r="http://schemas.openxmlformats.org/officeDocument/2006/relationships" xmlns:p="http://schemas.openxmlformats.org/presentationml/2006/main">
-  <p:cSld>
-    <p:spTree>
-      <p:nvGrpSpPr>
-        <p:cNvPr id="1" name=""/>
-        <p:cNvGrpSpPr/>
-        <p:nvPr/>
-      </p:nvGrpSpPr>
-      <p:grpSpPr>
-        <a:xfrm>
-          <a:off x="0" y="0"/>
-          <a:ext cx="0" cy="0"/>
-          <a:chOff x="0" y="0"/>
-          <a:chExt cx="0" cy="0"/>
-        </a:xfrm>
-      </p:grpSpPr>
-      <p:sp>
-        <p:nvSpPr>
-          <p:cNvPr id="2" name="Title 1">
-            <a:extLst>
-              <a:ext uri="{FF2B5EF4-FFF2-40B4-BE49-F238E27FC236}">
-                <a16:creationId xmlns:a16="http://schemas.microsoft.com/office/drawing/2014/main" id="{2841A013-1902-0A4D-9383-F3238305A7C5}"/>
-              </a:ext>
-            </a:extLst>
-          </p:cNvPr>
-          <p:cNvSpPr>
-            <a:spLocks noGrp="1"/>
-          </p:cNvSpPr>
-          <p:nvPr>
-            <p:ph type="title"/>
-          </p:nvPr>
-        </p:nvSpPr>
-        <p:spPr/>
-        <p:txBody>
-          <a:bodyPr/>
-          <a:lstStyle/>
-          <a:p>
-            <a:pPr algn="ctr"/>
-            <a:r>
-              <a:rPr lang="en-US" dirty="0"/>
-              <a:t>Key Requirements by Stakeholders</a:t>
-            </a:r>
-          </a:p>
-        </p:txBody>
-      </p:sp>
-      <p:sp>
-        <p:nvSpPr>
-          <p:cNvPr id="3" name="Content Placeholder 2">
-            <a:extLst>
-              <a:ext uri="{FF2B5EF4-FFF2-40B4-BE49-F238E27FC236}">
-                <a16:creationId xmlns:a16="http://schemas.microsoft.com/office/drawing/2014/main" id="{D8AC1DFA-2A83-E54D-B67B-E20F3EA39F94}"/>
-              </a:ext>
-            </a:extLst>
-          </p:cNvPr>
-          <p:cNvSpPr>
-            <a:spLocks noGrp="1"/>
-          </p:cNvSpPr>
-          <p:nvPr>
-            <p:ph idx="1"/>
-          </p:nvPr>
-        </p:nvSpPr>
-        <p:spPr/>
-        <p:txBody>
-          <a:bodyPr>
-            <a:normAutofit fontScale="85000" lnSpcReduction="20000"/>
-          </a:bodyPr>
-          <a:lstStyle/>
-          <a:p>
-            <a:pPr>
-              <a:lnSpc>
-                <a:spcPct val="150000"/>
-              </a:lnSpc>
-              <a:spcBef>
-                <a:spcPts val="0"/>
-              </a:spcBef>
-            </a:pPr>
-            <a:r>
-              <a:rPr lang="en-US" dirty="0"/>
-              <a:t>90% stated data quality bugs already take 3+ days to detect</a:t>
-            </a:r>
-          </a:p>
-          <a:p>
-            <a:pPr lvl="1">
-              <a:lnSpc>
-                <a:spcPct val="150000"/>
-              </a:lnSpc>
-              <a:spcBef>
-                <a:spcPts val="0"/>
-              </a:spcBef>
-            </a:pPr>
-            <a:r>
-              <a:rPr lang="en-US" dirty="0"/>
-              <a:t>Need a faster, more efficient way to detect malformed data</a:t>
-            </a:r>
-          </a:p>
-          <a:p>
-            <a:pPr>
-              <a:lnSpc>
-                <a:spcPct val="150000"/>
-              </a:lnSpc>
-              <a:spcBef>
-                <a:spcPts val="0"/>
-              </a:spcBef>
-            </a:pPr>
-            <a:r>
-              <a:rPr lang="en-US" dirty="0"/>
-              <a:t>60% of engineers stated implementing a solution that takes more than a sprint may not be worth it</a:t>
-            </a:r>
-          </a:p>
-          <a:p>
-            <a:pPr lvl="1">
-              <a:lnSpc>
-                <a:spcPct val="150000"/>
-              </a:lnSpc>
-              <a:spcBef>
-                <a:spcPts val="0"/>
-              </a:spcBef>
-            </a:pPr>
-            <a:r>
-              <a:rPr lang="en-US" dirty="0"/>
-              <a:t>Must be fast, light-weight; close to 50-50% split</a:t>
-            </a:r>
-          </a:p>
-          <a:p>
-            <a:pPr>
-              <a:lnSpc>
-                <a:spcPct val="150000"/>
-              </a:lnSpc>
-              <a:spcBef>
-                <a:spcPts val="0"/>
-              </a:spcBef>
-            </a:pPr>
-            <a:r>
-              <a:rPr lang="en-US" dirty="0"/>
-              <a:t>75% of employees stated spammy notifications harm the value</a:t>
-            </a:r>
-          </a:p>
-          <a:p>
-            <a:pPr>
-              <a:lnSpc>
-                <a:spcPct val="150000"/>
-              </a:lnSpc>
-              <a:spcBef>
-                <a:spcPts val="0"/>
-              </a:spcBef>
-            </a:pPr>
-            <a:r>
-              <a:rPr lang="en-US" dirty="0"/>
-              <a:t>90% explained it is hard to understand the context and semantics of data, this makes it harder to understand what it wrong</a:t>
-            </a:r>
-          </a:p>
-          <a:p>
-            <a:pPr lvl="1">
-              <a:lnSpc>
-                <a:spcPct val="150000"/>
-              </a:lnSpc>
-              <a:spcBef>
-                <a:spcPts val="0"/>
-              </a:spcBef>
-            </a:pPr>
-            <a:r>
-              <a:rPr lang="en-US" dirty="0"/>
-              <a:t>Leverage ML; experiment with various data-visualization</a:t>
-            </a:r>
-          </a:p>
-        </p:txBody>
-      </p:sp>
-      <p:pic>
-        <p:nvPicPr>
-          <p:cNvPr id="4" name="Picture 3">
-            <a:extLst>
-              <a:ext uri="{FF2B5EF4-FFF2-40B4-BE49-F238E27FC236}">
-                <a16:creationId xmlns:a16="http://schemas.microsoft.com/office/drawing/2014/main" id="{EFE81110-E345-0A4A-B78E-9AD34187D73F}"/>
-              </a:ext>
-            </a:extLst>
-          </p:cNvPr>
-          <p:cNvPicPr>
-            <a:picLocks noChangeAspect="1"/>
-          </p:cNvPicPr>
-          <p:nvPr/>
-        </p:nvPicPr>
-        <p:blipFill>
-          <a:blip r:embed="rId2"/>
-          <a:stretch>
-            <a:fillRect/>
-          </a:stretch>
-        </p:blipFill>
-        <p:spPr>
-          <a:xfrm>
-            <a:off x="10642600" y="5308600"/>
-            <a:ext cx="1549400" cy="1549400"/>
-          </a:xfrm>
-          <a:prstGeom prst="rect">
-            <a:avLst/>
-          </a:prstGeom>
-        </p:spPr>
-      </p:pic>
-    </p:spTree>
-    <p:extLst>
-      <p:ext uri="{BB962C8B-B14F-4D97-AF65-F5344CB8AC3E}">
-        <p14:creationId xmlns:p14="http://schemas.microsoft.com/office/powerpoint/2010/main" val="463396128"/>
+        <p14:creationId xmlns:p14="http://schemas.microsoft.com/office/powerpoint/2010/main" val="2051749477"/>
       </p:ext>
     </p:extLst>
   </p:cSld>
@@ -5917,78 +4746,312 @@
           <a:p>
             <a:pPr algn="ctr"/>
             <a:r>
-              <a:rPr lang="en-US" dirty="0"/>
-              <a:t>Current Technologies</a:t>
-            </a:r>
-          </a:p>
-        </p:txBody>
-      </p:sp>
-      <p:sp>
-        <p:nvSpPr>
-          <p:cNvPr id="3" name="Content Placeholder 2"/>
-          <p:cNvSpPr>
-            <a:spLocks noGrp="1"/>
-          </p:cNvSpPr>
+              <a:rPr lang="en-US" dirty="0" smtClean="0"/>
+              <a:t>Slack Functionality</a:t>
+            </a:r>
+            <a:endParaRPr lang="en-US" dirty="0"/>
+          </a:p>
+        </p:txBody>
+      </p:sp>
+      <p:pic>
+        <p:nvPicPr>
+          <p:cNvPr id="5" name="Content Placeholder 4"/>
+          <p:cNvPicPr>
+            <a:picLocks noGrp="1" noChangeAspect="1"/>
+          </p:cNvPicPr>
           <p:nvPr>
             <p:ph idx="1"/>
           </p:nvPr>
-        </p:nvSpPr>
-        <p:spPr/>
-        <p:txBody>
-          <a:bodyPr>
-            <a:normAutofit fontScale="92500" lnSpcReduction="20000"/>
-          </a:bodyPr>
-          <a:lstStyle/>
-          <a:p>
-            <a:r>
-              <a:rPr lang="en-US" dirty="0"/>
-              <a:t>Python</a:t>
-            </a:r>
-          </a:p>
-          <a:p>
-            <a:endParaRPr lang="en-US" dirty="0"/>
-          </a:p>
-          <a:p>
-            <a:endParaRPr lang="en-US" dirty="0"/>
-          </a:p>
-          <a:p>
-            <a:r>
-              <a:rPr lang="en-US" dirty="0"/>
-              <a:t>GitHub</a:t>
-            </a:r>
-          </a:p>
-          <a:p>
-            <a:endParaRPr lang="en-US" dirty="0"/>
-          </a:p>
-          <a:p>
-            <a:endParaRPr lang="en-US" dirty="0"/>
-          </a:p>
-          <a:p>
-            <a:r>
-              <a:rPr lang="en-US" dirty="0"/>
-              <a:t>MySQL</a:t>
-            </a:r>
-          </a:p>
-          <a:p>
-            <a:endParaRPr lang="en-US" dirty="0"/>
-          </a:p>
-          <a:p>
-            <a:endParaRPr lang="en-US" dirty="0"/>
-          </a:p>
-          <a:p>
-            <a:r>
-              <a:rPr lang="en-US" dirty="0"/>
-              <a:t>Slack API</a:t>
-            </a:r>
-          </a:p>
-        </p:txBody>
-      </p:sp>
+        </p:nvPicPr>
+        <p:blipFill>
+          <a:blip r:embed="rId2">
+            <a:extLst>
+              <a:ext uri="{28A0092B-C50C-407E-A947-70E740481C1C}">
+                <a14:useLocalDpi xmlns:a14="http://schemas.microsoft.com/office/drawing/2010/main" val="0"/>
+              </a:ext>
+            </a:extLst>
+          </a:blip>
+          <a:stretch>
+            <a:fillRect/>
+          </a:stretch>
+        </p:blipFill>
+        <p:spPr>
+          <a:xfrm>
+            <a:off x="3526367" y="1600994"/>
+            <a:ext cx="5257800" cy="3022600"/>
+          </a:xfrm>
+        </p:spPr>
+      </p:pic>
       <p:pic>
         <p:nvPicPr>
           <p:cNvPr id="4" name="Picture 3">
             <a:extLst>
               <a:ext uri="{FF2B5EF4-FFF2-40B4-BE49-F238E27FC236}">
-                <a16:creationId xmlns:a16="http://schemas.microsoft.com/office/drawing/2014/main" id="{E4AEDFE2-2953-F54B-B6FB-1C4BD361B3F7}"/>
+                <a16:creationId xmlns:a16="http://schemas.microsoft.com/office/drawing/2014/main" xmlns="" id="{0056138C-987F-684A-938F-5B452E26E6CF}"/>
+              </a:ext>
+            </a:extLst>
+          </p:cNvPr>
+          <p:cNvPicPr>
+            <a:picLocks noChangeAspect="1"/>
+          </p:cNvPicPr>
+          <p:nvPr/>
+        </p:nvPicPr>
+        <p:blipFill>
+          <a:blip r:embed="rId3"/>
+          <a:stretch>
+            <a:fillRect/>
+          </a:stretch>
+        </p:blipFill>
+        <p:spPr>
+          <a:xfrm>
+            <a:off x="10642600" y="5308600"/>
+            <a:ext cx="1549400" cy="1549400"/>
+          </a:xfrm>
+          <a:prstGeom prst="rect">
+            <a:avLst/>
+          </a:prstGeom>
+        </p:spPr>
+      </p:pic>
+    </p:spTree>
+    <p:extLst>
+      <p:ext uri="{BB962C8B-B14F-4D97-AF65-F5344CB8AC3E}">
+        <p14:creationId xmlns:p14="http://schemas.microsoft.com/office/powerpoint/2010/main" val="1451271173"/>
+      </p:ext>
+    </p:extLst>
+  </p:cSld>
+  <p:clrMapOvr>
+    <a:masterClrMapping/>
+  </p:clrMapOvr>
+</p:sld>
+</file>
+
+<file path=ppt/slides/slide8.xml><?xml version="1.0" encoding="utf-8"?>
+<p:sld xmlns:a="http://schemas.openxmlformats.org/drawingml/2006/main" xmlns:r="http://schemas.openxmlformats.org/officeDocument/2006/relationships" xmlns:p="http://schemas.openxmlformats.org/presentationml/2006/main">
+  <p:cSld>
+    <p:spTree>
+      <p:nvGrpSpPr>
+        <p:cNvPr id="1" name=""/>
+        <p:cNvGrpSpPr/>
+        <p:nvPr/>
+      </p:nvGrpSpPr>
+      <p:grpSpPr>
+        <a:xfrm>
+          <a:off x="0" y="0"/>
+          <a:ext cx="0" cy="0"/>
+          <a:chOff x="0" y="0"/>
+          <a:chExt cx="0" cy="0"/>
+        </a:xfrm>
+      </p:grpSpPr>
+      <p:sp>
+        <p:nvSpPr>
+          <p:cNvPr id="2" name="Title 1"/>
+          <p:cNvSpPr>
+            <a:spLocks noGrp="1"/>
+          </p:cNvSpPr>
+          <p:nvPr>
+            <p:ph type="title"/>
+          </p:nvPr>
+        </p:nvSpPr>
+        <p:spPr/>
+        <p:txBody>
+          <a:bodyPr/>
+          <a:lstStyle/>
+          <a:p>
+            <a:pPr algn="ctr"/>
+            <a:r>
+              <a:rPr lang="en-US" dirty="0" smtClean="0"/>
+              <a:t>Alert Back-Off</a:t>
+            </a:r>
+            <a:endParaRPr lang="en-US" dirty="0"/>
+          </a:p>
+        </p:txBody>
+      </p:sp>
+      <p:pic>
+        <p:nvPicPr>
+          <p:cNvPr id="4" name="Picture 3">
+            <a:extLst>
+              <a:ext uri="{FF2B5EF4-FFF2-40B4-BE49-F238E27FC236}">
+                <a16:creationId xmlns:a16="http://schemas.microsoft.com/office/drawing/2014/main" xmlns="" id="{0056138C-987F-684A-938F-5B452E26E6CF}"/>
+              </a:ext>
+            </a:extLst>
+          </p:cNvPr>
+          <p:cNvPicPr>
+            <a:picLocks noChangeAspect="1"/>
+          </p:cNvPicPr>
+          <p:nvPr/>
+        </p:nvPicPr>
+        <p:blipFill>
+          <a:blip r:embed="rId2"/>
+          <a:stretch>
+            <a:fillRect/>
+          </a:stretch>
+        </p:blipFill>
+        <p:spPr>
+          <a:xfrm>
+            <a:off x="10642600" y="5308600"/>
+            <a:ext cx="1549400" cy="1549400"/>
+          </a:xfrm>
+          <a:prstGeom prst="rect">
+            <a:avLst/>
+          </a:prstGeom>
+        </p:spPr>
+      </p:pic>
+      <p:sp>
+        <p:nvSpPr>
+          <p:cNvPr id="3" name="Content Placeholder 2"/>
+          <p:cNvSpPr>
+            <a:spLocks noGrp="1"/>
+          </p:cNvSpPr>
+          <p:nvPr>
+            <p:ph idx="1"/>
+          </p:nvPr>
+        </p:nvSpPr>
+        <p:spPr/>
+        <p:txBody>
+          <a:bodyPr/>
+          <a:lstStyle/>
+          <a:p>
+            <a:r>
+              <a:rPr lang="en-US" dirty="0" smtClean="0"/>
+              <a:t>Local MySQL database running along with </a:t>
+            </a:r>
+            <a:r>
+              <a:rPr lang="en-US" dirty="0" err="1" smtClean="0"/>
+              <a:t>Daudit</a:t>
+            </a:r>
+            <a:r>
+              <a:rPr lang="en-US" dirty="0" smtClean="0"/>
+              <a:t> to store alert data</a:t>
+            </a:r>
+          </a:p>
+          <a:p>
+            <a:r>
+              <a:rPr lang="en-US" dirty="0" smtClean="0"/>
+              <a:t>Track </a:t>
+            </a:r>
+            <a:endParaRPr lang="en-US" dirty="0"/>
+          </a:p>
+        </p:txBody>
+      </p:sp>
+    </p:spTree>
+    <p:extLst>
+      <p:ext uri="{BB962C8B-B14F-4D97-AF65-F5344CB8AC3E}">
+        <p14:creationId xmlns:p14="http://schemas.microsoft.com/office/powerpoint/2010/main" val="1954185796"/>
+      </p:ext>
+    </p:extLst>
+  </p:cSld>
+  <p:clrMapOvr>
+    <a:masterClrMapping/>
+  </p:clrMapOvr>
+</p:sld>
+</file>
+
+<file path=ppt/slides/slide9.xml><?xml version="1.0" encoding="utf-8"?>
+<p:sld xmlns:a="http://schemas.openxmlformats.org/drawingml/2006/main" xmlns:r="http://schemas.openxmlformats.org/officeDocument/2006/relationships" xmlns:p="http://schemas.openxmlformats.org/presentationml/2006/main">
+  <p:cSld>
+    <p:spTree>
+      <p:nvGrpSpPr>
+        <p:cNvPr id="1" name=""/>
+        <p:cNvGrpSpPr/>
+        <p:nvPr/>
+      </p:nvGrpSpPr>
+      <p:grpSpPr>
+        <a:xfrm>
+          <a:off x="0" y="0"/>
+          <a:ext cx="0" cy="0"/>
+          <a:chOff x="0" y="0"/>
+          <a:chExt cx="0" cy="0"/>
+        </a:xfrm>
+      </p:grpSpPr>
+      <p:sp>
+        <p:nvSpPr>
+          <p:cNvPr id="2" name="Title 1"/>
+          <p:cNvSpPr>
+            <a:spLocks noGrp="1"/>
+          </p:cNvSpPr>
+          <p:nvPr>
+            <p:ph type="title"/>
+          </p:nvPr>
+        </p:nvSpPr>
+        <p:spPr/>
+        <p:txBody>
+          <a:bodyPr/>
+          <a:lstStyle/>
+          <a:p>
+            <a:pPr algn="ctr"/>
+            <a:r>
+              <a:rPr lang="en-US" dirty="0"/>
+              <a:t>Current Technologies</a:t>
+            </a:r>
+          </a:p>
+        </p:txBody>
+      </p:sp>
+      <p:sp>
+        <p:nvSpPr>
+          <p:cNvPr id="3" name="Content Placeholder 2"/>
+          <p:cNvSpPr>
+            <a:spLocks noGrp="1"/>
+          </p:cNvSpPr>
+          <p:nvPr>
+            <p:ph idx="1"/>
+          </p:nvPr>
+        </p:nvSpPr>
+        <p:spPr/>
+        <p:txBody>
+          <a:bodyPr>
+            <a:normAutofit fontScale="92500" lnSpcReduction="20000"/>
+          </a:bodyPr>
+          <a:lstStyle/>
+          <a:p>
+            <a:r>
+              <a:rPr lang="en-US" dirty="0"/>
+              <a:t>Python</a:t>
+            </a:r>
+          </a:p>
+          <a:p>
+            <a:endParaRPr lang="en-US" dirty="0"/>
+          </a:p>
+          <a:p>
+            <a:endParaRPr lang="en-US" dirty="0"/>
+          </a:p>
+          <a:p>
+            <a:r>
+              <a:rPr lang="en-US" dirty="0"/>
+              <a:t>GitHub</a:t>
+            </a:r>
+          </a:p>
+          <a:p>
+            <a:endParaRPr lang="en-US" dirty="0"/>
+          </a:p>
+          <a:p>
+            <a:endParaRPr lang="en-US" dirty="0"/>
+          </a:p>
+          <a:p>
+            <a:r>
+              <a:rPr lang="en-US" dirty="0"/>
+              <a:t>MySQL</a:t>
+            </a:r>
+          </a:p>
+          <a:p>
+            <a:endParaRPr lang="en-US" dirty="0"/>
+          </a:p>
+          <a:p>
+            <a:endParaRPr lang="en-US" dirty="0"/>
+          </a:p>
+          <a:p>
+            <a:r>
+              <a:rPr lang="en-US" dirty="0"/>
+              <a:t>Slack API</a:t>
+            </a:r>
+          </a:p>
+        </p:txBody>
+      </p:sp>
+      <p:pic>
+        <p:nvPicPr>
+          <p:cNvPr id="4" name="Picture 3">
+            <a:extLst>
+              <a:ext uri="{FF2B5EF4-FFF2-40B4-BE49-F238E27FC236}">
+                <a16:creationId xmlns:a16="http://schemas.microsoft.com/office/drawing/2014/main" xmlns="" id="{E4AEDFE2-2953-F54B-B6FB-1C4BD361B3F7}"/>
               </a:ext>
             </a:extLst>
           </p:cNvPr>
@@ -6307,311 +5370,6 @@
 </p:sld>
 </file>
 
-<file path=ppt/slides/slide8.xml><?xml version="1.0" encoding="utf-8"?>
-<p:sld xmlns:a="http://schemas.openxmlformats.org/drawingml/2006/main" xmlns:r="http://schemas.openxmlformats.org/officeDocument/2006/relationships" xmlns:p="http://schemas.openxmlformats.org/presentationml/2006/main">
-  <p:cSld>
-    <p:spTree>
-      <p:nvGrpSpPr>
-        <p:cNvPr id="1" name=""/>
-        <p:cNvGrpSpPr/>
-        <p:nvPr/>
-      </p:nvGrpSpPr>
-      <p:grpSpPr>
-        <a:xfrm>
-          <a:off x="0" y="0"/>
-          <a:ext cx="0" cy="0"/>
-          <a:chOff x="0" y="0"/>
-          <a:chExt cx="0" cy="0"/>
-        </a:xfrm>
-      </p:grpSpPr>
-      <p:sp>
-        <p:nvSpPr>
-          <p:cNvPr id="2" name="Title 1">
-            <a:extLst>
-              <a:ext uri="{FF2B5EF4-FFF2-40B4-BE49-F238E27FC236}">
-                <a16:creationId xmlns:a16="http://schemas.microsoft.com/office/drawing/2014/main" id="{80650A49-BE78-CB47-87F4-137D78D89344}"/>
-              </a:ext>
-            </a:extLst>
-          </p:cNvPr>
-          <p:cNvSpPr>
-            <a:spLocks noGrp="1"/>
-          </p:cNvSpPr>
-          <p:nvPr>
-            <p:ph type="title"/>
-          </p:nvPr>
-        </p:nvSpPr>
-        <p:spPr/>
-        <p:txBody>
-          <a:bodyPr/>
-          <a:lstStyle/>
-          <a:p>
-            <a:pPr algn="ctr"/>
-            <a:r>
-              <a:rPr lang="en-US" dirty="0"/>
-              <a:t>How we do it – Database integration</a:t>
-            </a:r>
-          </a:p>
-        </p:txBody>
-      </p:sp>
-      <p:sp>
-        <p:nvSpPr>
-          <p:cNvPr id="3" name="Content Placeholder 2">
-            <a:extLst>
-              <a:ext uri="{FF2B5EF4-FFF2-40B4-BE49-F238E27FC236}">
-                <a16:creationId xmlns:a16="http://schemas.microsoft.com/office/drawing/2014/main" id="{5F5DC835-9939-6F45-AF4A-B6B80623ED1D}"/>
-              </a:ext>
-            </a:extLst>
-          </p:cNvPr>
-          <p:cNvSpPr>
-            <a:spLocks noGrp="1"/>
-          </p:cNvSpPr>
-          <p:nvPr>
-            <p:ph idx="1"/>
-          </p:nvPr>
-        </p:nvSpPr>
-        <p:spPr/>
-        <p:txBody>
-          <a:bodyPr/>
-          <a:lstStyle/>
-          <a:p>
-            <a:pPr>
-              <a:lnSpc>
-                <a:spcPct val="200000"/>
-              </a:lnSpc>
-            </a:pPr>
-            <a:r>
-              <a:rPr lang="en-US" dirty="0"/>
-              <a:t>Currently only support MySQL</a:t>
-            </a:r>
-          </a:p>
-          <a:p>
-            <a:pPr>
-              <a:lnSpc>
-                <a:spcPct val="200000"/>
-              </a:lnSpc>
-            </a:pPr>
-            <a:r>
-              <a:rPr lang="en-US" dirty="0"/>
-              <a:t>No complicated queries, just getting full columns</a:t>
-            </a:r>
-          </a:p>
-          <a:p>
-            <a:pPr>
-              <a:lnSpc>
-                <a:spcPct val="200000"/>
-              </a:lnSpc>
-            </a:pPr>
-            <a:r>
-              <a:rPr lang="en-US" dirty="0"/>
-              <a:t>Extension to other databases is not difficult</a:t>
-            </a:r>
-          </a:p>
-          <a:p>
-            <a:pPr lvl="1">
-              <a:lnSpc>
-                <a:spcPct val="200000"/>
-              </a:lnSpc>
-            </a:pPr>
-            <a:r>
-              <a:rPr lang="en-US" dirty="0"/>
-              <a:t>Assuming they have nicely defined APIs.</a:t>
-            </a:r>
-          </a:p>
-        </p:txBody>
-      </p:sp>
-      <p:pic>
-        <p:nvPicPr>
-          <p:cNvPr id="4" name="Picture 3">
-            <a:extLst>
-              <a:ext uri="{FF2B5EF4-FFF2-40B4-BE49-F238E27FC236}">
-                <a16:creationId xmlns:a16="http://schemas.microsoft.com/office/drawing/2014/main" id="{9008AD4F-484B-8040-B237-4A4DE7B0EA8E}"/>
-              </a:ext>
-            </a:extLst>
-          </p:cNvPr>
-          <p:cNvPicPr>
-            <a:picLocks noChangeAspect="1"/>
-          </p:cNvPicPr>
-          <p:nvPr/>
-        </p:nvPicPr>
-        <p:blipFill>
-          <a:blip r:embed="rId2"/>
-          <a:stretch>
-            <a:fillRect/>
-          </a:stretch>
-        </p:blipFill>
-        <p:spPr>
-          <a:xfrm>
-            <a:off x="10642600" y="5308600"/>
-            <a:ext cx="1549400" cy="1549400"/>
-          </a:xfrm>
-          <a:prstGeom prst="rect">
-            <a:avLst/>
-          </a:prstGeom>
-        </p:spPr>
-      </p:pic>
-    </p:spTree>
-    <p:extLst>
-      <p:ext uri="{BB962C8B-B14F-4D97-AF65-F5344CB8AC3E}">
-        <p14:creationId xmlns:p14="http://schemas.microsoft.com/office/powerpoint/2010/main" val="2192430235"/>
-      </p:ext>
-    </p:extLst>
-  </p:cSld>
-  <p:clrMapOvr>
-    <a:masterClrMapping/>
-  </p:clrMapOvr>
-</p:sld>
-</file>
-
-<file path=ppt/slides/slide9.xml><?xml version="1.0" encoding="utf-8"?>
-<p:sld xmlns:a="http://schemas.openxmlformats.org/drawingml/2006/main" xmlns:r="http://schemas.openxmlformats.org/officeDocument/2006/relationships" xmlns:p="http://schemas.openxmlformats.org/presentationml/2006/main">
-  <p:cSld>
-    <p:spTree>
-      <p:nvGrpSpPr>
-        <p:cNvPr id="1" name=""/>
-        <p:cNvGrpSpPr/>
-        <p:nvPr/>
-      </p:nvGrpSpPr>
-      <p:grpSpPr>
-        <a:xfrm>
-          <a:off x="0" y="0"/>
-          <a:ext cx="0" cy="0"/>
-          <a:chOff x="0" y="0"/>
-          <a:chExt cx="0" cy="0"/>
-        </a:xfrm>
-      </p:grpSpPr>
-      <p:sp>
-        <p:nvSpPr>
-          <p:cNvPr id="2" name="Title 1">
-            <a:extLst>
-              <a:ext uri="{FF2B5EF4-FFF2-40B4-BE49-F238E27FC236}">
-                <a16:creationId xmlns:a16="http://schemas.microsoft.com/office/drawing/2014/main" id="{BC5DA4AD-0C71-7A47-85DE-BC9DE15B285A}"/>
-              </a:ext>
-            </a:extLst>
-          </p:cNvPr>
-          <p:cNvSpPr>
-            <a:spLocks noGrp="1"/>
-          </p:cNvSpPr>
-          <p:nvPr>
-            <p:ph type="title"/>
-          </p:nvPr>
-        </p:nvSpPr>
-        <p:spPr/>
-        <p:txBody>
-          <a:bodyPr/>
-          <a:lstStyle/>
-          <a:p>
-            <a:pPr algn="ctr"/>
-            <a:r>
-              <a:rPr lang="en-US" dirty="0"/>
-              <a:t>How we do it - Slack</a:t>
-            </a:r>
-          </a:p>
-        </p:txBody>
-      </p:sp>
-      <p:sp>
-        <p:nvSpPr>
-          <p:cNvPr id="3" name="Content Placeholder 2">
-            <a:extLst>
-              <a:ext uri="{FF2B5EF4-FFF2-40B4-BE49-F238E27FC236}">
-                <a16:creationId xmlns:a16="http://schemas.microsoft.com/office/drawing/2014/main" id="{DFEB92B7-8F82-E449-A4BC-7E38092C7E34}"/>
-              </a:ext>
-            </a:extLst>
-          </p:cNvPr>
-          <p:cNvSpPr>
-            <a:spLocks noGrp="1"/>
-          </p:cNvSpPr>
-          <p:nvPr>
-            <p:ph idx="1"/>
-          </p:nvPr>
-        </p:nvSpPr>
-        <p:spPr/>
-        <p:txBody>
-          <a:bodyPr/>
-          <a:lstStyle/>
-          <a:p>
-            <a:pPr>
-              <a:lnSpc>
-                <a:spcPct val="200000"/>
-              </a:lnSpc>
-            </a:pPr>
-            <a:r>
-              <a:rPr lang="en-US" dirty="0"/>
-              <a:t>Local slack app</a:t>
-            </a:r>
-          </a:p>
-          <a:p>
-            <a:pPr>
-              <a:lnSpc>
-                <a:spcPct val="200000"/>
-              </a:lnSpc>
-            </a:pPr>
-            <a:r>
-              <a:rPr lang="en-US" dirty="0"/>
-              <a:t>Users add to internal Slack</a:t>
-            </a:r>
-          </a:p>
-          <a:p>
-            <a:pPr>
-              <a:lnSpc>
-                <a:spcPct val="200000"/>
-              </a:lnSpc>
-            </a:pPr>
-            <a:r>
-              <a:rPr lang="en-US" dirty="0"/>
-              <a:t>Notifications and interactivity</a:t>
-            </a:r>
-          </a:p>
-          <a:p>
-            <a:endParaRPr lang="en-US" dirty="0"/>
-          </a:p>
-          <a:p>
-            <a:endParaRPr lang="en-US" dirty="0"/>
-          </a:p>
-        </p:txBody>
-      </p:sp>
-      <p:pic>
-        <p:nvPicPr>
-          <p:cNvPr id="4" name="Picture 3">
-            <a:extLst>
-              <a:ext uri="{FF2B5EF4-FFF2-40B4-BE49-F238E27FC236}">
-                <a16:creationId xmlns:a16="http://schemas.microsoft.com/office/drawing/2014/main" id="{1DB5F070-954F-B246-92C2-DBBAF1318929}"/>
-              </a:ext>
-            </a:extLst>
-          </p:cNvPr>
-          <p:cNvPicPr>
-            <a:picLocks noChangeAspect="1"/>
-          </p:cNvPicPr>
-          <p:nvPr/>
-        </p:nvPicPr>
-        <p:blipFill>
-          <a:blip r:embed="rId2"/>
-          <a:stretch>
-            <a:fillRect/>
-          </a:stretch>
-        </p:blipFill>
-        <p:spPr>
-          <a:xfrm>
-            <a:off x="10642600" y="5308600"/>
-            <a:ext cx="1549400" cy="1549400"/>
-          </a:xfrm>
-          <a:prstGeom prst="rect">
-            <a:avLst/>
-          </a:prstGeom>
-        </p:spPr>
-      </p:pic>
-    </p:spTree>
-    <p:extLst>
-      <p:ext uri="{BB962C8B-B14F-4D97-AF65-F5344CB8AC3E}">
-        <p14:creationId xmlns:p14="http://schemas.microsoft.com/office/powerpoint/2010/main" val="372812670"/>
-      </p:ext>
-    </p:extLst>
-  </p:cSld>
-  <p:clrMapOvr>
-    <a:masterClrMapping/>
-  </p:clrMapOvr>
-</p:sld>
-</file>
-
 <file path=ppt/theme/theme1.xml><?xml version="1.0" encoding="utf-8"?>
 <a:theme xmlns:a="http://schemas.openxmlformats.org/drawingml/2006/main" name="Office Theme">
   <a:themeElements>
@@ -6658,9 +5416,9 @@
         <a:latin typeface="Calibri Light" panose="020F0302020204030204"/>
         <a:ea typeface=""/>
         <a:cs typeface=""/>
-        <a:font script="Jpan" typeface="游ゴシック Light"/>
+        <a:font script="Jpan" typeface="Yu Gothic Light"/>
         <a:font script="Hang" typeface="맑은 고딕"/>
-        <a:font script="Hans" typeface="等线 Light"/>
+        <a:font script="Hans" typeface="DengXian Light"/>
         <a:font script="Hant" typeface="新細明體"/>
         <a:font script="Arab" typeface="Times New Roman"/>
         <a:font script="Hebr" typeface="Times New Roman"/>
@@ -6688,31 +5446,14 @@
         <a:font script="Viet" typeface="Times New Roman"/>
         <a:font script="Uigh" typeface="Microsoft Uighur"/>
         <a:font script="Geor" typeface="Sylfaen"/>
-        <a:font script="Armn" typeface="Arial"/>
-        <a:font script="Bugi" typeface="Leelawadee UI"/>
-        <a:font script="Bopo" typeface="Microsoft JhengHei"/>
-        <a:font script="Java" typeface="Javanese Text"/>
-        <a:font script="Lisu" typeface="Segoe UI"/>
-        <a:font script="Mymr" typeface="Myanmar Text"/>
-        <a:font script="Nkoo" typeface="Ebrima"/>
-        <a:font script="Olck" typeface="Nirmala UI"/>
-        <a:font script="Osma" typeface="Ebrima"/>
-        <a:font script="Phag" typeface="Phagspa"/>
-        <a:font script="Syrn" typeface="Estrangelo Edessa"/>
-        <a:font script="Syrj" typeface="Estrangelo Edessa"/>
-        <a:font script="Syre" typeface="Estrangelo Edessa"/>
-        <a:font script="Sora" typeface="Nirmala UI"/>
-        <a:font script="Tale" typeface="Microsoft Tai Le"/>
-        <a:font script="Talu" typeface="Microsoft New Tai Lue"/>
-        <a:font script="Tfng" typeface="Ebrima"/>
       </a:majorFont>
       <a:minorFont>
         <a:latin typeface="Calibri" panose="020F0502020204030204"/>
         <a:ea typeface=""/>
         <a:cs typeface=""/>
-        <a:font script="Jpan" typeface="游ゴシック"/>
+        <a:font script="Jpan" typeface="Yu Gothic"/>
         <a:font script="Hang" typeface="맑은 고딕"/>
-        <a:font script="Hans" typeface="等线"/>
+        <a:font script="Hans" typeface="DengXian"/>
         <a:font script="Hant" typeface="新細明體"/>
         <a:font script="Arab" typeface="Arial"/>
         <a:font script="Hebr" typeface="Arial"/>
@@ -6740,23 +5481,6 @@
         <a:font script="Viet" typeface="Arial"/>
         <a:font script="Uigh" typeface="Microsoft Uighur"/>
         <a:font script="Geor" typeface="Sylfaen"/>
-        <a:font script="Armn" typeface="Arial"/>
-        <a:font script="Bugi" typeface="Leelawadee UI"/>
-        <a:font script="Bopo" typeface="Microsoft JhengHei"/>
-        <a:font script="Java" typeface="Javanese Text"/>
-        <a:font script="Lisu" typeface="Segoe UI"/>
-        <a:font script="Mymr" typeface="Myanmar Text"/>
-        <a:font script="Nkoo" typeface="Ebrima"/>
-        <a:font script="Olck" typeface="Nirmala UI"/>
-        <a:font script="Osma" typeface="Ebrima"/>
-        <a:font script="Phag" typeface="Phagspa"/>
-        <a:font script="Syrn" typeface="Estrangelo Edessa"/>
-        <a:font script="Syrj" typeface="Estrangelo Edessa"/>
-        <a:font script="Syre" typeface="Estrangelo Edessa"/>
-        <a:font script="Sora" typeface="Nirmala UI"/>
-        <a:font script="Tale" typeface="Microsoft Tai Le"/>
-        <a:font script="Talu" typeface="Microsoft New Tai Lue"/>
-        <a:font script="Tfng" typeface="Ebrima"/>
       </a:minorFont>
     </a:fontScheme>
     <a:fmtScheme name="Office">
